--- a/ISEC690_Sec_proj/assignment_3/ISEC690_Team1_Assignment3.pptx
+++ b/ISEC690_Sec_proj/assignment_3/ISEC690_Team1_Assignment3.pptx
@@ -114,6 +114,11 @@
       </a:defRPr>
     </a:lvl9pPr>
   </p:defaultTextStyle>
+  <p:extLst>
+    <p:ext uri="{EFAFB233-063F-42B5-8137-9DF3F51BA10A}">
+      <p15:sldGuideLst xmlns:p15="http://schemas.microsoft.com/office/powerpoint/2012/main"/>
+    </p:ext>
+  </p:extLst>
 </p:presentation>
 </file>
 
@@ -174,7 +179,7 @@
           <a:noFill/>
           <a:extLst>
             <a:ext uri="{909E8E84-426E-40dd-AFC4-6F175D3DCCD1}">
-              <a14:hiddenFill xmlns:a14="http://schemas.microsoft.com/office/drawing/2010/main" xmlns="">
+              <a14:hiddenFill xmlns="" xmlns:a14="http://schemas.microsoft.com/office/drawing/2010/main">
                 <a:solidFill>
                   <a:srgbClr val="FFFFFF"/>
                 </a:solidFill>
@@ -233,7 +238,7 @@
             </a:ln>
             <a:extLst>
               <a:ext uri="{91240B29-F687-4f45-9708-019B960494DF}">
-                <a14:hiddenLine xmlns:a14="http://schemas.microsoft.com/office/drawing/2010/main" xmlns="" w="9525">
+                <a14:hiddenLine xmlns="" xmlns:a14="http://schemas.microsoft.com/office/drawing/2010/main" w="9525">
                   <a:solidFill>
                     <a:srgbClr val="000000"/>
                   </a:solidFill>
@@ -323,7 +328,7 @@
             </a:ln>
             <a:extLst>
               <a:ext uri="{91240B29-F687-4f45-9708-019B960494DF}">
-                <a14:hiddenLine xmlns:a14="http://schemas.microsoft.com/office/drawing/2010/main" xmlns="" w="9525">
+                <a14:hiddenLine xmlns="" xmlns:a14="http://schemas.microsoft.com/office/drawing/2010/main" w="9525">
                   <a:solidFill>
                     <a:srgbClr val="000000"/>
                   </a:solidFill>
@@ -413,7 +418,7 @@
             </a:ln>
             <a:extLst>
               <a:ext uri="{91240B29-F687-4f45-9708-019B960494DF}">
-                <a14:hiddenLine xmlns:a14="http://schemas.microsoft.com/office/drawing/2010/main" xmlns="" w="9525">
+                <a14:hiddenLine xmlns="" xmlns:a14="http://schemas.microsoft.com/office/drawing/2010/main" w="9525">
                   <a:solidFill>
                     <a:srgbClr val="000000"/>
                   </a:solidFill>
@@ -447,7 +452,7 @@
             </a:ln>
             <a:extLst>
               <a:ext uri="{91240B29-F687-4f45-9708-019B960494DF}">
-                <a14:hiddenLine xmlns:a14="http://schemas.microsoft.com/office/drawing/2010/main" xmlns="" w="9525">
+                <a14:hiddenLine xmlns="" xmlns:a14="http://schemas.microsoft.com/office/drawing/2010/main" w="9525">
                   <a:solidFill>
                     <a:srgbClr val="000000"/>
                   </a:solidFill>
@@ -537,7 +542,7 @@
             </a:ln>
             <a:extLst>
               <a:ext uri="{91240B29-F687-4f45-9708-019B960494DF}">
-                <a14:hiddenLine xmlns:a14="http://schemas.microsoft.com/office/drawing/2010/main" xmlns="" w="9525">
+                <a14:hiddenLine xmlns="" xmlns:a14="http://schemas.microsoft.com/office/drawing/2010/main" w="9525">
                   <a:solidFill>
                     <a:srgbClr val="000000"/>
                   </a:solidFill>
@@ -599,7 +604,7 @@
             </a:ln>
             <a:extLst>
               <a:ext uri="{91240B29-F687-4f45-9708-019B960494DF}">
-                <a14:hiddenLine xmlns:a14="http://schemas.microsoft.com/office/drawing/2010/main" xmlns="" w="9525">
+                <a14:hiddenLine xmlns="" xmlns:a14="http://schemas.microsoft.com/office/drawing/2010/main" w="9525">
                   <a:solidFill>
                     <a:srgbClr val="000000"/>
                   </a:solidFill>
@@ -661,7 +666,7 @@
             </a:ln>
             <a:extLst>
               <a:ext uri="{91240B29-F687-4f45-9708-019B960494DF}">
-                <a14:hiddenLine xmlns:a14="http://schemas.microsoft.com/office/drawing/2010/main" xmlns="" w="9525">
+                <a14:hiddenLine xmlns="" xmlns:a14="http://schemas.microsoft.com/office/drawing/2010/main" w="9525">
                   <a:solidFill>
                     <a:srgbClr val="000000"/>
                   </a:solidFill>
@@ -751,7 +756,7 @@
             </a:ln>
             <a:extLst>
               <a:ext uri="{91240B29-F687-4f45-9708-019B960494DF}">
-                <a14:hiddenLine xmlns:a14="http://schemas.microsoft.com/office/drawing/2010/main" xmlns="" w="9525">
+                <a14:hiddenLine xmlns="" xmlns:a14="http://schemas.microsoft.com/office/drawing/2010/main" w="9525">
                   <a:solidFill>
                     <a:srgbClr val="000000"/>
                   </a:solidFill>
@@ -813,7 +818,7 @@
             </a:ln>
             <a:extLst>
               <a:ext uri="{91240B29-F687-4f45-9708-019B960494DF}">
-                <a14:hiddenLine xmlns:a14="http://schemas.microsoft.com/office/drawing/2010/main" xmlns="" w="9525">
+                <a14:hiddenLine xmlns="" xmlns:a14="http://schemas.microsoft.com/office/drawing/2010/main" w="9525">
                   <a:solidFill>
                     <a:srgbClr val="000000"/>
                   </a:solidFill>
@@ -875,7 +880,7 @@
             </a:ln>
             <a:extLst>
               <a:ext uri="{91240B29-F687-4f45-9708-019B960494DF}">
-                <a14:hiddenLine xmlns:a14="http://schemas.microsoft.com/office/drawing/2010/main" xmlns="" w="9525">
+                <a14:hiddenLine xmlns="" xmlns:a14="http://schemas.microsoft.com/office/drawing/2010/main" w="9525">
                   <a:solidFill>
                     <a:srgbClr val="000000"/>
                   </a:solidFill>
@@ -965,7 +970,7 @@
             </a:ln>
             <a:extLst>
               <a:ext uri="{91240B29-F687-4f45-9708-019B960494DF}">
-                <a14:hiddenLine xmlns:a14="http://schemas.microsoft.com/office/drawing/2010/main" xmlns="" w="9525">
+                <a14:hiddenLine xmlns="" xmlns:a14="http://schemas.microsoft.com/office/drawing/2010/main" w="9525">
                   <a:solidFill>
                     <a:srgbClr val="000000"/>
                   </a:solidFill>
@@ -1055,7 +1060,7 @@
             </a:ln>
             <a:extLst>
               <a:ext uri="{91240B29-F687-4f45-9708-019B960494DF}">
-                <a14:hiddenLine xmlns:a14="http://schemas.microsoft.com/office/drawing/2010/main" xmlns="" w="9525">
+                <a14:hiddenLine xmlns="" xmlns:a14="http://schemas.microsoft.com/office/drawing/2010/main" w="9525">
                   <a:solidFill>
                     <a:srgbClr val="000000"/>
                   </a:solidFill>
@@ -1117,7 +1122,7 @@
             </a:ln>
             <a:extLst>
               <a:ext uri="{91240B29-F687-4f45-9708-019B960494DF}">
-                <a14:hiddenLine xmlns:a14="http://schemas.microsoft.com/office/drawing/2010/main" xmlns="" w="9525">
+                <a14:hiddenLine xmlns="" xmlns:a14="http://schemas.microsoft.com/office/drawing/2010/main" w="9525">
                   <a:solidFill>
                     <a:srgbClr val="000000"/>
                   </a:solidFill>
@@ -1227,7 +1232,7 @@
             </a:ln>
             <a:extLst>
               <a:ext uri="{91240B29-F687-4f45-9708-019B960494DF}">
-                <a14:hiddenLine xmlns:a14="http://schemas.microsoft.com/office/drawing/2010/main" xmlns="" w="9525">
+                <a14:hiddenLine xmlns="" xmlns:a14="http://schemas.microsoft.com/office/drawing/2010/main" w="9525">
                   <a:solidFill>
                     <a:srgbClr val="000000"/>
                   </a:solidFill>
@@ -1289,7 +1294,7 @@
             </a:ln>
             <a:extLst>
               <a:ext uri="{91240B29-F687-4f45-9708-019B960494DF}">
-                <a14:hiddenLine xmlns:a14="http://schemas.microsoft.com/office/drawing/2010/main" xmlns="" w="9525">
+                <a14:hiddenLine xmlns="" xmlns:a14="http://schemas.microsoft.com/office/drawing/2010/main" w="9525">
                   <a:solidFill>
                     <a:srgbClr val="000000"/>
                   </a:solidFill>
@@ -1379,7 +1384,7 @@
             </a:ln>
             <a:extLst>
               <a:ext uri="{91240B29-F687-4f45-9708-019B960494DF}">
-                <a14:hiddenLine xmlns:a14="http://schemas.microsoft.com/office/drawing/2010/main" xmlns="" w="9525">
+                <a14:hiddenLine xmlns="" xmlns:a14="http://schemas.microsoft.com/office/drawing/2010/main" w="9525">
                   <a:solidFill>
                     <a:srgbClr val="000000"/>
                   </a:solidFill>
@@ -1469,7 +1474,7 @@
             </a:ln>
             <a:extLst>
               <a:ext uri="{91240B29-F687-4f45-9708-019B960494DF}">
-                <a14:hiddenLine xmlns:a14="http://schemas.microsoft.com/office/drawing/2010/main" xmlns="" w="9525">
+                <a14:hiddenLine xmlns="" xmlns:a14="http://schemas.microsoft.com/office/drawing/2010/main" w="9525">
                   <a:solidFill>
                     <a:srgbClr val="000000"/>
                   </a:solidFill>
@@ -1531,7 +1536,7 @@
             </a:ln>
             <a:extLst>
               <a:ext uri="{91240B29-F687-4f45-9708-019B960494DF}">
-                <a14:hiddenLine xmlns:a14="http://schemas.microsoft.com/office/drawing/2010/main" xmlns="" w="9525">
+                <a14:hiddenLine xmlns="" xmlns:a14="http://schemas.microsoft.com/office/drawing/2010/main" w="9525">
                   <a:solidFill>
                     <a:srgbClr val="000000"/>
                   </a:solidFill>
@@ -1621,7 +1626,7 @@
             </a:ln>
             <a:extLst>
               <a:ext uri="{91240B29-F687-4f45-9708-019B960494DF}">
-                <a14:hiddenLine xmlns:a14="http://schemas.microsoft.com/office/drawing/2010/main" xmlns="" w="9525">
+                <a14:hiddenLine xmlns="" xmlns:a14="http://schemas.microsoft.com/office/drawing/2010/main" w="9525">
                   <a:solidFill>
                     <a:srgbClr val="000000"/>
                   </a:solidFill>
@@ -1711,7 +1716,7 @@
             </a:ln>
             <a:extLst>
               <a:ext uri="{91240B29-F687-4f45-9708-019B960494DF}">
-                <a14:hiddenLine xmlns:a14="http://schemas.microsoft.com/office/drawing/2010/main" xmlns="" w="9525">
+                <a14:hiddenLine xmlns="" xmlns:a14="http://schemas.microsoft.com/office/drawing/2010/main" w="9525">
                   <a:solidFill>
                     <a:srgbClr val="000000"/>
                   </a:solidFill>
@@ -1767,7 +1772,7 @@
             </a:ln>
             <a:extLst>
               <a:ext uri="{91240B29-F687-4f45-9708-019B960494DF}">
-                <a14:hiddenLine xmlns:a14="http://schemas.microsoft.com/office/drawing/2010/main" xmlns="" w="9525">
+                <a14:hiddenLine xmlns="" xmlns:a14="http://schemas.microsoft.com/office/drawing/2010/main" w="9525">
                   <a:solidFill>
                     <a:srgbClr val="000000"/>
                   </a:solidFill>
@@ -1857,7 +1862,7 @@
             </a:ln>
             <a:extLst>
               <a:ext uri="{91240B29-F687-4f45-9708-019B960494DF}">
-                <a14:hiddenLine xmlns:a14="http://schemas.microsoft.com/office/drawing/2010/main" xmlns="" w="9525">
+                <a14:hiddenLine xmlns="" xmlns:a14="http://schemas.microsoft.com/office/drawing/2010/main" w="9525">
                   <a:solidFill>
                     <a:srgbClr val="000000"/>
                   </a:solidFill>
@@ -1913,7 +1918,7 @@
             </a:ln>
             <a:extLst>
               <a:ext uri="{91240B29-F687-4f45-9708-019B960494DF}">
-                <a14:hiddenLine xmlns:a14="http://schemas.microsoft.com/office/drawing/2010/main" xmlns="" w="9525">
+                <a14:hiddenLine xmlns="" xmlns:a14="http://schemas.microsoft.com/office/drawing/2010/main" w="9525">
                   <a:solidFill>
                     <a:srgbClr val="000000"/>
                   </a:solidFill>
@@ -2003,7 +2008,7 @@
             </a:ln>
             <a:extLst>
               <a:ext uri="{91240B29-F687-4f45-9708-019B960494DF}">
-                <a14:hiddenLine xmlns:a14="http://schemas.microsoft.com/office/drawing/2010/main" xmlns="" w="9525">
+                <a14:hiddenLine xmlns="" xmlns:a14="http://schemas.microsoft.com/office/drawing/2010/main" w="9525">
                   <a:solidFill>
                     <a:srgbClr val="000000"/>
                   </a:solidFill>
@@ -2071,7 +2076,7 @@
             </a:ln>
             <a:extLst>
               <a:ext uri="{91240B29-F687-4f45-9708-019B960494DF}">
-                <a14:hiddenLine xmlns:a14="http://schemas.microsoft.com/office/drawing/2010/main" xmlns="" w="9525">
+                <a14:hiddenLine xmlns="" xmlns:a14="http://schemas.microsoft.com/office/drawing/2010/main" w="9525">
                   <a:solidFill>
                     <a:srgbClr val="000000"/>
                   </a:solidFill>
@@ -2161,7 +2166,7 @@
             </a:ln>
             <a:extLst>
               <a:ext uri="{91240B29-F687-4f45-9708-019B960494DF}">
-                <a14:hiddenLine xmlns:a14="http://schemas.microsoft.com/office/drawing/2010/main" xmlns="" w="9525">
+                <a14:hiddenLine xmlns="" xmlns:a14="http://schemas.microsoft.com/office/drawing/2010/main" w="9525">
                   <a:solidFill>
                     <a:srgbClr val="000000"/>
                   </a:solidFill>
@@ -2229,7 +2234,7 @@
             </a:ln>
             <a:extLst>
               <a:ext uri="{91240B29-F687-4f45-9708-019B960494DF}">
-                <a14:hiddenLine xmlns:a14="http://schemas.microsoft.com/office/drawing/2010/main" xmlns="" w="9525">
+                <a14:hiddenLine xmlns="" xmlns:a14="http://schemas.microsoft.com/office/drawing/2010/main" w="9525">
                   <a:solidFill>
                     <a:srgbClr val="000000"/>
                   </a:solidFill>
@@ -2319,7 +2324,7 @@
             </a:ln>
             <a:extLst>
               <a:ext uri="{91240B29-F687-4f45-9708-019B960494DF}">
-                <a14:hiddenLine xmlns:a14="http://schemas.microsoft.com/office/drawing/2010/main" xmlns="" w="9525">
+                <a14:hiddenLine xmlns="" xmlns:a14="http://schemas.microsoft.com/office/drawing/2010/main" w="9525">
                   <a:solidFill>
                     <a:srgbClr val="000000"/>
                   </a:solidFill>
@@ -2353,7 +2358,7 @@
             </a:ln>
             <a:extLst>
               <a:ext uri="{91240B29-F687-4f45-9708-019B960494DF}">
-                <a14:hiddenLine xmlns:a14="http://schemas.microsoft.com/office/drawing/2010/main" xmlns="" w="9525">
+                <a14:hiddenLine xmlns="" xmlns:a14="http://schemas.microsoft.com/office/drawing/2010/main" w="9525">
                   <a:solidFill>
                     <a:srgbClr val="000000"/>
                   </a:solidFill>
@@ -2443,7 +2448,7 @@
             </a:ln>
             <a:extLst>
               <a:ext uri="{91240B29-F687-4f45-9708-019B960494DF}">
-                <a14:hiddenLine xmlns:a14="http://schemas.microsoft.com/office/drawing/2010/main" xmlns="" w="9525">
+                <a14:hiddenLine xmlns="" xmlns:a14="http://schemas.microsoft.com/office/drawing/2010/main" w="9525">
                   <a:solidFill>
                     <a:srgbClr val="000000"/>
                   </a:solidFill>
@@ -2505,7 +2510,7 @@
             </a:ln>
             <a:extLst>
               <a:ext uri="{91240B29-F687-4f45-9708-019B960494DF}">
-                <a14:hiddenLine xmlns:a14="http://schemas.microsoft.com/office/drawing/2010/main" xmlns="" w="9525">
+                <a14:hiddenLine xmlns="" xmlns:a14="http://schemas.microsoft.com/office/drawing/2010/main" w="9525">
                   <a:solidFill>
                     <a:srgbClr val="000000"/>
                   </a:solidFill>
@@ -2567,7 +2572,7 @@
             </a:ln>
             <a:extLst>
               <a:ext uri="{91240B29-F687-4f45-9708-019B960494DF}">
-                <a14:hiddenLine xmlns:a14="http://schemas.microsoft.com/office/drawing/2010/main" xmlns="" w="9525">
+                <a14:hiddenLine xmlns="" xmlns:a14="http://schemas.microsoft.com/office/drawing/2010/main" w="9525">
                   <a:solidFill>
                     <a:srgbClr val="000000"/>
                   </a:solidFill>
@@ -2657,7 +2662,7 @@
             </a:ln>
             <a:extLst>
               <a:ext uri="{91240B29-F687-4f45-9708-019B960494DF}">
-                <a14:hiddenLine xmlns:a14="http://schemas.microsoft.com/office/drawing/2010/main" xmlns="" w="9525">
+                <a14:hiddenLine xmlns="" xmlns:a14="http://schemas.microsoft.com/office/drawing/2010/main" w="9525">
                   <a:solidFill>
                     <a:srgbClr val="000000"/>
                   </a:solidFill>
@@ -2725,7 +2730,7 @@
             </a:ln>
             <a:extLst>
               <a:ext uri="{91240B29-F687-4f45-9708-019B960494DF}">
-                <a14:hiddenLine xmlns:a14="http://schemas.microsoft.com/office/drawing/2010/main" xmlns="" w="9525">
+                <a14:hiddenLine xmlns="" xmlns:a14="http://schemas.microsoft.com/office/drawing/2010/main" w="9525">
                   <a:solidFill>
                     <a:srgbClr val="000000"/>
                   </a:solidFill>
@@ -2787,7 +2792,7 @@
             </a:ln>
             <a:extLst>
               <a:ext uri="{91240B29-F687-4f45-9708-019B960494DF}">
-                <a14:hiddenLine xmlns:a14="http://schemas.microsoft.com/office/drawing/2010/main" xmlns="" w="9525">
+                <a14:hiddenLine xmlns="" xmlns:a14="http://schemas.microsoft.com/office/drawing/2010/main" w="9525">
                   <a:solidFill>
                     <a:srgbClr val="000000"/>
                   </a:solidFill>
@@ -2877,7 +2882,7 @@
             </a:ln>
             <a:extLst>
               <a:ext uri="{91240B29-F687-4f45-9708-019B960494DF}">
-                <a14:hiddenLine xmlns:a14="http://schemas.microsoft.com/office/drawing/2010/main" xmlns="" w="9525">
+                <a14:hiddenLine xmlns="" xmlns:a14="http://schemas.microsoft.com/office/drawing/2010/main" w="9525">
                   <a:solidFill>
                     <a:srgbClr val="000000"/>
                   </a:solidFill>
@@ -2939,7 +2944,7 @@
             </a:ln>
             <a:extLst>
               <a:ext uri="{91240B29-F687-4f45-9708-019B960494DF}">
-                <a14:hiddenLine xmlns:a14="http://schemas.microsoft.com/office/drawing/2010/main" xmlns="" w="9525">
+                <a14:hiddenLine xmlns="" xmlns:a14="http://schemas.microsoft.com/office/drawing/2010/main" w="9525">
                   <a:solidFill>
                     <a:srgbClr val="000000"/>
                   </a:solidFill>
@@ -3029,7 +3034,7 @@
             </a:ln>
             <a:extLst>
               <a:ext uri="{91240B29-F687-4f45-9708-019B960494DF}">
-                <a14:hiddenLine xmlns:a14="http://schemas.microsoft.com/office/drawing/2010/main" xmlns="" w="9525">
+                <a14:hiddenLine xmlns="" xmlns:a14="http://schemas.microsoft.com/office/drawing/2010/main" w="9525">
                   <a:solidFill>
                     <a:srgbClr val="000000"/>
                   </a:solidFill>
@@ -3091,7 +3096,7 @@
             </a:ln>
             <a:extLst>
               <a:ext uri="{91240B29-F687-4f45-9708-019B960494DF}">
-                <a14:hiddenLine xmlns:a14="http://schemas.microsoft.com/office/drawing/2010/main" xmlns="" w="9525">
+                <a14:hiddenLine xmlns="" xmlns:a14="http://schemas.microsoft.com/office/drawing/2010/main" w="9525">
                   <a:solidFill>
                     <a:srgbClr val="000000"/>
                   </a:solidFill>
@@ -3181,7 +3186,7 @@
             </a:ln>
             <a:extLst>
               <a:ext uri="{91240B29-F687-4f45-9708-019B960494DF}">
-                <a14:hiddenLine xmlns:a14="http://schemas.microsoft.com/office/drawing/2010/main" xmlns="" w="9525">
+                <a14:hiddenLine xmlns="" xmlns:a14="http://schemas.microsoft.com/office/drawing/2010/main" w="9525">
                   <a:solidFill>
                     <a:srgbClr val="000000"/>
                   </a:solidFill>
@@ -3215,7 +3220,7 @@
             </a:ln>
             <a:extLst>
               <a:ext uri="{91240B29-F687-4f45-9708-019B960494DF}">
-                <a14:hiddenLine xmlns:a14="http://schemas.microsoft.com/office/drawing/2010/main" xmlns="" w="9525">
+                <a14:hiddenLine xmlns="" xmlns:a14="http://schemas.microsoft.com/office/drawing/2010/main" w="9525">
                   <a:solidFill>
                     <a:srgbClr val="000000"/>
                   </a:solidFill>
@@ -3280,7 +3285,7 @@
             </a:ln>
             <a:extLst>
               <a:ext uri="{91240B29-F687-4f45-9708-019B960494DF}">
-                <a14:hiddenLine xmlns:a14="http://schemas.microsoft.com/office/drawing/2010/main" xmlns="" w="9525">
+                <a14:hiddenLine xmlns="" xmlns:a14="http://schemas.microsoft.com/office/drawing/2010/main" w="9525">
                   <a:solidFill>
                     <a:srgbClr val="000000"/>
                   </a:solidFill>
@@ -3370,7 +3375,7 @@
             </a:ln>
             <a:extLst>
               <a:ext uri="{91240B29-F687-4f45-9708-019B960494DF}">
-                <a14:hiddenLine xmlns:a14="http://schemas.microsoft.com/office/drawing/2010/main" xmlns="" w="9525">
+                <a14:hiddenLine xmlns="" xmlns:a14="http://schemas.microsoft.com/office/drawing/2010/main" w="9525">
                   <a:solidFill>
                     <a:srgbClr val="000000"/>
                   </a:solidFill>
@@ -3432,7 +3437,7 @@
             </a:ln>
             <a:extLst>
               <a:ext uri="{91240B29-F687-4f45-9708-019B960494DF}">
-                <a14:hiddenLine xmlns:a14="http://schemas.microsoft.com/office/drawing/2010/main" xmlns="" w="9525">
+                <a14:hiddenLine xmlns="" xmlns:a14="http://schemas.microsoft.com/office/drawing/2010/main" w="9525">
                   <a:solidFill>
                     <a:srgbClr val="000000"/>
                   </a:solidFill>
@@ -3522,7 +3527,7 @@
             </a:ln>
             <a:extLst>
               <a:ext uri="{91240B29-F687-4f45-9708-019B960494DF}">
-                <a14:hiddenLine xmlns:a14="http://schemas.microsoft.com/office/drawing/2010/main" xmlns="" w="9525">
+                <a14:hiddenLine xmlns="" xmlns:a14="http://schemas.microsoft.com/office/drawing/2010/main" w="9525">
                   <a:solidFill>
                     <a:srgbClr val="000000"/>
                   </a:solidFill>
@@ -3612,7 +3617,7 @@
             </a:ln>
             <a:extLst>
               <a:ext uri="{91240B29-F687-4f45-9708-019B960494DF}">
-                <a14:hiddenLine xmlns:a14="http://schemas.microsoft.com/office/drawing/2010/main" xmlns="" w="9525">
+                <a14:hiddenLine xmlns="" xmlns:a14="http://schemas.microsoft.com/office/drawing/2010/main" w="9525">
                   <a:solidFill>
                     <a:srgbClr val="000000"/>
                   </a:solidFill>
@@ -3677,7 +3682,7 @@
             </a:ln>
             <a:extLst>
               <a:ext uri="{91240B29-F687-4f45-9708-019B960494DF}">
-                <a14:hiddenLine xmlns:a14="http://schemas.microsoft.com/office/drawing/2010/main" xmlns="" w="9525">
+                <a14:hiddenLine xmlns="" xmlns:a14="http://schemas.microsoft.com/office/drawing/2010/main" w="9525">
                   <a:solidFill>
                     <a:srgbClr val="000000"/>
                   </a:solidFill>
@@ -3739,7 +3744,7 @@
             </a:ln>
             <a:extLst>
               <a:ext uri="{91240B29-F687-4f45-9708-019B960494DF}">
-                <a14:hiddenLine xmlns:a14="http://schemas.microsoft.com/office/drawing/2010/main" xmlns="" w="9525">
+                <a14:hiddenLine xmlns="" xmlns:a14="http://schemas.microsoft.com/office/drawing/2010/main" w="9525">
                   <a:solidFill>
                     <a:srgbClr val="000000"/>
                   </a:solidFill>
@@ -3829,7 +3834,7 @@
             </a:ln>
             <a:extLst>
               <a:ext uri="{91240B29-F687-4f45-9708-019B960494DF}">
-                <a14:hiddenLine xmlns:a14="http://schemas.microsoft.com/office/drawing/2010/main" xmlns="" w="9525">
+                <a14:hiddenLine xmlns="" xmlns:a14="http://schemas.microsoft.com/office/drawing/2010/main" w="9525">
                   <a:solidFill>
                     <a:srgbClr val="000000"/>
                   </a:solidFill>
@@ -3919,7 +3924,7 @@
             </a:ln>
             <a:extLst>
               <a:ext uri="{91240B29-F687-4f45-9708-019B960494DF}">
-                <a14:hiddenLine xmlns:a14="http://schemas.microsoft.com/office/drawing/2010/main" xmlns="" w="9525">
+                <a14:hiddenLine xmlns="" xmlns:a14="http://schemas.microsoft.com/office/drawing/2010/main" w="9525">
                   <a:solidFill>
                     <a:srgbClr val="000000"/>
                   </a:solidFill>
@@ -3981,7 +3986,7 @@
             </a:ln>
             <a:extLst>
               <a:ext uri="{91240B29-F687-4f45-9708-019B960494DF}">
-                <a14:hiddenLine xmlns:a14="http://schemas.microsoft.com/office/drawing/2010/main" xmlns="" w="9525">
+                <a14:hiddenLine xmlns="" xmlns:a14="http://schemas.microsoft.com/office/drawing/2010/main" w="9525">
                   <a:solidFill>
                     <a:srgbClr val="000000"/>
                   </a:solidFill>
@@ -4101,7 +4106,7 @@
             </a:ln>
             <a:extLst>
               <a:ext uri="{91240B29-F687-4f45-9708-019B960494DF}">
-                <a14:hiddenLine xmlns:a14="http://schemas.microsoft.com/office/drawing/2010/main" xmlns="" w="9525">
+                <a14:hiddenLine xmlns="" xmlns:a14="http://schemas.microsoft.com/office/drawing/2010/main" w="9525">
                   <a:solidFill>
                     <a:srgbClr val="000000"/>
                   </a:solidFill>
@@ -4169,7 +4174,7 @@
             </a:ln>
             <a:extLst>
               <a:ext uri="{91240B29-F687-4f45-9708-019B960494DF}">
-                <a14:hiddenLine xmlns:a14="http://schemas.microsoft.com/office/drawing/2010/main" xmlns="" w="9525">
+                <a14:hiddenLine xmlns="" xmlns:a14="http://schemas.microsoft.com/office/drawing/2010/main" w="9525">
                   <a:solidFill>
                     <a:srgbClr val="000000"/>
                   </a:solidFill>
@@ -4259,7 +4264,7 @@
             </a:ln>
             <a:extLst>
               <a:ext uri="{91240B29-F687-4f45-9708-019B960494DF}">
-                <a14:hiddenLine xmlns:a14="http://schemas.microsoft.com/office/drawing/2010/main" xmlns="" w="9525">
+                <a14:hiddenLine xmlns="" xmlns:a14="http://schemas.microsoft.com/office/drawing/2010/main" w="9525">
                   <a:solidFill>
                     <a:srgbClr val="000000"/>
                   </a:solidFill>
@@ -9073,7 +9078,7 @@
           <a:noFill/>
           <a:extLst>
             <a:ext uri="{909E8E84-426E-40dd-AFC4-6F175D3DCCD1}">
-              <a14:hiddenFill xmlns:a14="http://schemas.microsoft.com/office/drawing/2010/main" xmlns="">
+              <a14:hiddenFill xmlns="" xmlns:a14="http://schemas.microsoft.com/office/drawing/2010/main">
                 <a:solidFill>
                   <a:srgbClr val="FFFFFF"/>
                 </a:solidFill>
@@ -9147,7 +9152,7 @@
               </a:ln>
               <a:extLst>
                 <a:ext uri="{91240B29-F687-4f45-9708-019B960494DF}">
-                  <a14:hiddenLine xmlns:a14="http://schemas.microsoft.com/office/drawing/2010/main" xmlns="" w="9525">
+                  <a14:hiddenLine xmlns="" xmlns:a14="http://schemas.microsoft.com/office/drawing/2010/main" w="9525">
                     <a:solidFill>
                       <a:srgbClr val="000000"/>
                     </a:solidFill>
@@ -9237,7 +9242,7 @@
               </a:ln>
               <a:extLst>
                 <a:ext uri="{91240B29-F687-4f45-9708-019B960494DF}">
-                  <a14:hiddenLine xmlns:a14="http://schemas.microsoft.com/office/drawing/2010/main" xmlns="" w="9525">
+                  <a14:hiddenLine xmlns="" xmlns:a14="http://schemas.microsoft.com/office/drawing/2010/main" w="9525">
                     <a:solidFill>
                       <a:srgbClr val="000000"/>
                     </a:solidFill>
@@ -9327,7 +9332,7 @@
               </a:ln>
               <a:extLst>
                 <a:ext uri="{91240B29-F687-4f45-9708-019B960494DF}">
-                  <a14:hiddenLine xmlns:a14="http://schemas.microsoft.com/office/drawing/2010/main" xmlns="" w="9525">
+                  <a14:hiddenLine xmlns="" xmlns:a14="http://schemas.microsoft.com/office/drawing/2010/main" w="9525">
                     <a:solidFill>
                       <a:srgbClr val="000000"/>
                     </a:solidFill>
@@ -9389,7 +9394,7 @@
               </a:ln>
               <a:extLst>
                 <a:ext uri="{91240B29-F687-4f45-9708-019B960494DF}">
-                  <a14:hiddenLine xmlns:a14="http://schemas.microsoft.com/office/drawing/2010/main" xmlns="" w="9525">
+                  <a14:hiddenLine xmlns="" xmlns:a14="http://schemas.microsoft.com/office/drawing/2010/main" w="9525">
                     <a:solidFill>
                       <a:srgbClr val="000000"/>
                     </a:solidFill>
@@ -9479,7 +9484,7 @@
               </a:ln>
               <a:extLst>
                 <a:ext uri="{91240B29-F687-4f45-9708-019B960494DF}">
-                  <a14:hiddenLine xmlns:a14="http://schemas.microsoft.com/office/drawing/2010/main" xmlns="" w="9525">
+                  <a14:hiddenLine xmlns="" xmlns:a14="http://schemas.microsoft.com/office/drawing/2010/main" w="9525">
                     <a:solidFill>
                       <a:srgbClr val="000000"/>
                     </a:solidFill>
@@ -9541,7 +9546,7 @@
               </a:ln>
               <a:extLst>
                 <a:ext uri="{91240B29-F687-4f45-9708-019B960494DF}">
-                  <a14:hiddenLine xmlns:a14="http://schemas.microsoft.com/office/drawing/2010/main" xmlns="" w="9525">
+                  <a14:hiddenLine xmlns="" xmlns:a14="http://schemas.microsoft.com/office/drawing/2010/main" w="9525">
                     <a:solidFill>
                       <a:srgbClr val="000000"/>
                     </a:solidFill>
@@ -9603,7 +9608,7 @@
               </a:ln>
               <a:extLst>
                 <a:ext uri="{91240B29-F687-4f45-9708-019B960494DF}">
-                  <a14:hiddenLine xmlns:a14="http://schemas.microsoft.com/office/drawing/2010/main" xmlns="" w="9525">
+                  <a14:hiddenLine xmlns="" xmlns:a14="http://schemas.microsoft.com/office/drawing/2010/main" w="9525">
                     <a:solidFill>
                       <a:srgbClr val="000000"/>
                     </a:solidFill>
@@ -9693,7 +9698,7 @@
               </a:ln>
               <a:extLst>
                 <a:ext uri="{91240B29-F687-4f45-9708-019B960494DF}">
-                  <a14:hiddenLine xmlns:a14="http://schemas.microsoft.com/office/drawing/2010/main" xmlns="" w="9525">
+                  <a14:hiddenLine xmlns="" xmlns:a14="http://schemas.microsoft.com/office/drawing/2010/main" w="9525">
                     <a:solidFill>
                       <a:srgbClr val="000000"/>
                     </a:solidFill>
@@ -9783,7 +9788,7 @@
               </a:ln>
               <a:extLst>
                 <a:ext uri="{91240B29-F687-4f45-9708-019B960494DF}">
-                  <a14:hiddenLine xmlns:a14="http://schemas.microsoft.com/office/drawing/2010/main" xmlns="" w="9525">
+                  <a14:hiddenLine xmlns="" xmlns:a14="http://schemas.microsoft.com/office/drawing/2010/main" w="9525">
                     <a:solidFill>
                       <a:srgbClr val="000000"/>
                     </a:solidFill>
@@ -9845,7 +9850,7 @@
               </a:ln>
               <a:extLst>
                 <a:ext uri="{91240B29-F687-4f45-9708-019B960494DF}">
-                  <a14:hiddenLine xmlns:a14="http://schemas.microsoft.com/office/drawing/2010/main" xmlns="" w="9525">
+                  <a14:hiddenLine xmlns="" xmlns:a14="http://schemas.microsoft.com/office/drawing/2010/main" w="9525">
                     <a:solidFill>
                       <a:srgbClr val="000000"/>
                     </a:solidFill>
@@ -9955,7 +9960,7 @@
               </a:ln>
               <a:extLst>
                 <a:ext uri="{91240B29-F687-4f45-9708-019B960494DF}">
-                  <a14:hiddenLine xmlns:a14="http://schemas.microsoft.com/office/drawing/2010/main" xmlns="" w="9525">
+                  <a14:hiddenLine xmlns="" xmlns:a14="http://schemas.microsoft.com/office/drawing/2010/main" w="9525">
                     <a:solidFill>
                       <a:srgbClr val="000000"/>
                     </a:solidFill>
@@ -10039,7 +10044,7 @@
               </a:ln>
               <a:extLst>
                 <a:ext uri="{91240B29-F687-4f45-9708-019B960494DF}">
-                  <a14:hiddenLine xmlns:a14="http://schemas.microsoft.com/office/drawing/2010/main" xmlns="" w="9525">
+                  <a14:hiddenLine xmlns="" xmlns:a14="http://schemas.microsoft.com/office/drawing/2010/main" w="9525">
                     <a:solidFill>
                       <a:srgbClr val="000000"/>
                     </a:solidFill>
@@ -10101,7 +10106,7 @@
               </a:ln>
               <a:extLst>
                 <a:ext uri="{91240B29-F687-4f45-9708-019B960494DF}">
-                  <a14:hiddenLine xmlns:a14="http://schemas.microsoft.com/office/drawing/2010/main" xmlns="" w="9525">
+                  <a14:hiddenLine xmlns="" xmlns:a14="http://schemas.microsoft.com/office/drawing/2010/main" w="9525">
                     <a:solidFill>
                       <a:srgbClr val="000000"/>
                     </a:solidFill>
@@ -10163,7 +10168,7 @@
               </a:ln>
               <a:extLst>
                 <a:ext uri="{91240B29-F687-4f45-9708-019B960494DF}">
-                  <a14:hiddenLine xmlns:a14="http://schemas.microsoft.com/office/drawing/2010/main" xmlns="" w="9525">
+                  <a14:hiddenLine xmlns="" xmlns:a14="http://schemas.microsoft.com/office/drawing/2010/main" w="9525">
                     <a:solidFill>
                       <a:srgbClr val="000000"/>
                     </a:solidFill>
@@ -10253,7 +10258,7 @@
               </a:ln>
               <a:extLst>
                 <a:ext uri="{91240B29-F687-4f45-9708-019B960494DF}">
-                  <a14:hiddenLine xmlns:a14="http://schemas.microsoft.com/office/drawing/2010/main" xmlns="" w="9525">
+                  <a14:hiddenLine xmlns="" xmlns:a14="http://schemas.microsoft.com/office/drawing/2010/main" w="9525">
                     <a:solidFill>
                       <a:srgbClr val="000000"/>
                     </a:solidFill>
@@ -10287,7 +10292,7 @@
               </a:ln>
               <a:extLst>
                 <a:ext uri="{91240B29-F687-4f45-9708-019B960494DF}">
-                  <a14:hiddenLine xmlns:a14="http://schemas.microsoft.com/office/drawing/2010/main" xmlns="" w="9525">
+                  <a14:hiddenLine xmlns="" xmlns:a14="http://schemas.microsoft.com/office/drawing/2010/main" w="9525">
                     <a:solidFill>
                       <a:srgbClr val="000000"/>
                     </a:solidFill>
@@ -10352,7 +10357,7 @@
               </a:ln>
               <a:extLst>
                 <a:ext uri="{91240B29-F687-4f45-9708-019B960494DF}">
-                  <a14:hiddenLine xmlns:a14="http://schemas.microsoft.com/office/drawing/2010/main" xmlns="" w="9525">
+                  <a14:hiddenLine xmlns="" xmlns:a14="http://schemas.microsoft.com/office/drawing/2010/main" w="9525">
                     <a:solidFill>
                       <a:srgbClr val="000000"/>
                     </a:solidFill>
@@ -10442,7 +10447,7 @@
               </a:ln>
               <a:extLst>
                 <a:ext uri="{91240B29-F687-4f45-9708-019B960494DF}">
-                  <a14:hiddenLine xmlns:a14="http://schemas.microsoft.com/office/drawing/2010/main" xmlns="" w="9525">
+                  <a14:hiddenLine xmlns="" xmlns:a14="http://schemas.microsoft.com/office/drawing/2010/main" w="9525">
                     <a:solidFill>
                       <a:srgbClr val="000000"/>
                     </a:solidFill>
@@ -10504,7 +10509,7 @@
               </a:ln>
               <a:extLst>
                 <a:ext uri="{91240B29-F687-4f45-9708-019B960494DF}">
-                  <a14:hiddenLine xmlns:a14="http://schemas.microsoft.com/office/drawing/2010/main" xmlns="" w="9525">
+                  <a14:hiddenLine xmlns="" xmlns:a14="http://schemas.microsoft.com/office/drawing/2010/main" w="9525">
                     <a:solidFill>
                       <a:srgbClr val="000000"/>
                     </a:solidFill>
@@ -10594,7 +10599,7 @@
               </a:ln>
               <a:extLst>
                 <a:ext uri="{91240B29-F687-4f45-9708-019B960494DF}">
-                  <a14:hiddenLine xmlns:a14="http://schemas.microsoft.com/office/drawing/2010/main" xmlns="" w="9525">
+                  <a14:hiddenLine xmlns="" xmlns:a14="http://schemas.microsoft.com/office/drawing/2010/main" w="9525">
                     <a:solidFill>
                       <a:srgbClr val="000000"/>
                     </a:solidFill>
@@ -10659,7 +10664,7 @@
               </a:ln>
               <a:extLst>
                 <a:ext uri="{91240B29-F687-4f45-9708-019B960494DF}">
-                  <a14:hiddenLine xmlns:a14="http://schemas.microsoft.com/office/drawing/2010/main" xmlns="" w="9525">
+                  <a14:hiddenLine xmlns="" xmlns:a14="http://schemas.microsoft.com/office/drawing/2010/main" w="9525">
                     <a:solidFill>
                       <a:srgbClr val="000000"/>
                     </a:solidFill>
@@ -10721,7 +10726,7 @@
               </a:ln>
               <a:extLst>
                 <a:ext uri="{91240B29-F687-4f45-9708-019B960494DF}">
-                  <a14:hiddenLine xmlns:a14="http://schemas.microsoft.com/office/drawing/2010/main" xmlns="" w="9525">
+                  <a14:hiddenLine xmlns="" xmlns:a14="http://schemas.microsoft.com/office/drawing/2010/main" w="9525">
                     <a:solidFill>
                       <a:srgbClr val="000000"/>
                     </a:solidFill>
@@ -10811,7 +10816,7 @@
               </a:ln>
               <a:extLst>
                 <a:ext uri="{91240B29-F687-4f45-9708-019B960494DF}">
-                  <a14:hiddenLine xmlns:a14="http://schemas.microsoft.com/office/drawing/2010/main" xmlns="" w="9525">
+                  <a14:hiddenLine xmlns="" xmlns:a14="http://schemas.microsoft.com/office/drawing/2010/main" w="9525">
                     <a:solidFill>
                       <a:srgbClr val="000000"/>
                     </a:solidFill>
@@ -10901,7 +10906,7 @@
               </a:ln>
               <a:extLst>
                 <a:ext uri="{91240B29-F687-4f45-9708-019B960494DF}">
-                  <a14:hiddenLine xmlns:a14="http://schemas.microsoft.com/office/drawing/2010/main" xmlns="" w="9525">
+                  <a14:hiddenLine xmlns="" xmlns:a14="http://schemas.microsoft.com/office/drawing/2010/main" w="9525">
                     <a:solidFill>
                       <a:srgbClr val="000000"/>
                     </a:solidFill>
@@ -10966,7 +10971,7 @@
               </a:ln>
               <a:extLst>
                 <a:ext uri="{91240B29-F687-4f45-9708-019B960494DF}">
-                  <a14:hiddenLine xmlns:a14="http://schemas.microsoft.com/office/drawing/2010/main" xmlns="" w="9525">
+                  <a14:hiddenLine xmlns="" xmlns:a14="http://schemas.microsoft.com/office/drawing/2010/main" w="9525">
                     <a:solidFill>
                       <a:srgbClr val="000000"/>
                     </a:solidFill>
@@ -11086,7 +11091,7 @@
               </a:ln>
               <a:extLst>
                 <a:ext uri="{91240B29-F687-4f45-9708-019B960494DF}">
-                  <a14:hiddenLine xmlns:a14="http://schemas.microsoft.com/office/drawing/2010/main" xmlns="" w="9525">
+                  <a14:hiddenLine xmlns="" xmlns:a14="http://schemas.microsoft.com/office/drawing/2010/main" w="9525">
                     <a:solidFill>
                       <a:srgbClr val="000000"/>
                     </a:solidFill>
@@ -11167,7 +11172,7 @@
               </a:ln>
               <a:extLst>
                 <a:ext uri="{91240B29-F687-4f45-9708-019B960494DF}">
-                  <a14:hiddenLine xmlns:a14="http://schemas.microsoft.com/office/drawing/2010/main" xmlns="" w="9525">
+                  <a14:hiddenLine xmlns="" xmlns:a14="http://schemas.microsoft.com/office/drawing/2010/main" w="9525">
                     <a:solidFill>
                       <a:srgbClr val="000000"/>
                     </a:solidFill>
@@ -11282,7 +11287,7 @@
               </a:ln>
               <a:extLst>
                 <a:ext uri="{91240B29-F687-4f45-9708-019B960494DF}">
-                  <a14:hiddenLine xmlns:a14="http://schemas.microsoft.com/office/drawing/2010/main" xmlns="" w="9525">
+                  <a14:hiddenLine xmlns="" xmlns:a14="http://schemas.microsoft.com/office/drawing/2010/main" w="9525">
                     <a:solidFill>
                       <a:srgbClr val="000000"/>
                     </a:solidFill>
@@ -11372,7 +11377,7 @@
               </a:ln>
               <a:extLst>
                 <a:ext uri="{91240B29-F687-4f45-9708-019B960494DF}">
-                  <a14:hiddenLine xmlns:a14="http://schemas.microsoft.com/office/drawing/2010/main" xmlns="" w="9525">
+                  <a14:hiddenLine xmlns="" xmlns:a14="http://schemas.microsoft.com/office/drawing/2010/main" w="9525">
                     <a:solidFill>
                       <a:srgbClr val="000000"/>
                     </a:solidFill>
@@ -11437,7 +11442,7 @@
               </a:ln>
               <a:extLst>
                 <a:ext uri="{91240B29-F687-4f45-9708-019B960494DF}">
-                  <a14:hiddenLine xmlns:a14="http://schemas.microsoft.com/office/drawing/2010/main" xmlns="" w="9525">
+                  <a14:hiddenLine xmlns="" xmlns:a14="http://schemas.microsoft.com/office/drawing/2010/main" w="9525">
                     <a:solidFill>
                       <a:srgbClr val="000000"/>
                     </a:solidFill>
@@ -11527,7 +11532,7 @@
               </a:ln>
               <a:extLst>
                 <a:ext uri="{91240B29-F687-4f45-9708-019B960494DF}">
-                  <a14:hiddenLine xmlns:a14="http://schemas.microsoft.com/office/drawing/2010/main" xmlns="" w="9525">
+                  <a14:hiddenLine xmlns="" xmlns:a14="http://schemas.microsoft.com/office/drawing/2010/main" w="9525">
                     <a:solidFill>
                       <a:srgbClr val="000000"/>
                     </a:solidFill>
@@ -11595,7 +11600,7 @@
               </a:ln>
               <a:extLst>
                 <a:ext uri="{91240B29-F687-4f45-9708-019B960494DF}">
-                  <a14:hiddenLine xmlns:a14="http://schemas.microsoft.com/office/drawing/2010/main" xmlns="" w="9525">
+                  <a14:hiddenLine xmlns="" xmlns:a14="http://schemas.microsoft.com/office/drawing/2010/main" w="9525">
                     <a:solidFill>
                       <a:srgbClr val="000000"/>
                     </a:solidFill>
@@ -11685,7 +11690,7 @@
               </a:ln>
               <a:extLst>
                 <a:ext uri="{91240B29-F687-4f45-9708-019B960494DF}">
-                  <a14:hiddenLine xmlns:a14="http://schemas.microsoft.com/office/drawing/2010/main" xmlns="" w="9525">
+                  <a14:hiddenLine xmlns="" xmlns:a14="http://schemas.microsoft.com/office/drawing/2010/main" w="9525">
                     <a:solidFill>
                       <a:srgbClr val="000000"/>
                     </a:solidFill>
@@ -11753,7 +11758,7 @@
               </a:ln>
               <a:extLst>
                 <a:ext uri="{91240B29-F687-4f45-9708-019B960494DF}">
-                  <a14:hiddenLine xmlns:a14="http://schemas.microsoft.com/office/drawing/2010/main" xmlns="" w="9525">
+                  <a14:hiddenLine xmlns="" xmlns:a14="http://schemas.microsoft.com/office/drawing/2010/main" w="9525">
                     <a:solidFill>
                       <a:srgbClr val="000000"/>
                     </a:solidFill>
@@ -11843,7 +11848,7 @@
               </a:ln>
               <a:extLst>
                 <a:ext uri="{91240B29-F687-4f45-9708-019B960494DF}">
-                  <a14:hiddenLine xmlns:a14="http://schemas.microsoft.com/office/drawing/2010/main" xmlns="" w="9525">
+                  <a14:hiddenLine xmlns="" xmlns:a14="http://schemas.microsoft.com/office/drawing/2010/main" w="9525">
                     <a:solidFill>
                       <a:srgbClr val="000000"/>
                     </a:solidFill>
@@ -11877,7 +11882,7 @@
               </a:ln>
               <a:extLst>
                 <a:ext uri="{91240B29-F687-4f45-9708-019B960494DF}">
-                  <a14:hiddenLine xmlns:a14="http://schemas.microsoft.com/office/drawing/2010/main" xmlns="" w="9525">
+                  <a14:hiddenLine xmlns="" xmlns:a14="http://schemas.microsoft.com/office/drawing/2010/main" w="9525">
                     <a:solidFill>
                       <a:srgbClr val="000000"/>
                     </a:solidFill>
@@ -12439,10 +12444,273 @@
       </p:grpSpPr>
       <p:sp>
         <p:nvSpPr>
-          <p:cNvPr id="2" name="Title 1">
+          <p:cNvPr id="4" name="Rectangle 1">
             <a:extLst>
               <a:ext uri="{FF2B5EF4-FFF2-40B4-BE49-F238E27FC236}">
-                <a16:creationId xmlns:a16="http://schemas.microsoft.com/office/drawing/2014/main" id="{7FFA84FB-E56D-402B-BC61-124DF6251B8B}"/>
+                <a16:creationId xmlns:a16="http://schemas.microsoft.com/office/drawing/2014/main" id="{3CADC3FD-14CF-44BF-B4E1-957E1C7E099E}"/>
+              </a:ext>
+            </a:extLst>
+          </p:cNvPr>
+          <p:cNvSpPr>
+            <a:spLocks noGrp="1" noChangeArrowheads="1"/>
+          </p:cNvSpPr>
+          <p:nvPr>
+            <p:ph type="subTitle" idx="1"/>
+          </p:nvPr>
+        </p:nvSpPr>
+        <p:spPr bwMode="auto">
+          <a:xfrm>
+            <a:off x="5638800" y="3822347"/>
+            <a:ext cx="1891861" cy="923330"/>
+          </a:xfrm>
+          <a:prstGeom prst="rect">
+            <a:avLst/>
+          </a:prstGeom>
+          <a:noFill/>
+          <a:ln>
+            <a:noFill/>
+          </a:ln>
+          <a:effectLst/>
+          <a:extLst>
+            <a:ext uri="{909E8E84-426E-40DD-AFC4-6F175D3DCCD1}">
+              <a14:hiddenFill xmlns:a14="http://schemas.microsoft.com/office/drawing/2010/main">
+                <a:solidFill>
+                  <a:schemeClr val="accent1"/>
+                </a:solidFill>
+              </a14:hiddenFill>
+            </a:ext>
+            <a:ext uri="{91240B29-F687-4F45-9708-019B960494DF}">
+              <a14:hiddenLine xmlns:a14="http://schemas.microsoft.com/office/drawing/2010/main" w="9525">
+                <a:solidFill>
+                  <a:schemeClr val="tx1"/>
+                </a:solidFill>
+                <a:miter lim="800000"/>
+                <a:headEnd/>
+                <a:tailEnd/>
+              </a14:hiddenLine>
+            </a:ext>
+            <a:ext uri="{AF507438-7753-43E0-B8FC-AC1667EBCBE1}">
+              <a14:hiddenEffects xmlns:a14="http://schemas.microsoft.com/office/drawing/2010/main">
+                <a:effectLst>
+                  <a:outerShdw dist="35921" dir="2700000" algn="ctr" rotWithShape="0">
+                    <a:schemeClr val="bg2"/>
+                  </a:outerShdw>
+                </a:effectLst>
+              </a14:hiddenEffects>
+            </a:ext>
+          </a:extLst>
+        </p:spPr>
+        <p:txBody>
+          <a:bodyPr vert="horz" wrap="square" lIns="91440" tIns="45720" rIns="91440" bIns="45720" numCol="1" anchor="ctr" anchorCtr="0" compatLnSpc="1">
+            <a:prstTxWarp prst="textNoShape">
+              <a:avLst/>
+            </a:prstTxWarp>
+            <a:spAutoFit/>
+          </a:bodyPr>
+          <a:lstStyle/>
+          <a:p>
+            <a:pPr marL="0" marR="0" lvl="0" indent="0" algn="ctr" defTabSz="914400" rtl="0" eaLnBrk="0" fontAlgn="base" latinLnBrk="0" hangingPunct="0">
+              <a:lnSpc>
+                <a:spcPct val="100000"/>
+              </a:lnSpc>
+              <a:spcBef>
+                <a:spcPct val="0"/>
+              </a:spcBef>
+              <a:spcAft>
+                <a:spcPct val="0"/>
+              </a:spcAft>
+              <a:buClrTx/>
+              <a:buSzTx/>
+              <a:buFontTx/>
+              <a:buNone/>
+              <a:tabLst/>
+            </a:pPr>
+            <a:r>
+              <a:rPr kumimoji="0" lang="en-US" altLang="en-US" sz="1400" b="0" i="0" u="none" strike="noStrike" cap="none" normalizeH="0" baseline="0" dirty="0">
+                <a:ln>
+                  <a:noFill/>
+                </a:ln>
+                <a:solidFill>
+                  <a:schemeClr val="tx2">
+                    <a:lumMod val="20000"/>
+                    <a:lumOff val="80000"/>
+                  </a:schemeClr>
+                </a:solidFill>
+                <a:effectLst/>
+                <a:latin typeface="Calibri" panose="020F0502020204030204" pitchFamily="34" charset="0"/>
+                <a:ea typeface="Times New Roman" panose="02020603050405020304" pitchFamily="18" charset="0"/>
+                <a:cs typeface="Times New Roman" panose="02020603050405020304" pitchFamily="18" charset="0"/>
+              </a:rPr>
+              <a:t>Yair Levy, Ph.D.</a:t>
+            </a:r>
+          </a:p>
+          <a:p>
+            <a:pPr lvl="0" algn="ctr" eaLnBrk="0" fontAlgn="base" hangingPunct="0">
+              <a:lnSpc>
+                <a:spcPct val="100000"/>
+              </a:lnSpc>
+              <a:spcBef>
+                <a:spcPct val="0"/>
+              </a:spcBef>
+              <a:spcAft>
+                <a:spcPct val="0"/>
+              </a:spcAft>
+              <a:buSzTx/>
+            </a:pPr>
+            <a:r>
+              <a:rPr lang="en-US" altLang="en-US" sz="1000" b="1" cap="none" dirty="0">
+                <a:solidFill>
+                  <a:schemeClr val="tx2">
+                    <a:lumMod val="20000"/>
+                    <a:lumOff val="80000"/>
+                  </a:schemeClr>
+                </a:solidFill>
+                <a:latin typeface="Calibri" panose="020F0502020204030204" pitchFamily="34" charset="0"/>
+                <a:ea typeface="Times New Roman" panose="02020603050405020304" pitchFamily="18" charset="0"/>
+                <a:cs typeface="Times New Roman" panose="02020603050405020304" pitchFamily="18" charset="0"/>
+              </a:rPr>
+              <a:t>Nova Southeastern University</a:t>
+            </a:r>
+            <a:endParaRPr kumimoji="0" lang="en-US" altLang="en-US" sz="800" b="0" i="0" u="none" strike="noStrike" cap="none" normalizeH="0" baseline="0" dirty="0">
+              <a:ln>
+                <a:noFill/>
+              </a:ln>
+              <a:solidFill>
+                <a:schemeClr val="tx2">
+                  <a:lumMod val="20000"/>
+                  <a:lumOff val="80000"/>
+                </a:schemeClr>
+              </a:solidFill>
+              <a:effectLst/>
+            </a:endParaRPr>
+          </a:p>
+          <a:p>
+            <a:pPr marL="0" marR="0" lvl="0" indent="0" algn="ctr" defTabSz="914400" rtl="0" eaLnBrk="0" fontAlgn="base" latinLnBrk="0" hangingPunct="0">
+              <a:lnSpc>
+                <a:spcPct val="100000"/>
+              </a:lnSpc>
+              <a:spcBef>
+                <a:spcPct val="0"/>
+              </a:spcBef>
+              <a:spcAft>
+                <a:spcPct val="0"/>
+              </a:spcAft>
+              <a:buClrTx/>
+              <a:buSzTx/>
+              <a:buFontTx/>
+              <a:buNone/>
+              <a:tabLst/>
+            </a:pPr>
+            <a:r>
+              <a:rPr kumimoji="0" lang="en-US" altLang="en-US" sz="1000" b="1" i="0" u="none" strike="noStrike" cap="none" normalizeH="0" baseline="0" dirty="0">
+                <a:ln>
+                  <a:noFill/>
+                </a:ln>
+                <a:solidFill>
+                  <a:schemeClr val="tx2">
+                    <a:lumMod val="20000"/>
+                    <a:lumOff val="80000"/>
+                  </a:schemeClr>
+                </a:solidFill>
+                <a:effectLst/>
+                <a:latin typeface="Calibri" panose="020F0502020204030204" pitchFamily="34" charset="0"/>
+                <a:ea typeface="Times New Roman" panose="02020603050405020304" pitchFamily="18" charset="0"/>
+                <a:cs typeface="Times New Roman" panose="02020603050405020304" pitchFamily="18" charset="0"/>
+              </a:rPr>
+              <a:t>ISEC 690</a:t>
+            </a:r>
+            <a:br>
+              <a:rPr kumimoji="0" lang="en-US" altLang="en-US" sz="1000" b="1" i="0" u="none" strike="noStrike" cap="none" normalizeH="0" baseline="0" dirty="0">
+                <a:ln>
+                  <a:noFill/>
+                </a:ln>
+                <a:solidFill>
+                  <a:schemeClr val="tx2">
+                    <a:lumMod val="20000"/>
+                    <a:lumOff val="80000"/>
+                  </a:schemeClr>
+                </a:solidFill>
+                <a:effectLst/>
+                <a:latin typeface="Calibri" panose="020F0502020204030204" pitchFamily="34" charset="0"/>
+                <a:ea typeface="Times New Roman" panose="02020603050405020304" pitchFamily="18" charset="0"/>
+                <a:cs typeface="Times New Roman" panose="02020603050405020304" pitchFamily="18" charset="0"/>
+              </a:rPr>
+            </a:br>
+            <a:r>
+              <a:rPr kumimoji="0" lang="en-US" altLang="en-US" sz="1000" b="1" i="0" u="none" strike="noStrike" cap="none" normalizeH="0" baseline="0" dirty="0">
+                <a:ln>
+                  <a:noFill/>
+                </a:ln>
+                <a:solidFill>
+                  <a:schemeClr val="tx2">
+                    <a:lumMod val="20000"/>
+                    <a:lumOff val="80000"/>
+                  </a:schemeClr>
+                </a:solidFill>
+                <a:effectLst/>
+                <a:latin typeface="Calibri" panose="020F0502020204030204" pitchFamily="34" charset="0"/>
+                <a:ea typeface="Times New Roman" panose="02020603050405020304" pitchFamily="18" charset="0"/>
+                <a:cs typeface="Times New Roman" panose="02020603050405020304" pitchFamily="18" charset="0"/>
+              </a:rPr>
+              <a:t>Fall 2020</a:t>
+            </a:r>
+            <a:br>
+              <a:rPr kumimoji="0" lang="en-US" altLang="en-US" sz="1000" b="1" i="0" u="none" strike="noStrike" cap="none" normalizeH="0" baseline="0" dirty="0">
+                <a:ln>
+                  <a:noFill/>
+                </a:ln>
+                <a:solidFill>
+                  <a:schemeClr val="tx2">
+                    <a:lumMod val="20000"/>
+                    <a:lumOff val="80000"/>
+                  </a:schemeClr>
+                </a:solidFill>
+                <a:effectLst/>
+                <a:latin typeface="Calibri" panose="020F0502020204030204" pitchFamily="34" charset="0"/>
+                <a:ea typeface="Times New Roman" panose="02020603050405020304" pitchFamily="18" charset="0"/>
+                <a:cs typeface="Times New Roman" panose="02020603050405020304" pitchFamily="18" charset="0"/>
+              </a:rPr>
+            </a:br>
+            <a:r>
+              <a:rPr kumimoji="0" lang="en-US" altLang="en-US" sz="1000" b="1" i="0" u="none" strike="noStrike" cap="none" normalizeH="0" baseline="0" dirty="0">
+                <a:ln>
+                  <a:noFill/>
+                </a:ln>
+                <a:solidFill>
+                  <a:schemeClr val="tx2">
+                    <a:lumMod val="20000"/>
+                    <a:lumOff val="80000"/>
+                  </a:schemeClr>
+                </a:solidFill>
+                <a:effectLst/>
+                <a:latin typeface="Calibri" panose="020F0502020204030204" pitchFamily="34" charset="0"/>
+                <a:ea typeface="Times New Roman" panose="02020603050405020304" pitchFamily="18" charset="0"/>
+                <a:cs typeface="Times New Roman" panose="02020603050405020304" pitchFamily="18" charset="0"/>
+              </a:rPr>
+              <a:t>October 2020</a:t>
+            </a:r>
+            <a:endParaRPr kumimoji="0" lang="en-US" altLang="en-US" sz="1800" b="0" i="0" u="none" strike="noStrike" cap="none" normalizeH="0" baseline="0" dirty="0">
+              <a:ln>
+                <a:noFill/>
+              </a:ln>
+              <a:solidFill>
+                <a:schemeClr val="tx2">
+                  <a:lumMod val="20000"/>
+                  <a:lumOff val="80000"/>
+                </a:schemeClr>
+              </a:solidFill>
+              <a:effectLst/>
+              <a:latin typeface="Arial" panose="020B0604020202020204" pitchFamily="34" charset="0"/>
+            </a:endParaRPr>
+          </a:p>
+        </p:txBody>
+      </p:sp>
+      <p:sp>
+        <p:nvSpPr>
+          <p:cNvPr id="6" name="Title 5">
+            <a:extLst>
+              <a:ext uri="{FF2B5EF4-FFF2-40B4-BE49-F238E27FC236}">
+                <a16:creationId xmlns:a16="http://schemas.microsoft.com/office/drawing/2014/main" id="{0123C4D7-9F1E-49FF-B70E-94F176514C21}"/>
               </a:ext>
             </a:extLst>
           </p:cNvPr>
@@ -12453,44 +12721,212 @@
             <p:ph type="ctrTitle"/>
           </p:nvPr>
         </p:nvSpPr>
-        <p:spPr/>
+        <p:spPr>
+          <a:xfrm>
+            <a:off x="3048000" y="683171"/>
+            <a:ext cx="7073463" cy="1881353"/>
+          </a:xfrm>
+        </p:spPr>
         <p:txBody>
-          <a:bodyPr/>
+          <a:bodyPr>
+            <a:normAutofit/>
+          </a:bodyPr>
           <a:lstStyle/>
           <a:p>
+            <a:pPr marL="0" marR="0" algn="ctr">
+              <a:lnSpc>
+                <a:spcPct val="107000"/>
+              </a:lnSpc>
+              <a:spcBef>
+                <a:spcPts val="0"/>
+              </a:spcBef>
+              <a:spcAft>
+                <a:spcPts val="800"/>
+              </a:spcAft>
+            </a:pPr>
             <a:r>
-              <a:rPr lang="en-US" dirty="0"/>
-              <a:t>Project Title</a:t>
+              <a:rPr lang="en-US" sz="3600" dirty="0">
+                <a:solidFill>
+                  <a:schemeClr val="tx2">
+                    <a:lumMod val="20000"/>
+                    <a:lumOff val="80000"/>
+                  </a:schemeClr>
+                </a:solidFill>
+                <a:latin typeface="Calibri" panose="020F0502020204030204" pitchFamily="34" charset="0"/>
+                <a:ea typeface="Calibri" panose="020F0502020204030204" pitchFamily="34" charset="0"/>
+                <a:cs typeface="Times New Roman" panose="02020603050405020304" pitchFamily="18" charset="0"/>
+              </a:rPr>
+              <a:t>A Network hardening and data breach mitigation of an audio engineering studio</a:t>
             </a:r>
-            <a:br>
-              <a:rPr lang="en-US" dirty="0"/>
-            </a:br>
-            <a:endParaRPr lang="en-US" dirty="0"/>
+            <a:endParaRPr lang="en-US" dirty="0">
+              <a:solidFill>
+                <a:schemeClr val="tx2">
+                  <a:lumMod val="20000"/>
+                  <a:lumOff val="80000"/>
+                </a:schemeClr>
+              </a:solidFill>
+            </a:endParaRPr>
           </a:p>
         </p:txBody>
       </p:sp>
       <p:sp>
         <p:nvSpPr>
-          <p:cNvPr id="3" name="Subtitle 2">
+          <p:cNvPr id="7" name="Rectangle 6">
             <a:extLst>
               <a:ext uri="{FF2B5EF4-FFF2-40B4-BE49-F238E27FC236}">
-                <a16:creationId xmlns:a16="http://schemas.microsoft.com/office/drawing/2014/main" id="{8308A6E4-439D-481E-A711-F666999CC6E7}"/>
+                <a16:creationId xmlns:a16="http://schemas.microsoft.com/office/drawing/2014/main" id="{0E6DBF3F-724D-438A-B22E-768185532D9E}"/>
               </a:ext>
             </a:extLst>
           </p:cNvPr>
-          <p:cNvSpPr>
-            <a:spLocks noGrp="1"/>
-          </p:cNvSpPr>
-          <p:nvPr>
-            <p:ph type="subTitle" idx="1"/>
-          </p:nvPr>
+          <p:cNvSpPr/>
+          <p:nvPr/>
         </p:nvSpPr>
-        <p:spPr/>
+        <p:spPr>
+          <a:xfrm>
+            <a:off x="4158778" y="2645244"/>
+            <a:ext cx="4851906" cy="369332"/>
+          </a:xfrm>
+          <a:prstGeom prst="rect">
+            <a:avLst/>
+          </a:prstGeom>
+        </p:spPr>
         <p:txBody>
-          <a:bodyPr/>
+          <a:bodyPr wrap="none">
+            <a:spAutoFit/>
+          </a:bodyPr>
           <a:lstStyle/>
           <a:p>
-            <a:endParaRPr lang="en-US"/>
+            <a:r>
+              <a:rPr lang="en-US" b="1" dirty="0">
+                <a:solidFill>
+                  <a:schemeClr val="tx2">
+                    <a:lumMod val="20000"/>
+                    <a:lumOff val="80000"/>
+                  </a:schemeClr>
+                </a:solidFill>
+                <a:latin typeface="Calibri" panose="020F0502020204030204" pitchFamily="34" charset="0"/>
+                <a:ea typeface="Calibri" panose="020F0502020204030204" pitchFamily="34" charset="0"/>
+                <a:cs typeface="Times New Roman" panose="02020603050405020304" pitchFamily="18" charset="0"/>
+              </a:rPr>
+              <a:t>Authored By: Babatunde </a:t>
+            </a:r>
+            <a:r>
+              <a:rPr lang="en-US" b="1" dirty="0" err="1">
+                <a:solidFill>
+                  <a:schemeClr val="tx2">
+                    <a:lumMod val="20000"/>
+                    <a:lumOff val="80000"/>
+                  </a:schemeClr>
+                </a:solidFill>
+                <a:latin typeface="Calibri" panose="020F0502020204030204" pitchFamily="34" charset="0"/>
+                <a:ea typeface="Calibri" panose="020F0502020204030204" pitchFamily="34" charset="0"/>
+                <a:cs typeface="Times New Roman" panose="02020603050405020304" pitchFamily="18" charset="0"/>
+              </a:rPr>
+              <a:t>Somade</a:t>
+            </a:r>
+            <a:r>
+              <a:rPr lang="en-US" b="1" dirty="0">
+                <a:solidFill>
+                  <a:schemeClr val="tx2">
+                    <a:lumMod val="20000"/>
+                    <a:lumOff val="80000"/>
+                  </a:schemeClr>
+                </a:solidFill>
+                <a:latin typeface="Calibri" panose="020F0502020204030204" pitchFamily="34" charset="0"/>
+                <a:ea typeface="Calibri" panose="020F0502020204030204" pitchFamily="34" charset="0"/>
+                <a:cs typeface="Times New Roman" panose="02020603050405020304" pitchFamily="18" charset="0"/>
+              </a:rPr>
+              <a:t> and Eric Webb </a:t>
+            </a:r>
+            <a:endParaRPr lang="en-US" dirty="0">
+              <a:solidFill>
+                <a:schemeClr val="tx2">
+                  <a:lumMod val="20000"/>
+                  <a:lumOff val="80000"/>
+                </a:schemeClr>
+              </a:solidFill>
+            </a:endParaRPr>
+          </a:p>
+        </p:txBody>
+      </p:sp>
+      <p:sp>
+        <p:nvSpPr>
+          <p:cNvPr id="8" name="Rectangle 7">
+            <a:extLst>
+              <a:ext uri="{FF2B5EF4-FFF2-40B4-BE49-F238E27FC236}">
+                <a16:creationId xmlns:a16="http://schemas.microsoft.com/office/drawing/2014/main" id="{4FA25C42-61E5-432F-9B59-86E7E569413B}"/>
+              </a:ext>
+            </a:extLst>
+          </p:cNvPr>
+          <p:cNvSpPr/>
+          <p:nvPr/>
+        </p:nvSpPr>
+        <p:spPr>
+          <a:xfrm>
+            <a:off x="3536731" y="3095296"/>
+            <a:ext cx="6096000" cy="646331"/>
+          </a:xfrm>
+          <a:prstGeom prst="rect">
+            <a:avLst/>
+          </a:prstGeom>
+        </p:spPr>
+        <p:txBody>
+          <a:bodyPr>
+            <a:spAutoFit/>
+          </a:bodyPr>
+          <a:lstStyle/>
+          <a:p>
+            <a:pPr algn="ctr"/>
+            <a:r>
+              <a:rPr lang="en-US" b="1" dirty="0">
+                <a:solidFill>
+                  <a:schemeClr val="tx2">
+                    <a:lumMod val="20000"/>
+                    <a:lumOff val="80000"/>
+                  </a:schemeClr>
+                </a:solidFill>
+                <a:latin typeface="Calibri" panose="020F0502020204030204" pitchFamily="34" charset="0"/>
+                <a:ea typeface="Calibri" panose="020F0502020204030204" pitchFamily="34" charset="0"/>
+                <a:cs typeface="Times New Roman" panose="02020603050405020304" pitchFamily="18" charset="0"/>
+              </a:rPr>
+              <a:t>Business Owner: </a:t>
+            </a:r>
+            <a:r>
+              <a:rPr lang="en-US" b="1" dirty="0" err="1">
+                <a:solidFill>
+                  <a:schemeClr val="tx2">
+                    <a:lumMod val="20000"/>
+                    <a:lumOff val="80000"/>
+                  </a:schemeClr>
+                </a:solidFill>
+                <a:latin typeface="Calibri" panose="020F0502020204030204" pitchFamily="34" charset="0"/>
+                <a:ea typeface="Calibri" panose="020F0502020204030204" pitchFamily="34" charset="0"/>
+                <a:cs typeface="Times New Roman" panose="02020603050405020304" pitchFamily="18" charset="0"/>
+              </a:rPr>
+              <a:t>Figgy</a:t>
+            </a:r>
+            <a:r>
+              <a:rPr lang="en-US" b="1" dirty="0">
+                <a:solidFill>
+                  <a:schemeClr val="tx2">
+                    <a:lumMod val="20000"/>
+                    <a:lumOff val="80000"/>
+                  </a:schemeClr>
+                </a:solidFill>
+                <a:latin typeface="Calibri" panose="020F0502020204030204" pitchFamily="34" charset="0"/>
+                <a:ea typeface="Calibri" panose="020F0502020204030204" pitchFamily="34" charset="0"/>
+                <a:cs typeface="Times New Roman" panose="02020603050405020304" pitchFamily="18" charset="0"/>
+              </a:rPr>
+              <a:t> Z, of XYZ Audio.                          Information Security Graduate Project</a:t>
+            </a:r>
+            <a:endParaRPr lang="en-US" dirty="0">
+              <a:solidFill>
+                <a:schemeClr val="tx2">
+                  <a:lumMod val="20000"/>
+                  <a:lumOff val="80000"/>
+                </a:schemeClr>
+              </a:solidFill>
+            </a:endParaRPr>
           </a:p>
         </p:txBody>
       </p:sp>

--- a/ISEC690_Sec_proj/assignment_3/ISEC690_Team1_Assignment3.pptx
+++ b/ISEC690_Sec_proj/assignment_3/ISEC690_Team1_Assignment3.pptx
@@ -179,7 +179,7 @@
           <a:noFill/>
           <a:extLst>
             <a:ext uri="{909E8E84-426E-40dd-AFC4-6F175D3DCCD1}">
-              <a14:hiddenFill xmlns="" xmlns:a14="http://schemas.microsoft.com/office/drawing/2010/main">
+              <a14:hiddenFill xmlns:a14="http://schemas.microsoft.com/office/drawing/2010/main" xmlns="">
                 <a:solidFill>
                   <a:srgbClr val="FFFFFF"/>
                 </a:solidFill>
@@ -238,7 +238,7 @@
             </a:ln>
             <a:extLst>
               <a:ext uri="{91240B29-F687-4f45-9708-019B960494DF}">
-                <a14:hiddenLine xmlns="" xmlns:a14="http://schemas.microsoft.com/office/drawing/2010/main" w="9525">
+                <a14:hiddenLine xmlns:a14="http://schemas.microsoft.com/office/drawing/2010/main" xmlns="" w="9525">
                   <a:solidFill>
                     <a:srgbClr val="000000"/>
                   </a:solidFill>
@@ -328,7 +328,7 @@
             </a:ln>
             <a:extLst>
               <a:ext uri="{91240B29-F687-4f45-9708-019B960494DF}">
-                <a14:hiddenLine xmlns="" xmlns:a14="http://schemas.microsoft.com/office/drawing/2010/main" w="9525">
+                <a14:hiddenLine xmlns:a14="http://schemas.microsoft.com/office/drawing/2010/main" xmlns="" w="9525">
                   <a:solidFill>
                     <a:srgbClr val="000000"/>
                   </a:solidFill>
@@ -418,7 +418,7 @@
             </a:ln>
             <a:extLst>
               <a:ext uri="{91240B29-F687-4f45-9708-019B960494DF}">
-                <a14:hiddenLine xmlns="" xmlns:a14="http://schemas.microsoft.com/office/drawing/2010/main" w="9525">
+                <a14:hiddenLine xmlns:a14="http://schemas.microsoft.com/office/drawing/2010/main" xmlns="" w="9525">
                   <a:solidFill>
                     <a:srgbClr val="000000"/>
                   </a:solidFill>
@@ -452,7 +452,7 @@
             </a:ln>
             <a:extLst>
               <a:ext uri="{91240B29-F687-4f45-9708-019B960494DF}">
-                <a14:hiddenLine xmlns="" xmlns:a14="http://schemas.microsoft.com/office/drawing/2010/main" w="9525">
+                <a14:hiddenLine xmlns:a14="http://schemas.microsoft.com/office/drawing/2010/main" xmlns="" w="9525">
                   <a:solidFill>
                     <a:srgbClr val="000000"/>
                   </a:solidFill>
@@ -542,7 +542,7 @@
             </a:ln>
             <a:extLst>
               <a:ext uri="{91240B29-F687-4f45-9708-019B960494DF}">
-                <a14:hiddenLine xmlns="" xmlns:a14="http://schemas.microsoft.com/office/drawing/2010/main" w="9525">
+                <a14:hiddenLine xmlns:a14="http://schemas.microsoft.com/office/drawing/2010/main" xmlns="" w="9525">
                   <a:solidFill>
                     <a:srgbClr val="000000"/>
                   </a:solidFill>
@@ -604,7 +604,7 @@
             </a:ln>
             <a:extLst>
               <a:ext uri="{91240B29-F687-4f45-9708-019B960494DF}">
-                <a14:hiddenLine xmlns="" xmlns:a14="http://schemas.microsoft.com/office/drawing/2010/main" w="9525">
+                <a14:hiddenLine xmlns:a14="http://schemas.microsoft.com/office/drawing/2010/main" xmlns="" w="9525">
                   <a:solidFill>
                     <a:srgbClr val="000000"/>
                   </a:solidFill>
@@ -666,7 +666,7 @@
             </a:ln>
             <a:extLst>
               <a:ext uri="{91240B29-F687-4f45-9708-019B960494DF}">
-                <a14:hiddenLine xmlns="" xmlns:a14="http://schemas.microsoft.com/office/drawing/2010/main" w="9525">
+                <a14:hiddenLine xmlns:a14="http://schemas.microsoft.com/office/drawing/2010/main" xmlns="" w="9525">
                   <a:solidFill>
                     <a:srgbClr val="000000"/>
                   </a:solidFill>
@@ -756,7 +756,7 @@
             </a:ln>
             <a:extLst>
               <a:ext uri="{91240B29-F687-4f45-9708-019B960494DF}">
-                <a14:hiddenLine xmlns="" xmlns:a14="http://schemas.microsoft.com/office/drawing/2010/main" w="9525">
+                <a14:hiddenLine xmlns:a14="http://schemas.microsoft.com/office/drawing/2010/main" xmlns="" w="9525">
                   <a:solidFill>
                     <a:srgbClr val="000000"/>
                   </a:solidFill>
@@ -818,7 +818,7 @@
             </a:ln>
             <a:extLst>
               <a:ext uri="{91240B29-F687-4f45-9708-019B960494DF}">
-                <a14:hiddenLine xmlns="" xmlns:a14="http://schemas.microsoft.com/office/drawing/2010/main" w="9525">
+                <a14:hiddenLine xmlns:a14="http://schemas.microsoft.com/office/drawing/2010/main" xmlns="" w="9525">
                   <a:solidFill>
                     <a:srgbClr val="000000"/>
                   </a:solidFill>
@@ -880,7 +880,7 @@
             </a:ln>
             <a:extLst>
               <a:ext uri="{91240B29-F687-4f45-9708-019B960494DF}">
-                <a14:hiddenLine xmlns="" xmlns:a14="http://schemas.microsoft.com/office/drawing/2010/main" w="9525">
+                <a14:hiddenLine xmlns:a14="http://schemas.microsoft.com/office/drawing/2010/main" xmlns="" w="9525">
                   <a:solidFill>
                     <a:srgbClr val="000000"/>
                   </a:solidFill>
@@ -970,7 +970,7 @@
             </a:ln>
             <a:extLst>
               <a:ext uri="{91240B29-F687-4f45-9708-019B960494DF}">
-                <a14:hiddenLine xmlns="" xmlns:a14="http://schemas.microsoft.com/office/drawing/2010/main" w="9525">
+                <a14:hiddenLine xmlns:a14="http://schemas.microsoft.com/office/drawing/2010/main" xmlns="" w="9525">
                   <a:solidFill>
                     <a:srgbClr val="000000"/>
                   </a:solidFill>
@@ -1060,7 +1060,7 @@
             </a:ln>
             <a:extLst>
               <a:ext uri="{91240B29-F687-4f45-9708-019B960494DF}">
-                <a14:hiddenLine xmlns="" xmlns:a14="http://schemas.microsoft.com/office/drawing/2010/main" w="9525">
+                <a14:hiddenLine xmlns:a14="http://schemas.microsoft.com/office/drawing/2010/main" xmlns="" w="9525">
                   <a:solidFill>
                     <a:srgbClr val="000000"/>
                   </a:solidFill>
@@ -1122,7 +1122,7 @@
             </a:ln>
             <a:extLst>
               <a:ext uri="{91240B29-F687-4f45-9708-019B960494DF}">
-                <a14:hiddenLine xmlns="" xmlns:a14="http://schemas.microsoft.com/office/drawing/2010/main" w="9525">
+                <a14:hiddenLine xmlns:a14="http://schemas.microsoft.com/office/drawing/2010/main" xmlns="" w="9525">
                   <a:solidFill>
                     <a:srgbClr val="000000"/>
                   </a:solidFill>
@@ -1232,7 +1232,7 @@
             </a:ln>
             <a:extLst>
               <a:ext uri="{91240B29-F687-4f45-9708-019B960494DF}">
-                <a14:hiddenLine xmlns="" xmlns:a14="http://schemas.microsoft.com/office/drawing/2010/main" w="9525">
+                <a14:hiddenLine xmlns:a14="http://schemas.microsoft.com/office/drawing/2010/main" xmlns="" w="9525">
                   <a:solidFill>
                     <a:srgbClr val="000000"/>
                   </a:solidFill>
@@ -1294,7 +1294,7 @@
             </a:ln>
             <a:extLst>
               <a:ext uri="{91240B29-F687-4f45-9708-019B960494DF}">
-                <a14:hiddenLine xmlns="" xmlns:a14="http://schemas.microsoft.com/office/drawing/2010/main" w="9525">
+                <a14:hiddenLine xmlns:a14="http://schemas.microsoft.com/office/drawing/2010/main" xmlns="" w="9525">
                   <a:solidFill>
                     <a:srgbClr val="000000"/>
                   </a:solidFill>
@@ -1384,7 +1384,7 @@
             </a:ln>
             <a:extLst>
               <a:ext uri="{91240B29-F687-4f45-9708-019B960494DF}">
-                <a14:hiddenLine xmlns="" xmlns:a14="http://schemas.microsoft.com/office/drawing/2010/main" w="9525">
+                <a14:hiddenLine xmlns:a14="http://schemas.microsoft.com/office/drawing/2010/main" xmlns="" w="9525">
                   <a:solidFill>
                     <a:srgbClr val="000000"/>
                   </a:solidFill>
@@ -1474,7 +1474,7 @@
             </a:ln>
             <a:extLst>
               <a:ext uri="{91240B29-F687-4f45-9708-019B960494DF}">
-                <a14:hiddenLine xmlns="" xmlns:a14="http://schemas.microsoft.com/office/drawing/2010/main" w="9525">
+                <a14:hiddenLine xmlns:a14="http://schemas.microsoft.com/office/drawing/2010/main" xmlns="" w="9525">
                   <a:solidFill>
                     <a:srgbClr val="000000"/>
                   </a:solidFill>
@@ -1536,7 +1536,7 @@
             </a:ln>
             <a:extLst>
               <a:ext uri="{91240B29-F687-4f45-9708-019B960494DF}">
-                <a14:hiddenLine xmlns="" xmlns:a14="http://schemas.microsoft.com/office/drawing/2010/main" w="9525">
+                <a14:hiddenLine xmlns:a14="http://schemas.microsoft.com/office/drawing/2010/main" xmlns="" w="9525">
                   <a:solidFill>
                     <a:srgbClr val="000000"/>
                   </a:solidFill>
@@ -1626,7 +1626,7 @@
             </a:ln>
             <a:extLst>
               <a:ext uri="{91240B29-F687-4f45-9708-019B960494DF}">
-                <a14:hiddenLine xmlns="" xmlns:a14="http://schemas.microsoft.com/office/drawing/2010/main" w="9525">
+                <a14:hiddenLine xmlns:a14="http://schemas.microsoft.com/office/drawing/2010/main" xmlns="" w="9525">
                   <a:solidFill>
                     <a:srgbClr val="000000"/>
                   </a:solidFill>
@@ -1716,7 +1716,7 @@
             </a:ln>
             <a:extLst>
               <a:ext uri="{91240B29-F687-4f45-9708-019B960494DF}">
-                <a14:hiddenLine xmlns="" xmlns:a14="http://schemas.microsoft.com/office/drawing/2010/main" w="9525">
+                <a14:hiddenLine xmlns:a14="http://schemas.microsoft.com/office/drawing/2010/main" xmlns="" w="9525">
                   <a:solidFill>
                     <a:srgbClr val="000000"/>
                   </a:solidFill>
@@ -1772,7 +1772,7 @@
             </a:ln>
             <a:extLst>
               <a:ext uri="{91240B29-F687-4f45-9708-019B960494DF}">
-                <a14:hiddenLine xmlns="" xmlns:a14="http://schemas.microsoft.com/office/drawing/2010/main" w="9525">
+                <a14:hiddenLine xmlns:a14="http://schemas.microsoft.com/office/drawing/2010/main" xmlns="" w="9525">
                   <a:solidFill>
                     <a:srgbClr val="000000"/>
                   </a:solidFill>
@@ -1862,7 +1862,7 @@
             </a:ln>
             <a:extLst>
               <a:ext uri="{91240B29-F687-4f45-9708-019B960494DF}">
-                <a14:hiddenLine xmlns="" xmlns:a14="http://schemas.microsoft.com/office/drawing/2010/main" w="9525">
+                <a14:hiddenLine xmlns:a14="http://schemas.microsoft.com/office/drawing/2010/main" xmlns="" w="9525">
                   <a:solidFill>
                     <a:srgbClr val="000000"/>
                   </a:solidFill>
@@ -1918,7 +1918,7 @@
             </a:ln>
             <a:extLst>
               <a:ext uri="{91240B29-F687-4f45-9708-019B960494DF}">
-                <a14:hiddenLine xmlns="" xmlns:a14="http://schemas.microsoft.com/office/drawing/2010/main" w="9525">
+                <a14:hiddenLine xmlns:a14="http://schemas.microsoft.com/office/drawing/2010/main" xmlns="" w="9525">
                   <a:solidFill>
                     <a:srgbClr val="000000"/>
                   </a:solidFill>
@@ -2008,7 +2008,7 @@
             </a:ln>
             <a:extLst>
               <a:ext uri="{91240B29-F687-4f45-9708-019B960494DF}">
-                <a14:hiddenLine xmlns="" xmlns:a14="http://schemas.microsoft.com/office/drawing/2010/main" w="9525">
+                <a14:hiddenLine xmlns:a14="http://schemas.microsoft.com/office/drawing/2010/main" xmlns="" w="9525">
                   <a:solidFill>
                     <a:srgbClr val="000000"/>
                   </a:solidFill>
@@ -2076,7 +2076,7 @@
             </a:ln>
             <a:extLst>
               <a:ext uri="{91240B29-F687-4f45-9708-019B960494DF}">
-                <a14:hiddenLine xmlns="" xmlns:a14="http://schemas.microsoft.com/office/drawing/2010/main" w="9525">
+                <a14:hiddenLine xmlns:a14="http://schemas.microsoft.com/office/drawing/2010/main" xmlns="" w="9525">
                   <a:solidFill>
                     <a:srgbClr val="000000"/>
                   </a:solidFill>
@@ -2166,7 +2166,7 @@
             </a:ln>
             <a:extLst>
               <a:ext uri="{91240B29-F687-4f45-9708-019B960494DF}">
-                <a14:hiddenLine xmlns="" xmlns:a14="http://schemas.microsoft.com/office/drawing/2010/main" w="9525">
+                <a14:hiddenLine xmlns:a14="http://schemas.microsoft.com/office/drawing/2010/main" xmlns="" w="9525">
                   <a:solidFill>
                     <a:srgbClr val="000000"/>
                   </a:solidFill>
@@ -2234,7 +2234,7 @@
             </a:ln>
             <a:extLst>
               <a:ext uri="{91240B29-F687-4f45-9708-019B960494DF}">
-                <a14:hiddenLine xmlns="" xmlns:a14="http://schemas.microsoft.com/office/drawing/2010/main" w="9525">
+                <a14:hiddenLine xmlns:a14="http://schemas.microsoft.com/office/drawing/2010/main" xmlns="" w="9525">
                   <a:solidFill>
                     <a:srgbClr val="000000"/>
                   </a:solidFill>
@@ -2324,7 +2324,7 @@
             </a:ln>
             <a:extLst>
               <a:ext uri="{91240B29-F687-4f45-9708-019B960494DF}">
-                <a14:hiddenLine xmlns="" xmlns:a14="http://schemas.microsoft.com/office/drawing/2010/main" w="9525">
+                <a14:hiddenLine xmlns:a14="http://schemas.microsoft.com/office/drawing/2010/main" xmlns="" w="9525">
                   <a:solidFill>
                     <a:srgbClr val="000000"/>
                   </a:solidFill>
@@ -2358,7 +2358,7 @@
             </a:ln>
             <a:extLst>
               <a:ext uri="{91240B29-F687-4f45-9708-019B960494DF}">
-                <a14:hiddenLine xmlns="" xmlns:a14="http://schemas.microsoft.com/office/drawing/2010/main" w="9525">
+                <a14:hiddenLine xmlns:a14="http://schemas.microsoft.com/office/drawing/2010/main" xmlns="" w="9525">
                   <a:solidFill>
                     <a:srgbClr val="000000"/>
                   </a:solidFill>
@@ -2448,7 +2448,7 @@
             </a:ln>
             <a:extLst>
               <a:ext uri="{91240B29-F687-4f45-9708-019B960494DF}">
-                <a14:hiddenLine xmlns="" xmlns:a14="http://schemas.microsoft.com/office/drawing/2010/main" w="9525">
+                <a14:hiddenLine xmlns:a14="http://schemas.microsoft.com/office/drawing/2010/main" xmlns="" w="9525">
                   <a:solidFill>
                     <a:srgbClr val="000000"/>
                   </a:solidFill>
@@ -2510,7 +2510,7 @@
             </a:ln>
             <a:extLst>
               <a:ext uri="{91240B29-F687-4f45-9708-019B960494DF}">
-                <a14:hiddenLine xmlns="" xmlns:a14="http://schemas.microsoft.com/office/drawing/2010/main" w="9525">
+                <a14:hiddenLine xmlns:a14="http://schemas.microsoft.com/office/drawing/2010/main" xmlns="" w="9525">
                   <a:solidFill>
                     <a:srgbClr val="000000"/>
                   </a:solidFill>
@@ -2572,7 +2572,7 @@
             </a:ln>
             <a:extLst>
               <a:ext uri="{91240B29-F687-4f45-9708-019B960494DF}">
-                <a14:hiddenLine xmlns="" xmlns:a14="http://schemas.microsoft.com/office/drawing/2010/main" w="9525">
+                <a14:hiddenLine xmlns:a14="http://schemas.microsoft.com/office/drawing/2010/main" xmlns="" w="9525">
                   <a:solidFill>
                     <a:srgbClr val="000000"/>
                   </a:solidFill>
@@ -2662,7 +2662,7 @@
             </a:ln>
             <a:extLst>
               <a:ext uri="{91240B29-F687-4f45-9708-019B960494DF}">
-                <a14:hiddenLine xmlns="" xmlns:a14="http://schemas.microsoft.com/office/drawing/2010/main" w="9525">
+                <a14:hiddenLine xmlns:a14="http://schemas.microsoft.com/office/drawing/2010/main" xmlns="" w="9525">
                   <a:solidFill>
                     <a:srgbClr val="000000"/>
                   </a:solidFill>
@@ -2730,7 +2730,7 @@
             </a:ln>
             <a:extLst>
               <a:ext uri="{91240B29-F687-4f45-9708-019B960494DF}">
-                <a14:hiddenLine xmlns="" xmlns:a14="http://schemas.microsoft.com/office/drawing/2010/main" w="9525">
+                <a14:hiddenLine xmlns:a14="http://schemas.microsoft.com/office/drawing/2010/main" xmlns="" w="9525">
                   <a:solidFill>
                     <a:srgbClr val="000000"/>
                   </a:solidFill>
@@ -2792,7 +2792,7 @@
             </a:ln>
             <a:extLst>
               <a:ext uri="{91240B29-F687-4f45-9708-019B960494DF}">
-                <a14:hiddenLine xmlns="" xmlns:a14="http://schemas.microsoft.com/office/drawing/2010/main" w="9525">
+                <a14:hiddenLine xmlns:a14="http://schemas.microsoft.com/office/drawing/2010/main" xmlns="" w="9525">
                   <a:solidFill>
                     <a:srgbClr val="000000"/>
                   </a:solidFill>
@@ -2882,7 +2882,7 @@
             </a:ln>
             <a:extLst>
               <a:ext uri="{91240B29-F687-4f45-9708-019B960494DF}">
-                <a14:hiddenLine xmlns="" xmlns:a14="http://schemas.microsoft.com/office/drawing/2010/main" w="9525">
+                <a14:hiddenLine xmlns:a14="http://schemas.microsoft.com/office/drawing/2010/main" xmlns="" w="9525">
                   <a:solidFill>
                     <a:srgbClr val="000000"/>
                   </a:solidFill>
@@ -2944,7 +2944,7 @@
             </a:ln>
             <a:extLst>
               <a:ext uri="{91240B29-F687-4f45-9708-019B960494DF}">
-                <a14:hiddenLine xmlns="" xmlns:a14="http://schemas.microsoft.com/office/drawing/2010/main" w="9525">
+                <a14:hiddenLine xmlns:a14="http://schemas.microsoft.com/office/drawing/2010/main" xmlns="" w="9525">
                   <a:solidFill>
                     <a:srgbClr val="000000"/>
                   </a:solidFill>
@@ -3034,7 +3034,7 @@
             </a:ln>
             <a:extLst>
               <a:ext uri="{91240B29-F687-4f45-9708-019B960494DF}">
-                <a14:hiddenLine xmlns="" xmlns:a14="http://schemas.microsoft.com/office/drawing/2010/main" w="9525">
+                <a14:hiddenLine xmlns:a14="http://schemas.microsoft.com/office/drawing/2010/main" xmlns="" w="9525">
                   <a:solidFill>
                     <a:srgbClr val="000000"/>
                   </a:solidFill>
@@ -3096,7 +3096,7 @@
             </a:ln>
             <a:extLst>
               <a:ext uri="{91240B29-F687-4f45-9708-019B960494DF}">
-                <a14:hiddenLine xmlns="" xmlns:a14="http://schemas.microsoft.com/office/drawing/2010/main" w="9525">
+                <a14:hiddenLine xmlns:a14="http://schemas.microsoft.com/office/drawing/2010/main" xmlns="" w="9525">
                   <a:solidFill>
                     <a:srgbClr val="000000"/>
                   </a:solidFill>
@@ -3186,7 +3186,7 @@
             </a:ln>
             <a:extLst>
               <a:ext uri="{91240B29-F687-4f45-9708-019B960494DF}">
-                <a14:hiddenLine xmlns="" xmlns:a14="http://schemas.microsoft.com/office/drawing/2010/main" w="9525">
+                <a14:hiddenLine xmlns:a14="http://schemas.microsoft.com/office/drawing/2010/main" xmlns="" w="9525">
                   <a:solidFill>
                     <a:srgbClr val="000000"/>
                   </a:solidFill>
@@ -3220,7 +3220,7 @@
             </a:ln>
             <a:extLst>
               <a:ext uri="{91240B29-F687-4f45-9708-019B960494DF}">
-                <a14:hiddenLine xmlns="" xmlns:a14="http://schemas.microsoft.com/office/drawing/2010/main" w="9525">
+                <a14:hiddenLine xmlns:a14="http://schemas.microsoft.com/office/drawing/2010/main" xmlns="" w="9525">
                   <a:solidFill>
                     <a:srgbClr val="000000"/>
                   </a:solidFill>
@@ -3285,7 +3285,7 @@
             </a:ln>
             <a:extLst>
               <a:ext uri="{91240B29-F687-4f45-9708-019B960494DF}">
-                <a14:hiddenLine xmlns="" xmlns:a14="http://schemas.microsoft.com/office/drawing/2010/main" w="9525">
+                <a14:hiddenLine xmlns:a14="http://schemas.microsoft.com/office/drawing/2010/main" xmlns="" w="9525">
                   <a:solidFill>
                     <a:srgbClr val="000000"/>
                   </a:solidFill>
@@ -3375,7 +3375,7 @@
             </a:ln>
             <a:extLst>
               <a:ext uri="{91240B29-F687-4f45-9708-019B960494DF}">
-                <a14:hiddenLine xmlns="" xmlns:a14="http://schemas.microsoft.com/office/drawing/2010/main" w="9525">
+                <a14:hiddenLine xmlns:a14="http://schemas.microsoft.com/office/drawing/2010/main" xmlns="" w="9525">
                   <a:solidFill>
                     <a:srgbClr val="000000"/>
                   </a:solidFill>
@@ -3437,7 +3437,7 @@
             </a:ln>
             <a:extLst>
               <a:ext uri="{91240B29-F687-4f45-9708-019B960494DF}">
-                <a14:hiddenLine xmlns="" xmlns:a14="http://schemas.microsoft.com/office/drawing/2010/main" w="9525">
+                <a14:hiddenLine xmlns:a14="http://schemas.microsoft.com/office/drawing/2010/main" xmlns="" w="9525">
                   <a:solidFill>
                     <a:srgbClr val="000000"/>
                   </a:solidFill>
@@ -3527,7 +3527,7 @@
             </a:ln>
             <a:extLst>
               <a:ext uri="{91240B29-F687-4f45-9708-019B960494DF}">
-                <a14:hiddenLine xmlns="" xmlns:a14="http://schemas.microsoft.com/office/drawing/2010/main" w="9525">
+                <a14:hiddenLine xmlns:a14="http://schemas.microsoft.com/office/drawing/2010/main" xmlns="" w="9525">
                   <a:solidFill>
                     <a:srgbClr val="000000"/>
                   </a:solidFill>
@@ -3617,7 +3617,7 @@
             </a:ln>
             <a:extLst>
               <a:ext uri="{91240B29-F687-4f45-9708-019B960494DF}">
-                <a14:hiddenLine xmlns="" xmlns:a14="http://schemas.microsoft.com/office/drawing/2010/main" w="9525">
+                <a14:hiddenLine xmlns:a14="http://schemas.microsoft.com/office/drawing/2010/main" xmlns="" w="9525">
                   <a:solidFill>
                     <a:srgbClr val="000000"/>
                   </a:solidFill>
@@ -3682,7 +3682,7 @@
             </a:ln>
             <a:extLst>
               <a:ext uri="{91240B29-F687-4f45-9708-019B960494DF}">
-                <a14:hiddenLine xmlns="" xmlns:a14="http://schemas.microsoft.com/office/drawing/2010/main" w="9525">
+                <a14:hiddenLine xmlns:a14="http://schemas.microsoft.com/office/drawing/2010/main" xmlns="" w="9525">
                   <a:solidFill>
                     <a:srgbClr val="000000"/>
                   </a:solidFill>
@@ -3744,7 +3744,7 @@
             </a:ln>
             <a:extLst>
               <a:ext uri="{91240B29-F687-4f45-9708-019B960494DF}">
-                <a14:hiddenLine xmlns="" xmlns:a14="http://schemas.microsoft.com/office/drawing/2010/main" w="9525">
+                <a14:hiddenLine xmlns:a14="http://schemas.microsoft.com/office/drawing/2010/main" xmlns="" w="9525">
                   <a:solidFill>
                     <a:srgbClr val="000000"/>
                   </a:solidFill>
@@ -3834,7 +3834,7 @@
             </a:ln>
             <a:extLst>
               <a:ext uri="{91240B29-F687-4f45-9708-019B960494DF}">
-                <a14:hiddenLine xmlns="" xmlns:a14="http://schemas.microsoft.com/office/drawing/2010/main" w="9525">
+                <a14:hiddenLine xmlns:a14="http://schemas.microsoft.com/office/drawing/2010/main" xmlns="" w="9525">
                   <a:solidFill>
                     <a:srgbClr val="000000"/>
                   </a:solidFill>
@@ -3924,7 +3924,7 @@
             </a:ln>
             <a:extLst>
               <a:ext uri="{91240B29-F687-4f45-9708-019B960494DF}">
-                <a14:hiddenLine xmlns="" xmlns:a14="http://schemas.microsoft.com/office/drawing/2010/main" w="9525">
+                <a14:hiddenLine xmlns:a14="http://schemas.microsoft.com/office/drawing/2010/main" xmlns="" w="9525">
                   <a:solidFill>
                     <a:srgbClr val="000000"/>
                   </a:solidFill>
@@ -3986,7 +3986,7 @@
             </a:ln>
             <a:extLst>
               <a:ext uri="{91240B29-F687-4f45-9708-019B960494DF}">
-                <a14:hiddenLine xmlns="" xmlns:a14="http://schemas.microsoft.com/office/drawing/2010/main" w="9525">
+                <a14:hiddenLine xmlns:a14="http://schemas.microsoft.com/office/drawing/2010/main" xmlns="" w="9525">
                   <a:solidFill>
                     <a:srgbClr val="000000"/>
                   </a:solidFill>
@@ -4106,7 +4106,7 @@
             </a:ln>
             <a:extLst>
               <a:ext uri="{91240B29-F687-4f45-9708-019B960494DF}">
-                <a14:hiddenLine xmlns="" xmlns:a14="http://schemas.microsoft.com/office/drawing/2010/main" w="9525">
+                <a14:hiddenLine xmlns:a14="http://schemas.microsoft.com/office/drawing/2010/main" xmlns="" w="9525">
                   <a:solidFill>
                     <a:srgbClr val="000000"/>
                   </a:solidFill>
@@ -4174,7 +4174,7 @@
             </a:ln>
             <a:extLst>
               <a:ext uri="{91240B29-F687-4f45-9708-019B960494DF}">
-                <a14:hiddenLine xmlns="" xmlns:a14="http://schemas.microsoft.com/office/drawing/2010/main" w="9525">
+                <a14:hiddenLine xmlns:a14="http://schemas.microsoft.com/office/drawing/2010/main" xmlns="" w="9525">
                   <a:solidFill>
                     <a:srgbClr val="000000"/>
                   </a:solidFill>
@@ -4264,7 +4264,7 @@
             </a:ln>
             <a:extLst>
               <a:ext uri="{91240B29-F687-4f45-9708-019B960494DF}">
-                <a14:hiddenLine xmlns="" xmlns:a14="http://schemas.microsoft.com/office/drawing/2010/main" w="9525">
+                <a14:hiddenLine xmlns:a14="http://schemas.microsoft.com/office/drawing/2010/main" xmlns="" w="9525">
                   <a:solidFill>
                     <a:srgbClr val="000000"/>
                   </a:solidFill>
@@ -9078,7 +9078,7 @@
           <a:noFill/>
           <a:extLst>
             <a:ext uri="{909E8E84-426E-40dd-AFC4-6F175D3DCCD1}">
-              <a14:hiddenFill xmlns="" xmlns:a14="http://schemas.microsoft.com/office/drawing/2010/main">
+              <a14:hiddenFill xmlns:a14="http://schemas.microsoft.com/office/drawing/2010/main" xmlns="">
                 <a:solidFill>
                   <a:srgbClr val="FFFFFF"/>
                 </a:solidFill>
@@ -9152,7 +9152,7 @@
               </a:ln>
               <a:extLst>
                 <a:ext uri="{91240B29-F687-4f45-9708-019B960494DF}">
-                  <a14:hiddenLine xmlns="" xmlns:a14="http://schemas.microsoft.com/office/drawing/2010/main" w="9525">
+                  <a14:hiddenLine xmlns:a14="http://schemas.microsoft.com/office/drawing/2010/main" xmlns="" w="9525">
                     <a:solidFill>
                       <a:srgbClr val="000000"/>
                     </a:solidFill>
@@ -9242,7 +9242,7 @@
               </a:ln>
               <a:extLst>
                 <a:ext uri="{91240B29-F687-4f45-9708-019B960494DF}">
-                  <a14:hiddenLine xmlns="" xmlns:a14="http://schemas.microsoft.com/office/drawing/2010/main" w="9525">
+                  <a14:hiddenLine xmlns:a14="http://schemas.microsoft.com/office/drawing/2010/main" xmlns="" w="9525">
                     <a:solidFill>
                       <a:srgbClr val="000000"/>
                     </a:solidFill>
@@ -9332,7 +9332,7 @@
               </a:ln>
               <a:extLst>
                 <a:ext uri="{91240B29-F687-4f45-9708-019B960494DF}">
-                  <a14:hiddenLine xmlns="" xmlns:a14="http://schemas.microsoft.com/office/drawing/2010/main" w="9525">
+                  <a14:hiddenLine xmlns:a14="http://schemas.microsoft.com/office/drawing/2010/main" xmlns="" w="9525">
                     <a:solidFill>
                       <a:srgbClr val="000000"/>
                     </a:solidFill>
@@ -9394,7 +9394,7 @@
               </a:ln>
               <a:extLst>
                 <a:ext uri="{91240B29-F687-4f45-9708-019B960494DF}">
-                  <a14:hiddenLine xmlns="" xmlns:a14="http://schemas.microsoft.com/office/drawing/2010/main" w="9525">
+                  <a14:hiddenLine xmlns:a14="http://schemas.microsoft.com/office/drawing/2010/main" xmlns="" w="9525">
                     <a:solidFill>
                       <a:srgbClr val="000000"/>
                     </a:solidFill>
@@ -9484,7 +9484,7 @@
               </a:ln>
               <a:extLst>
                 <a:ext uri="{91240B29-F687-4f45-9708-019B960494DF}">
-                  <a14:hiddenLine xmlns="" xmlns:a14="http://schemas.microsoft.com/office/drawing/2010/main" w="9525">
+                  <a14:hiddenLine xmlns:a14="http://schemas.microsoft.com/office/drawing/2010/main" xmlns="" w="9525">
                     <a:solidFill>
                       <a:srgbClr val="000000"/>
                     </a:solidFill>
@@ -9546,7 +9546,7 @@
               </a:ln>
               <a:extLst>
                 <a:ext uri="{91240B29-F687-4f45-9708-019B960494DF}">
-                  <a14:hiddenLine xmlns="" xmlns:a14="http://schemas.microsoft.com/office/drawing/2010/main" w="9525">
+                  <a14:hiddenLine xmlns:a14="http://schemas.microsoft.com/office/drawing/2010/main" xmlns="" w="9525">
                     <a:solidFill>
                       <a:srgbClr val="000000"/>
                     </a:solidFill>
@@ -9608,7 +9608,7 @@
               </a:ln>
               <a:extLst>
                 <a:ext uri="{91240B29-F687-4f45-9708-019B960494DF}">
-                  <a14:hiddenLine xmlns="" xmlns:a14="http://schemas.microsoft.com/office/drawing/2010/main" w="9525">
+                  <a14:hiddenLine xmlns:a14="http://schemas.microsoft.com/office/drawing/2010/main" xmlns="" w="9525">
                     <a:solidFill>
                       <a:srgbClr val="000000"/>
                     </a:solidFill>
@@ -9698,7 +9698,7 @@
               </a:ln>
               <a:extLst>
                 <a:ext uri="{91240B29-F687-4f45-9708-019B960494DF}">
-                  <a14:hiddenLine xmlns="" xmlns:a14="http://schemas.microsoft.com/office/drawing/2010/main" w="9525">
+                  <a14:hiddenLine xmlns:a14="http://schemas.microsoft.com/office/drawing/2010/main" xmlns="" w="9525">
                     <a:solidFill>
                       <a:srgbClr val="000000"/>
                     </a:solidFill>
@@ -9788,7 +9788,7 @@
               </a:ln>
               <a:extLst>
                 <a:ext uri="{91240B29-F687-4f45-9708-019B960494DF}">
-                  <a14:hiddenLine xmlns="" xmlns:a14="http://schemas.microsoft.com/office/drawing/2010/main" w="9525">
+                  <a14:hiddenLine xmlns:a14="http://schemas.microsoft.com/office/drawing/2010/main" xmlns="" w="9525">
                     <a:solidFill>
                       <a:srgbClr val="000000"/>
                     </a:solidFill>
@@ -9850,7 +9850,7 @@
               </a:ln>
               <a:extLst>
                 <a:ext uri="{91240B29-F687-4f45-9708-019B960494DF}">
-                  <a14:hiddenLine xmlns="" xmlns:a14="http://schemas.microsoft.com/office/drawing/2010/main" w="9525">
+                  <a14:hiddenLine xmlns:a14="http://schemas.microsoft.com/office/drawing/2010/main" xmlns="" w="9525">
                     <a:solidFill>
                       <a:srgbClr val="000000"/>
                     </a:solidFill>
@@ -9960,7 +9960,7 @@
               </a:ln>
               <a:extLst>
                 <a:ext uri="{91240B29-F687-4f45-9708-019B960494DF}">
-                  <a14:hiddenLine xmlns="" xmlns:a14="http://schemas.microsoft.com/office/drawing/2010/main" w="9525">
+                  <a14:hiddenLine xmlns:a14="http://schemas.microsoft.com/office/drawing/2010/main" xmlns="" w="9525">
                     <a:solidFill>
                       <a:srgbClr val="000000"/>
                     </a:solidFill>
@@ -10044,7 +10044,7 @@
               </a:ln>
               <a:extLst>
                 <a:ext uri="{91240B29-F687-4f45-9708-019B960494DF}">
-                  <a14:hiddenLine xmlns="" xmlns:a14="http://schemas.microsoft.com/office/drawing/2010/main" w="9525">
+                  <a14:hiddenLine xmlns:a14="http://schemas.microsoft.com/office/drawing/2010/main" xmlns="" w="9525">
                     <a:solidFill>
                       <a:srgbClr val="000000"/>
                     </a:solidFill>
@@ -10106,7 +10106,7 @@
               </a:ln>
               <a:extLst>
                 <a:ext uri="{91240B29-F687-4f45-9708-019B960494DF}">
-                  <a14:hiddenLine xmlns="" xmlns:a14="http://schemas.microsoft.com/office/drawing/2010/main" w="9525">
+                  <a14:hiddenLine xmlns:a14="http://schemas.microsoft.com/office/drawing/2010/main" xmlns="" w="9525">
                     <a:solidFill>
                       <a:srgbClr val="000000"/>
                     </a:solidFill>
@@ -10168,7 +10168,7 @@
               </a:ln>
               <a:extLst>
                 <a:ext uri="{91240B29-F687-4f45-9708-019B960494DF}">
-                  <a14:hiddenLine xmlns="" xmlns:a14="http://schemas.microsoft.com/office/drawing/2010/main" w="9525">
+                  <a14:hiddenLine xmlns:a14="http://schemas.microsoft.com/office/drawing/2010/main" xmlns="" w="9525">
                     <a:solidFill>
                       <a:srgbClr val="000000"/>
                     </a:solidFill>
@@ -10258,7 +10258,7 @@
               </a:ln>
               <a:extLst>
                 <a:ext uri="{91240B29-F687-4f45-9708-019B960494DF}">
-                  <a14:hiddenLine xmlns="" xmlns:a14="http://schemas.microsoft.com/office/drawing/2010/main" w="9525">
+                  <a14:hiddenLine xmlns:a14="http://schemas.microsoft.com/office/drawing/2010/main" xmlns="" w="9525">
                     <a:solidFill>
                       <a:srgbClr val="000000"/>
                     </a:solidFill>
@@ -10292,7 +10292,7 @@
               </a:ln>
               <a:extLst>
                 <a:ext uri="{91240B29-F687-4f45-9708-019B960494DF}">
-                  <a14:hiddenLine xmlns="" xmlns:a14="http://schemas.microsoft.com/office/drawing/2010/main" w="9525">
+                  <a14:hiddenLine xmlns:a14="http://schemas.microsoft.com/office/drawing/2010/main" xmlns="" w="9525">
                     <a:solidFill>
                       <a:srgbClr val="000000"/>
                     </a:solidFill>
@@ -10357,7 +10357,7 @@
               </a:ln>
               <a:extLst>
                 <a:ext uri="{91240B29-F687-4f45-9708-019B960494DF}">
-                  <a14:hiddenLine xmlns="" xmlns:a14="http://schemas.microsoft.com/office/drawing/2010/main" w="9525">
+                  <a14:hiddenLine xmlns:a14="http://schemas.microsoft.com/office/drawing/2010/main" xmlns="" w="9525">
                     <a:solidFill>
                       <a:srgbClr val="000000"/>
                     </a:solidFill>
@@ -10447,7 +10447,7 @@
               </a:ln>
               <a:extLst>
                 <a:ext uri="{91240B29-F687-4f45-9708-019B960494DF}">
-                  <a14:hiddenLine xmlns="" xmlns:a14="http://schemas.microsoft.com/office/drawing/2010/main" w="9525">
+                  <a14:hiddenLine xmlns:a14="http://schemas.microsoft.com/office/drawing/2010/main" xmlns="" w="9525">
                     <a:solidFill>
                       <a:srgbClr val="000000"/>
                     </a:solidFill>
@@ -10509,7 +10509,7 @@
               </a:ln>
               <a:extLst>
                 <a:ext uri="{91240B29-F687-4f45-9708-019B960494DF}">
-                  <a14:hiddenLine xmlns="" xmlns:a14="http://schemas.microsoft.com/office/drawing/2010/main" w="9525">
+                  <a14:hiddenLine xmlns:a14="http://schemas.microsoft.com/office/drawing/2010/main" xmlns="" w="9525">
                     <a:solidFill>
                       <a:srgbClr val="000000"/>
                     </a:solidFill>
@@ -10599,7 +10599,7 @@
               </a:ln>
               <a:extLst>
                 <a:ext uri="{91240B29-F687-4f45-9708-019B960494DF}">
-                  <a14:hiddenLine xmlns="" xmlns:a14="http://schemas.microsoft.com/office/drawing/2010/main" w="9525">
+                  <a14:hiddenLine xmlns:a14="http://schemas.microsoft.com/office/drawing/2010/main" xmlns="" w="9525">
                     <a:solidFill>
                       <a:srgbClr val="000000"/>
                     </a:solidFill>
@@ -10664,7 +10664,7 @@
               </a:ln>
               <a:extLst>
                 <a:ext uri="{91240B29-F687-4f45-9708-019B960494DF}">
-                  <a14:hiddenLine xmlns="" xmlns:a14="http://schemas.microsoft.com/office/drawing/2010/main" w="9525">
+                  <a14:hiddenLine xmlns:a14="http://schemas.microsoft.com/office/drawing/2010/main" xmlns="" w="9525">
                     <a:solidFill>
                       <a:srgbClr val="000000"/>
                     </a:solidFill>
@@ -10726,7 +10726,7 @@
               </a:ln>
               <a:extLst>
                 <a:ext uri="{91240B29-F687-4f45-9708-019B960494DF}">
-                  <a14:hiddenLine xmlns="" xmlns:a14="http://schemas.microsoft.com/office/drawing/2010/main" w="9525">
+                  <a14:hiddenLine xmlns:a14="http://schemas.microsoft.com/office/drawing/2010/main" xmlns="" w="9525">
                     <a:solidFill>
                       <a:srgbClr val="000000"/>
                     </a:solidFill>
@@ -10816,7 +10816,7 @@
               </a:ln>
               <a:extLst>
                 <a:ext uri="{91240B29-F687-4f45-9708-019B960494DF}">
-                  <a14:hiddenLine xmlns="" xmlns:a14="http://schemas.microsoft.com/office/drawing/2010/main" w="9525">
+                  <a14:hiddenLine xmlns:a14="http://schemas.microsoft.com/office/drawing/2010/main" xmlns="" w="9525">
                     <a:solidFill>
                       <a:srgbClr val="000000"/>
                     </a:solidFill>
@@ -10906,7 +10906,7 @@
               </a:ln>
               <a:extLst>
                 <a:ext uri="{91240B29-F687-4f45-9708-019B960494DF}">
-                  <a14:hiddenLine xmlns="" xmlns:a14="http://schemas.microsoft.com/office/drawing/2010/main" w="9525">
+                  <a14:hiddenLine xmlns:a14="http://schemas.microsoft.com/office/drawing/2010/main" xmlns="" w="9525">
                     <a:solidFill>
                       <a:srgbClr val="000000"/>
                     </a:solidFill>
@@ -10971,7 +10971,7 @@
               </a:ln>
               <a:extLst>
                 <a:ext uri="{91240B29-F687-4f45-9708-019B960494DF}">
-                  <a14:hiddenLine xmlns="" xmlns:a14="http://schemas.microsoft.com/office/drawing/2010/main" w="9525">
+                  <a14:hiddenLine xmlns:a14="http://schemas.microsoft.com/office/drawing/2010/main" xmlns="" w="9525">
                     <a:solidFill>
                       <a:srgbClr val="000000"/>
                     </a:solidFill>
@@ -11091,7 +11091,7 @@
               </a:ln>
               <a:extLst>
                 <a:ext uri="{91240B29-F687-4f45-9708-019B960494DF}">
-                  <a14:hiddenLine xmlns="" xmlns:a14="http://schemas.microsoft.com/office/drawing/2010/main" w="9525">
+                  <a14:hiddenLine xmlns:a14="http://schemas.microsoft.com/office/drawing/2010/main" xmlns="" w="9525">
                     <a:solidFill>
                       <a:srgbClr val="000000"/>
                     </a:solidFill>
@@ -11172,7 +11172,7 @@
               </a:ln>
               <a:extLst>
                 <a:ext uri="{91240B29-F687-4f45-9708-019B960494DF}">
-                  <a14:hiddenLine xmlns="" xmlns:a14="http://schemas.microsoft.com/office/drawing/2010/main" w="9525">
+                  <a14:hiddenLine xmlns:a14="http://schemas.microsoft.com/office/drawing/2010/main" xmlns="" w="9525">
                     <a:solidFill>
                       <a:srgbClr val="000000"/>
                     </a:solidFill>
@@ -11287,7 +11287,7 @@
               </a:ln>
               <a:extLst>
                 <a:ext uri="{91240B29-F687-4f45-9708-019B960494DF}">
-                  <a14:hiddenLine xmlns="" xmlns:a14="http://schemas.microsoft.com/office/drawing/2010/main" w="9525">
+                  <a14:hiddenLine xmlns:a14="http://schemas.microsoft.com/office/drawing/2010/main" xmlns="" w="9525">
                     <a:solidFill>
                       <a:srgbClr val="000000"/>
                     </a:solidFill>
@@ -11377,7 +11377,7 @@
               </a:ln>
               <a:extLst>
                 <a:ext uri="{91240B29-F687-4f45-9708-019B960494DF}">
-                  <a14:hiddenLine xmlns="" xmlns:a14="http://schemas.microsoft.com/office/drawing/2010/main" w="9525">
+                  <a14:hiddenLine xmlns:a14="http://schemas.microsoft.com/office/drawing/2010/main" xmlns="" w="9525">
                     <a:solidFill>
                       <a:srgbClr val="000000"/>
                     </a:solidFill>
@@ -11442,7 +11442,7 @@
               </a:ln>
               <a:extLst>
                 <a:ext uri="{91240B29-F687-4f45-9708-019B960494DF}">
-                  <a14:hiddenLine xmlns="" xmlns:a14="http://schemas.microsoft.com/office/drawing/2010/main" w="9525">
+                  <a14:hiddenLine xmlns:a14="http://schemas.microsoft.com/office/drawing/2010/main" xmlns="" w="9525">
                     <a:solidFill>
                       <a:srgbClr val="000000"/>
                     </a:solidFill>
@@ -11532,7 +11532,7 @@
               </a:ln>
               <a:extLst>
                 <a:ext uri="{91240B29-F687-4f45-9708-019B960494DF}">
-                  <a14:hiddenLine xmlns="" xmlns:a14="http://schemas.microsoft.com/office/drawing/2010/main" w="9525">
+                  <a14:hiddenLine xmlns:a14="http://schemas.microsoft.com/office/drawing/2010/main" xmlns="" w="9525">
                     <a:solidFill>
                       <a:srgbClr val="000000"/>
                     </a:solidFill>
@@ -11600,7 +11600,7 @@
               </a:ln>
               <a:extLst>
                 <a:ext uri="{91240B29-F687-4f45-9708-019B960494DF}">
-                  <a14:hiddenLine xmlns="" xmlns:a14="http://schemas.microsoft.com/office/drawing/2010/main" w="9525">
+                  <a14:hiddenLine xmlns:a14="http://schemas.microsoft.com/office/drawing/2010/main" xmlns="" w="9525">
                     <a:solidFill>
                       <a:srgbClr val="000000"/>
                     </a:solidFill>
@@ -11690,7 +11690,7 @@
               </a:ln>
               <a:extLst>
                 <a:ext uri="{91240B29-F687-4f45-9708-019B960494DF}">
-                  <a14:hiddenLine xmlns="" xmlns:a14="http://schemas.microsoft.com/office/drawing/2010/main" w="9525">
+                  <a14:hiddenLine xmlns:a14="http://schemas.microsoft.com/office/drawing/2010/main" xmlns="" w="9525">
                     <a:solidFill>
                       <a:srgbClr val="000000"/>
                     </a:solidFill>
@@ -11758,7 +11758,7 @@
               </a:ln>
               <a:extLst>
                 <a:ext uri="{91240B29-F687-4f45-9708-019B960494DF}">
-                  <a14:hiddenLine xmlns="" xmlns:a14="http://schemas.microsoft.com/office/drawing/2010/main" w="9525">
+                  <a14:hiddenLine xmlns:a14="http://schemas.microsoft.com/office/drawing/2010/main" xmlns="" w="9525">
                     <a:solidFill>
                       <a:srgbClr val="000000"/>
                     </a:solidFill>
@@ -11848,7 +11848,7 @@
               </a:ln>
               <a:extLst>
                 <a:ext uri="{91240B29-F687-4f45-9708-019B960494DF}">
-                  <a14:hiddenLine xmlns="" xmlns:a14="http://schemas.microsoft.com/office/drawing/2010/main" w="9525">
+                  <a14:hiddenLine xmlns:a14="http://schemas.microsoft.com/office/drawing/2010/main" xmlns="" w="9525">
                     <a:solidFill>
                       <a:srgbClr val="000000"/>
                     </a:solidFill>
@@ -11882,7 +11882,7 @@
               </a:ln>
               <a:extLst>
                 <a:ext uri="{91240B29-F687-4f45-9708-019B960494DF}">
-                  <a14:hiddenLine xmlns="" xmlns:a14="http://schemas.microsoft.com/office/drawing/2010/main" w="9525">
+                  <a14:hiddenLine xmlns:a14="http://schemas.microsoft.com/office/drawing/2010/main" xmlns="" w="9525">
                     <a:solidFill>
                       <a:srgbClr val="000000"/>
                     </a:solidFill>
@@ -12974,7 +12974,7 @@
         </p:nvSpPr>
         <p:spPr>
           <a:xfrm>
-            <a:off x="5444219" y="3244334"/>
+            <a:off x="1334674" y="364500"/>
             <a:ext cx="1303562" cy="369332"/>
           </a:xfrm>
           <a:prstGeom prst="rect">
@@ -13007,6 +13007,670 @@
               </a:solidFill>
               <a:effectLst/>
               <a:latin typeface="Times New Roman" panose="02020603050405020304" pitchFamily="18" charset="0"/>
+            </a:endParaRPr>
+          </a:p>
+        </p:txBody>
+      </p:sp>
+      <p:sp>
+        <p:nvSpPr>
+          <p:cNvPr id="3" name="Rectangle 2">
+            <a:extLst>
+              <a:ext uri="{FF2B5EF4-FFF2-40B4-BE49-F238E27FC236}">
+                <a16:creationId xmlns:a16="http://schemas.microsoft.com/office/drawing/2014/main" id="{0A881F48-C321-43C6-8CF3-324F9EE85105}"/>
+              </a:ext>
+            </a:extLst>
+          </p:cNvPr>
+          <p:cNvSpPr/>
+          <p:nvPr/>
+        </p:nvSpPr>
+        <p:spPr>
+          <a:xfrm>
+            <a:off x="2974428" y="549166"/>
+            <a:ext cx="6096000" cy="9006248"/>
+          </a:xfrm>
+          <a:prstGeom prst="rect">
+            <a:avLst/>
+          </a:prstGeom>
+        </p:spPr>
+        <p:txBody>
+          <a:bodyPr>
+            <a:spAutoFit/>
+          </a:bodyPr>
+          <a:lstStyle/>
+          <a:p>
+            <a:pPr>
+              <a:lnSpc>
+                <a:spcPct val="200000"/>
+              </a:lnSpc>
+              <a:spcAft>
+                <a:spcPts val="800"/>
+              </a:spcAft>
+            </a:pPr>
+            <a:r>
+              <a:rPr lang="en-US" sz="1200" dirty="0">
+                <a:solidFill>
+                  <a:schemeClr val="bg2">
+                    <a:lumMod val="10000"/>
+                    <a:lumOff val="90000"/>
+                  </a:schemeClr>
+                </a:solidFill>
+                <a:latin typeface="Times New Roman" panose="02020603050405020304" pitchFamily="18" charset="0"/>
+                <a:ea typeface="Times New Roman" panose="02020603050405020304" pitchFamily="18" charset="0"/>
+                <a:cs typeface="Times New Roman" panose="02020603050405020304" pitchFamily="18" charset="0"/>
+              </a:rPr>
+              <a:t>As you can see from this initiative, our focus was to harden the network and raise the security posture of this Audio Engineering Facility. You can see how this was faceted for each of the projects’ scopes.</a:t>
+            </a:r>
+            <a:endParaRPr lang="en-US" sz="1100" dirty="0">
+              <a:solidFill>
+                <a:schemeClr val="bg2">
+                  <a:lumMod val="10000"/>
+                  <a:lumOff val="90000"/>
+                </a:schemeClr>
+              </a:solidFill>
+              <a:latin typeface="Calibri" panose="020F0502020204030204" pitchFamily="34" charset="0"/>
+              <a:ea typeface="Calibri" panose="020F0502020204030204" pitchFamily="34" charset="0"/>
+              <a:cs typeface="Times New Roman" panose="02020603050405020304" pitchFamily="18" charset="0"/>
+            </a:endParaRPr>
+          </a:p>
+          <a:p>
+            <a:pPr marL="342900" marR="0" lvl="0" indent="-342900">
+              <a:lnSpc>
+                <a:spcPct val="200000"/>
+              </a:lnSpc>
+              <a:spcBef>
+                <a:spcPts val="0"/>
+              </a:spcBef>
+              <a:spcAft>
+                <a:spcPts val="0"/>
+              </a:spcAft>
+              <a:buFont typeface=" Times New Roman ,serif"/>
+              <a:buChar char="-"/>
+            </a:pPr>
+            <a:r>
+              <a:rPr lang="en-US" sz="1200" i="1" u="sng" dirty="0">
+                <a:solidFill>
+                  <a:schemeClr val="bg2">
+                    <a:lumMod val="10000"/>
+                    <a:lumOff val="90000"/>
+                  </a:schemeClr>
+                </a:solidFill>
+                <a:latin typeface="Times New Roman" panose="02020603050405020304" pitchFamily="18" charset="0"/>
+                <a:ea typeface="Times New Roman" panose="02020603050405020304" pitchFamily="18" charset="0"/>
+                <a:cs typeface="Times New Roman" panose="02020603050405020304" pitchFamily="18" charset="0"/>
+              </a:rPr>
+              <a:t>Improved Physical Security.</a:t>
+            </a:r>
+            <a:endParaRPr lang="en-US" sz="1100" dirty="0">
+              <a:solidFill>
+                <a:schemeClr val="bg2">
+                  <a:lumMod val="10000"/>
+                  <a:lumOff val="90000"/>
+                </a:schemeClr>
+              </a:solidFill>
+              <a:latin typeface="Calibri" panose="020F0502020204030204" pitchFamily="34" charset="0"/>
+              <a:ea typeface="Calibri" panose="020F0502020204030204" pitchFamily="34" charset="0"/>
+              <a:cs typeface="Times New Roman" panose="02020603050405020304" pitchFamily="18" charset="0"/>
+            </a:endParaRPr>
+          </a:p>
+          <a:p>
+            <a:pPr marL="742950" marR="0" lvl="1" indent="-285750">
+              <a:lnSpc>
+                <a:spcPct val="200000"/>
+              </a:lnSpc>
+              <a:spcBef>
+                <a:spcPts val="0"/>
+              </a:spcBef>
+              <a:spcAft>
+                <a:spcPts val="0"/>
+              </a:spcAft>
+              <a:buFont typeface="Courier New" panose="02070309020205020404" pitchFamily="49" charset="0"/>
+              <a:buChar char="o"/>
+            </a:pPr>
+            <a:r>
+              <a:rPr lang="en-US" sz="1200" dirty="0">
+                <a:solidFill>
+                  <a:schemeClr val="bg2">
+                    <a:lumMod val="10000"/>
+                    <a:lumOff val="90000"/>
+                  </a:schemeClr>
+                </a:solidFill>
+                <a:latin typeface="Times New Roman" panose="02020603050405020304" pitchFamily="18" charset="0"/>
+                <a:ea typeface="Times New Roman" panose="02020603050405020304" pitchFamily="18" charset="0"/>
+                <a:cs typeface="Times New Roman" panose="02020603050405020304" pitchFamily="18" charset="0"/>
+              </a:rPr>
+              <a:t>Installation of door locks on recording room and computer room.</a:t>
+            </a:r>
+            <a:endParaRPr lang="en-US" sz="1100" dirty="0">
+              <a:solidFill>
+                <a:schemeClr val="bg2">
+                  <a:lumMod val="10000"/>
+                  <a:lumOff val="90000"/>
+                </a:schemeClr>
+              </a:solidFill>
+              <a:latin typeface="Calibri" panose="020F0502020204030204" pitchFamily="34" charset="0"/>
+              <a:ea typeface="Calibri" panose="020F0502020204030204" pitchFamily="34" charset="0"/>
+              <a:cs typeface="Times New Roman" panose="02020603050405020304" pitchFamily="18" charset="0"/>
+            </a:endParaRPr>
+          </a:p>
+          <a:p>
+            <a:pPr marL="742950" marR="0" lvl="1" indent="-285750">
+              <a:lnSpc>
+                <a:spcPct val="200000"/>
+              </a:lnSpc>
+              <a:spcBef>
+                <a:spcPts val="0"/>
+              </a:spcBef>
+              <a:spcAft>
+                <a:spcPts val="0"/>
+              </a:spcAft>
+              <a:buFont typeface="Courier New" panose="02070309020205020404" pitchFamily="49" charset="0"/>
+              <a:buChar char="o"/>
+            </a:pPr>
+            <a:r>
+              <a:rPr lang="en-US" sz="1200" dirty="0">
+                <a:solidFill>
+                  <a:schemeClr val="bg2">
+                    <a:lumMod val="10000"/>
+                    <a:lumOff val="90000"/>
+                  </a:schemeClr>
+                </a:solidFill>
+                <a:latin typeface="Times New Roman" panose="02020603050405020304" pitchFamily="18" charset="0"/>
+                <a:ea typeface="Times New Roman" panose="02020603050405020304" pitchFamily="18" charset="0"/>
+                <a:cs typeface="Times New Roman" panose="02020603050405020304" pitchFamily="18" charset="0"/>
+              </a:rPr>
+              <a:t>Moved business development computer away from close contact with clients.</a:t>
+            </a:r>
+            <a:endParaRPr lang="en-US" sz="1100" dirty="0">
+              <a:solidFill>
+                <a:schemeClr val="bg2">
+                  <a:lumMod val="10000"/>
+                  <a:lumOff val="90000"/>
+                </a:schemeClr>
+              </a:solidFill>
+              <a:latin typeface="Calibri" panose="020F0502020204030204" pitchFamily="34" charset="0"/>
+              <a:ea typeface="Calibri" panose="020F0502020204030204" pitchFamily="34" charset="0"/>
+              <a:cs typeface="Times New Roman" panose="02020603050405020304" pitchFamily="18" charset="0"/>
+            </a:endParaRPr>
+          </a:p>
+          <a:p>
+            <a:pPr marL="342900" marR="0" lvl="0" indent="-342900">
+              <a:lnSpc>
+                <a:spcPct val="200000"/>
+              </a:lnSpc>
+              <a:spcBef>
+                <a:spcPts val="0"/>
+              </a:spcBef>
+              <a:spcAft>
+                <a:spcPts val="0"/>
+              </a:spcAft>
+              <a:buFont typeface=" Times New Roman ,serif"/>
+              <a:buChar char="-"/>
+            </a:pPr>
+            <a:r>
+              <a:rPr lang="en-US" sz="1200" i="1" u="sng" dirty="0">
+                <a:solidFill>
+                  <a:schemeClr val="bg2">
+                    <a:lumMod val="10000"/>
+                    <a:lumOff val="90000"/>
+                  </a:schemeClr>
+                </a:solidFill>
+                <a:latin typeface="Times New Roman" panose="02020603050405020304" pitchFamily="18" charset="0"/>
+                <a:ea typeface="Times New Roman" panose="02020603050405020304" pitchFamily="18" charset="0"/>
+                <a:cs typeface="Times New Roman" panose="02020603050405020304" pitchFamily="18" charset="0"/>
+              </a:rPr>
+              <a:t>Improved Network Security.</a:t>
+            </a:r>
+            <a:endParaRPr lang="en-US" sz="1100" dirty="0">
+              <a:solidFill>
+                <a:schemeClr val="bg2">
+                  <a:lumMod val="10000"/>
+                  <a:lumOff val="90000"/>
+                </a:schemeClr>
+              </a:solidFill>
+              <a:latin typeface="Calibri" panose="020F0502020204030204" pitchFamily="34" charset="0"/>
+              <a:ea typeface="Calibri" panose="020F0502020204030204" pitchFamily="34" charset="0"/>
+              <a:cs typeface="Times New Roman" panose="02020603050405020304" pitchFamily="18" charset="0"/>
+            </a:endParaRPr>
+          </a:p>
+          <a:p>
+            <a:pPr marL="742950" marR="0" lvl="1" indent="-285750">
+              <a:lnSpc>
+                <a:spcPct val="200000"/>
+              </a:lnSpc>
+              <a:spcBef>
+                <a:spcPts val="0"/>
+              </a:spcBef>
+              <a:spcAft>
+                <a:spcPts val="0"/>
+              </a:spcAft>
+              <a:buFont typeface="Courier New" panose="02070309020205020404" pitchFamily="49" charset="0"/>
+              <a:buChar char="o"/>
+            </a:pPr>
+            <a:r>
+              <a:rPr lang="en-US" sz="1200" dirty="0">
+                <a:solidFill>
+                  <a:schemeClr val="bg2">
+                    <a:lumMod val="10000"/>
+                    <a:lumOff val="90000"/>
+                  </a:schemeClr>
+                </a:solidFill>
+                <a:latin typeface="Times New Roman" panose="02020603050405020304" pitchFamily="18" charset="0"/>
+                <a:ea typeface="Times New Roman" panose="02020603050405020304" pitchFamily="18" charset="0"/>
+                <a:cs typeface="Times New Roman" panose="02020603050405020304" pitchFamily="18" charset="0"/>
+              </a:rPr>
+              <a:t>Installation and configuration of new Miraka Firewall / Router.</a:t>
+            </a:r>
+            <a:endParaRPr lang="en-US" sz="1100" dirty="0">
+              <a:solidFill>
+                <a:schemeClr val="bg2">
+                  <a:lumMod val="10000"/>
+                  <a:lumOff val="90000"/>
+                </a:schemeClr>
+              </a:solidFill>
+              <a:latin typeface="Calibri" panose="020F0502020204030204" pitchFamily="34" charset="0"/>
+              <a:ea typeface="Calibri" panose="020F0502020204030204" pitchFamily="34" charset="0"/>
+              <a:cs typeface="Times New Roman" panose="02020603050405020304" pitchFamily="18" charset="0"/>
+            </a:endParaRPr>
+          </a:p>
+          <a:p>
+            <a:pPr marL="742950" marR="0" lvl="1" indent="-285750">
+              <a:lnSpc>
+                <a:spcPct val="200000"/>
+              </a:lnSpc>
+              <a:spcBef>
+                <a:spcPts val="0"/>
+              </a:spcBef>
+              <a:spcAft>
+                <a:spcPts val="0"/>
+              </a:spcAft>
+              <a:buFont typeface="Courier New" panose="02070309020205020404" pitchFamily="49" charset="0"/>
+              <a:buChar char="o"/>
+            </a:pPr>
+            <a:r>
+              <a:rPr lang="en-US" sz="1200" dirty="0">
+                <a:solidFill>
+                  <a:schemeClr val="bg2">
+                    <a:lumMod val="10000"/>
+                    <a:lumOff val="90000"/>
+                  </a:schemeClr>
+                </a:solidFill>
+                <a:latin typeface="Times New Roman" panose="02020603050405020304" pitchFamily="18" charset="0"/>
+                <a:ea typeface="Times New Roman" panose="02020603050405020304" pitchFamily="18" charset="0"/>
+                <a:cs typeface="Times New Roman" panose="02020603050405020304" pitchFamily="18" charset="0"/>
+              </a:rPr>
+              <a:t>Installation, configuration, and Demo of Tunnel Bear VPN / Proxy.</a:t>
+            </a:r>
+            <a:endParaRPr lang="en-US" sz="1100" dirty="0">
+              <a:solidFill>
+                <a:schemeClr val="bg2">
+                  <a:lumMod val="10000"/>
+                  <a:lumOff val="90000"/>
+                </a:schemeClr>
+              </a:solidFill>
+              <a:latin typeface="Calibri" panose="020F0502020204030204" pitchFamily="34" charset="0"/>
+              <a:ea typeface="Calibri" panose="020F0502020204030204" pitchFamily="34" charset="0"/>
+              <a:cs typeface="Times New Roman" panose="02020603050405020304" pitchFamily="18" charset="0"/>
+            </a:endParaRPr>
+          </a:p>
+          <a:p>
+            <a:pPr marL="742950" marR="0" lvl="1" indent="-285750">
+              <a:lnSpc>
+                <a:spcPct val="200000"/>
+              </a:lnSpc>
+              <a:spcBef>
+                <a:spcPts val="0"/>
+              </a:spcBef>
+              <a:spcAft>
+                <a:spcPts val="0"/>
+              </a:spcAft>
+              <a:buFont typeface="Courier New" panose="02070309020205020404" pitchFamily="49" charset="0"/>
+              <a:buChar char="o"/>
+            </a:pPr>
+            <a:r>
+              <a:rPr lang="en-US" sz="1200" dirty="0">
+                <a:solidFill>
+                  <a:schemeClr val="bg2">
+                    <a:lumMod val="10000"/>
+                    <a:lumOff val="90000"/>
+                  </a:schemeClr>
+                </a:solidFill>
+                <a:latin typeface="Times New Roman" panose="02020603050405020304" pitchFamily="18" charset="0"/>
+                <a:ea typeface="Times New Roman" panose="02020603050405020304" pitchFamily="18" charset="0"/>
+                <a:cs typeface="Times New Roman" panose="02020603050405020304" pitchFamily="18" charset="0"/>
+              </a:rPr>
+              <a:t>Installation and configuration of segregated networks through Miraki.</a:t>
+            </a:r>
+            <a:endParaRPr lang="en-US" sz="1100" dirty="0">
+              <a:solidFill>
+                <a:schemeClr val="bg2">
+                  <a:lumMod val="10000"/>
+                  <a:lumOff val="90000"/>
+                </a:schemeClr>
+              </a:solidFill>
+              <a:latin typeface="Calibri" panose="020F0502020204030204" pitchFamily="34" charset="0"/>
+              <a:ea typeface="Calibri" panose="020F0502020204030204" pitchFamily="34" charset="0"/>
+              <a:cs typeface="Times New Roman" panose="02020603050405020304" pitchFamily="18" charset="0"/>
+            </a:endParaRPr>
+          </a:p>
+          <a:p>
+            <a:pPr marL="742950" marR="0" lvl="1" indent="-285750">
+              <a:lnSpc>
+                <a:spcPct val="200000"/>
+              </a:lnSpc>
+              <a:spcBef>
+                <a:spcPts val="0"/>
+              </a:spcBef>
+              <a:spcAft>
+                <a:spcPts val="0"/>
+              </a:spcAft>
+              <a:buFont typeface="Courier New" panose="02070309020205020404" pitchFamily="49" charset="0"/>
+              <a:buChar char="o"/>
+            </a:pPr>
+            <a:r>
+              <a:rPr lang="en-US" sz="1200" dirty="0">
+                <a:solidFill>
+                  <a:schemeClr val="bg2">
+                    <a:lumMod val="10000"/>
+                    <a:lumOff val="90000"/>
+                  </a:schemeClr>
+                </a:solidFill>
+                <a:latin typeface="Times New Roman" panose="02020603050405020304" pitchFamily="18" charset="0"/>
+                <a:ea typeface="Times New Roman" panose="02020603050405020304" pitchFamily="18" charset="0"/>
+                <a:cs typeface="Times New Roman" panose="02020603050405020304" pitchFamily="18" charset="0"/>
+              </a:rPr>
+              <a:t>Improved encryption from WPA to WPA2.</a:t>
+            </a:r>
+            <a:endParaRPr lang="en-US" sz="1100" dirty="0">
+              <a:solidFill>
+                <a:schemeClr val="bg2">
+                  <a:lumMod val="10000"/>
+                  <a:lumOff val="90000"/>
+                </a:schemeClr>
+              </a:solidFill>
+              <a:latin typeface="Calibri" panose="020F0502020204030204" pitchFamily="34" charset="0"/>
+              <a:ea typeface="Calibri" panose="020F0502020204030204" pitchFamily="34" charset="0"/>
+              <a:cs typeface="Times New Roman" panose="02020603050405020304" pitchFamily="18" charset="0"/>
+            </a:endParaRPr>
+          </a:p>
+          <a:p>
+            <a:pPr marL="342900" marR="0" lvl="0" indent="-342900">
+              <a:lnSpc>
+                <a:spcPct val="200000"/>
+              </a:lnSpc>
+              <a:spcBef>
+                <a:spcPts val="0"/>
+              </a:spcBef>
+              <a:spcAft>
+                <a:spcPts val="0"/>
+              </a:spcAft>
+              <a:buFont typeface=" Times New Roman ,serif"/>
+              <a:buChar char="-"/>
+            </a:pPr>
+            <a:r>
+              <a:rPr lang="en-US" sz="1200" i="1" u="sng" dirty="0">
+                <a:solidFill>
+                  <a:schemeClr val="bg2">
+                    <a:lumMod val="10000"/>
+                    <a:lumOff val="90000"/>
+                  </a:schemeClr>
+                </a:solidFill>
+                <a:latin typeface="Times New Roman" panose="02020603050405020304" pitchFamily="18" charset="0"/>
+                <a:ea typeface="Times New Roman" panose="02020603050405020304" pitchFamily="18" charset="0"/>
+                <a:cs typeface="Times New Roman" panose="02020603050405020304" pitchFamily="18" charset="0"/>
+              </a:rPr>
+              <a:t>Improved Operational Security.</a:t>
+            </a:r>
+            <a:endParaRPr lang="en-US" sz="1100" dirty="0">
+              <a:solidFill>
+                <a:schemeClr val="bg2">
+                  <a:lumMod val="10000"/>
+                  <a:lumOff val="90000"/>
+                </a:schemeClr>
+              </a:solidFill>
+              <a:latin typeface="Calibri" panose="020F0502020204030204" pitchFamily="34" charset="0"/>
+              <a:ea typeface="Calibri" panose="020F0502020204030204" pitchFamily="34" charset="0"/>
+              <a:cs typeface="Times New Roman" panose="02020603050405020304" pitchFamily="18" charset="0"/>
+            </a:endParaRPr>
+          </a:p>
+          <a:p>
+            <a:pPr marL="742950" marR="0" lvl="1" indent="-285750">
+              <a:lnSpc>
+                <a:spcPct val="200000"/>
+              </a:lnSpc>
+              <a:spcBef>
+                <a:spcPts val="0"/>
+              </a:spcBef>
+              <a:spcAft>
+                <a:spcPts val="0"/>
+              </a:spcAft>
+              <a:buFont typeface="Courier New" panose="02070309020205020404" pitchFamily="49" charset="0"/>
+              <a:buChar char="o"/>
+            </a:pPr>
+            <a:r>
+              <a:rPr lang="en-US" sz="1200" dirty="0">
+                <a:solidFill>
+                  <a:schemeClr val="bg2">
+                    <a:lumMod val="10000"/>
+                    <a:lumOff val="90000"/>
+                  </a:schemeClr>
+                </a:solidFill>
+                <a:latin typeface="Times New Roman" panose="02020603050405020304" pitchFamily="18" charset="0"/>
+                <a:ea typeface="Times New Roman" panose="02020603050405020304" pitchFamily="18" charset="0"/>
+                <a:cs typeface="Times New Roman" panose="02020603050405020304" pitchFamily="18" charset="0"/>
+              </a:rPr>
+              <a:t>Installation and Demo of WinZip7 for storing data at rest or in transit.</a:t>
+            </a:r>
+            <a:endParaRPr lang="en-US" sz="1100" dirty="0">
+              <a:solidFill>
+                <a:schemeClr val="bg2">
+                  <a:lumMod val="10000"/>
+                  <a:lumOff val="90000"/>
+                </a:schemeClr>
+              </a:solidFill>
+              <a:latin typeface="Calibri" panose="020F0502020204030204" pitchFamily="34" charset="0"/>
+              <a:ea typeface="Calibri" panose="020F0502020204030204" pitchFamily="34" charset="0"/>
+              <a:cs typeface="Times New Roman" panose="02020603050405020304" pitchFamily="18" charset="0"/>
+            </a:endParaRPr>
+          </a:p>
+          <a:p>
+            <a:pPr marL="742950" marR="0" lvl="1" indent="-285750">
+              <a:lnSpc>
+                <a:spcPct val="200000"/>
+              </a:lnSpc>
+              <a:spcBef>
+                <a:spcPts val="0"/>
+              </a:spcBef>
+              <a:spcAft>
+                <a:spcPts val="0"/>
+              </a:spcAft>
+              <a:buFont typeface="Courier New" panose="02070309020205020404" pitchFamily="49" charset="0"/>
+              <a:buChar char="o"/>
+            </a:pPr>
+            <a:r>
+              <a:rPr lang="en-US" sz="1200" dirty="0">
+                <a:solidFill>
+                  <a:schemeClr val="bg2">
+                    <a:lumMod val="10000"/>
+                    <a:lumOff val="90000"/>
+                  </a:schemeClr>
+                </a:solidFill>
+                <a:latin typeface="Times New Roman" panose="02020603050405020304" pitchFamily="18" charset="0"/>
+                <a:ea typeface="Times New Roman" panose="02020603050405020304" pitchFamily="18" charset="0"/>
+                <a:cs typeface="Times New Roman" panose="02020603050405020304" pitchFamily="18" charset="0"/>
+              </a:rPr>
+              <a:t>Installation and Demo of Google Drive for content management.</a:t>
+            </a:r>
+            <a:endParaRPr lang="en-US" sz="1100" dirty="0">
+              <a:solidFill>
+                <a:schemeClr val="bg2">
+                  <a:lumMod val="10000"/>
+                  <a:lumOff val="90000"/>
+                </a:schemeClr>
+              </a:solidFill>
+              <a:latin typeface="Calibri" panose="020F0502020204030204" pitchFamily="34" charset="0"/>
+              <a:ea typeface="Calibri" panose="020F0502020204030204" pitchFamily="34" charset="0"/>
+              <a:cs typeface="Times New Roman" panose="02020603050405020304" pitchFamily="18" charset="0"/>
+            </a:endParaRPr>
+          </a:p>
+          <a:p>
+            <a:pPr marL="342900" marR="0" lvl="0" indent="-342900">
+              <a:lnSpc>
+                <a:spcPct val="200000"/>
+              </a:lnSpc>
+              <a:spcBef>
+                <a:spcPts val="0"/>
+              </a:spcBef>
+              <a:spcAft>
+                <a:spcPts val="0"/>
+              </a:spcAft>
+              <a:buFont typeface=" Times New Roman ,serif"/>
+              <a:buChar char="-"/>
+            </a:pPr>
+            <a:r>
+              <a:rPr lang="en-US" sz="1200" i="1" u="sng" dirty="0">
+                <a:solidFill>
+                  <a:schemeClr val="bg2">
+                    <a:lumMod val="10000"/>
+                    <a:lumOff val="90000"/>
+                  </a:schemeClr>
+                </a:solidFill>
+                <a:latin typeface="Times New Roman" panose="02020603050405020304" pitchFamily="18" charset="0"/>
+                <a:ea typeface="Calibri" panose="020F0502020204030204" pitchFamily="34" charset="0"/>
+                <a:cs typeface="Times New Roman" panose="02020603050405020304" pitchFamily="18" charset="0"/>
+              </a:rPr>
+              <a:t>Current NIST Tier Level is : 1.</a:t>
+            </a:r>
+            <a:endParaRPr lang="en-US" sz="1100" dirty="0">
+              <a:solidFill>
+                <a:schemeClr val="bg2">
+                  <a:lumMod val="10000"/>
+                  <a:lumOff val="90000"/>
+                </a:schemeClr>
+              </a:solidFill>
+              <a:latin typeface="Calibri" panose="020F0502020204030204" pitchFamily="34" charset="0"/>
+              <a:ea typeface="Calibri" panose="020F0502020204030204" pitchFamily="34" charset="0"/>
+              <a:cs typeface="Times New Roman" panose="02020603050405020304" pitchFamily="18" charset="0"/>
+            </a:endParaRPr>
+          </a:p>
+          <a:p>
+            <a:pPr marL="742950" marR="0" lvl="1" indent="-285750">
+              <a:lnSpc>
+                <a:spcPct val="200000"/>
+              </a:lnSpc>
+              <a:spcBef>
+                <a:spcPts val="0"/>
+              </a:spcBef>
+              <a:spcAft>
+                <a:spcPts val="0"/>
+              </a:spcAft>
+              <a:buFont typeface="Courier New" panose="02070309020205020404" pitchFamily="49" charset="0"/>
+              <a:buChar char="o"/>
+            </a:pPr>
+            <a:r>
+              <a:rPr lang="en-US" sz="1200" dirty="0">
+                <a:solidFill>
+                  <a:schemeClr val="bg2">
+                    <a:lumMod val="10000"/>
+                    <a:lumOff val="90000"/>
+                  </a:schemeClr>
+                </a:solidFill>
+                <a:latin typeface="Times New Roman" panose="02020603050405020304" pitchFamily="18" charset="0"/>
+                <a:ea typeface="Calibri" panose="020F0502020204030204" pitchFamily="34" charset="0"/>
+                <a:cs typeface="Times New Roman" panose="02020603050405020304" pitchFamily="18" charset="0"/>
+              </a:rPr>
+              <a:t>Although this organization showed some limited knowledge about cybersecurity there was little to no cybersecurity coordination. Making it quite accessible and starting it at the level of one.</a:t>
+            </a:r>
+            <a:endParaRPr lang="en-US" sz="1100" dirty="0">
+              <a:solidFill>
+                <a:schemeClr val="bg2">
+                  <a:lumMod val="10000"/>
+                  <a:lumOff val="90000"/>
+                </a:schemeClr>
+              </a:solidFill>
+              <a:latin typeface="Calibri" panose="020F0502020204030204" pitchFamily="34" charset="0"/>
+              <a:ea typeface="Calibri" panose="020F0502020204030204" pitchFamily="34" charset="0"/>
+              <a:cs typeface="Times New Roman" panose="02020603050405020304" pitchFamily="18" charset="0"/>
+            </a:endParaRPr>
+          </a:p>
+          <a:p>
+            <a:pPr marL="342900" marR="0" lvl="0" indent="-342900">
+              <a:lnSpc>
+                <a:spcPct val="200000"/>
+              </a:lnSpc>
+              <a:spcBef>
+                <a:spcPts val="0"/>
+              </a:spcBef>
+              <a:spcAft>
+                <a:spcPts val="0"/>
+              </a:spcAft>
+              <a:buFont typeface=" Times New Roman ,serif"/>
+              <a:buChar char="-"/>
+            </a:pPr>
+            <a:r>
+              <a:rPr lang="en-US" sz="1200" i="1" u="sng" dirty="0">
+                <a:solidFill>
+                  <a:schemeClr val="bg2">
+                    <a:lumMod val="10000"/>
+                    <a:lumOff val="90000"/>
+                  </a:schemeClr>
+                </a:solidFill>
+                <a:latin typeface="Times New Roman" panose="02020603050405020304" pitchFamily="18" charset="0"/>
+                <a:ea typeface="Calibri" panose="020F0502020204030204" pitchFamily="34" charset="0"/>
+                <a:cs typeface="Times New Roman" panose="02020603050405020304" pitchFamily="18" charset="0"/>
+              </a:rPr>
+              <a:t>Proposed Target NIST Tier Level is: 2.</a:t>
+            </a:r>
+            <a:endParaRPr lang="en-US" sz="1100" dirty="0">
+              <a:solidFill>
+                <a:schemeClr val="bg2">
+                  <a:lumMod val="10000"/>
+                  <a:lumOff val="90000"/>
+                </a:schemeClr>
+              </a:solidFill>
+              <a:latin typeface="Calibri" panose="020F0502020204030204" pitchFamily="34" charset="0"/>
+              <a:ea typeface="Calibri" panose="020F0502020204030204" pitchFamily="34" charset="0"/>
+              <a:cs typeface="Times New Roman" panose="02020603050405020304" pitchFamily="18" charset="0"/>
+            </a:endParaRPr>
+          </a:p>
+          <a:p>
+            <a:pPr marL="742950" marR="0" lvl="1" indent="-285750">
+              <a:lnSpc>
+                <a:spcPct val="200000"/>
+              </a:lnSpc>
+              <a:spcBef>
+                <a:spcPts val="0"/>
+              </a:spcBef>
+              <a:spcAft>
+                <a:spcPts val="800"/>
+              </a:spcAft>
+              <a:buFont typeface="Courier New" panose="02070309020205020404" pitchFamily="49" charset="0"/>
+              <a:buChar char="o"/>
+            </a:pPr>
+            <a:r>
+              <a:rPr lang="en-US" sz="1200" dirty="0">
+                <a:solidFill>
+                  <a:schemeClr val="bg2">
+                    <a:lumMod val="10000"/>
+                    <a:lumOff val="90000"/>
+                  </a:schemeClr>
+                </a:solidFill>
+                <a:latin typeface="Times New Roman" panose="02020603050405020304" pitchFamily="18" charset="0"/>
+                <a:ea typeface="Calibri" panose="020F0502020204030204" pitchFamily="34" charset="0"/>
+                <a:cs typeface="Times New Roman" panose="02020603050405020304" pitchFamily="18" charset="0"/>
+              </a:rPr>
+              <a:t>Within this security overhaul, this organization will contain management approved processes for deployment of security constructs, will have a somewhat high level of awareness of its own security posture, and have enough digital and physical resources to maintain a loosely coordinated security posture. Giving it a NIST Tier level to a 2.</a:t>
+            </a:r>
+            <a:endParaRPr lang="en-US" sz="1100" dirty="0">
+              <a:solidFill>
+                <a:schemeClr val="bg2">
+                  <a:lumMod val="10000"/>
+                  <a:lumOff val="90000"/>
+                </a:schemeClr>
+              </a:solidFill>
+              <a:effectLst/>
+              <a:latin typeface="Calibri" panose="020F0502020204030204" pitchFamily="34" charset="0"/>
+              <a:ea typeface="Calibri" panose="020F0502020204030204" pitchFamily="34" charset="0"/>
+              <a:cs typeface="Times New Roman" panose="02020603050405020304" pitchFamily="18" charset="0"/>
             </a:endParaRPr>
           </a:p>
         </p:txBody>
@@ -13055,7 +13719,7 @@
         </p:nvSpPr>
         <p:spPr>
           <a:xfrm>
-            <a:off x="5298249" y="3244334"/>
+            <a:off x="1346360" y="353989"/>
             <a:ext cx="1595501" cy="369332"/>
           </a:xfrm>
           <a:prstGeom prst="rect">
@@ -13088,6 +13752,567 @@
               </a:solidFill>
               <a:effectLst/>
               <a:latin typeface="Times New Roman" panose="02020603050405020304" pitchFamily="18" charset="0"/>
+            </a:endParaRPr>
+          </a:p>
+        </p:txBody>
+      </p:sp>
+      <p:sp>
+        <p:nvSpPr>
+          <p:cNvPr id="3" name="Rectangle 2">
+            <a:extLst>
+              <a:ext uri="{FF2B5EF4-FFF2-40B4-BE49-F238E27FC236}">
+                <a16:creationId xmlns:a16="http://schemas.microsoft.com/office/drawing/2014/main" id="{76F095FB-8858-47E1-A51B-F3E6407C5B8A}"/>
+              </a:ext>
+            </a:extLst>
+          </p:cNvPr>
+          <p:cNvSpPr/>
+          <p:nvPr/>
+        </p:nvSpPr>
+        <p:spPr>
+          <a:xfrm>
+            <a:off x="2941861" y="538655"/>
+            <a:ext cx="6096000" cy="17905030"/>
+          </a:xfrm>
+          <a:prstGeom prst="rect">
+            <a:avLst/>
+          </a:prstGeom>
+        </p:spPr>
+        <p:txBody>
+          <a:bodyPr>
+            <a:spAutoFit/>
+          </a:bodyPr>
+          <a:lstStyle/>
+          <a:p>
+            <a:pPr>
+              <a:lnSpc>
+                <a:spcPct val="200000"/>
+              </a:lnSpc>
+              <a:spcAft>
+                <a:spcPts val="800"/>
+              </a:spcAft>
+            </a:pPr>
+            <a:r>
+              <a:rPr lang="en-US" dirty="0">
+                <a:solidFill>
+                  <a:schemeClr val="bg2">
+                    <a:lumMod val="10000"/>
+                    <a:lumOff val="90000"/>
+                  </a:schemeClr>
+                </a:solidFill>
+                <a:latin typeface="Times New Roman" panose="02020603050405020304" pitchFamily="18" charset="0"/>
+                <a:ea typeface="Calibri" panose="020F0502020204030204" pitchFamily="34" charset="0"/>
+                <a:cs typeface="Times New Roman" panose="02020603050405020304" pitchFamily="18" charset="0"/>
+              </a:rPr>
+              <a:t>Leyshon, A. (2014). Reformatted: Code, networks, and the transformation of the music industry. Oxford University Press, USA.</a:t>
+            </a:r>
+            <a:endParaRPr lang="en-US" sz="2400" dirty="0">
+              <a:solidFill>
+                <a:schemeClr val="bg2">
+                  <a:lumMod val="10000"/>
+                  <a:lumOff val="90000"/>
+                </a:schemeClr>
+              </a:solidFill>
+              <a:latin typeface="Calibri" panose="020F0502020204030204" pitchFamily="34" charset="0"/>
+              <a:ea typeface="Calibri" panose="020F0502020204030204" pitchFamily="34" charset="0"/>
+              <a:cs typeface="Times New Roman" panose="02020603050405020304" pitchFamily="18" charset="0"/>
+            </a:endParaRPr>
+          </a:p>
+          <a:p>
+            <a:pPr>
+              <a:lnSpc>
+                <a:spcPct val="200000"/>
+              </a:lnSpc>
+              <a:spcAft>
+                <a:spcPts val="800"/>
+              </a:spcAft>
+            </a:pPr>
+            <a:r>
+              <a:rPr lang="en-US" dirty="0" err="1">
+                <a:solidFill>
+                  <a:schemeClr val="bg2">
+                    <a:lumMod val="10000"/>
+                    <a:lumOff val="90000"/>
+                  </a:schemeClr>
+                </a:solidFill>
+                <a:latin typeface="Times New Roman" panose="02020603050405020304" pitchFamily="18" charset="0"/>
+                <a:ea typeface="Calibri" panose="020F0502020204030204" pitchFamily="34" charset="0"/>
+                <a:cs typeface="Times New Roman" panose="02020603050405020304" pitchFamily="18" charset="0"/>
+              </a:rPr>
+              <a:t>Monshizadeh</a:t>
+            </a:r>
+            <a:r>
+              <a:rPr lang="en-US" dirty="0">
+                <a:solidFill>
+                  <a:schemeClr val="bg2">
+                    <a:lumMod val="10000"/>
+                    <a:lumOff val="90000"/>
+                  </a:schemeClr>
+                </a:solidFill>
+                <a:latin typeface="Times New Roman" panose="02020603050405020304" pitchFamily="18" charset="0"/>
+                <a:ea typeface="Calibri" panose="020F0502020204030204" pitchFamily="34" charset="0"/>
+                <a:cs typeface="Times New Roman" panose="02020603050405020304" pitchFamily="18" charset="0"/>
+              </a:rPr>
+              <a:t>, M., </a:t>
+            </a:r>
+            <a:r>
+              <a:rPr lang="en-US" dirty="0" err="1">
+                <a:solidFill>
+                  <a:schemeClr val="bg2">
+                    <a:lumMod val="10000"/>
+                    <a:lumOff val="90000"/>
+                  </a:schemeClr>
+                </a:solidFill>
+                <a:latin typeface="Times New Roman" panose="02020603050405020304" pitchFamily="18" charset="0"/>
+                <a:ea typeface="Calibri" panose="020F0502020204030204" pitchFamily="34" charset="0"/>
+                <a:cs typeface="Times New Roman" panose="02020603050405020304" pitchFamily="18" charset="0"/>
+              </a:rPr>
+              <a:t>Naldurg</a:t>
+            </a:r>
+            <a:r>
+              <a:rPr lang="en-US" dirty="0">
+                <a:solidFill>
+                  <a:schemeClr val="bg2">
+                    <a:lumMod val="10000"/>
+                    <a:lumOff val="90000"/>
+                  </a:schemeClr>
+                </a:solidFill>
+                <a:latin typeface="Times New Roman" panose="02020603050405020304" pitchFamily="18" charset="0"/>
+                <a:ea typeface="Calibri" panose="020F0502020204030204" pitchFamily="34" charset="0"/>
+                <a:cs typeface="Times New Roman" panose="02020603050405020304" pitchFamily="18" charset="0"/>
+              </a:rPr>
+              <a:t>, P., &amp; </a:t>
+            </a:r>
+            <a:r>
+              <a:rPr lang="en-US" dirty="0" err="1">
+                <a:solidFill>
+                  <a:schemeClr val="bg2">
+                    <a:lumMod val="10000"/>
+                    <a:lumOff val="90000"/>
+                  </a:schemeClr>
+                </a:solidFill>
+                <a:latin typeface="Times New Roman" panose="02020603050405020304" pitchFamily="18" charset="0"/>
+                <a:ea typeface="Calibri" panose="020F0502020204030204" pitchFamily="34" charset="0"/>
+                <a:cs typeface="Times New Roman" panose="02020603050405020304" pitchFamily="18" charset="0"/>
+              </a:rPr>
+              <a:t>Venkatakrishnan</a:t>
+            </a:r>
+            <a:r>
+              <a:rPr lang="en-US" dirty="0">
+                <a:solidFill>
+                  <a:schemeClr val="bg2">
+                    <a:lumMod val="10000"/>
+                    <a:lumOff val="90000"/>
+                  </a:schemeClr>
+                </a:solidFill>
+                <a:latin typeface="Times New Roman" panose="02020603050405020304" pitchFamily="18" charset="0"/>
+                <a:ea typeface="Calibri" panose="020F0502020204030204" pitchFamily="34" charset="0"/>
+                <a:cs typeface="Times New Roman" panose="02020603050405020304" pitchFamily="18" charset="0"/>
+              </a:rPr>
+              <a:t>, V. N. (2014, November). Mace: Detecting privilege escalation vulnerabilities in web applications. In </a:t>
+            </a:r>
+            <a:r>
+              <a:rPr lang="en-US" i="1" dirty="0">
+                <a:solidFill>
+                  <a:schemeClr val="bg2">
+                    <a:lumMod val="10000"/>
+                    <a:lumOff val="90000"/>
+                  </a:schemeClr>
+                </a:solidFill>
+                <a:latin typeface="Times New Roman" panose="02020603050405020304" pitchFamily="18" charset="0"/>
+                <a:ea typeface="Calibri" panose="020F0502020204030204" pitchFamily="34" charset="0"/>
+                <a:cs typeface="Times New Roman" panose="02020603050405020304" pitchFamily="18" charset="0"/>
+              </a:rPr>
+              <a:t>Proceedings of the 2014 ACM SIGSAC Conference on Computer and Communications Security</a:t>
+            </a:r>
+            <a:r>
+              <a:rPr lang="en-US" dirty="0">
+                <a:solidFill>
+                  <a:schemeClr val="bg2">
+                    <a:lumMod val="10000"/>
+                    <a:lumOff val="90000"/>
+                  </a:schemeClr>
+                </a:solidFill>
+                <a:latin typeface="Times New Roman" panose="02020603050405020304" pitchFamily="18" charset="0"/>
+                <a:ea typeface="Calibri" panose="020F0502020204030204" pitchFamily="34" charset="0"/>
+                <a:cs typeface="Times New Roman" panose="02020603050405020304" pitchFamily="18" charset="0"/>
+              </a:rPr>
+              <a:t> (pp. 690-701).</a:t>
+            </a:r>
+            <a:endParaRPr lang="en-US" sz="2400" dirty="0">
+              <a:solidFill>
+                <a:schemeClr val="bg2">
+                  <a:lumMod val="10000"/>
+                  <a:lumOff val="90000"/>
+                </a:schemeClr>
+              </a:solidFill>
+              <a:latin typeface="Calibri" panose="020F0502020204030204" pitchFamily="34" charset="0"/>
+              <a:ea typeface="Calibri" panose="020F0502020204030204" pitchFamily="34" charset="0"/>
+              <a:cs typeface="Times New Roman" panose="02020603050405020304" pitchFamily="18" charset="0"/>
+            </a:endParaRPr>
+          </a:p>
+          <a:p>
+            <a:pPr>
+              <a:lnSpc>
+                <a:spcPct val="200000"/>
+              </a:lnSpc>
+              <a:spcAft>
+                <a:spcPts val="800"/>
+              </a:spcAft>
+            </a:pPr>
+            <a:r>
+              <a:rPr lang="en-US" dirty="0" err="1">
+                <a:solidFill>
+                  <a:schemeClr val="bg2">
+                    <a:lumMod val="10000"/>
+                    <a:lumOff val="90000"/>
+                  </a:schemeClr>
+                </a:solidFill>
+                <a:latin typeface="Times New Roman" panose="02020603050405020304" pitchFamily="18" charset="0"/>
+                <a:ea typeface="Calibri" panose="020F0502020204030204" pitchFamily="34" charset="0"/>
+                <a:cs typeface="Times New Roman" panose="02020603050405020304" pitchFamily="18" charset="0"/>
+              </a:rPr>
+              <a:t>Xie</a:t>
+            </a:r>
+            <a:r>
+              <a:rPr lang="en-US" dirty="0">
+                <a:solidFill>
+                  <a:schemeClr val="bg2">
+                    <a:lumMod val="10000"/>
+                    <a:lumOff val="90000"/>
+                  </a:schemeClr>
+                </a:solidFill>
+                <a:latin typeface="Times New Roman" panose="02020603050405020304" pitchFamily="18" charset="0"/>
+                <a:ea typeface="Calibri" panose="020F0502020204030204" pitchFamily="34" charset="0"/>
+                <a:cs typeface="Times New Roman" panose="02020603050405020304" pitchFamily="18" charset="0"/>
+              </a:rPr>
+              <a:t>, R., &amp; Gamble, R. (2013, January). An architecture for cross-cloud auditing. In </a:t>
+            </a:r>
+            <a:r>
+              <a:rPr lang="en-US" i="1" dirty="0">
+                <a:solidFill>
+                  <a:schemeClr val="bg2">
+                    <a:lumMod val="10000"/>
+                    <a:lumOff val="90000"/>
+                  </a:schemeClr>
+                </a:solidFill>
+                <a:latin typeface="Times New Roman" panose="02020603050405020304" pitchFamily="18" charset="0"/>
+                <a:ea typeface="Calibri" panose="020F0502020204030204" pitchFamily="34" charset="0"/>
+                <a:cs typeface="Times New Roman" panose="02020603050405020304" pitchFamily="18" charset="0"/>
+              </a:rPr>
+              <a:t>Proceedings of the Eighth Annual Cyber Security and Information Intelligence Research Workshop</a:t>
+            </a:r>
+            <a:r>
+              <a:rPr lang="en-US" dirty="0">
+                <a:solidFill>
+                  <a:schemeClr val="bg2">
+                    <a:lumMod val="10000"/>
+                    <a:lumOff val="90000"/>
+                  </a:schemeClr>
+                </a:solidFill>
+                <a:latin typeface="Times New Roman" panose="02020603050405020304" pitchFamily="18" charset="0"/>
+                <a:ea typeface="Calibri" panose="020F0502020204030204" pitchFamily="34" charset="0"/>
+                <a:cs typeface="Times New Roman" panose="02020603050405020304" pitchFamily="18" charset="0"/>
+              </a:rPr>
+              <a:t> (pp. 1-4).</a:t>
+            </a:r>
+            <a:endParaRPr lang="en-US" sz="2400" dirty="0">
+              <a:solidFill>
+                <a:schemeClr val="bg2">
+                  <a:lumMod val="10000"/>
+                  <a:lumOff val="90000"/>
+                </a:schemeClr>
+              </a:solidFill>
+              <a:latin typeface="Calibri" panose="020F0502020204030204" pitchFamily="34" charset="0"/>
+              <a:ea typeface="Calibri" panose="020F0502020204030204" pitchFamily="34" charset="0"/>
+              <a:cs typeface="Times New Roman" panose="02020603050405020304" pitchFamily="18" charset="0"/>
+            </a:endParaRPr>
+          </a:p>
+          <a:p>
+            <a:pPr>
+              <a:lnSpc>
+                <a:spcPct val="200000"/>
+              </a:lnSpc>
+              <a:spcAft>
+                <a:spcPts val="800"/>
+              </a:spcAft>
+            </a:pPr>
+            <a:r>
+              <a:rPr lang="en-US" dirty="0">
+                <a:solidFill>
+                  <a:schemeClr val="bg2">
+                    <a:lumMod val="10000"/>
+                    <a:lumOff val="90000"/>
+                  </a:schemeClr>
+                </a:solidFill>
+                <a:latin typeface="Times New Roman" panose="02020603050405020304" pitchFamily="18" charset="0"/>
+                <a:ea typeface="Calibri" panose="020F0502020204030204" pitchFamily="34" charset="0"/>
+                <a:cs typeface="Times New Roman" panose="02020603050405020304" pitchFamily="18" charset="0"/>
+              </a:rPr>
+              <a:t>Ma, S., Lee, K. H., Kim, C. H., Rhee, J., Zhang, X., &amp; Xu, D. (2015, December). Accurate, low cost and instrumentation-free security audit logging for windows. In </a:t>
+            </a:r>
+            <a:r>
+              <a:rPr lang="en-US" i="1" dirty="0">
+                <a:solidFill>
+                  <a:schemeClr val="bg2">
+                    <a:lumMod val="10000"/>
+                    <a:lumOff val="90000"/>
+                  </a:schemeClr>
+                </a:solidFill>
+                <a:latin typeface="Times New Roman" panose="02020603050405020304" pitchFamily="18" charset="0"/>
+                <a:ea typeface="Calibri" panose="020F0502020204030204" pitchFamily="34" charset="0"/>
+                <a:cs typeface="Times New Roman" panose="02020603050405020304" pitchFamily="18" charset="0"/>
+              </a:rPr>
+              <a:t>Proceedings of the 31st Annual Computer Security Applications Conference</a:t>
+            </a:r>
+            <a:r>
+              <a:rPr lang="en-US" dirty="0">
+                <a:solidFill>
+                  <a:schemeClr val="bg2">
+                    <a:lumMod val="10000"/>
+                    <a:lumOff val="90000"/>
+                  </a:schemeClr>
+                </a:solidFill>
+                <a:latin typeface="Times New Roman" panose="02020603050405020304" pitchFamily="18" charset="0"/>
+                <a:ea typeface="Calibri" panose="020F0502020204030204" pitchFamily="34" charset="0"/>
+                <a:cs typeface="Times New Roman" panose="02020603050405020304" pitchFamily="18" charset="0"/>
+              </a:rPr>
+              <a:t> (pp. 401-410).</a:t>
+            </a:r>
+            <a:endParaRPr lang="en-US" sz="2400" dirty="0">
+              <a:solidFill>
+                <a:schemeClr val="bg2">
+                  <a:lumMod val="10000"/>
+                  <a:lumOff val="90000"/>
+                </a:schemeClr>
+              </a:solidFill>
+              <a:latin typeface="Calibri" panose="020F0502020204030204" pitchFamily="34" charset="0"/>
+              <a:ea typeface="Calibri" panose="020F0502020204030204" pitchFamily="34" charset="0"/>
+              <a:cs typeface="Times New Roman" panose="02020603050405020304" pitchFamily="18" charset="0"/>
+            </a:endParaRPr>
+          </a:p>
+          <a:p>
+            <a:pPr>
+              <a:lnSpc>
+                <a:spcPct val="200000"/>
+              </a:lnSpc>
+              <a:spcAft>
+                <a:spcPts val="800"/>
+              </a:spcAft>
+            </a:pPr>
+            <a:r>
+              <a:rPr lang="en-US" dirty="0">
+                <a:solidFill>
+                  <a:schemeClr val="bg2">
+                    <a:lumMod val="10000"/>
+                    <a:lumOff val="90000"/>
+                  </a:schemeClr>
+                </a:solidFill>
+                <a:latin typeface="Times New Roman" panose="02020603050405020304" pitchFamily="18" charset="0"/>
+                <a:ea typeface="Calibri" panose="020F0502020204030204" pitchFamily="34" charset="0"/>
+                <a:cs typeface="Times New Roman" panose="02020603050405020304" pitchFamily="18" charset="0"/>
+              </a:rPr>
+              <a:t>Lihong, Y., &amp; </a:t>
+            </a:r>
+            <a:r>
+              <a:rPr lang="en-US" dirty="0" err="1">
+                <a:solidFill>
+                  <a:schemeClr val="bg2">
+                    <a:lumMod val="10000"/>
+                    <a:lumOff val="90000"/>
+                  </a:schemeClr>
+                </a:solidFill>
+                <a:latin typeface="Times New Roman" panose="02020603050405020304" pitchFamily="18" charset="0"/>
+                <a:ea typeface="Calibri" panose="020F0502020204030204" pitchFamily="34" charset="0"/>
+                <a:cs typeface="Times New Roman" panose="02020603050405020304" pitchFamily="18" charset="0"/>
+              </a:rPr>
+              <a:t>Zhiguo</a:t>
+            </a:r>
+            <a:r>
+              <a:rPr lang="en-US" dirty="0">
+                <a:solidFill>
+                  <a:schemeClr val="bg2">
+                    <a:lumMod val="10000"/>
+                    <a:lumOff val="90000"/>
+                  </a:schemeClr>
+                </a:solidFill>
+                <a:latin typeface="Times New Roman" panose="02020603050405020304" pitchFamily="18" charset="0"/>
+                <a:ea typeface="Calibri" panose="020F0502020204030204" pitchFamily="34" charset="0"/>
+                <a:cs typeface="Times New Roman" panose="02020603050405020304" pitchFamily="18" charset="0"/>
+              </a:rPr>
+              <a:t>, W. (2018, September). Research and Design of Multi Dimension Protection System for Data Security in Cloud Computing Environment. In </a:t>
+            </a:r>
+            <a:r>
+              <a:rPr lang="en-US" i="1" dirty="0">
+                <a:solidFill>
+                  <a:schemeClr val="bg2">
+                    <a:lumMod val="10000"/>
+                    <a:lumOff val="90000"/>
+                  </a:schemeClr>
+                </a:solidFill>
+                <a:latin typeface="Times New Roman" panose="02020603050405020304" pitchFamily="18" charset="0"/>
+                <a:ea typeface="Calibri" panose="020F0502020204030204" pitchFamily="34" charset="0"/>
+                <a:cs typeface="Times New Roman" panose="02020603050405020304" pitchFamily="18" charset="0"/>
+              </a:rPr>
+              <a:t>Proceedings of the 2018 International Conference on Information Hiding and Image Processing</a:t>
+            </a:r>
+            <a:r>
+              <a:rPr lang="en-US" dirty="0">
+                <a:solidFill>
+                  <a:schemeClr val="bg2">
+                    <a:lumMod val="10000"/>
+                    <a:lumOff val="90000"/>
+                  </a:schemeClr>
+                </a:solidFill>
+                <a:latin typeface="Times New Roman" panose="02020603050405020304" pitchFamily="18" charset="0"/>
+                <a:ea typeface="Calibri" panose="020F0502020204030204" pitchFamily="34" charset="0"/>
+                <a:cs typeface="Times New Roman" panose="02020603050405020304" pitchFamily="18" charset="0"/>
+              </a:rPr>
+              <a:t> (pp. 12-15).</a:t>
+            </a:r>
+            <a:endParaRPr lang="en-US" sz="2400" dirty="0">
+              <a:solidFill>
+                <a:schemeClr val="bg2">
+                  <a:lumMod val="10000"/>
+                  <a:lumOff val="90000"/>
+                </a:schemeClr>
+              </a:solidFill>
+              <a:latin typeface="Calibri" panose="020F0502020204030204" pitchFamily="34" charset="0"/>
+              <a:ea typeface="Calibri" panose="020F0502020204030204" pitchFamily="34" charset="0"/>
+              <a:cs typeface="Times New Roman" panose="02020603050405020304" pitchFamily="18" charset="0"/>
+            </a:endParaRPr>
+          </a:p>
+          <a:p>
+            <a:pPr>
+              <a:lnSpc>
+                <a:spcPct val="200000"/>
+              </a:lnSpc>
+              <a:spcAft>
+                <a:spcPts val="800"/>
+              </a:spcAft>
+            </a:pPr>
+            <a:r>
+              <a:rPr lang="en-US" dirty="0">
+                <a:solidFill>
+                  <a:schemeClr val="bg2">
+                    <a:lumMod val="10000"/>
+                    <a:lumOff val="90000"/>
+                  </a:schemeClr>
+                </a:solidFill>
+                <a:latin typeface="Times New Roman" panose="02020603050405020304" pitchFamily="18" charset="0"/>
+                <a:ea typeface="Arial" panose="020B0604020202020204" pitchFamily="34" charset="0"/>
+                <a:cs typeface="Times New Roman" panose="02020603050405020304" pitchFamily="18" charset="0"/>
+              </a:rPr>
+              <a:t>Jordan, S. (2012). Defense in depth: Employing a layered approach for protecting federal government information systems.</a:t>
+            </a:r>
+            <a:endParaRPr lang="en-US" sz="2400" dirty="0">
+              <a:solidFill>
+                <a:schemeClr val="bg2">
+                  <a:lumMod val="10000"/>
+                  <a:lumOff val="90000"/>
+                </a:schemeClr>
+              </a:solidFill>
+              <a:latin typeface="Calibri" panose="020F0502020204030204" pitchFamily="34" charset="0"/>
+              <a:ea typeface="Calibri" panose="020F0502020204030204" pitchFamily="34" charset="0"/>
+              <a:cs typeface="Times New Roman" panose="02020603050405020304" pitchFamily="18" charset="0"/>
+            </a:endParaRPr>
+          </a:p>
+          <a:p>
+            <a:pPr>
+              <a:lnSpc>
+                <a:spcPct val="200000"/>
+              </a:lnSpc>
+              <a:spcAft>
+                <a:spcPts val="800"/>
+              </a:spcAft>
+            </a:pPr>
+            <a:r>
+              <a:rPr lang="en-US" dirty="0">
+                <a:solidFill>
+                  <a:schemeClr val="bg2">
+                    <a:lumMod val="10000"/>
+                    <a:lumOff val="90000"/>
+                  </a:schemeClr>
+                </a:solidFill>
+                <a:latin typeface="Times New Roman" panose="02020603050405020304" pitchFamily="18" charset="0"/>
+                <a:ea typeface="Arial" panose="020B0604020202020204" pitchFamily="34" charset="0"/>
+                <a:cs typeface="Times New Roman" panose="02020603050405020304" pitchFamily="18" charset="0"/>
+              </a:rPr>
+              <a:t>Sedgewick, A. (2014). Framework for improving critical infrastructure cybersecurity, version 1.0 (No. NIST-Cybersecurity Framework).</a:t>
+            </a:r>
+            <a:endParaRPr lang="en-US" sz="2400" dirty="0">
+              <a:solidFill>
+                <a:schemeClr val="bg2">
+                  <a:lumMod val="10000"/>
+                  <a:lumOff val="90000"/>
+                </a:schemeClr>
+              </a:solidFill>
+              <a:latin typeface="Calibri" panose="020F0502020204030204" pitchFamily="34" charset="0"/>
+              <a:ea typeface="Calibri" panose="020F0502020204030204" pitchFamily="34" charset="0"/>
+              <a:cs typeface="Times New Roman" panose="02020603050405020304" pitchFamily="18" charset="0"/>
+            </a:endParaRPr>
+          </a:p>
+          <a:p>
+            <a:pPr>
+              <a:lnSpc>
+                <a:spcPct val="200000"/>
+              </a:lnSpc>
+              <a:spcAft>
+                <a:spcPts val="800"/>
+              </a:spcAft>
+            </a:pPr>
+            <a:r>
+              <a:rPr lang="en-US" dirty="0">
+                <a:solidFill>
+                  <a:schemeClr val="bg2">
+                    <a:lumMod val="10000"/>
+                    <a:lumOff val="90000"/>
+                  </a:schemeClr>
+                </a:solidFill>
+                <a:latin typeface="Arial" panose="020B0604020202020204" pitchFamily="34" charset="0"/>
+                <a:ea typeface="Calibri" panose="020F0502020204030204" pitchFamily="34" charset="0"/>
+                <a:cs typeface="Times New Roman" panose="02020603050405020304" pitchFamily="18" charset="0"/>
+              </a:rPr>
+              <a:t>McDermid, D. C., </a:t>
+            </a:r>
+            <a:r>
+              <a:rPr lang="en-US" dirty="0" err="1">
+                <a:solidFill>
+                  <a:schemeClr val="bg2">
+                    <a:lumMod val="10000"/>
+                    <a:lumOff val="90000"/>
+                  </a:schemeClr>
+                </a:solidFill>
+                <a:latin typeface="Arial" panose="020B0604020202020204" pitchFamily="34" charset="0"/>
+                <a:ea typeface="Calibri" panose="020F0502020204030204" pitchFamily="34" charset="0"/>
+                <a:cs typeface="Times New Roman" panose="02020603050405020304" pitchFamily="18" charset="0"/>
+              </a:rPr>
+              <a:t>Mahncke</a:t>
+            </a:r>
+            <a:r>
+              <a:rPr lang="en-US" dirty="0">
+                <a:solidFill>
+                  <a:schemeClr val="bg2">
+                    <a:lumMod val="10000"/>
+                    <a:lumOff val="90000"/>
+                  </a:schemeClr>
+                </a:solidFill>
+                <a:latin typeface="Arial" panose="020B0604020202020204" pitchFamily="34" charset="0"/>
+                <a:ea typeface="Calibri" panose="020F0502020204030204" pitchFamily="34" charset="0"/>
+                <a:cs typeface="Times New Roman" panose="02020603050405020304" pitchFamily="18" charset="0"/>
+              </a:rPr>
+              <a:t>, R. J., &amp; Williams, P. A. (2009). Challenges in Improving Information Security Practice in Australian General.</a:t>
+            </a:r>
+            <a:endParaRPr lang="en-US" sz="2400" dirty="0">
+              <a:solidFill>
+                <a:schemeClr val="bg2">
+                  <a:lumMod val="10000"/>
+                  <a:lumOff val="90000"/>
+                </a:schemeClr>
+              </a:solidFill>
+              <a:effectLst/>
+              <a:latin typeface="Calibri" panose="020F0502020204030204" pitchFamily="34" charset="0"/>
+              <a:ea typeface="Calibri" panose="020F0502020204030204" pitchFamily="34" charset="0"/>
+              <a:cs typeface="Times New Roman" panose="02020603050405020304" pitchFamily="18" charset="0"/>
             </a:endParaRPr>
           </a:p>
         </p:txBody>
@@ -13136,7 +14361,7 @@
         </p:nvSpPr>
         <p:spPr>
           <a:xfrm>
-            <a:off x="3048000" y="3105835"/>
+            <a:off x="1366345" y="257532"/>
             <a:ext cx="6096000" cy="646331"/>
           </a:xfrm>
           <a:prstGeom prst="rect">
@@ -13169,6 +14394,161 @@
               </a:rPr>
             </a:br>
             <a:endParaRPr lang="en-US" dirty="0"/>
+          </a:p>
+        </p:txBody>
+      </p:sp>
+      <p:sp>
+        <p:nvSpPr>
+          <p:cNvPr id="3" name="Rectangle 2">
+            <a:extLst>
+              <a:ext uri="{FF2B5EF4-FFF2-40B4-BE49-F238E27FC236}">
+                <a16:creationId xmlns:a16="http://schemas.microsoft.com/office/drawing/2014/main" id="{126FFCD2-B242-4CD2-8389-22F365B66A45}"/>
+              </a:ext>
+            </a:extLst>
+          </p:cNvPr>
+          <p:cNvSpPr/>
+          <p:nvPr/>
+        </p:nvSpPr>
+        <p:spPr>
+          <a:xfrm>
+            <a:off x="1366345" y="601078"/>
+            <a:ext cx="9932276" cy="5655844"/>
+          </a:xfrm>
+          <a:prstGeom prst="rect">
+            <a:avLst/>
+          </a:prstGeom>
+        </p:spPr>
+        <p:txBody>
+          <a:bodyPr wrap="square">
+            <a:spAutoFit/>
+          </a:bodyPr>
+          <a:lstStyle/>
+          <a:p>
+            <a:pPr indent="457200">
+              <a:lnSpc>
+                <a:spcPct val="200000"/>
+              </a:lnSpc>
+              <a:spcAft>
+                <a:spcPts val="800"/>
+              </a:spcAft>
+            </a:pPr>
+            <a:r>
+              <a:rPr lang="en-US" dirty="0">
+                <a:solidFill>
+                  <a:schemeClr val="bg2">
+                    <a:lumMod val="10000"/>
+                    <a:lumOff val="90000"/>
+                  </a:schemeClr>
+                </a:solidFill>
+                <a:latin typeface="Times New Roman" panose="02020603050405020304" pitchFamily="18" charset="0"/>
+                <a:ea typeface="Times New Roman" panose="02020603050405020304" pitchFamily="18" charset="0"/>
+                <a:cs typeface="Times New Roman" panose="02020603050405020304" pitchFamily="18" charset="0"/>
+              </a:rPr>
+              <a:t>The Audio Engineering world lives off the production and manipulation of proprietary data. When information is your main product, it is imperative that you keep it safe (</a:t>
+            </a:r>
+            <a:r>
+              <a:rPr lang="en-US" dirty="0">
+                <a:solidFill>
+                  <a:schemeClr val="bg2">
+                    <a:lumMod val="10000"/>
+                    <a:lumOff val="90000"/>
+                  </a:schemeClr>
+                </a:solidFill>
+                <a:latin typeface="Times New Roman" panose="02020603050405020304" pitchFamily="18" charset="0"/>
+                <a:ea typeface="Calibri" panose="020F0502020204030204" pitchFamily="34" charset="0"/>
+                <a:cs typeface="Times New Roman" panose="02020603050405020304" pitchFamily="18" charset="0"/>
+              </a:rPr>
+              <a:t>Leyshon, 2014)</a:t>
+            </a:r>
+            <a:r>
+              <a:rPr lang="en-US" dirty="0">
+                <a:solidFill>
+                  <a:schemeClr val="bg2">
+                    <a:lumMod val="10000"/>
+                    <a:lumOff val="90000"/>
+                  </a:schemeClr>
+                </a:solidFill>
+                <a:latin typeface="Times New Roman" panose="02020603050405020304" pitchFamily="18" charset="0"/>
+                <a:ea typeface="Times New Roman" panose="02020603050405020304" pitchFamily="18" charset="0"/>
+                <a:cs typeface="Times New Roman" panose="02020603050405020304" pitchFamily="18" charset="0"/>
+              </a:rPr>
+              <a:t>. While keeping the product secure, these institutions must still align themselves with best practices to mitigate risk (Jordan, 2012). Exposing their data or leaving it vulnerable to a breach could lead to a catastrophic business impact while simultaneously daunting the reputation of the Audio Engineering facility.</a:t>
+            </a:r>
+            <a:endParaRPr lang="en-US" sz="1600" dirty="0">
+              <a:solidFill>
+                <a:schemeClr val="bg2">
+                  <a:lumMod val="10000"/>
+                  <a:lumOff val="90000"/>
+                </a:schemeClr>
+              </a:solidFill>
+              <a:latin typeface="Calibri" panose="020F0502020204030204" pitchFamily="34" charset="0"/>
+              <a:ea typeface="Calibri" panose="020F0502020204030204" pitchFamily="34" charset="0"/>
+              <a:cs typeface="Times New Roman" panose="02020603050405020304" pitchFamily="18" charset="0"/>
+            </a:endParaRPr>
+          </a:p>
+          <a:p>
+            <a:pPr indent="457200">
+              <a:lnSpc>
+                <a:spcPct val="200000"/>
+              </a:lnSpc>
+              <a:spcAft>
+                <a:spcPts val="800"/>
+              </a:spcAft>
+            </a:pPr>
+            <a:r>
+              <a:rPr lang="en-US" dirty="0">
+                <a:solidFill>
+                  <a:schemeClr val="bg2">
+                    <a:lumMod val="10000"/>
+                    <a:lumOff val="90000"/>
+                  </a:schemeClr>
+                </a:solidFill>
+                <a:latin typeface="Times New Roman" panose="02020603050405020304" pitchFamily="18" charset="0"/>
+                <a:ea typeface="Times New Roman" panose="02020603050405020304" pitchFamily="18" charset="0"/>
+                <a:cs typeface="Times New Roman" panose="02020603050405020304" pitchFamily="18" charset="0"/>
+              </a:rPr>
+              <a:t>This proposal will cover auditing, network mapping, and propose remediation for a small audio engineering studio. This will include topics of the users local </a:t>
+            </a:r>
+            <a:r>
+              <a:rPr lang="en-US" dirty="0" err="1">
+                <a:solidFill>
+                  <a:schemeClr val="bg2">
+                    <a:lumMod val="10000"/>
+                    <a:lumOff val="90000"/>
+                  </a:schemeClr>
+                </a:solidFill>
+                <a:latin typeface="Times New Roman" panose="02020603050405020304" pitchFamily="18" charset="0"/>
+                <a:ea typeface="Times New Roman" panose="02020603050405020304" pitchFamily="18" charset="0"/>
+                <a:cs typeface="Times New Roman" panose="02020603050405020304" pitchFamily="18" charset="0"/>
+              </a:rPr>
+              <a:t>WiFi</a:t>
+            </a:r>
+            <a:r>
+              <a:rPr lang="en-US" dirty="0">
+                <a:solidFill>
+                  <a:schemeClr val="bg2">
+                    <a:lumMod val="10000"/>
+                    <a:lumOff val="90000"/>
+                  </a:schemeClr>
+                </a:solidFill>
+                <a:latin typeface="Times New Roman" panose="02020603050405020304" pitchFamily="18" charset="0"/>
+                <a:ea typeface="Times New Roman" panose="02020603050405020304" pitchFamily="18" charset="0"/>
+                <a:cs typeface="Times New Roman" panose="02020603050405020304" pitchFamily="18" charset="0"/>
+              </a:rPr>
+              <a:t> networks, how data is stored in transit and at rest. Researching these topics and coming up with a proposed solution to harden the client’s security posture by following the principles of layered security and defense in depth (Jordan, 2012) to ensure Confidentiality, Integrity, and Availability of the business’s network.</a:t>
+            </a:r>
+            <a:endParaRPr lang="en-US" sz="1600" dirty="0">
+              <a:solidFill>
+                <a:schemeClr val="bg2">
+                  <a:lumMod val="10000"/>
+                  <a:lumOff val="90000"/>
+                </a:schemeClr>
+              </a:solidFill>
+              <a:effectLst/>
+              <a:latin typeface="Calibri" panose="020F0502020204030204" pitchFamily="34" charset="0"/>
+              <a:ea typeface="Calibri" panose="020F0502020204030204" pitchFamily="34" charset="0"/>
+              <a:cs typeface="Times New Roman" panose="02020603050405020304" pitchFamily="18" charset="0"/>
+            </a:endParaRPr>
           </a:p>
         </p:txBody>
       </p:sp>
@@ -13216,7 +14596,7 @@
         </p:nvSpPr>
         <p:spPr>
           <a:xfrm>
-            <a:off x="3048000" y="3105835"/>
+            <a:off x="1460938" y="362635"/>
             <a:ext cx="6096000" cy="646331"/>
           </a:xfrm>
           <a:prstGeom prst="rect">
@@ -13243,6 +14623,72 @@
               <a:rPr lang="en-US" dirty="0"/>
             </a:br>
             <a:endParaRPr lang="en-US" dirty="0"/>
+          </a:p>
+        </p:txBody>
+      </p:sp>
+      <p:sp>
+        <p:nvSpPr>
+          <p:cNvPr id="3" name="Rectangle 2">
+            <a:extLst>
+              <a:ext uri="{FF2B5EF4-FFF2-40B4-BE49-F238E27FC236}">
+                <a16:creationId xmlns:a16="http://schemas.microsoft.com/office/drawing/2014/main" id="{DD73A6B0-4DDF-48DE-915C-A95AC370EAD3}"/>
+              </a:ext>
+            </a:extLst>
+          </p:cNvPr>
+          <p:cNvSpPr/>
+          <p:nvPr/>
+        </p:nvSpPr>
+        <p:spPr>
+          <a:xfrm>
+            <a:off x="3048000" y="685800"/>
+            <a:ext cx="6096000" cy="4841133"/>
+          </a:xfrm>
+          <a:prstGeom prst="rect">
+            <a:avLst/>
+          </a:prstGeom>
+        </p:spPr>
+        <p:txBody>
+          <a:bodyPr>
+            <a:spAutoFit/>
+          </a:bodyPr>
+          <a:lstStyle/>
+          <a:p>
+            <a:pPr>
+              <a:lnSpc>
+                <a:spcPct val="200000"/>
+              </a:lnSpc>
+              <a:spcAft>
+                <a:spcPts val="800"/>
+              </a:spcAft>
+            </a:pPr>
+            <a:r>
+              <a:rPr lang="en-US" sz="4000" b="1" dirty="0">
+                <a:solidFill>
+                  <a:srgbClr val="000000"/>
+                </a:solidFill>
+                <a:latin typeface="Times New Roman" panose="02020603050405020304" pitchFamily="18" charset="0"/>
+                <a:ea typeface="Times New Roman" panose="02020603050405020304" pitchFamily="18" charset="0"/>
+                <a:cs typeface="Times New Roman" panose="02020603050405020304" pitchFamily="18" charset="0"/>
+              </a:rPr>
+              <a:t> </a:t>
+            </a:r>
+            <a:r>
+              <a:rPr lang="en-US" sz="4000" b="1" dirty="0">
+                <a:solidFill>
+                  <a:srgbClr val="C00000"/>
+                </a:solidFill>
+                <a:latin typeface="Times New Roman" panose="02020603050405020304" pitchFamily="18" charset="0"/>
+                <a:ea typeface="Times New Roman" panose="02020603050405020304" pitchFamily="18" charset="0"/>
+                <a:cs typeface="Times New Roman" panose="02020603050405020304" pitchFamily="18" charset="0"/>
+              </a:rPr>
+              <a:t>We need a few paragraphs here that talks about network security of audio industry in general.</a:t>
+            </a:r>
+            <a:endParaRPr lang="en-US" sz="4000" b="1" dirty="0">
+              <a:effectLst/>
+              <a:latin typeface="Calibri" panose="020F0502020204030204" pitchFamily="34" charset="0"/>
+              <a:ea typeface="Calibri" panose="020F0502020204030204" pitchFamily="34" charset="0"/>
+              <a:cs typeface="Times New Roman" panose="02020603050405020304" pitchFamily="18" charset="0"/>
+            </a:endParaRPr>
           </a:p>
         </p:txBody>
       </p:sp>
@@ -13290,7 +14736,7 @@
         </p:nvSpPr>
         <p:spPr>
           <a:xfrm>
-            <a:off x="3048000" y="3105835"/>
+            <a:off x="1397876" y="373146"/>
             <a:ext cx="6096000" cy="646331"/>
           </a:xfrm>
           <a:prstGeom prst="rect">
@@ -13317,6 +14763,838 @@
               <a:rPr lang="en-US" dirty="0"/>
             </a:br>
             <a:endParaRPr lang="en-US" dirty="0"/>
+          </a:p>
+        </p:txBody>
+      </p:sp>
+      <p:sp>
+        <p:nvSpPr>
+          <p:cNvPr id="3" name="Rectangle 2">
+            <a:extLst>
+              <a:ext uri="{FF2B5EF4-FFF2-40B4-BE49-F238E27FC236}">
+                <a16:creationId xmlns:a16="http://schemas.microsoft.com/office/drawing/2014/main" id="{E46FF46F-8BCB-49D8-8DA7-B633BC9CAD1E}"/>
+              </a:ext>
+            </a:extLst>
+          </p:cNvPr>
+          <p:cNvSpPr/>
+          <p:nvPr/>
+        </p:nvSpPr>
+        <p:spPr>
+          <a:xfrm>
+            <a:off x="1145628" y="893379"/>
+            <a:ext cx="8996856" cy="8821582"/>
+          </a:xfrm>
+          <a:prstGeom prst="rect">
+            <a:avLst/>
+          </a:prstGeom>
+        </p:spPr>
+        <p:txBody>
+          <a:bodyPr wrap="square">
+            <a:spAutoFit/>
+          </a:bodyPr>
+          <a:lstStyle/>
+          <a:p>
+            <a:pPr>
+              <a:lnSpc>
+                <a:spcPct val="200000"/>
+              </a:lnSpc>
+              <a:spcAft>
+                <a:spcPts val="800"/>
+              </a:spcAft>
+            </a:pPr>
+            <a:r>
+              <a:rPr lang="en-US" sz="1200" dirty="0">
+                <a:solidFill>
+                  <a:schemeClr val="bg2">
+                    <a:lumMod val="10000"/>
+                    <a:lumOff val="90000"/>
+                  </a:schemeClr>
+                </a:solidFill>
+                <a:latin typeface="Times New Roman" panose="02020603050405020304" pitchFamily="18" charset="0"/>
+                <a:ea typeface="Times New Roman" panose="02020603050405020304" pitchFamily="18" charset="0"/>
+                <a:cs typeface="Times New Roman" panose="02020603050405020304" pitchFamily="18" charset="0"/>
+              </a:rPr>
+              <a:t>National institute of Standards and Technology (</a:t>
+            </a:r>
+            <a:r>
+              <a:rPr lang="en-US" sz="1200" dirty="0">
+                <a:solidFill>
+                  <a:schemeClr val="bg2">
+                    <a:lumMod val="10000"/>
+                    <a:lumOff val="90000"/>
+                  </a:schemeClr>
+                </a:solidFill>
+                <a:latin typeface="Times New Roman" panose="02020603050405020304" pitchFamily="18" charset="0"/>
+                <a:ea typeface="Times New Roman" panose="02020603050405020304" pitchFamily="18" charset="0"/>
+                <a:cs typeface="Times New Roman" panose="02020603050405020304" pitchFamily="18" charset="0"/>
+                <a:hlinkClick r:id="rId2">
+                  <a:extLst>
+                    <a:ext uri="{A12FA001-AC4F-418D-AE19-62706E023703}">
+                      <ahyp:hlinkClr xmlns:ahyp="http://schemas.microsoft.com/office/drawing/2018/hyperlinkcolor" val="tx"/>
+                    </a:ext>
+                  </a:extLst>
+                </a:hlinkClick>
+              </a:rPr>
+              <a:t>NIST) Cybersecurity Framework</a:t>
+            </a:r>
+            <a:r>
+              <a:rPr lang="en-US" sz="1200" dirty="0">
+                <a:solidFill>
+                  <a:schemeClr val="bg2">
+                    <a:lumMod val="10000"/>
+                    <a:lumOff val="90000"/>
+                  </a:schemeClr>
+                </a:solidFill>
+                <a:latin typeface="Times New Roman" panose="02020603050405020304" pitchFamily="18" charset="0"/>
+                <a:ea typeface="Times New Roman" panose="02020603050405020304" pitchFamily="18" charset="0"/>
+                <a:cs typeface="Times New Roman" panose="02020603050405020304" pitchFamily="18" charset="0"/>
+              </a:rPr>
+              <a:t> recommends the following process to ensure a sound information security posture: Identify, Protect, Detect, Respond, and Recover (NIST, 2014). To follow this framework, initial audit was conducted to Identify and discovered some vulnerabilities that could be easily exploited by bad actors if not properly remediated.</a:t>
+            </a:r>
+            <a:endParaRPr lang="en-US" sz="1100" dirty="0">
+              <a:solidFill>
+                <a:schemeClr val="bg2">
+                  <a:lumMod val="10000"/>
+                  <a:lumOff val="90000"/>
+                </a:schemeClr>
+              </a:solidFill>
+              <a:latin typeface="Calibri" panose="020F0502020204030204" pitchFamily="34" charset="0"/>
+              <a:ea typeface="Calibri" panose="020F0502020204030204" pitchFamily="34" charset="0"/>
+              <a:cs typeface="Times New Roman" panose="02020603050405020304" pitchFamily="18" charset="0"/>
+            </a:endParaRPr>
+          </a:p>
+          <a:p>
+            <a:pPr>
+              <a:lnSpc>
+                <a:spcPct val="200000"/>
+              </a:lnSpc>
+              <a:spcAft>
+                <a:spcPts val="800"/>
+              </a:spcAft>
+            </a:pPr>
+            <a:r>
+              <a:rPr lang="en-US" sz="1200" i="1" u="sng" dirty="0">
+                <a:solidFill>
+                  <a:schemeClr val="bg2">
+                    <a:lumMod val="10000"/>
+                    <a:lumOff val="90000"/>
+                  </a:schemeClr>
+                </a:solidFill>
+                <a:latin typeface="Times New Roman" panose="02020603050405020304" pitchFamily="18" charset="0"/>
+                <a:ea typeface="Times New Roman" panose="02020603050405020304" pitchFamily="18" charset="0"/>
+                <a:cs typeface="Times New Roman" panose="02020603050405020304" pitchFamily="18" charset="0"/>
+              </a:rPr>
+              <a:t>Physical Security issues:</a:t>
+            </a:r>
+            <a:endParaRPr lang="en-US" sz="1100" dirty="0">
+              <a:solidFill>
+                <a:schemeClr val="bg2">
+                  <a:lumMod val="10000"/>
+                  <a:lumOff val="90000"/>
+                </a:schemeClr>
+              </a:solidFill>
+              <a:latin typeface="Calibri" panose="020F0502020204030204" pitchFamily="34" charset="0"/>
+              <a:ea typeface="Calibri" panose="020F0502020204030204" pitchFamily="34" charset="0"/>
+              <a:cs typeface="Times New Roman" panose="02020603050405020304" pitchFamily="18" charset="0"/>
+            </a:endParaRPr>
+          </a:p>
+          <a:p>
+            <a:pPr marL="342900" marR="0" lvl="0" indent="-342900">
+              <a:lnSpc>
+                <a:spcPct val="200000"/>
+              </a:lnSpc>
+              <a:spcBef>
+                <a:spcPts val="0"/>
+              </a:spcBef>
+              <a:spcAft>
+                <a:spcPts val="0"/>
+              </a:spcAft>
+              <a:buFont typeface=" Times New Roman ,serif"/>
+              <a:buChar char="-"/>
+            </a:pPr>
+            <a:r>
+              <a:rPr lang="en-US" sz="1200" dirty="0">
+                <a:solidFill>
+                  <a:schemeClr val="bg2">
+                    <a:lumMod val="10000"/>
+                    <a:lumOff val="90000"/>
+                  </a:schemeClr>
+                </a:solidFill>
+                <a:latin typeface="Times New Roman" panose="02020603050405020304" pitchFamily="18" charset="0"/>
+                <a:ea typeface="Times New Roman" panose="02020603050405020304" pitchFamily="18" charset="0"/>
+                <a:cs typeface="Times New Roman" panose="02020603050405020304" pitchFamily="18" charset="0"/>
+              </a:rPr>
+              <a:t>Studio door does not have lock on it. Office building door has lock but once in a perpetrator has access to recording equipment. </a:t>
+            </a:r>
+            <a:endParaRPr lang="en-US" sz="1100" dirty="0">
+              <a:solidFill>
+                <a:schemeClr val="bg2">
+                  <a:lumMod val="10000"/>
+                  <a:lumOff val="90000"/>
+                </a:schemeClr>
+              </a:solidFill>
+              <a:latin typeface="Calibri" panose="020F0502020204030204" pitchFamily="34" charset="0"/>
+              <a:ea typeface="Calibri" panose="020F0502020204030204" pitchFamily="34" charset="0"/>
+              <a:cs typeface="Times New Roman" panose="02020603050405020304" pitchFamily="18" charset="0"/>
+            </a:endParaRPr>
+          </a:p>
+          <a:p>
+            <a:pPr marL="342900" marR="0" lvl="0" indent="-342900">
+              <a:lnSpc>
+                <a:spcPct val="200000"/>
+              </a:lnSpc>
+              <a:spcBef>
+                <a:spcPts val="0"/>
+              </a:spcBef>
+              <a:spcAft>
+                <a:spcPts val="0"/>
+              </a:spcAft>
+              <a:buFont typeface=" Times New Roman ,serif"/>
+              <a:buChar char="-"/>
+            </a:pPr>
+            <a:r>
+              <a:rPr lang="en-US" sz="1200" dirty="0">
+                <a:solidFill>
+                  <a:schemeClr val="bg2">
+                    <a:lumMod val="10000"/>
+                    <a:lumOff val="90000"/>
+                  </a:schemeClr>
+                </a:solidFill>
+                <a:latin typeface="Times New Roman" panose="02020603050405020304" pitchFamily="18" charset="0"/>
+                <a:ea typeface="Times New Roman" panose="02020603050405020304" pitchFamily="18" charset="0"/>
+                <a:cs typeface="Times New Roman" panose="02020603050405020304" pitchFamily="18" charset="0"/>
+              </a:rPr>
+              <a:t>Production computer should be locked away. Guest/Customers should not have physical access to it. </a:t>
+            </a:r>
+            <a:endParaRPr lang="en-US" sz="1100" dirty="0">
+              <a:solidFill>
+                <a:schemeClr val="bg2">
+                  <a:lumMod val="10000"/>
+                  <a:lumOff val="90000"/>
+                </a:schemeClr>
+              </a:solidFill>
+              <a:latin typeface="Calibri" panose="020F0502020204030204" pitchFamily="34" charset="0"/>
+              <a:ea typeface="Calibri" panose="020F0502020204030204" pitchFamily="34" charset="0"/>
+              <a:cs typeface="Times New Roman" panose="02020603050405020304" pitchFamily="18" charset="0"/>
+            </a:endParaRPr>
+          </a:p>
+          <a:p>
+            <a:pPr marL="342900" marR="0" lvl="0" indent="-342900">
+              <a:lnSpc>
+                <a:spcPct val="200000"/>
+              </a:lnSpc>
+              <a:spcBef>
+                <a:spcPts val="0"/>
+              </a:spcBef>
+              <a:spcAft>
+                <a:spcPts val="800"/>
+              </a:spcAft>
+              <a:buFont typeface=" Times New Roman ,serif"/>
+              <a:buChar char="-"/>
+            </a:pPr>
+            <a:r>
+              <a:rPr lang="en-US" sz="1200" dirty="0">
+                <a:solidFill>
+                  <a:schemeClr val="bg2">
+                    <a:lumMod val="10000"/>
+                    <a:lumOff val="90000"/>
+                  </a:schemeClr>
+                </a:solidFill>
+                <a:latin typeface="Times New Roman" panose="02020603050405020304" pitchFamily="18" charset="0"/>
+                <a:ea typeface="Times New Roman" panose="02020603050405020304" pitchFamily="18" charset="0"/>
+                <a:cs typeface="Times New Roman" panose="02020603050405020304" pitchFamily="18" charset="0"/>
+              </a:rPr>
+              <a:t>No Security system in place to keep a record of access to the facility.</a:t>
+            </a:r>
+            <a:endParaRPr lang="en-US" sz="1100" dirty="0">
+              <a:solidFill>
+                <a:schemeClr val="bg2">
+                  <a:lumMod val="10000"/>
+                  <a:lumOff val="90000"/>
+                </a:schemeClr>
+              </a:solidFill>
+              <a:latin typeface="Calibri" panose="020F0502020204030204" pitchFamily="34" charset="0"/>
+              <a:ea typeface="Calibri" panose="020F0502020204030204" pitchFamily="34" charset="0"/>
+              <a:cs typeface="Times New Roman" panose="02020603050405020304" pitchFamily="18" charset="0"/>
+            </a:endParaRPr>
+          </a:p>
+          <a:p>
+            <a:pPr>
+              <a:lnSpc>
+                <a:spcPct val="200000"/>
+              </a:lnSpc>
+              <a:spcAft>
+                <a:spcPts val="800"/>
+              </a:spcAft>
+            </a:pPr>
+            <a:r>
+              <a:rPr lang="en-US" sz="1200" i="1" u="sng" dirty="0">
+                <a:solidFill>
+                  <a:schemeClr val="bg2">
+                    <a:lumMod val="10000"/>
+                    <a:lumOff val="90000"/>
+                  </a:schemeClr>
+                </a:solidFill>
+                <a:latin typeface="Times New Roman" panose="02020603050405020304" pitchFamily="18" charset="0"/>
+                <a:ea typeface="Times New Roman" panose="02020603050405020304" pitchFamily="18" charset="0"/>
+                <a:cs typeface="Times New Roman" panose="02020603050405020304" pitchFamily="18" charset="0"/>
+              </a:rPr>
+              <a:t>Network Security issues:</a:t>
+            </a:r>
+            <a:endParaRPr lang="en-US" sz="1100" dirty="0">
+              <a:solidFill>
+                <a:schemeClr val="bg2">
+                  <a:lumMod val="10000"/>
+                  <a:lumOff val="90000"/>
+                </a:schemeClr>
+              </a:solidFill>
+              <a:latin typeface="Calibri" panose="020F0502020204030204" pitchFamily="34" charset="0"/>
+              <a:ea typeface="Calibri" panose="020F0502020204030204" pitchFamily="34" charset="0"/>
+              <a:cs typeface="Times New Roman" panose="02020603050405020304" pitchFamily="18" charset="0"/>
+            </a:endParaRPr>
+          </a:p>
+          <a:p>
+            <a:pPr marL="342900" marR="0" lvl="0" indent="-342900">
+              <a:lnSpc>
+                <a:spcPct val="200000"/>
+              </a:lnSpc>
+              <a:spcBef>
+                <a:spcPts val="0"/>
+              </a:spcBef>
+              <a:spcAft>
+                <a:spcPts val="0"/>
+              </a:spcAft>
+              <a:buFont typeface=" Times New Roman ,serif"/>
+              <a:buChar char="-"/>
+            </a:pPr>
+            <a:r>
+              <a:rPr lang="en-US" sz="1200" dirty="0">
+                <a:solidFill>
+                  <a:schemeClr val="bg2">
+                    <a:lumMod val="10000"/>
+                    <a:lumOff val="90000"/>
+                  </a:schemeClr>
+                </a:solidFill>
+                <a:latin typeface="Times New Roman" panose="02020603050405020304" pitchFamily="18" charset="0"/>
+                <a:ea typeface="Times New Roman" panose="02020603050405020304" pitchFamily="18" charset="0"/>
+                <a:cs typeface="Times New Roman" panose="02020603050405020304" pitchFamily="18" charset="0"/>
+              </a:rPr>
+              <a:t>Business has a flat network for all traffic. Production network is the same as guest network, no segregation. </a:t>
+            </a:r>
+            <a:endParaRPr lang="en-US" sz="1100" dirty="0">
+              <a:solidFill>
+                <a:schemeClr val="bg2">
+                  <a:lumMod val="10000"/>
+                  <a:lumOff val="90000"/>
+                </a:schemeClr>
+              </a:solidFill>
+              <a:latin typeface="Calibri" panose="020F0502020204030204" pitchFamily="34" charset="0"/>
+              <a:ea typeface="Calibri" panose="020F0502020204030204" pitchFamily="34" charset="0"/>
+              <a:cs typeface="Times New Roman" panose="02020603050405020304" pitchFamily="18" charset="0"/>
+            </a:endParaRPr>
+          </a:p>
+          <a:p>
+            <a:pPr marL="342900" marR="0" lvl="0" indent="-342900">
+              <a:lnSpc>
+                <a:spcPct val="200000"/>
+              </a:lnSpc>
+              <a:spcBef>
+                <a:spcPts val="0"/>
+              </a:spcBef>
+              <a:spcAft>
+                <a:spcPts val="0"/>
+              </a:spcAft>
+              <a:buFont typeface=" Times New Roman ,serif"/>
+              <a:buChar char="-"/>
+            </a:pPr>
+            <a:r>
+              <a:rPr lang="en-US" sz="1200" dirty="0">
+                <a:solidFill>
+                  <a:schemeClr val="bg2">
+                    <a:lumMod val="10000"/>
+                    <a:lumOff val="90000"/>
+                  </a:schemeClr>
+                </a:solidFill>
+                <a:latin typeface="Times New Roman" panose="02020603050405020304" pitchFamily="18" charset="0"/>
+                <a:ea typeface="Times New Roman" panose="02020603050405020304" pitchFamily="18" charset="0"/>
+                <a:cs typeface="Times New Roman" panose="02020603050405020304" pitchFamily="18" charset="0"/>
+              </a:rPr>
+              <a:t>Guest connected to the </a:t>
+            </a:r>
+            <a:r>
+              <a:rPr lang="en-US" sz="1200" dirty="0" err="1">
+                <a:solidFill>
+                  <a:schemeClr val="bg2">
+                    <a:lumMod val="10000"/>
+                    <a:lumOff val="90000"/>
+                  </a:schemeClr>
+                </a:solidFill>
+                <a:latin typeface="Times New Roman" panose="02020603050405020304" pitchFamily="18" charset="0"/>
+                <a:ea typeface="Times New Roman" panose="02020603050405020304" pitchFamily="18" charset="0"/>
+                <a:cs typeface="Times New Roman" panose="02020603050405020304" pitchFamily="18" charset="0"/>
+              </a:rPr>
+              <a:t>WiFi</a:t>
+            </a:r>
+            <a:r>
+              <a:rPr lang="en-US" sz="1200" dirty="0">
+                <a:solidFill>
+                  <a:schemeClr val="bg2">
+                    <a:lumMod val="10000"/>
+                    <a:lumOff val="90000"/>
+                  </a:schemeClr>
+                </a:solidFill>
+                <a:latin typeface="Times New Roman" panose="02020603050405020304" pitchFamily="18" charset="0"/>
+                <a:ea typeface="Times New Roman" panose="02020603050405020304" pitchFamily="18" charset="0"/>
+                <a:cs typeface="Times New Roman" panose="02020603050405020304" pitchFamily="18" charset="0"/>
+              </a:rPr>
+              <a:t> can access the routers configuration.</a:t>
+            </a:r>
+            <a:endParaRPr lang="en-US" sz="1100" dirty="0">
+              <a:solidFill>
+                <a:schemeClr val="bg2">
+                  <a:lumMod val="10000"/>
+                  <a:lumOff val="90000"/>
+                </a:schemeClr>
+              </a:solidFill>
+              <a:latin typeface="Calibri" panose="020F0502020204030204" pitchFamily="34" charset="0"/>
+              <a:ea typeface="Calibri" panose="020F0502020204030204" pitchFamily="34" charset="0"/>
+              <a:cs typeface="Times New Roman" panose="02020603050405020304" pitchFamily="18" charset="0"/>
+            </a:endParaRPr>
+          </a:p>
+          <a:p>
+            <a:pPr marL="342900" marR="0" lvl="0" indent="-342900">
+              <a:lnSpc>
+                <a:spcPct val="200000"/>
+              </a:lnSpc>
+              <a:spcBef>
+                <a:spcPts val="0"/>
+              </a:spcBef>
+              <a:spcAft>
+                <a:spcPts val="0"/>
+              </a:spcAft>
+              <a:buFont typeface=" Times New Roman ,serif"/>
+              <a:buChar char="-"/>
+            </a:pPr>
+            <a:r>
+              <a:rPr lang="en-US" sz="1200" dirty="0">
+                <a:solidFill>
+                  <a:schemeClr val="bg2">
+                    <a:lumMod val="10000"/>
+                    <a:lumOff val="90000"/>
+                  </a:schemeClr>
+                </a:solidFill>
+                <a:latin typeface="Times New Roman" panose="02020603050405020304" pitchFamily="18" charset="0"/>
+                <a:ea typeface="Times New Roman" panose="02020603050405020304" pitchFamily="18" charset="0"/>
+                <a:cs typeface="Times New Roman" panose="02020603050405020304" pitchFamily="18" charset="0"/>
+              </a:rPr>
+              <a:t>Business uses </a:t>
+            </a:r>
+            <a:r>
+              <a:rPr lang="en-US" sz="1200" dirty="0" err="1">
+                <a:solidFill>
+                  <a:schemeClr val="bg2">
+                    <a:lumMod val="10000"/>
+                    <a:lumOff val="90000"/>
+                  </a:schemeClr>
+                </a:solidFill>
+                <a:latin typeface="Times New Roman" panose="02020603050405020304" pitchFamily="18" charset="0"/>
+                <a:ea typeface="Times New Roman" panose="02020603050405020304" pitchFamily="18" charset="0"/>
+                <a:cs typeface="Times New Roman" panose="02020603050405020304" pitchFamily="18" charset="0"/>
+              </a:rPr>
+              <a:t>WiFi</a:t>
+            </a:r>
+            <a:r>
+              <a:rPr lang="en-US" sz="1200" dirty="0">
+                <a:solidFill>
+                  <a:schemeClr val="bg2">
+                    <a:lumMod val="10000"/>
+                    <a:lumOff val="90000"/>
+                  </a:schemeClr>
+                </a:solidFill>
+                <a:latin typeface="Times New Roman" panose="02020603050405020304" pitchFamily="18" charset="0"/>
+                <a:ea typeface="Times New Roman" panose="02020603050405020304" pitchFamily="18" charset="0"/>
+                <a:cs typeface="Times New Roman" panose="02020603050405020304" pitchFamily="18" charset="0"/>
+              </a:rPr>
+              <a:t> Protected Access (WPA) for security.</a:t>
+            </a:r>
+            <a:endParaRPr lang="en-US" sz="1100" dirty="0">
+              <a:solidFill>
+                <a:schemeClr val="bg2">
+                  <a:lumMod val="10000"/>
+                  <a:lumOff val="90000"/>
+                </a:schemeClr>
+              </a:solidFill>
+              <a:latin typeface="Calibri" panose="020F0502020204030204" pitchFamily="34" charset="0"/>
+              <a:ea typeface="Calibri" panose="020F0502020204030204" pitchFamily="34" charset="0"/>
+              <a:cs typeface="Times New Roman" panose="02020603050405020304" pitchFamily="18" charset="0"/>
+            </a:endParaRPr>
+          </a:p>
+          <a:p>
+            <a:pPr marL="342900" marR="0" lvl="0" indent="-342900">
+              <a:lnSpc>
+                <a:spcPct val="200000"/>
+              </a:lnSpc>
+              <a:spcBef>
+                <a:spcPts val="0"/>
+              </a:spcBef>
+              <a:spcAft>
+                <a:spcPts val="0"/>
+              </a:spcAft>
+              <a:buFont typeface=" Times New Roman ,serif"/>
+              <a:buChar char="-"/>
+            </a:pPr>
+            <a:r>
+              <a:rPr lang="en-US" sz="1200" dirty="0">
+                <a:solidFill>
+                  <a:schemeClr val="bg2">
+                    <a:lumMod val="10000"/>
+                    <a:lumOff val="90000"/>
+                  </a:schemeClr>
+                </a:solidFill>
+                <a:latin typeface="Times New Roman" panose="02020603050405020304" pitchFamily="18" charset="0"/>
+                <a:ea typeface="Times New Roman" panose="02020603050405020304" pitchFamily="18" charset="0"/>
+                <a:cs typeface="Times New Roman" panose="02020603050405020304" pitchFamily="18" charset="0"/>
+              </a:rPr>
+              <a:t>Business does not use Virtual Private Network (VPN) or Proxy.</a:t>
+            </a:r>
+            <a:endParaRPr lang="en-US" sz="1100" dirty="0">
+              <a:solidFill>
+                <a:schemeClr val="bg2">
+                  <a:lumMod val="10000"/>
+                  <a:lumOff val="90000"/>
+                </a:schemeClr>
+              </a:solidFill>
+              <a:latin typeface="Calibri" panose="020F0502020204030204" pitchFamily="34" charset="0"/>
+              <a:ea typeface="Calibri" panose="020F0502020204030204" pitchFamily="34" charset="0"/>
+              <a:cs typeface="Times New Roman" panose="02020603050405020304" pitchFamily="18" charset="0"/>
+            </a:endParaRPr>
+          </a:p>
+          <a:p>
+            <a:pPr marL="342900" marR="0" lvl="0" indent="-342900">
+              <a:lnSpc>
+                <a:spcPct val="200000"/>
+              </a:lnSpc>
+              <a:spcBef>
+                <a:spcPts val="0"/>
+              </a:spcBef>
+              <a:spcAft>
+                <a:spcPts val="800"/>
+              </a:spcAft>
+              <a:buFont typeface=" Times New Roman ,serif"/>
+              <a:buChar char="-"/>
+            </a:pPr>
+            <a:r>
+              <a:rPr lang="en-US" sz="1200" dirty="0">
+                <a:solidFill>
+                  <a:schemeClr val="bg2">
+                    <a:lumMod val="10000"/>
+                    <a:lumOff val="90000"/>
+                  </a:schemeClr>
+                </a:solidFill>
+                <a:latin typeface="Times New Roman" panose="02020603050405020304" pitchFamily="18" charset="0"/>
+                <a:ea typeface="Times New Roman" panose="02020603050405020304" pitchFamily="18" charset="0"/>
+                <a:cs typeface="Times New Roman" panose="02020603050405020304" pitchFamily="18" charset="0"/>
+              </a:rPr>
+              <a:t>No network firewall, Intrusion Detection System (IDS), or Intrusion Prevention System (IPS).</a:t>
+            </a:r>
+            <a:endParaRPr lang="en-US" sz="1100" dirty="0">
+              <a:solidFill>
+                <a:schemeClr val="bg2">
+                  <a:lumMod val="10000"/>
+                  <a:lumOff val="90000"/>
+                </a:schemeClr>
+              </a:solidFill>
+              <a:latin typeface="Calibri" panose="020F0502020204030204" pitchFamily="34" charset="0"/>
+              <a:ea typeface="Calibri" panose="020F0502020204030204" pitchFamily="34" charset="0"/>
+              <a:cs typeface="Times New Roman" panose="02020603050405020304" pitchFamily="18" charset="0"/>
+            </a:endParaRPr>
+          </a:p>
+          <a:p>
+            <a:pPr>
+              <a:lnSpc>
+                <a:spcPct val="200000"/>
+              </a:lnSpc>
+              <a:spcAft>
+                <a:spcPts val="800"/>
+              </a:spcAft>
+            </a:pPr>
+            <a:r>
+              <a:rPr lang="en-US" sz="1200" i="1" u="sng" dirty="0">
+                <a:solidFill>
+                  <a:schemeClr val="bg2">
+                    <a:lumMod val="10000"/>
+                    <a:lumOff val="90000"/>
+                  </a:schemeClr>
+                </a:solidFill>
+                <a:latin typeface="Times New Roman" panose="02020603050405020304" pitchFamily="18" charset="0"/>
+                <a:ea typeface="Times New Roman" panose="02020603050405020304" pitchFamily="18" charset="0"/>
+                <a:cs typeface="Times New Roman" panose="02020603050405020304" pitchFamily="18" charset="0"/>
+              </a:rPr>
+              <a:t>Computer Security issues:</a:t>
+            </a:r>
+            <a:endParaRPr lang="en-US" sz="1100" dirty="0">
+              <a:solidFill>
+                <a:schemeClr val="bg2">
+                  <a:lumMod val="10000"/>
+                  <a:lumOff val="90000"/>
+                </a:schemeClr>
+              </a:solidFill>
+              <a:latin typeface="Calibri" panose="020F0502020204030204" pitchFamily="34" charset="0"/>
+              <a:ea typeface="Calibri" panose="020F0502020204030204" pitchFamily="34" charset="0"/>
+              <a:cs typeface="Times New Roman" panose="02020603050405020304" pitchFamily="18" charset="0"/>
+            </a:endParaRPr>
+          </a:p>
+          <a:p>
+            <a:pPr marL="342900" marR="0" lvl="0" indent="-342900">
+              <a:lnSpc>
+                <a:spcPct val="200000"/>
+              </a:lnSpc>
+              <a:spcBef>
+                <a:spcPts val="0"/>
+              </a:spcBef>
+              <a:spcAft>
+                <a:spcPts val="0"/>
+              </a:spcAft>
+              <a:buFont typeface=" Times New Roman ,serif"/>
+              <a:buChar char="-"/>
+            </a:pPr>
+            <a:r>
+              <a:rPr lang="en-US" sz="1200" dirty="0">
+                <a:solidFill>
+                  <a:schemeClr val="bg2">
+                    <a:lumMod val="10000"/>
+                    <a:lumOff val="90000"/>
+                  </a:schemeClr>
+                </a:solidFill>
+                <a:latin typeface="Times New Roman" panose="02020603050405020304" pitchFamily="18" charset="0"/>
+                <a:ea typeface="Times New Roman" panose="02020603050405020304" pitchFamily="18" charset="0"/>
+                <a:cs typeface="Times New Roman" panose="02020603050405020304" pitchFamily="18" charset="0"/>
+              </a:rPr>
+              <a:t>Production computer does not encrypt proprietary data on its local machine.</a:t>
+            </a:r>
+            <a:endParaRPr lang="en-US" sz="1100" dirty="0">
+              <a:solidFill>
+                <a:schemeClr val="bg2">
+                  <a:lumMod val="10000"/>
+                  <a:lumOff val="90000"/>
+                </a:schemeClr>
+              </a:solidFill>
+              <a:latin typeface="Calibri" panose="020F0502020204030204" pitchFamily="34" charset="0"/>
+              <a:ea typeface="Calibri" panose="020F0502020204030204" pitchFamily="34" charset="0"/>
+              <a:cs typeface="Times New Roman" panose="02020603050405020304" pitchFamily="18" charset="0"/>
+            </a:endParaRPr>
+          </a:p>
+          <a:p>
+            <a:pPr marL="342900" marR="0" lvl="0" indent="-342900">
+              <a:lnSpc>
+                <a:spcPct val="200000"/>
+              </a:lnSpc>
+              <a:spcBef>
+                <a:spcPts val="0"/>
+              </a:spcBef>
+              <a:spcAft>
+                <a:spcPts val="800"/>
+              </a:spcAft>
+              <a:buFont typeface=" Times New Roman ,serif"/>
+              <a:buChar char="-"/>
+            </a:pPr>
+            <a:r>
+              <a:rPr lang="en-US" sz="1200" dirty="0">
+                <a:solidFill>
+                  <a:schemeClr val="bg2">
+                    <a:lumMod val="10000"/>
+                    <a:lumOff val="90000"/>
+                  </a:schemeClr>
+                </a:solidFill>
+                <a:latin typeface="Times New Roman" panose="02020603050405020304" pitchFamily="18" charset="0"/>
+                <a:ea typeface="Times New Roman" panose="02020603050405020304" pitchFamily="18" charset="0"/>
+                <a:cs typeface="Times New Roman" panose="02020603050405020304" pitchFamily="18" charset="0"/>
+              </a:rPr>
+              <a:t>Ports and Drives are not locked down from external hardware.</a:t>
+            </a:r>
+            <a:endParaRPr lang="en-US" sz="1100" dirty="0">
+              <a:solidFill>
+                <a:schemeClr val="bg2">
+                  <a:lumMod val="10000"/>
+                  <a:lumOff val="90000"/>
+                </a:schemeClr>
+              </a:solidFill>
+              <a:latin typeface="Calibri" panose="020F0502020204030204" pitchFamily="34" charset="0"/>
+              <a:ea typeface="Calibri" panose="020F0502020204030204" pitchFamily="34" charset="0"/>
+              <a:cs typeface="Times New Roman" panose="02020603050405020304" pitchFamily="18" charset="0"/>
+            </a:endParaRPr>
+          </a:p>
+          <a:p>
+            <a:pPr>
+              <a:lnSpc>
+                <a:spcPct val="200000"/>
+              </a:lnSpc>
+              <a:spcAft>
+                <a:spcPts val="800"/>
+              </a:spcAft>
+            </a:pPr>
+            <a:r>
+              <a:rPr lang="en-US" sz="1200" i="1" dirty="0">
+                <a:solidFill>
+                  <a:schemeClr val="bg2">
+                    <a:lumMod val="10000"/>
+                    <a:lumOff val="90000"/>
+                  </a:schemeClr>
+                </a:solidFill>
+                <a:latin typeface="Times New Roman" panose="02020603050405020304" pitchFamily="18" charset="0"/>
+                <a:ea typeface="Times New Roman" panose="02020603050405020304" pitchFamily="18" charset="0"/>
+                <a:cs typeface="Times New Roman" panose="02020603050405020304" pitchFamily="18" charset="0"/>
+              </a:rPr>
+              <a:t> </a:t>
+            </a:r>
+            <a:endParaRPr lang="en-US" sz="1100" dirty="0">
+              <a:solidFill>
+                <a:schemeClr val="bg2">
+                  <a:lumMod val="10000"/>
+                  <a:lumOff val="90000"/>
+                </a:schemeClr>
+              </a:solidFill>
+              <a:latin typeface="Calibri" panose="020F0502020204030204" pitchFamily="34" charset="0"/>
+              <a:ea typeface="Calibri" panose="020F0502020204030204" pitchFamily="34" charset="0"/>
+              <a:cs typeface="Times New Roman" panose="02020603050405020304" pitchFamily="18" charset="0"/>
+            </a:endParaRPr>
+          </a:p>
+          <a:p>
+            <a:pPr>
+              <a:lnSpc>
+                <a:spcPct val="200000"/>
+              </a:lnSpc>
+              <a:spcAft>
+                <a:spcPts val="800"/>
+              </a:spcAft>
+            </a:pPr>
+            <a:r>
+              <a:rPr lang="en-US" sz="1200" i="1" dirty="0">
+                <a:solidFill>
+                  <a:schemeClr val="bg2">
+                    <a:lumMod val="10000"/>
+                    <a:lumOff val="90000"/>
+                  </a:schemeClr>
+                </a:solidFill>
+                <a:latin typeface="Times New Roman" panose="02020603050405020304" pitchFamily="18" charset="0"/>
+                <a:ea typeface="Times New Roman" panose="02020603050405020304" pitchFamily="18" charset="0"/>
+                <a:cs typeface="Times New Roman" panose="02020603050405020304" pitchFamily="18" charset="0"/>
+              </a:rPr>
+              <a:t> </a:t>
+            </a:r>
+            <a:endParaRPr lang="en-US" sz="1100" dirty="0">
+              <a:solidFill>
+                <a:schemeClr val="bg2">
+                  <a:lumMod val="10000"/>
+                  <a:lumOff val="90000"/>
+                </a:schemeClr>
+              </a:solidFill>
+              <a:latin typeface="Calibri" panose="020F0502020204030204" pitchFamily="34" charset="0"/>
+              <a:ea typeface="Calibri" panose="020F0502020204030204" pitchFamily="34" charset="0"/>
+              <a:cs typeface="Times New Roman" panose="02020603050405020304" pitchFamily="18" charset="0"/>
+            </a:endParaRPr>
+          </a:p>
+          <a:p>
+            <a:pPr>
+              <a:lnSpc>
+                <a:spcPct val="200000"/>
+              </a:lnSpc>
+              <a:spcAft>
+                <a:spcPts val="800"/>
+              </a:spcAft>
+            </a:pPr>
+            <a:r>
+              <a:rPr lang="en-US" sz="1200" i="1" u="sng" dirty="0">
+                <a:solidFill>
+                  <a:schemeClr val="bg2">
+                    <a:lumMod val="10000"/>
+                    <a:lumOff val="90000"/>
+                  </a:schemeClr>
+                </a:solidFill>
+                <a:latin typeface="Times New Roman" panose="02020603050405020304" pitchFamily="18" charset="0"/>
+                <a:ea typeface="Times New Roman" panose="02020603050405020304" pitchFamily="18" charset="0"/>
+                <a:cs typeface="Times New Roman" panose="02020603050405020304" pitchFamily="18" charset="0"/>
+              </a:rPr>
+              <a:t>Operation Security issues:</a:t>
+            </a:r>
+            <a:endParaRPr lang="en-US" sz="1100" dirty="0">
+              <a:solidFill>
+                <a:schemeClr val="bg2">
+                  <a:lumMod val="10000"/>
+                  <a:lumOff val="90000"/>
+                </a:schemeClr>
+              </a:solidFill>
+              <a:latin typeface="Calibri" panose="020F0502020204030204" pitchFamily="34" charset="0"/>
+              <a:ea typeface="Calibri" panose="020F0502020204030204" pitchFamily="34" charset="0"/>
+              <a:cs typeface="Times New Roman" panose="02020603050405020304" pitchFamily="18" charset="0"/>
+            </a:endParaRPr>
+          </a:p>
+          <a:p>
+            <a:pPr marL="342900" marR="0" lvl="0" indent="-342900">
+              <a:lnSpc>
+                <a:spcPct val="200000"/>
+              </a:lnSpc>
+              <a:spcBef>
+                <a:spcPts val="0"/>
+              </a:spcBef>
+              <a:spcAft>
+                <a:spcPts val="800"/>
+              </a:spcAft>
+              <a:buFont typeface=" Times New Roman ,serif"/>
+              <a:buChar char="-"/>
+            </a:pPr>
+            <a:r>
+              <a:rPr lang="en-US" sz="1200" dirty="0">
+                <a:solidFill>
+                  <a:schemeClr val="bg2">
+                    <a:lumMod val="10000"/>
+                    <a:lumOff val="90000"/>
+                  </a:schemeClr>
+                </a:solidFill>
+                <a:latin typeface="Times New Roman" panose="02020603050405020304" pitchFamily="18" charset="0"/>
+                <a:ea typeface="Times New Roman" panose="02020603050405020304" pitchFamily="18" charset="0"/>
+                <a:cs typeface="Times New Roman" panose="02020603050405020304" pitchFamily="18" charset="0"/>
+              </a:rPr>
+              <a:t>Client only pushes backups to 3</a:t>
+            </a:r>
+            <a:r>
+              <a:rPr lang="en-US" sz="1200" baseline="30000" dirty="0">
+                <a:solidFill>
+                  <a:schemeClr val="bg2">
+                    <a:lumMod val="10000"/>
+                    <a:lumOff val="90000"/>
+                  </a:schemeClr>
+                </a:solidFill>
+                <a:latin typeface="Times New Roman" panose="02020603050405020304" pitchFamily="18" charset="0"/>
+                <a:ea typeface="Times New Roman" panose="02020603050405020304" pitchFamily="18" charset="0"/>
+                <a:cs typeface="Times New Roman" panose="02020603050405020304" pitchFamily="18" charset="0"/>
+              </a:rPr>
+              <a:t>rd</a:t>
+            </a:r>
+            <a:r>
+              <a:rPr lang="en-US" sz="1200" dirty="0">
+                <a:solidFill>
+                  <a:schemeClr val="bg2">
+                    <a:lumMod val="10000"/>
+                    <a:lumOff val="90000"/>
+                  </a:schemeClr>
+                </a:solidFill>
+                <a:latin typeface="Times New Roman" panose="02020603050405020304" pitchFamily="18" charset="0"/>
+                <a:ea typeface="Times New Roman" panose="02020603050405020304" pitchFamily="18" charset="0"/>
+                <a:cs typeface="Times New Roman" panose="02020603050405020304" pitchFamily="18" charset="0"/>
+              </a:rPr>
+              <a:t> party but can only use as a restore point, cannot reference live data remotely. Can’t access data in a flash in case of an emergency.</a:t>
+            </a:r>
+            <a:endParaRPr lang="en-US" sz="1100" dirty="0">
+              <a:solidFill>
+                <a:schemeClr val="bg2">
+                  <a:lumMod val="10000"/>
+                  <a:lumOff val="90000"/>
+                </a:schemeClr>
+              </a:solidFill>
+              <a:latin typeface="Calibri" panose="020F0502020204030204" pitchFamily="34" charset="0"/>
+              <a:ea typeface="Calibri" panose="020F0502020204030204" pitchFamily="34" charset="0"/>
+              <a:cs typeface="Times New Roman" panose="02020603050405020304" pitchFamily="18" charset="0"/>
+            </a:endParaRPr>
           </a:p>
         </p:txBody>
       </p:sp>
@@ -13364,7 +15642,7 @@
         </p:nvSpPr>
         <p:spPr>
           <a:xfrm>
-            <a:off x="3048000" y="3105835"/>
+            <a:off x="1408387" y="394166"/>
             <a:ext cx="6096000" cy="646331"/>
           </a:xfrm>
           <a:prstGeom prst="rect">
@@ -13391,6 +15669,155 @@
               <a:rPr lang="en-US" dirty="0"/>
             </a:br>
             <a:endParaRPr lang="en-US" dirty="0"/>
+          </a:p>
+        </p:txBody>
+      </p:sp>
+      <p:sp>
+        <p:nvSpPr>
+          <p:cNvPr id="3" name="Rectangle 2">
+            <a:extLst>
+              <a:ext uri="{FF2B5EF4-FFF2-40B4-BE49-F238E27FC236}">
+                <a16:creationId xmlns:a16="http://schemas.microsoft.com/office/drawing/2014/main" id="{5D08980C-ADC9-46A2-9E65-D41221092C3B}"/>
+              </a:ext>
+            </a:extLst>
+          </p:cNvPr>
+          <p:cNvSpPr/>
+          <p:nvPr/>
+        </p:nvSpPr>
+        <p:spPr>
+          <a:xfrm>
+            <a:off x="1776248" y="1166649"/>
+            <a:ext cx="7367752" cy="1675267"/>
+          </a:xfrm>
+          <a:prstGeom prst="rect">
+            <a:avLst/>
+          </a:prstGeom>
+        </p:spPr>
+        <p:txBody>
+          <a:bodyPr wrap="square">
+            <a:spAutoFit/>
+          </a:bodyPr>
+          <a:lstStyle/>
+          <a:p>
+            <a:pPr marL="342900" marR="0" lvl="0" indent="-342900">
+              <a:lnSpc>
+                <a:spcPct val="200000"/>
+              </a:lnSpc>
+              <a:spcBef>
+                <a:spcPts val="0"/>
+              </a:spcBef>
+              <a:spcAft>
+                <a:spcPts val="0"/>
+              </a:spcAft>
+              <a:buFont typeface=" Times New Roman ,serif"/>
+              <a:buChar char="-"/>
+            </a:pPr>
+            <a:r>
+              <a:rPr lang="en-US" dirty="0">
+                <a:solidFill>
+                  <a:schemeClr val="bg2">
+                    <a:lumMod val="10000"/>
+                    <a:lumOff val="90000"/>
+                  </a:schemeClr>
+                </a:solidFill>
+                <a:latin typeface="Times New Roman" panose="02020603050405020304" pitchFamily="18" charset="0"/>
+                <a:ea typeface="Times New Roman" panose="02020603050405020304" pitchFamily="18" charset="0"/>
+                <a:cs typeface="Times New Roman" panose="02020603050405020304" pitchFamily="18" charset="0"/>
+              </a:rPr>
+              <a:t>Improve Physical Access Control.</a:t>
+            </a:r>
+            <a:endParaRPr lang="en-US" sz="1600" dirty="0">
+              <a:solidFill>
+                <a:schemeClr val="bg2">
+                  <a:lumMod val="10000"/>
+                  <a:lumOff val="90000"/>
+                </a:schemeClr>
+              </a:solidFill>
+              <a:latin typeface="Calibri" panose="020F0502020204030204" pitchFamily="34" charset="0"/>
+              <a:ea typeface="Calibri" panose="020F0502020204030204" pitchFamily="34" charset="0"/>
+              <a:cs typeface="Times New Roman" panose="02020603050405020304" pitchFamily="18" charset="0"/>
+            </a:endParaRPr>
+          </a:p>
+          <a:p>
+            <a:pPr marL="342900" marR="0" lvl="0" indent="-342900">
+              <a:lnSpc>
+                <a:spcPct val="200000"/>
+              </a:lnSpc>
+              <a:spcBef>
+                <a:spcPts val="0"/>
+              </a:spcBef>
+              <a:spcAft>
+                <a:spcPts val="0"/>
+              </a:spcAft>
+              <a:buFont typeface=" Times New Roman ,serif"/>
+              <a:buChar char="-"/>
+            </a:pPr>
+            <a:r>
+              <a:rPr lang="en-US" dirty="0">
+                <a:solidFill>
+                  <a:schemeClr val="bg2">
+                    <a:lumMod val="10000"/>
+                    <a:lumOff val="90000"/>
+                  </a:schemeClr>
+                </a:solidFill>
+                <a:latin typeface="Times New Roman" panose="02020603050405020304" pitchFamily="18" charset="0"/>
+                <a:ea typeface="Times New Roman" panose="02020603050405020304" pitchFamily="18" charset="0"/>
+                <a:cs typeface="Times New Roman" panose="02020603050405020304" pitchFamily="18" charset="0"/>
+              </a:rPr>
+              <a:t>Improve Network Security.</a:t>
+            </a:r>
+            <a:endParaRPr lang="en-US" sz="1600" dirty="0">
+              <a:solidFill>
+                <a:schemeClr val="bg2">
+                  <a:lumMod val="10000"/>
+                  <a:lumOff val="90000"/>
+                </a:schemeClr>
+              </a:solidFill>
+              <a:latin typeface="Calibri" panose="020F0502020204030204" pitchFamily="34" charset="0"/>
+              <a:ea typeface="Calibri" panose="020F0502020204030204" pitchFamily="34" charset="0"/>
+              <a:cs typeface="Times New Roman" panose="02020603050405020304" pitchFamily="18" charset="0"/>
+            </a:endParaRPr>
+          </a:p>
+          <a:p>
+            <a:pPr marL="342900" marR="0" lvl="0" indent="-342900">
+              <a:lnSpc>
+                <a:spcPct val="200000"/>
+              </a:lnSpc>
+              <a:spcBef>
+                <a:spcPts val="0"/>
+              </a:spcBef>
+              <a:spcAft>
+                <a:spcPts val="800"/>
+              </a:spcAft>
+              <a:buFont typeface=" Times New Roman ,serif"/>
+              <a:buChar char="-"/>
+            </a:pPr>
+            <a:r>
+              <a:rPr lang="en-US" dirty="0">
+                <a:solidFill>
+                  <a:schemeClr val="bg2">
+                    <a:lumMod val="10000"/>
+                    <a:lumOff val="90000"/>
+                  </a:schemeClr>
+                </a:solidFill>
+                <a:latin typeface="Times New Roman" panose="02020603050405020304" pitchFamily="18" charset="0"/>
+                <a:ea typeface="Times New Roman" panose="02020603050405020304" pitchFamily="18" charset="0"/>
+                <a:cs typeface="Times New Roman" panose="02020603050405020304" pitchFamily="18" charset="0"/>
+              </a:rPr>
+              <a:t>Improve Operational Security.</a:t>
+            </a:r>
+            <a:endParaRPr lang="en-US" sz="1600" dirty="0">
+              <a:solidFill>
+                <a:schemeClr val="bg2">
+                  <a:lumMod val="10000"/>
+                  <a:lumOff val="90000"/>
+                </a:schemeClr>
+              </a:solidFill>
+              <a:effectLst/>
+              <a:latin typeface="Calibri" panose="020F0502020204030204" pitchFamily="34" charset="0"/>
+              <a:ea typeface="Calibri" panose="020F0502020204030204" pitchFamily="34" charset="0"/>
+              <a:cs typeface="Times New Roman" panose="02020603050405020304" pitchFamily="18" charset="0"/>
+            </a:endParaRPr>
           </a:p>
         </p:txBody>
       </p:sp>
@@ -13438,7 +15865,7 @@
         </p:nvSpPr>
         <p:spPr>
           <a:xfrm>
-            <a:off x="3048000" y="3105835"/>
+            <a:off x="1429407" y="383656"/>
             <a:ext cx="6096000" cy="646331"/>
           </a:xfrm>
           <a:prstGeom prst="rect">
@@ -13465,6 +15892,61 @@
               <a:rPr lang="en-US" dirty="0"/>
             </a:br>
             <a:endParaRPr lang="en-US" dirty="0"/>
+          </a:p>
+        </p:txBody>
+      </p:sp>
+      <p:sp>
+        <p:nvSpPr>
+          <p:cNvPr id="3" name="Rectangle 2">
+            <a:extLst>
+              <a:ext uri="{FF2B5EF4-FFF2-40B4-BE49-F238E27FC236}">
+                <a16:creationId xmlns:a16="http://schemas.microsoft.com/office/drawing/2014/main" id="{5D026BD3-7501-431D-BD7A-145A117066DD}"/>
+              </a:ext>
+            </a:extLst>
+          </p:cNvPr>
+          <p:cNvSpPr/>
+          <p:nvPr/>
+        </p:nvSpPr>
+        <p:spPr>
+          <a:xfrm>
+            <a:off x="1838680" y="1748540"/>
+            <a:ext cx="8917378" cy="1680460"/>
+          </a:xfrm>
+          <a:prstGeom prst="rect">
+            <a:avLst/>
+          </a:prstGeom>
+        </p:spPr>
+        <p:txBody>
+          <a:bodyPr wrap="none">
+            <a:spAutoFit/>
+          </a:bodyPr>
+          <a:lstStyle/>
+          <a:p>
+            <a:pPr>
+              <a:lnSpc>
+                <a:spcPct val="200000"/>
+              </a:lnSpc>
+              <a:spcAft>
+                <a:spcPts val="800"/>
+              </a:spcAft>
+            </a:pPr>
+            <a:r>
+              <a:rPr lang="en-US" sz="6000" b="1" dirty="0">
+                <a:solidFill>
+                  <a:srgbClr val="C00000"/>
+                </a:solidFill>
+                <a:latin typeface="Calibri Light" panose="020F0302020204030204" pitchFamily="34" charset="0"/>
+                <a:ea typeface="Times New Roman" panose="02020603050405020304" pitchFamily="18" charset="0"/>
+                <a:cs typeface="Times New Roman" panose="02020603050405020304" pitchFamily="18" charset="0"/>
+              </a:rPr>
+              <a:t>We need to redo this section</a:t>
+            </a:r>
+            <a:endParaRPr lang="en-US" sz="6000" b="1" dirty="0">
+              <a:effectLst/>
+              <a:latin typeface="Calibri" panose="020F0502020204030204" pitchFamily="34" charset="0"/>
+              <a:ea typeface="Calibri" panose="020F0502020204030204" pitchFamily="34" charset="0"/>
+              <a:cs typeface="Times New Roman" panose="02020603050405020304" pitchFamily="18" charset="0"/>
+            </a:endParaRPr>
           </a:p>
         </p:txBody>
       </p:sp>
@@ -13512,7 +15994,7 @@
         </p:nvSpPr>
         <p:spPr>
           <a:xfrm>
-            <a:off x="3048000" y="2690336"/>
+            <a:off x="1313793" y="272957"/>
             <a:ext cx="6096000" cy="1477328"/>
           </a:xfrm>
           <a:prstGeom prst="rect">
@@ -13559,6 +16041,1163 @@
               <a:rPr lang="en-US" dirty="0"/>
             </a:br>
             <a:endParaRPr lang="en-US" dirty="0"/>
+          </a:p>
+        </p:txBody>
+      </p:sp>
+      <p:sp>
+        <p:nvSpPr>
+          <p:cNvPr id="3" name="Rectangle 2">
+            <a:extLst>
+              <a:ext uri="{FF2B5EF4-FFF2-40B4-BE49-F238E27FC236}">
+                <a16:creationId xmlns:a16="http://schemas.microsoft.com/office/drawing/2014/main" id="{A4354D9E-A4B7-4D24-A720-DE9138980807}"/>
+              </a:ext>
+            </a:extLst>
+          </p:cNvPr>
+          <p:cNvSpPr/>
+          <p:nvPr/>
+        </p:nvSpPr>
+        <p:spPr>
+          <a:xfrm>
+            <a:off x="3363310" y="1193497"/>
+            <a:ext cx="6096000" cy="12227643"/>
+          </a:xfrm>
+          <a:prstGeom prst="rect">
+            <a:avLst/>
+          </a:prstGeom>
+        </p:spPr>
+        <p:txBody>
+          <a:bodyPr>
+            <a:spAutoFit/>
+          </a:bodyPr>
+          <a:lstStyle/>
+          <a:p>
+            <a:pPr marL="342900" marR="0" lvl="0" indent="-342900">
+              <a:lnSpc>
+                <a:spcPct val="200000"/>
+              </a:lnSpc>
+              <a:spcBef>
+                <a:spcPts val="0"/>
+              </a:spcBef>
+              <a:spcAft>
+                <a:spcPts val="0"/>
+              </a:spcAft>
+              <a:buFont typeface="Symbol" panose="05050102010706020507" pitchFamily="18" charset="2"/>
+              <a:buChar char=""/>
+            </a:pPr>
+            <a:r>
+              <a:rPr lang="en-US" sz="1200" i="1" u="sng" dirty="0">
+                <a:solidFill>
+                  <a:schemeClr val="bg2">
+                    <a:lumMod val="10000"/>
+                    <a:lumOff val="90000"/>
+                  </a:schemeClr>
+                </a:solidFill>
+                <a:latin typeface="Times New Roman" panose="02020603050405020304" pitchFamily="18" charset="0"/>
+                <a:ea typeface="Times New Roman" panose="02020603050405020304" pitchFamily="18" charset="0"/>
+                <a:cs typeface="Times New Roman" panose="02020603050405020304" pitchFamily="18" charset="0"/>
+              </a:rPr>
+              <a:t>Physical Access Control</a:t>
+            </a:r>
+            <a:r>
+              <a:rPr lang="en-US" sz="1200" i="1" dirty="0">
+                <a:solidFill>
+                  <a:schemeClr val="bg2">
+                    <a:lumMod val="10000"/>
+                    <a:lumOff val="90000"/>
+                  </a:schemeClr>
+                </a:solidFill>
+                <a:latin typeface="Times New Roman" panose="02020603050405020304" pitchFamily="18" charset="0"/>
+                <a:ea typeface="Times New Roman" panose="02020603050405020304" pitchFamily="18" charset="0"/>
+                <a:cs typeface="Times New Roman" panose="02020603050405020304" pitchFamily="18" charset="0"/>
+              </a:rPr>
+              <a:t>:</a:t>
+            </a:r>
+            <a:r>
+              <a:rPr lang="en-US" sz="1200" dirty="0">
+                <a:solidFill>
+                  <a:schemeClr val="bg2">
+                    <a:lumMod val="10000"/>
+                    <a:lumOff val="90000"/>
+                  </a:schemeClr>
+                </a:solidFill>
+                <a:latin typeface="Times New Roman" panose="02020603050405020304" pitchFamily="18" charset="0"/>
+                <a:ea typeface="Times New Roman" panose="02020603050405020304" pitchFamily="18" charset="0"/>
+                <a:cs typeface="Times New Roman" panose="02020603050405020304" pitchFamily="18" charset="0"/>
+              </a:rPr>
+              <a:t> By controlling access to the facility, we can reduce the chance of a bad actor having physical access to critical systems (NIST, 2014). Following the recommendations of the NIST framework by using layered security, the following actions will need to be implemented:</a:t>
+            </a:r>
+            <a:endParaRPr lang="en-US" sz="1100" dirty="0">
+              <a:solidFill>
+                <a:schemeClr val="bg2">
+                  <a:lumMod val="10000"/>
+                  <a:lumOff val="90000"/>
+                </a:schemeClr>
+              </a:solidFill>
+              <a:latin typeface="Calibri" panose="020F0502020204030204" pitchFamily="34" charset="0"/>
+              <a:ea typeface="Calibri" panose="020F0502020204030204" pitchFamily="34" charset="0"/>
+              <a:cs typeface="Times New Roman" panose="02020603050405020304" pitchFamily="18" charset="0"/>
+            </a:endParaRPr>
+          </a:p>
+          <a:p>
+            <a:pPr marL="742950" marR="0" lvl="1" indent="-285750">
+              <a:lnSpc>
+                <a:spcPct val="200000"/>
+              </a:lnSpc>
+              <a:spcBef>
+                <a:spcPts val="0"/>
+              </a:spcBef>
+              <a:spcAft>
+                <a:spcPts val="0"/>
+              </a:spcAft>
+              <a:buFont typeface="Courier New" panose="02070309020205020404" pitchFamily="49" charset="0"/>
+              <a:buChar char="o"/>
+            </a:pPr>
+            <a:r>
+              <a:rPr lang="en-US" sz="1200" dirty="0">
+                <a:solidFill>
+                  <a:schemeClr val="bg2">
+                    <a:lumMod val="10000"/>
+                    <a:lumOff val="90000"/>
+                  </a:schemeClr>
+                </a:solidFill>
+                <a:latin typeface="Times New Roman" panose="02020603050405020304" pitchFamily="18" charset="0"/>
+                <a:ea typeface="Times New Roman" panose="02020603050405020304" pitchFamily="18" charset="0"/>
+                <a:cs typeface="Times New Roman" panose="02020603050405020304" pitchFamily="18" charset="0"/>
+              </a:rPr>
+              <a:t>Add door lock to prevent customers/guest from accessing the Production area.</a:t>
+            </a:r>
+            <a:endParaRPr lang="en-US" sz="1100" dirty="0">
+              <a:solidFill>
+                <a:schemeClr val="bg2">
+                  <a:lumMod val="10000"/>
+                  <a:lumOff val="90000"/>
+                </a:schemeClr>
+              </a:solidFill>
+              <a:latin typeface="Calibri" panose="020F0502020204030204" pitchFamily="34" charset="0"/>
+              <a:ea typeface="Calibri" panose="020F0502020204030204" pitchFamily="34" charset="0"/>
+              <a:cs typeface="Times New Roman" panose="02020603050405020304" pitchFamily="18" charset="0"/>
+            </a:endParaRPr>
+          </a:p>
+          <a:p>
+            <a:pPr marL="742950" marR="0" lvl="1" indent="-285750">
+              <a:lnSpc>
+                <a:spcPct val="200000"/>
+              </a:lnSpc>
+              <a:spcBef>
+                <a:spcPts val="0"/>
+              </a:spcBef>
+              <a:spcAft>
+                <a:spcPts val="0"/>
+              </a:spcAft>
+              <a:buFont typeface="Courier New" panose="02070309020205020404" pitchFamily="49" charset="0"/>
+              <a:buChar char="o"/>
+            </a:pPr>
+            <a:r>
+              <a:rPr lang="en-US" sz="1200" dirty="0">
+                <a:solidFill>
+                  <a:schemeClr val="bg2">
+                    <a:lumMod val="10000"/>
+                    <a:lumOff val="90000"/>
+                  </a:schemeClr>
+                </a:solidFill>
+                <a:latin typeface="Times New Roman" panose="02020603050405020304" pitchFamily="18" charset="0"/>
+                <a:ea typeface="Times New Roman" panose="02020603050405020304" pitchFamily="18" charset="0"/>
+                <a:cs typeface="Times New Roman" panose="02020603050405020304" pitchFamily="18" charset="0"/>
+              </a:rPr>
+              <a:t>Hang a sign that says restricted area.</a:t>
+            </a:r>
+            <a:endParaRPr lang="en-US" sz="1100" dirty="0">
+              <a:solidFill>
+                <a:schemeClr val="bg2">
+                  <a:lumMod val="10000"/>
+                  <a:lumOff val="90000"/>
+                </a:schemeClr>
+              </a:solidFill>
+              <a:latin typeface="Calibri" panose="020F0502020204030204" pitchFamily="34" charset="0"/>
+              <a:ea typeface="Calibri" panose="020F0502020204030204" pitchFamily="34" charset="0"/>
+              <a:cs typeface="Times New Roman" panose="02020603050405020304" pitchFamily="18" charset="0"/>
+            </a:endParaRPr>
+          </a:p>
+          <a:p>
+            <a:pPr marL="742950" marR="0" lvl="1" indent="-285750">
+              <a:lnSpc>
+                <a:spcPct val="200000"/>
+              </a:lnSpc>
+              <a:spcBef>
+                <a:spcPts val="0"/>
+              </a:spcBef>
+              <a:spcAft>
+                <a:spcPts val="0"/>
+              </a:spcAft>
+              <a:buFont typeface="Courier New" panose="02070309020205020404" pitchFamily="49" charset="0"/>
+              <a:buChar char="o"/>
+            </a:pPr>
+            <a:r>
+              <a:rPr lang="en-US" sz="1200" dirty="0">
+                <a:solidFill>
+                  <a:schemeClr val="bg2">
+                    <a:lumMod val="10000"/>
+                    <a:lumOff val="90000"/>
+                  </a:schemeClr>
+                </a:solidFill>
+                <a:latin typeface="Times New Roman" panose="02020603050405020304" pitchFamily="18" charset="0"/>
+                <a:ea typeface="Times New Roman" panose="02020603050405020304" pitchFamily="18" charset="0"/>
+                <a:cs typeface="Times New Roman" panose="02020603050405020304" pitchFamily="18" charset="0"/>
+              </a:rPr>
+              <a:t>Install CCTV.</a:t>
+            </a:r>
+            <a:endParaRPr lang="en-US" sz="1100" dirty="0">
+              <a:solidFill>
+                <a:schemeClr val="bg2">
+                  <a:lumMod val="10000"/>
+                  <a:lumOff val="90000"/>
+                </a:schemeClr>
+              </a:solidFill>
+              <a:latin typeface="Calibri" panose="020F0502020204030204" pitchFamily="34" charset="0"/>
+              <a:ea typeface="Calibri" panose="020F0502020204030204" pitchFamily="34" charset="0"/>
+              <a:cs typeface="Times New Roman" panose="02020603050405020304" pitchFamily="18" charset="0"/>
+            </a:endParaRPr>
+          </a:p>
+          <a:p>
+            <a:pPr marL="342900" marR="0" lvl="0" indent="-342900">
+              <a:lnSpc>
+                <a:spcPct val="200000"/>
+              </a:lnSpc>
+              <a:spcBef>
+                <a:spcPts val="0"/>
+              </a:spcBef>
+              <a:spcAft>
+                <a:spcPts val="0"/>
+              </a:spcAft>
+              <a:buFont typeface="Symbol" panose="05050102010706020507" pitchFamily="18" charset="2"/>
+              <a:buChar char=""/>
+            </a:pPr>
+            <a:r>
+              <a:rPr lang="en-US" sz="1200" i="1" u="sng" dirty="0">
+                <a:solidFill>
+                  <a:schemeClr val="bg2">
+                    <a:lumMod val="10000"/>
+                    <a:lumOff val="90000"/>
+                  </a:schemeClr>
+                </a:solidFill>
+                <a:latin typeface="Times New Roman" panose="02020603050405020304" pitchFamily="18" charset="0"/>
+                <a:ea typeface="Times New Roman" panose="02020603050405020304" pitchFamily="18" charset="0"/>
+                <a:cs typeface="Times New Roman" panose="02020603050405020304" pitchFamily="18" charset="0"/>
+              </a:rPr>
+              <a:t>Network Security:</a:t>
+            </a:r>
+            <a:r>
+              <a:rPr lang="en-US" sz="1200" dirty="0">
+                <a:solidFill>
+                  <a:schemeClr val="bg2">
+                    <a:lumMod val="10000"/>
+                    <a:lumOff val="90000"/>
+                  </a:schemeClr>
+                </a:solidFill>
+                <a:latin typeface="Times New Roman" panose="02020603050405020304" pitchFamily="18" charset="0"/>
+                <a:ea typeface="Times New Roman" panose="02020603050405020304" pitchFamily="18" charset="0"/>
+                <a:cs typeface="Times New Roman" panose="02020603050405020304" pitchFamily="18" charset="0"/>
+              </a:rPr>
+              <a:t> Small business can’t afford to invest in top of the line hardware solutions (</a:t>
+            </a:r>
+            <a:r>
+              <a:rPr lang="en-US" sz="1100" dirty="0">
+                <a:solidFill>
+                  <a:schemeClr val="bg2">
+                    <a:lumMod val="10000"/>
+                    <a:lumOff val="90000"/>
+                  </a:schemeClr>
+                </a:solidFill>
+                <a:latin typeface="Calibri" panose="020F0502020204030204" pitchFamily="34" charset="0"/>
+                <a:ea typeface="Calibri" panose="020F0502020204030204" pitchFamily="34" charset="0"/>
+                <a:cs typeface="Times New Roman" panose="02020603050405020304" pitchFamily="18" charset="0"/>
+              </a:rPr>
+              <a:t>McDermid, </a:t>
+            </a:r>
+            <a:r>
+              <a:rPr lang="en-US" sz="1100" dirty="0" err="1">
+                <a:solidFill>
+                  <a:schemeClr val="bg2">
+                    <a:lumMod val="10000"/>
+                    <a:lumOff val="90000"/>
+                  </a:schemeClr>
+                </a:solidFill>
+                <a:latin typeface="Calibri" panose="020F0502020204030204" pitchFamily="34" charset="0"/>
+                <a:ea typeface="Calibri" panose="020F0502020204030204" pitchFamily="34" charset="0"/>
+                <a:cs typeface="Times New Roman" panose="02020603050405020304" pitchFamily="18" charset="0"/>
+              </a:rPr>
+              <a:t>Mahncke</a:t>
+            </a:r>
+            <a:r>
+              <a:rPr lang="en-US" sz="1100" dirty="0">
+                <a:solidFill>
+                  <a:schemeClr val="bg2">
+                    <a:lumMod val="10000"/>
+                    <a:lumOff val="90000"/>
+                  </a:schemeClr>
+                </a:solidFill>
+                <a:latin typeface="Calibri" panose="020F0502020204030204" pitchFamily="34" charset="0"/>
+                <a:ea typeface="Calibri" panose="020F0502020204030204" pitchFamily="34" charset="0"/>
+                <a:cs typeface="Times New Roman" panose="02020603050405020304" pitchFamily="18" charset="0"/>
+              </a:rPr>
+              <a:t> &amp; Williams, 2009)</a:t>
+            </a:r>
+            <a:r>
+              <a:rPr lang="en-US" sz="1200" dirty="0">
+                <a:solidFill>
+                  <a:schemeClr val="bg2">
+                    <a:lumMod val="10000"/>
+                    <a:lumOff val="90000"/>
+                  </a:schemeClr>
+                </a:solidFill>
+                <a:latin typeface="Times New Roman" panose="02020603050405020304" pitchFamily="18" charset="0"/>
+                <a:ea typeface="Times New Roman" panose="02020603050405020304" pitchFamily="18" charset="0"/>
+                <a:cs typeface="Times New Roman" panose="02020603050405020304" pitchFamily="18" charset="0"/>
+              </a:rPr>
+              <a:t>, but a Network Security Appliance(UTM) offers an all in one security solution that can offer the needed protection and services and serve as the first line of defense against external network treat. In order to ensure network integrity, An NSA/UTM device will be used to provide the following network control and security measures: </a:t>
+            </a:r>
+            <a:endParaRPr lang="en-US" sz="1100" dirty="0">
+              <a:solidFill>
+                <a:schemeClr val="bg2">
+                  <a:lumMod val="10000"/>
+                  <a:lumOff val="90000"/>
+                </a:schemeClr>
+              </a:solidFill>
+              <a:latin typeface="Calibri" panose="020F0502020204030204" pitchFamily="34" charset="0"/>
+              <a:ea typeface="Calibri" panose="020F0502020204030204" pitchFamily="34" charset="0"/>
+              <a:cs typeface="Times New Roman" panose="02020603050405020304" pitchFamily="18" charset="0"/>
+            </a:endParaRPr>
+          </a:p>
+          <a:p>
+            <a:pPr marL="742950" marR="0" lvl="1" indent="-285750">
+              <a:lnSpc>
+                <a:spcPct val="200000"/>
+              </a:lnSpc>
+              <a:spcBef>
+                <a:spcPts val="0"/>
+              </a:spcBef>
+              <a:spcAft>
+                <a:spcPts val="0"/>
+              </a:spcAft>
+              <a:buFont typeface="Courier New" panose="02070309020205020404" pitchFamily="49" charset="0"/>
+              <a:buChar char="o"/>
+            </a:pPr>
+            <a:r>
+              <a:rPr lang="en-US" sz="1200" dirty="0">
+                <a:solidFill>
+                  <a:schemeClr val="bg2">
+                    <a:lumMod val="10000"/>
+                    <a:lumOff val="90000"/>
+                  </a:schemeClr>
+                </a:solidFill>
+                <a:latin typeface="Times New Roman" panose="02020603050405020304" pitchFamily="18" charset="0"/>
+                <a:ea typeface="Times New Roman" panose="02020603050405020304" pitchFamily="18" charset="0"/>
+                <a:cs typeface="Times New Roman" panose="02020603050405020304" pitchFamily="18" charset="0"/>
+              </a:rPr>
+              <a:t> Segregate production network from guest network.</a:t>
+            </a:r>
+            <a:endParaRPr lang="en-US" sz="1100" dirty="0">
+              <a:solidFill>
+                <a:schemeClr val="bg2">
+                  <a:lumMod val="10000"/>
+                  <a:lumOff val="90000"/>
+                </a:schemeClr>
+              </a:solidFill>
+              <a:latin typeface="Calibri" panose="020F0502020204030204" pitchFamily="34" charset="0"/>
+              <a:ea typeface="Calibri" panose="020F0502020204030204" pitchFamily="34" charset="0"/>
+              <a:cs typeface="Times New Roman" panose="02020603050405020304" pitchFamily="18" charset="0"/>
+            </a:endParaRPr>
+          </a:p>
+          <a:p>
+            <a:pPr marL="742950" marR="0" lvl="1" indent="-285750">
+              <a:lnSpc>
+                <a:spcPct val="200000"/>
+              </a:lnSpc>
+              <a:spcBef>
+                <a:spcPts val="0"/>
+              </a:spcBef>
+              <a:spcAft>
+                <a:spcPts val="0"/>
+              </a:spcAft>
+              <a:buFont typeface="Courier New" panose="02070309020205020404" pitchFamily="49" charset="0"/>
+              <a:buChar char="o"/>
+            </a:pPr>
+            <a:r>
+              <a:rPr lang="en-US" sz="1200" dirty="0">
+                <a:solidFill>
+                  <a:schemeClr val="bg2">
+                    <a:lumMod val="10000"/>
+                    <a:lumOff val="90000"/>
+                  </a:schemeClr>
+                </a:solidFill>
+                <a:latin typeface="Times New Roman" panose="02020603050405020304" pitchFamily="18" charset="0"/>
+                <a:ea typeface="Times New Roman" panose="02020603050405020304" pitchFamily="18" charset="0"/>
+                <a:cs typeface="Times New Roman" panose="02020603050405020304" pitchFamily="18" charset="0"/>
+              </a:rPr>
+              <a:t>Create guest network with a Captive Portal.</a:t>
+            </a:r>
+            <a:endParaRPr lang="en-US" sz="1100" dirty="0">
+              <a:solidFill>
+                <a:schemeClr val="bg2">
+                  <a:lumMod val="10000"/>
+                  <a:lumOff val="90000"/>
+                </a:schemeClr>
+              </a:solidFill>
+              <a:latin typeface="Calibri" panose="020F0502020204030204" pitchFamily="34" charset="0"/>
+              <a:ea typeface="Calibri" panose="020F0502020204030204" pitchFamily="34" charset="0"/>
+              <a:cs typeface="Times New Roman" panose="02020603050405020304" pitchFamily="18" charset="0"/>
+            </a:endParaRPr>
+          </a:p>
+          <a:p>
+            <a:pPr marL="742950" marR="0" lvl="1" indent="-285750">
+              <a:lnSpc>
+                <a:spcPct val="200000"/>
+              </a:lnSpc>
+              <a:spcBef>
+                <a:spcPts val="0"/>
+              </a:spcBef>
+              <a:spcAft>
+                <a:spcPts val="0"/>
+              </a:spcAft>
+              <a:buFont typeface="Courier New" panose="02070309020205020404" pitchFamily="49" charset="0"/>
+              <a:buChar char="o"/>
+            </a:pPr>
+            <a:r>
+              <a:rPr lang="en-US" sz="1200" dirty="0">
+                <a:solidFill>
+                  <a:schemeClr val="bg2">
+                    <a:lumMod val="10000"/>
+                    <a:lumOff val="90000"/>
+                  </a:schemeClr>
+                </a:solidFill>
+                <a:latin typeface="Times New Roman" panose="02020603050405020304" pitchFamily="18" charset="0"/>
+                <a:ea typeface="Times New Roman" panose="02020603050405020304" pitchFamily="18" charset="0"/>
+                <a:cs typeface="Times New Roman" panose="02020603050405020304" pitchFamily="18" charset="0"/>
+              </a:rPr>
+              <a:t>Upgrade WIFI security from WPA to WPA2.</a:t>
+            </a:r>
+            <a:endParaRPr lang="en-US" sz="1100" dirty="0">
+              <a:solidFill>
+                <a:schemeClr val="bg2">
+                  <a:lumMod val="10000"/>
+                  <a:lumOff val="90000"/>
+                </a:schemeClr>
+              </a:solidFill>
+              <a:latin typeface="Calibri" panose="020F0502020204030204" pitchFamily="34" charset="0"/>
+              <a:ea typeface="Calibri" panose="020F0502020204030204" pitchFamily="34" charset="0"/>
+              <a:cs typeface="Times New Roman" panose="02020603050405020304" pitchFamily="18" charset="0"/>
+            </a:endParaRPr>
+          </a:p>
+          <a:p>
+            <a:pPr marL="742950" marR="0" lvl="1" indent="-285750">
+              <a:lnSpc>
+                <a:spcPct val="200000"/>
+              </a:lnSpc>
+              <a:spcBef>
+                <a:spcPts val="0"/>
+              </a:spcBef>
+              <a:spcAft>
+                <a:spcPts val="0"/>
+              </a:spcAft>
+              <a:buFont typeface="Courier New" panose="02070309020205020404" pitchFamily="49" charset="0"/>
+              <a:buChar char="o"/>
+            </a:pPr>
+            <a:r>
+              <a:rPr lang="en-US" sz="1200" dirty="0">
+                <a:solidFill>
+                  <a:schemeClr val="bg2">
+                    <a:lumMod val="10000"/>
+                    <a:lumOff val="90000"/>
+                  </a:schemeClr>
+                </a:solidFill>
+                <a:latin typeface="Times New Roman" panose="02020603050405020304" pitchFamily="18" charset="0"/>
+                <a:ea typeface="Times New Roman" panose="02020603050405020304" pitchFamily="18" charset="0"/>
+                <a:cs typeface="Times New Roman" panose="02020603050405020304" pitchFamily="18" charset="0"/>
+              </a:rPr>
+              <a:t>Layer 7 Firewall.</a:t>
+            </a:r>
+            <a:endParaRPr lang="en-US" sz="1100" dirty="0">
+              <a:solidFill>
+                <a:schemeClr val="bg2">
+                  <a:lumMod val="10000"/>
+                  <a:lumOff val="90000"/>
+                </a:schemeClr>
+              </a:solidFill>
+              <a:latin typeface="Calibri" panose="020F0502020204030204" pitchFamily="34" charset="0"/>
+              <a:ea typeface="Calibri" panose="020F0502020204030204" pitchFamily="34" charset="0"/>
+              <a:cs typeface="Times New Roman" panose="02020603050405020304" pitchFamily="18" charset="0"/>
+            </a:endParaRPr>
+          </a:p>
+          <a:p>
+            <a:pPr marL="742950" marR="0" lvl="1" indent="-285750">
+              <a:lnSpc>
+                <a:spcPct val="200000"/>
+              </a:lnSpc>
+              <a:spcBef>
+                <a:spcPts val="0"/>
+              </a:spcBef>
+              <a:spcAft>
+                <a:spcPts val="0"/>
+              </a:spcAft>
+              <a:buFont typeface="Courier New" panose="02070309020205020404" pitchFamily="49" charset="0"/>
+              <a:buChar char="o"/>
+            </a:pPr>
+            <a:r>
+              <a:rPr lang="en-US" sz="1200" dirty="0">
+                <a:solidFill>
+                  <a:schemeClr val="bg2">
+                    <a:lumMod val="10000"/>
+                    <a:lumOff val="90000"/>
+                  </a:schemeClr>
+                </a:solidFill>
+                <a:latin typeface="Times New Roman" panose="02020603050405020304" pitchFamily="18" charset="0"/>
+                <a:ea typeface="Times New Roman" panose="02020603050405020304" pitchFamily="18" charset="0"/>
+                <a:cs typeface="Times New Roman" panose="02020603050405020304" pitchFamily="18" charset="0"/>
+              </a:rPr>
+              <a:t>Anti-Malware.</a:t>
+            </a:r>
+            <a:endParaRPr lang="en-US" sz="1100" dirty="0">
+              <a:solidFill>
+                <a:schemeClr val="bg2">
+                  <a:lumMod val="10000"/>
+                  <a:lumOff val="90000"/>
+                </a:schemeClr>
+              </a:solidFill>
+              <a:latin typeface="Calibri" panose="020F0502020204030204" pitchFamily="34" charset="0"/>
+              <a:ea typeface="Calibri" panose="020F0502020204030204" pitchFamily="34" charset="0"/>
+              <a:cs typeface="Times New Roman" panose="02020603050405020304" pitchFamily="18" charset="0"/>
+            </a:endParaRPr>
+          </a:p>
+          <a:p>
+            <a:pPr marL="742950" marR="0" lvl="1" indent="-285750">
+              <a:lnSpc>
+                <a:spcPct val="200000"/>
+              </a:lnSpc>
+              <a:spcBef>
+                <a:spcPts val="0"/>
+              </a:spcBef>
+              <a:spcAft>
+                <a:spcPts val="0"/>
+              </a:spcAft>
+              <a:buFont typeface="Courier New" panose="02070309020205020404" pitchFamily="49" charset="0"/>
+              <a:buChar char="o"/>
+            </a:pPr>
+            <a:r>
+              <a:rPr lang="en-US" sz="1200" dirty="0">
+                <a:solidFill>
+                  <a:schemeClr val="bg2">
+                    <a:lumMod val="10000"/>
+                    <a:lumOff val="90000"/>
+                  </a:schemeClr>
+                </a:solidFill>
+                <a:latin typeface="Times New Roman" panose="02020603050405020304" pitchFamily="18" charset="0"/>
+                <a:ea typeface="Times New Roman" panose="02020603050405020304" pitchFamily="18" charset="0"/>
+                <a:cs typeface="Times New Roman" panose="02020603050405020304" pitchFamily="18" charset="0"/>
+              </a:rPr>
+              <a:t>Setup Network Intrusion Detection and Prevention System.</a:t>
+            </a:r>
+            <a:endParaRPr lang="en-US" sz="1100" dirty="0">
+              <a:solidFill>
+                <a:schemeClr val="bg2">
+                  <a:lumMod val="10000"/>
+                  <a:lumOff val="90000"/>
+                </a:schemeClr>
+              </a:solidFill>
+              <a:latin typeface="Calibri" panose="020F0502020204030204" pitchFamily="34" charset="0"/>
+              <a:ea typeface="Calibri" panose="020F0502020204030204" pitchFamily="34" charset="0"/>
+              <a:cs typeface="Times New Roman" panose="02020603050405020304" pitchFamily="18" charset="0"/>
+            </a:endParaRPr>
+          </a:p>
+          <a:p>
+            <a:pPr marL="742950" marR="0" lvl="1" indent="-285750">
+              <a:lnSpc>
+                <a:spcPct val="200000"/>
+              </a:lnSpc>
+              <a:spcBef>
+                <a:spcPts val="0"/>
+              </a:spcBef>
+              <a:spcAft>
+                <a:spcPts val="0"/>
+              </a:spcAft>
+              <a:buFont typeface="Courier New" panose="02070309020205020404" pitchFamily="49" charset="0"/>
+              <a:buChar char="o"/>
+            </a:pPr>
+            <a:r>
+              <a:rPr lang="en-US" sz="1200" dirty="0">
+                <a:solidFill>
+                  <a:schemeClr val="bg2">
+                    <a:lumMod val="10000"/>
+                    <a:lumOff val="90000"/>
+                  </a:schemeClr>
+                </a:solidFill>
+                <a:latin typeface="Times New Roman" panose="02020603050405020304" pitchFamily="18" charset="0"/>
+                <a:ea typeface="Times New Roman" panose="02020603050405020304" pitchFamily="18" charset="0"/>
+                <a:cs typeface="Times New Roman" panose="02020603050405020304" pitchFamily="18" charset="0"/>
+              </a:rPr>
+              <a:t>Setup VPN connection to encrypt network traffic and data in transit.</a:t>
+            </a:r>
+            <a:endParaRPr lang="en-US" sz="1100" dirty="0">
+              <a:solidFill>
+                <a:schemeClr val="bg2">
+                  <a:lumMod val="10000"/>
+                  <a:lumOff val="90000"/>
+                </a:schemeClr>
+              </a:solidFill>
+              <a:latin typeface="Calibri" panose="020F0502020204030204" pitchFamily="34" charset="0"/>
+              <a:ea typeface="Calibri" panose="020F0502020204030204" pitchFamily="34" charset="0"/>
+              <a:cs typeface="Times New Roman" panose="02020603050405020304" pitchFamily="18" charset="0"/>
+            </a:endParaRPr>
+          </a:p>
+          <a:p>
+            <a:pPr marL="742950" marR="0" lvl="1" indent="-285750">
+              <a:lnSpc>
+                <a:spcPct val="200000"/>
+              </a:lnSpc>
+              <a:spcBef>
+                <a:spcPts val="0"/>
+              </a:spcBef>
+              <a:spcAft>
+                <a:spcPts val="0"/>
+              </a:spcAft>
+              <a:buFont typeface="Courier New" panose="02070309020205020404" pitchFamily="49" charset="0"/>
+              <a:buChar char="o"/>
+            </a:pPr>
+            <a:r>
+              <a:rPr lang="en-US" sz="1200" dirty="0">
+                <a:solidFill>
+                  <a:schemeClr val="bg2">
+                    <a:lumMod val="10000"/>
+                    <a:lumOff val="90000"/>
+                  </a:schemeClr>
+                </a:solidFill>
+                <a:latin typeface="Times New Roman" panose="02020603050405020304" pitchFamily="18" charset="0"/>
+                <a:ea typeface="Times New Roman" panose="02020603050405020304" pitchFamily="18" charset="0"/>
+                <a:cs typeface="Times New Roman" panose="02020603050405020304" pitchFamily="18" charset="0"/>
+              </a:rPr>
+              <a:t>Remote management and auditing for compliance.</a:t>
+            </a:r>
+            <a:endParaRPr lang="en-US" sz="1100" dirty="0">
+              <a:solidFill>
+                <a:schemeClr val="bg2">
+                  <a:lumMod val="10000"/>
+                  <a:lumOff val="90000"/>
+                </a:schemeClr>
+              </a:solidFill>
+              <a:latin typeface="Calibri" panose="020F0502020204030204" pitchFamily="34" charset="0"/>
+              <a:ea typeface="Calibri" panose="020F0502020204030204" pitchFamily="34" charset="0"/>
+              <a:cs typeface="Times New Roman" panose="02020603050405020304" pitchFamily="18" charset="0"/>
+            </a:endParaRPr>
+          </a:p>
+          <a:p>
+            <a:pPr marL="742950" marR="0" lvl="1" indent="-285750">
+              <a:lnSpc>
+                <a:spcPct val="200000"/>
+              </a:lnSpc>
+              <a:spcBef>
+                <a:spcPts val="0"/>
+              </a:spcBef>
+              <a:spcAft>
+                <a:spcPts val="0"/>
+              </a:spcAft>
+              <a:buFont typeface="Courier New" panose="02070309020205020404" pitchFamily="49" charset="0"/>
+              <a:buChar char="o"/>
+            </a:pPr>
+            <a:r>
+              <a:rPr lang="en-US" sz="1200" dirty="0">
+                <a:solidFill>
+                  <a:schemeClr val="bg2">
+                    <a:lumMod val="10000"/>
+                    <a:lumOff val="90000"/>
+                  </a:schemeClr>
+                </a:solidFill>
+                <a:latin typeface="Times New Roman" panose="02020603050405020304" pitchFamily="18" charset="0"/>
+                <a:ea typeface="Times New Roman" panose="02020603050405020304" pitchFamily="18" charset="0"/>
+                <a:cs typeface="Times New Roman" panose="02020603050405020304" pitchFamily="18" charset="0"/>
+              </a:rPr>
+              <a:t>Cost to setup is low and management after initial setup can be done remotely.</a:t>
+            </a:r>
+            <a:endParaRPr lang="en-US" sz="1100" dirty="0">
+              <a:solidFill>
+                <a:schemeClr val="bg2">
+                  <a:lumMod val="10000"/>
+                  <a:lumOff val="90000"/>
+                </a:schemeClr>
+              </a:solidFill>
+              <a:latin typeface="Calibri" panose="020F0502020204030204" pitchFamily="34" charset="0"/>
+              <a:ea typeface="Calibri" panose="020F0502020204030204" pitchFamily="34" charset="0"/>
+              <a:cs typeface="Times New Roman" panose="02020603050405020304" pitchFamily="18" charset="0"/>
+            </a:endParaRPr>
+          </a:p>
+          <a:p>
+            <a:pPr marL="342900" marR="0" lvl="0" indent="-342900">
+              <a:lnSpc>
+                <a:spcPct val="200000"/>
+              </a:lnSpc>
+              <a:spcBef>
+                <a:spcPts val="0"/>
+              </a:spcBef>
+              <a:spcAft>
+                <a:spcPts val="0"/>
+              </a:spcAft>
+              <a:buFont typeface=" Times New Roman ,serif"/>
+              <a:buChar char="-"/>
+            </a:pPr>
+            <a:r>
+              <a:rPr lang="en-US" sz="1200" i="1" u="sng" dirty="0">
+                <a:solidFill>
+                  <a:schemeClr val="bg2">
+                    <a:lumMod val="10000"/>
+                    <a:lumOff val="90000"/>
+                  </a:schemeClr>
+                </a:solidFill>
+                <a:latin typeface="Times New Roman" panose="02020603050405020304" pitchFamily="18" charset="0"/>
+                <a:ea typeface="Times New Roman" panose="02020603050405020304" pitchFamily="18" charset="0"/>
+                <a:cs typeface="Times New Roman" panose="02020603050405020304" pitchFamily="18" charset="0"/>
+              </a:rPr>
+              <a:t>Computer Access Control:</a:t>
+            </a:r>
+            <a:r>
+              <a:rPr lang="en-US" sz="1200" i="1" dirty="0">
+                <a:solidFill>
+                  <a:schemeClr val="bg2">
+                    <a:lumMod val="10000"/>
+                    <a:lumOff val="90000"/>
+                  </a:schemeClr>
+                </a:solidFill>
+                <a:latin typeface="Times New Roman" panose="02020603050405020304" pitchFamily="18" charset="0"/>
+                <a:ea typeface="Times New Roman" panose="02020603050405020304" pitchFamily="18" charset="0"/>
+                <a:cs typeface="Times New Roman" panose="02020603050405020304" pitchFamily="18" charset="0"/>
+              </a:rPr>
+              <a:t>  </a:t>
+            </a:r>
+            <a:r>
+              <a:rPr lang="en-US" sz="1200" dirty="0">
+                <a:solidFill>
+                  <a:schemeClr val="bg2">
+                    <a:lumMod val="10000"/>
+                    <a:lumOff val="90000"/>
+                  </a:schemeClr>
+                </a:solidFill>
+                <a:latin typeface="Times New Roman" panose="02020603050405020304" pitchFamily="18" charset="0"/>
+                <a:ea typeface="Times New Roman" panose="02020603050405020304" pitchFamily="18" charset="0"/>
+                <a:cs typeface="Times New Roman" panose="02020603050405020304" pitchFamily="18" charset="0"/>
+              </a:rPr>
+              <a:t>By identifying the need to protect data at rest on the computer and restrict unauthorized access to the computer, NIST framework guidelines next step is to Protect against those issues by taking the following steps (NIST, 2014):</a:t>
+            </a:r>
+            <a:endParaRPr lang="en-US" sz="1100" dirty="0">
+              <a:solidFill>
+                <a:schemeClr val="bg2">
+                  <a:lumMod val="10000"/>
+                  <a:lumOff val="90000"/>
+                </a:schemeClr>
+              </a:solidFill>
+              <a:latin typeface="Calibri" panose="020F0502020204030204" pitchFamily="34" charset="0"/>
+              <a:ea typeface="Calibri" panose="020F0502020204030204" pitchFamily="34" charset="0"/>
+              <a:cs typeface="Times New Roman" panose="02020603050405020304" pitchFamily="18" charset="0"/>
+            </a:endParaRPr>
+          </a:p>
+          <a:p>
+            <a:pPr marL="742950" marR="0" lvl="1" indent="-285750">
+              <a:lnSpc>
+                <a:spcPct val="200000"/>
+              </a:lnSpc>
+              <a:spcBef>
+                <a:spcPts val="0"/>
+              </a:spcBef>
+              <a:spcAft>
+                <a:spcPts val="0"/>
+              </a:spcAft>
+              <a:buFont typeface="Courier New" panose="02070309020205020404" pitchFamily="49" charset="0"/>
+              <a:buChar char="o"/>
+            </a:pPr>
+            <a:r>
+              <a:rPr lang="en-US" sz="1200" dirty="0">
+                <a:solidFill>
+                  <a:schemeClr val="bg2">
+                    <a:lumMod val="10000"/>
+                    <a:lumOff val="90000"/>
+                  </a:schemeClr>
+                </a:solidFill>
+                <a:latin typeface="Times New Roman" panose="02020603050405020304" pitchFamily="18" charset="0"/>
+                <a:ea typeface="Times New Roman" panose="02020603050405020304" pitchFamily="18" charset="0"/>
+                <a:cs typeface="Times New Roman" panose="02020603050405020304" pitchFamily="18" charset="0"/>
+              </a:rPr>
+              <a:t>Purchase Computer Cable lock to prevent removal of the machine from its location.</a:t>
+            </a:r>
+            <a:endParaRPr lang="en-US" sz="1100" dirty="0">
+              <a:solidFill>
+                <a:schemeClr val="bg2">
+                  <a:lumMod val="10000"/>
+                  <a:lumOff val="90000"/>
+                </a:schemeClr>
+              </a:solidFill>
+              <a:latin typeface="Calibri" panose="020F0502020204030204" pitchFamily="34" charset="0"/>
+              <a:ea typeface="Calibri" panose="020F0502020204030204" pitchFamily="34" charset="0"/>
+              <a:cs typeface="Times New Roman" panose="02020603050405020304" pitchFamily="18" charset="0"/>
+            </a:endParaRPr>
+          </a:p>
+          <a:p>
+            <a:pPr marL="742950" marR="0" lvl="1" indent="-285750">
+              <a:lnSpc>
+                <a:spcPct val="200000"/>
+              </a:lnSpc>
+              <a:spcBef>
+                <a:spcPts val="0"/>
+              </a:spcBef>
+              <a:spcAft>
+                <a:spcPts val="0"/>
+              </a:spcAft>
+              <a:buFont typeface="Courier New" panose="02070309020205020404" pitchFamily="49" charset="0"/>
+              <a:buChar char="o"/>
+            </a:pPr>
+            <a:r>
+              <a:rPr lang="en-US" sz="1200" dirty="0">
+                <a:solidFill>
+                  <a:schemeClr val="bg2">
+                    <a:lumMod val="10000"/>
+                    <a:lumOff val="90000"/>
+                  </a:schemeClr>
+                </a:solidFill>
+                <a:latin typeface="Times New Roman" panose="02020603050405020304" pitchFamily="18" charset="0"/>
+                <a:ea typeface="Times New Roman" panose="02020603050405020304" pitchFamily="18" charset="0"/>
+                <a:cs typeface="Times New Roman" panose="02020603050405020304" pitchFamily="18" charset="0"/>
+              </a:rPr>
+              <a:t>Use in built Mac </a:t>
+            </a:r>
+            <a:r>
+              <a:rPr lang="en-US" sz="1200" dirty="0" err="1">
+                <a:solidFill>
+                  <a:schemeClr val="bg2">
+                    <a:lumMod val="10000"/>
+                    <a:lumOff val="90000"/>
+                  </a:schemeClr>
+                </a:solidFill>
+                <a:latin typeface="Times New Roman" panose="02020603050405020304" pitchFamily="18" charset="0"/>
+                <a:ea typeface="Times New Roman" panose="02020603050405020304" pitchFamily="18" charset="0"/>
+                <a:cs typeface="Times New Roman" panose="02020603050405020304" pitchFamily="18" charset="0"/>
+              </a:rPr>
+              <a:t>FileVault</a:t>
+            </a:r>
+            <a:r>
+              <a:rPr lang="en-US" sz="1200" dirty="0">
+                <a:solidFill>
+                  <a:schemeClr val="bg2">
+                    <a:lumMod val="10000"/>
+                    <a:lumOff val="90000"/>
+                  </a:schemeClr>
+                </a:solidFill>
+                <a:latin typeface="Times New Roman" panose="02020603050405020304" pitchFamily="18" charset="0"/>
+                <a:ea typeface="Times New Roman" panose="02020603050405020304" pitchFamily="18" charset="0"/>
+                <a:cs typeface="Times New Roman" panose="02020603050405020304" pitchFamily="18" charset="0"/>
+              </a:rPr>
+              <a:t> to encrypt files.</a:t>
+            </a:r>
+            <a:endParaRPr lang="en-US" sz="1100" dirty="0">
+              <a:solidFill>
+                <a:schemeClr val="bg2">
+                  <a:lumMod val="10000"/>
+                  <a:lumOff val="90000"/>
+                </a:schemeClr>
+              </a:solidFill>
+              <a:latin typeface="Calibri" panose="020F0502020204030204" pitchFamily="34" charset="0"/>
+              <a:ea typeface="Calibri" panose="020F0502020204030204" pitchFamily="34" charset="0"/>
+              <a:cs typeface="Times New Roman" panose="02020603050405020304" pitchFamily="18" charset="0"/>
+            </a:endParaRPr>
+          </a:p>
+          <a:p>
+            <a:pPr marL="742950" marR="0" lvl="1" indent="-285750">
+              <a:lnSpc>
+                <a:spcPct val="200000"/>
+              </a:lnSpc>
+              <a:spcBef>
+                <a:spcPts val="0"/>
+              </a:spcBef>
+              <a:spcAft>
+                <a:spcPts val="0"/>
+              </a:spcAft>
+              <a:buFont typeface="Courier New" panose="02070309020205020404" pitchFamily="49" charset="0"/>
+              <a:buChar char="o"/>
+            </a:pPr>
+            <a:r>
+              <a:rPr lang="en-US" sz="1200" dirty="0">
+                <a:solidFill>
+                  <a:schemeClr val="bg2">
+                    <a:lumMod val="10000"/>
+                    <a:lumOff val="90000"/>
+                  </a:schemeClr>
+                </a:solidFill>
+                <a:latin typeface="Times New Roman" panose="02020603050405020304" pitchFamily="18" charset="0"/>
+                <a:ea typeface="Times New Roman" panose="02020603050405020304" pitchFamily="18" charset="0"/>
+                <a:cs typeface="Times New Roman" panose="02020603050405020304" pitchFamily="18" charset="0"/>
+              </a:rPr>
+              <a:t>Turn on PC local firewall.</a:t>
+            </a:r>
+            <a:endParaRPr lang="en-US" sz="1100" dirty="0">
+              <a:solidFill>
+                <a:schemeClr val="bg2">
+                  <a:lumMod val="10000"/>
+                  <a:lumOff val="90000"/>
+                </a:schemeClr>
+              </a:solidFill>
+              <a:latin typeface="Calibri" panose="020F0502020204030204" pitchFamily="34" charset="0"/>
+              <a:ea typeface="Calibri" panose="020F0502020204030204" pitchFamily="34" charset="0"/>
+              <a:cs typeface="Times New Roman" panose="02020603050405020304" pitchFamily="18" charset="0"/>
+            </a:endParaRPr>
+          </a:p>
+          <a:p>
+            <a:pPr marL="342900" marR="0" lvl="0" indent="-342900">
+              <a:lnSpc>
+                <a:spcPct val="200000"/>
+              </a:lnSpc>
+              <a:spcBef>
+                <a:spcPts val="0"/>
+              </a:spcBef>
+              <a:spcAft>
+                <a:spcPts val="0"/>
+              </a:spcAft>
+              <a:buFont typeface=" Times New Roman ,serif"/>
+              <a:buChar char="-"/>
+            </a:pPr>
+            <a:r>
+              <a:rPr lang="en-US" sz="1200" b="1" dirty="0">
+                <a:solidFill>
+                  <a:schemeClr val="bg2">
+                    <a:lumMod val="10000"/>
+                    <a:lumOff val="90000"/>
+                  </a:schemeClr>
+                </a:solidFill>
+                <a:latin typeface="Times New Roman" panose="02020603050405020304" pitchFamily="18" charset="0"/>
+                <a:ea typeface="Times New Roman" panose="02020603050405020304" pitchFamily="18" charset="0"/>
+                <a:cs typeface="Times New Roman" panose="02020603050405020304" pitchFamily="18" charset="0"/>
+              </a:rPr>
+              <a:t>ACT1: IP Camera System: </a:t>
+            </a:r>
+            <a:r>
+              <a:rPr lang="en-US" sz="1200" i="1" dirty="0">
+                <a:solidFill>
+                  <a:schemeClr val="bg2">
+                    <a:lumMod val="10000"/>
+                    <a:lumOff val="90000"/>
+                  </a:schemeClr>
+                </a:solidFill>
+                <a:latin typeface="Times New Roman" panose="02020603050405020304" pitchFamily="18" charset="0"/>
+                <a:ea typeface="Times New Roman" panose="02020603050405020304" pitchFamily="18" charset="0"/>
+                <a:cs typeface="Times New Roman" panose="02020603050405020304" pitchFamily="18" charset="0"/>
+              </a:rPr>
+              <a:t>Reolink 4MP 8CH PoE Video Surveillance System.</a:t>
+            </a:r>
+            <a:endParaRPr lang="en-US" sz="1100" dirty="0">
+              <a:solidFill>
+                <a:schemeClr val="bg2">
+                  <a:lumMod val="10000"/>
+                  <a:lumOff val="90000"/>
+                </a:schemeClr>
+              </a:solidFill>
+              <a:latin typeface="Calibri" panose="020F0502020204030204" pitchFamily="34" charset="0"/>
+              <a:ea typeface="Calibri" panose="020F0502020204030204" pitchFamily="34" charset="0"/>
+              <a:cs typeface="Times New Roman" panose="02020603050405020304" pitchFamily="18" charset="0"/>
+            </a:endParaRPr>
+          </a:p>
+          <a:p>
+            <a:pPr marL="342900" marR="0" lvl="0" indent="-342900">
+              <a:lnSpc>
+                <a:spcPct val="200000"/>
+              </a:lnSpc>
+              <a:spcBef>
+                <a:spcPts val="0"/>
+              </a:spcBef>
+              <a:spcAft>
+                <a:spcPts val="0"/>
+              </a:spcAft>
+              <a:buFont typeface=" Times New Roman ,serif"/>
+              <a:buChar char="-"/>
+            </a:pPr>
+            <a:r>
+              <a:rPr lang="en-US" sz="1200" b="1" dirty="0">
+                <a:solidFill>
+                  <a:schemeClr val="bg2">
+                    <a:lumMod val="10000"/>
+                    <a:lumOff val="90000"/>
+                  </a:schemeClr>
+                </a:solidFill>
+                <a:latin typeface="Times New Roman" panose="02020603050405020304" pitchFamily="18" charset="0"/>
+                <a:ea typeface="Times New Roman" panose="02020603050405020304" pitchFamily="18" charset="0"/>
+                <a:cs typeface="Times New Roman" panose="02020603050405020304" pitchFamily="18" charset="0"/>
+              </a:rPr>
+              <a:t>ACT2: Encryption Tool:</a:t>
+            </a:r>
+            <a:r>
+              <a:rPr lang="en-US" sz="1200" i="1" dirty="0">
+                <a:solidFill>
+                  <a:schemeClr val="bg2">
+                    <a:lumMod val="10000"/>
+                    <a:lumOff val="90000"/>
+                  </a:schemeClr>
+                </a:solidFill>
+                <a:latin typeface="Times New Roman" panose="02020603050405020304" pitchFamily="18" charset="0"/>
+                <a:ea typeface="Times New Roman" panose="02020603050405020304" pitchFamily="18" charset="0"/>
+                <a:cs typeface="Times New Roman" panose="02020603050405020304" pitchFamily="18" charset="0"/>
+              </a:rPr>
+              <a:t> Mac OS Utility Tool.</a:t>
+            </a:r>
+            <a:endParaRPr lang="en-US" sz="1100" dirty="0">
+              <a:solidFill>
+                <a:schemeClr val="bg2">
+                  <a:lumMod val="10000"/>
+                  <a:lumOff val="90000"/>
+                </a:schemeClr>
+              </a:solidFill>
+              <a:latin typeface="Calibri" panose="020F0502020204030204" pitchFamily="34" charset="0"/>
+              <a:ea typeface="Calibri" panose="020F0502020204030204" pitchFamily="34" charset="0"/>
+              <a:cs typeface="Times New Roman" panose="02020603050405020304" pitchFamily="18" charset="0"/>
+            </a:endParaRPr>
+          </a:p>
+          <a:p>
+            <a:pPr marL="342900" marR="0" lvl="0" indent="-342900">
+              <a:lnSpc>
+                <a:spcPct val="200000"/>
+              </a:lnSpc>
+              <a:spcBef>
+                <a:spcPts val="0"/>
+              </a:spcBef>
+              <a:spcAft>
+                <a:spcPts val="0"/>
+              </a:spcAft>
+              <a:buFont typeface=" Times New Roman ,serif"/>
+              <a:buChar char="-"/>
+            </a:pPr>
+            <a:r>
+              <a:rPr lang="en-US" sz="1200" b="1" dirty="0">
+                <a:solidFill>
+                  <a:schemeClr val="bg2">
+                    <a:lumMod val="10000"/>
+                    <a:lumOff val="90000"/>
+                  </a:schemeClr>
+                </a:solidFill>
+                <a:latin typeface="Times New Roman" panose="02020603050405020304" pitchFamily="18" charset="0"/>
+                <a:ea typeface="Times New Roman" panose="02020603050405020304" pitchFamily="18" charset="0"/>
+                <a:cs typeface="Times New Roman" panose="02020603050405020304" pitchFamily="18" charset="0"/>
+              </a:rPr>
+              <a:t>ACT3: Door Locks: </a:t>
+            </a:r>
+            <a:r>
+              <a:rPr lang="en-US" sz="1200" i="1" dirty="0">
+                <a:solidFill>
+                  <a:schemeClr val="bg2">
+                    <a:lumMod val="10000"/>
+                    <a:lumOff val="90000"/>
+                  </a:schemeClr>
+                </a:solidFill>
+                <a:latin typeface="Times New Roman" panose="02020603050405020304" pitchFamily="18" charset="0"/>
+                <a:ea typeface="Times New Roman" panose="02020603050405020304" pitchFamily="18" charset="0"/>
+                <a:cs typeface="Times New Roman" panose="02020603050405020304" pitchFamily="18" charset="0"/>
+              </a:rPr>
+              <a:t>Sifely Keyless Entry Door Lock.</a:t>
+            </a:r>
+            <a:endParaRPr lang="en-US" sz="1100" dirty="0">
+              <a:solidFill>
+                <a:schemeClr val="bg2">
+                  <a:lumMod val="10000"/>
+                  <a:lumOff val="90000"/>
+                </a:schemeClr>
+              </a:solidFill>
+              <a:latin typeface="Calibri" panose="020F0502020204030204" pitchFamily="34" charset="0"/>
+              <a:ea typeface="Calibri" panose="020F0502020204030204" pitchFamily="34" charset="0"/>
+              <a:cs typeface="Times New Roman" panose="02020603050405020304" pitchFamily="18" charset="0"/>
+            </a:endParaRPr>
+          </a:p>
+          <a:p>
+            <a:pPr marL="342900" marR="0" lvl="0" indent="-342900">
+              <a:lnSpc>
+                <a:spcPct val="200000"/>
+              </a:lnSpc>
+              <a:spcBef>
+                <a:spcPts val="0"/>
+              </a:spcBef>
+              <a:spcAft>
+                <a:spcPts val="0"/>
+              </a:spcAft>
+              <a:buFont typeface=" Times New Roman ,serif"/>
+              <a:buChar char="-"/>
+            </a:pPr>
+            <a:r>
+              <a:rPr lang="en-US" sz="1200" b="1" dirty="0">
+                <a:solidFill>
+                  <a:schemeClr val="bg2">
+                    <a:lumMod val="10000"/>
+                    <a:lumOff val="90000"/>
+                  </a:schemeClr>
+                </a:solidFill>
+                <a:latin typeface="Times New Roman" panose="02020603050405020304" pitchFamily="18" charset="0"/>
+                <a:ea typeface="Times New Roman" panose="02020603050405020304" pitchFamily="18" charset="0"/>
+                <a:cs typeface="Times New Roman" panose="02020603050405020304" pitchFamily="18" charset="0"/>
+              </a:rPr>
+              <a:t>ACT4: New NSA: </a:t>
+            </a:r>
+            <a:r>
+              <a:rPr lang="en-US" sz="1200" i="1" dirty="0">
+                <a:solidFill>
+                  <a:schemeClr val="bg2">
+                    <a:lumMod val="10000"/>
+                    <a:lumOff val="90000"/>
+                  </a:schemeClr>
+                </a:solidFill>
+                <a:latin typeface="Times New Roman" panose="02020603050405020304" pitchFamily="18" charset="0"/>
+                <a:ea typeface="Times New Roman" panose="02020603050405020304" pitchFamily="18" charset="0"/>
+                <a:cs typeface="Times New Roman" panose="02020603050405020304" pitchFamily="18" charset="0"/>
+              </a:rPr>
+              <a:t>Cisco Meraki MX64W Firewall + 1-Year Enterprise License.</a:t>
+            </a:r>
+            <a:endParaRPr lang="en-US" sz="1100" dirty="0">
+              <a:solidFill>
+                <a:schemeClr val="bg2">
+                  <a:lumMod val="10000"/>
+                  <a:lumOff val="90000"/>
+                </a:schemeClr>
+              </a:solidFill>
+              <a:latin typeface="Calibri" panose="020F0502020204030204" pitchFamily="34" charset="0"/>
+              <a:ea typeface="Calibri" panose="020F0502020204030204" pitchFamily="34" charset="0"/>
+              <a:cs typeface="Times New Roman" panose="02020603050405020304" pitchFamily="18" charset="0"/>
+            </a:endParaRPr>
+          </a:p>
+          <a:p>
+            <a:pPr marL="457200" marR="0">
+              <a:lnSpc>
+                <a:spcPct val="200000"/>
+              </a:lnSpc>
+              <a:spcBef>
+                <a:spcPts val="0"/>
+              </a:spcBef>
+              <a:spcAft>
+                <a:spcPts val="800"/>
+              </a:spcAft>
+            </a:pPr>
+            <a:r>
+              <a:rPr lang="en-US" sz="1200" dirty="0">
+                <a:solidFill>
+                  <a:schemeClr val="bg2">
+                    <a:lumMod val="10000"/>
+                    <a:lumOff val="90000"/>
+                  </a:schemeClr>
+                </a:solidFill>
+                <a:latin typeface="Times New Roman" panose="02020603050405020304" pitchFamily="18" charset="0"/>
+                <a:ea typeface="Times New Roman" panose="02020603050405020304" pitchFamily="18" charset="0"/>
+                <a:cs typeface="Times New Roman" panose="02020603050405020304" pitchFamily="18" charset="0"/>
+              </a:rPr>
+              <a:t> </a:t>
+            </a:r>
+            <a:endParaRPr lang="en-US" sz="1100" dirty="0">
+              <a:solidFill>
+                <a:schemeClr val="bg2">
+                  <a:lumMod val="10000"/>
+                  <a:lumOff val="90000"/>
+                </a:schemeClr>
+              </a:solidFill>
+              <a:effectLst/>
+              <a:latin typeface="Calibri" panose="020F0502020204030204" pitchFamily="34" charset="0"/>
+              <a:ea typeface="Calibri" panose="020F0502020204030204" pitchFamily="34" charset="0"/>
+              <a:cs typeface="Times New Roman" panose="02020603050405020304" pitchFamily="18" charset="0"/>
+            </a:endParaRPr>
           </a:p>
         </p:txBody>
       </p:sp>
@@ -13606,7 +17245,7 @@
         </p:nvSpPr>
         <p:spPr>
           <a:xfrm>
-            <a:off x="3048000" y="3105835"/>
+            <a:off x="1513489" y="362635"/>
             <a:ext cx="6096000" cy="646331"/>
           </a:xfrm>
           <a:prstGeom prst="rect">
@@ -13632,6 +17271,340 @@
             <a:br>
               <a:rPr lang="en-US" dirty="0"/>
             </a:br>
+            <a:endParaRPr lang="en-US" dirty="0"/>
+          </a:p>
+        </p:txBody>
+      </p:sp>
+      <p:sp>
+        <p:nvSpPr>
+          <p:cNvPr id="3" name="Rectangle 2">
+            <a:extLst>
+              <a:ext uri="{FF2B5EF4-FFF2-40B4-BE49-F238E27FC236}">
+                <a16:creationId xmlns:a16="http://schemas.microsoft.com/office/drawing/2014/main" id="{61E92D67-1A5E-4110-BB72-B838C6C74BAC}"/>
+              </a:ext>
+            </a:extLst>
+          </p:cNvPr>
+          <p:cNvSpPr/>
+          <p:nvPr/>
+        </p:nvSpPr>
+        <p:spPr>
+          <a:xfrm>
+            <a:off x="3048000" y="1115546"/>
+            <a:ext cx="6096000" cy="4626908"/>
+          </a:xfrm>
+          <a:prstGeom prst="rect">
+            <a:avLst/>
+          </a:prstGeom>
+        </p:spPr>
+        <p:txBody>
+          <a:bodyPr>
+            <a:spAutoFit/>
+          </a:bodyPr>
+          <a:lstStyle/>
+          <a:p>
+            <a:pPr marL="342900" marR="0" lvl="0" indent="-342900">
+              <a:lnSpc>
+                <a:spcPct val="200000"/>
+              </a:lnSpc>
+              <a:spcBef>
+                <a:spcPts val="0"/>
+              </a:spcBef>
+              <a:spcAft>
+                <a:spcPts val="0"/>
+              </a:spcAft>
+              <a:buFont typeface=" Times New Roman ,serif"/>
+              <a:buChar char="-"/>
+            </a:pPr>
+            <a:r>
+              <a:rPr lang="en-US" sz="1200" dirty="0">
+                <a:solidFill>
+                  <a:schemeClr val="bg2">
+                    <a:lumMod val="10000"/>
+                    <a:lumOff val="90000"/>
+                  </a:schemeClr>
+                </a:solidFill>
+                <a:latin typeface="Times New Roman" panose="02020603050405020304" pitchFamily="18" charset="0"/>
+                <a:ea typeface="Times New Roman" panose="02020603050405020304" pitchFamily="18" charset="0"/>
+                <a:cs typeface="Times New Roman" panose="02020603050405020304" pitchFamily="18" charset="0"/>
+              </a:rPr>
+              <a:t>Segregated network between Production and guest network and WIFI users.</a:t>
+            </a:r>
+            <a:endParaRPr lang="en-US" sz="1100" dirty="0">
+              <a:solidFill>
+                <a:schemeClr val="bg2">
+                  <a:lumMod val="10000"/>
+                  <a:lumOff val="90000"/>
+                </a:schemeClr>
+              </a:solidFill>
+              <a:latin typeface="Calibri" panose="020F0502020204030204" pitchFamily="34" charset="0"/>
+              <a:ea typeface="Calibri" panose="020F0502020204030204" pitchFamily="34" charset="0"/>
+              <a:cs typeface="Times New Roman" panose="02020603050405020304" pitchFamily="18" charset="0"/>
+            </a:endParaRPr>
+          </a:p>
+          <a:p>
+            <a:pPr marL="742950" marR="0" lvl="1" indent="-285750">
+              <a:lnSpc>
+                <a:spcPct val="200000"/>
+              </a:lnSpc>
+              <a:spcBef>
+                <a:spcPts val="0"/>
+              </a:spcBef>
+              <a:spcAft>
+                <a:spcPts val="0"/>
+              </a:spcAft>
+              <a:buFont typeface="Courier New" panose="02070309020205020404" pitchFamily="49" charset="0"/>
+              <a:buChar char="o"/>
+            </a:pPr>
+            <a:r>
+              <a:rPr lang="en-US" sz="1200" dirty="0">
+                <a:solidFill>
+                  <a:schemeClr val="bg2">
+                    <a:lumMod val="10000"/>
+                    <a:lumOff val="90000"/>
+                  </a:schemeClr>
+                </a:solidFill>
+                <a:latin typeface="Times New Roman" panose="02020603050405020304" pitchFamily="18" charset="0"/>
+                <a:ea typeface="Times New Roman" panose="02020603050405020304" pitchFamily="18" charset="0"/>
+                <a:cs typeface="Times New Roman" panose="02020603050405020304" pitchFamily="18" charset="0"/>
+              </a:rPr>
+              <a:t>This increases security so that guest won’t have access to the production or CCTV network.</a:t>
+            </a:r>
+            <a:endParaRPr lang="en-US" sz="1100" dirty="0">
+              <a:solidFill>
+                <a:schemeClr val="bg2">
+                  <a:lumMod val="10000"/>
+                  <a:lumOff val="90000"/>
+                </a:schemeClr>
+              </a:solidFill>
+              <a:latin typeface="Calibri" panose="020F0502020204030204" pitchFamily="34" charset="0"/>
+              <a:ea typeface="Calibri" panose="020F0502020204030204" pitchFamily="34" charset="0"/>
+              <a:cs typeface="Times New Roman" panose="02020603050405020304" pitchFamily="18" charset="0"/>
+            </a:endParaRPr>
+          </a:p>
+          <a:p>
+            <a:pPr marL="342900" marR="0" lvl="0" indent="-342900">
+              <a:lnSpc>
+                <a:spcPct val="200000"/>
+              </a:lnSpc>
+              <a:spcBef>
+                <a:spcPts val="0"/>
+              </a:spcBef>
+              <a:spcAft>
+                <a:spcPts val="0"/>
+              </a:spcAft>
+              <a:buFont typeface=" Times New Roman ,serif"/>
+              <a:buChar char="-"/>
+            </a:pPr>
+            <a:r>
+              <a:rPr lang="en-US" sz="1200" dirty="0">
+                <a:solidFill>
+                  <a:schemeClr val="bg2">
+                    <a:lumMod val="10000"/>
+                    <a:lumOff val="90000"/>
+                  </a:schemeClr>
+                </a:solidFill>
+                <a:latin typeface="Times New Roman" panose="02020603050405020304" pitchFamily="18" charset="0"/>
+                <a:ea typeface="Times New Roman" panose="02020603050405020304" pitchFamily="18" charset="0"/>
+                <a:cs typeface="Times New Roman" panose="02020603050405020304" pitchFamily="18" charset="0"/>
+              </a:rPr>
+              <a:t>Increased security from WPA to WPA2.</a:t>
+            </a:r>
+            <a:endParaRPr lang="en-US" sz="1100" dirty="0">
+              <a:solidFill>
+                <a:schemeClr val="bg2">
+                  <a:lumMod val="10000"/>
+                  <a:lumOff val="90000"/>
+                </a:schemeClr>
+              </a:solidFill>
+              <a:latin typeface="Calibri" panose="020F0502020204030204" pitchFamily="34" charset="0"/>
+              <a:ea typeface="Calibri" panose="020F0502020204030204" pitchFamily="34" charset="0"/>
+              <a:cs typeface="Times New Roman" panose="02020603050405020304" pitchFamily="18" charset="0"/>
+            </a:endParaRPr>
+          </a:p>
+          <a:p>
+            <a:pPr marL="742950" marR="0" lvl="1" indent="-285750">
+              <a:lnSpc>
+                <a:spcPct val="200000"/>
+              </a:lnSpc>
+              <a:spcBef>
+                <a:spcPts val="0"/>
+              </a:spcBef>
+              <a:spcAft>
+                <a:spcPts val="0"/>
+              </a:spcAft>
+              <a:buFont typeface="Courier New" panose="02070309020205020404" pitchFamily="49" charset="0"/>
+              <a:buChar char="o"/>
+            </a:pPr>
+            <a:r>
+              <a:rPr lang="en-US" sz="1200" dirty="0">
+                <a:solidFill>
+                  <a:schemeClr val="bg2">
+                    <a:lumMod val="10000"/>
+                    <a:lumOff val="90000"/>
+                  </a:schemeClr>
+                </a:solidFill>
+                <a:latin typeface="Times New Roman" panose="02020603050405020304" pitchFamily="18" charset="0"/>
+                <a:ea typeface="Times New Roman" panose="02020603050405020304" pitchFamily="18" charset="0"/>
+                <a:cs typeface="Times New Roman" panose="02020603050405020304" pitchFamily="18" charset="0"/>
+              </a:rPr>
+              <a:t>This increases security because WPA is relatively week and be cracked by a brute force attack. WPA2 increases the WIFI security posture.</a:t>
+            </a:r>
+            <a:endParaRPr lang="en-US" sz="1100" dirty="0">
+              <a:solidFill>
+                <a:schemeClr val="bg2">
+                  <a:lumMod val="10000"/>
+                  <a:lumOff val="90000"/>
+                </a:schemeClr>
+              </a:solidFill>
+              <a:latin typeface="Calibri" panose="020F0502020204030204" pitchFamily="34" charset="0"/>
+              <a:ea typeface="Calibri" panose="020F0502020204030204" pitchFamily="34" charset="0"/>
+              <a:cs typeface="Times New Roman" panose="02020603050405020304" pitchFamily="18" charset="0"/>
+            </a:endParaRPr>
+          </a:p>
+          <a:p>
+            <a:pPr marL="342900" marR="0" lvl="0" indent="-342900">
+              <a:lnSpc>
+                <a:spcPct val="200000"/>
+              </a:lnSpc>
+              <a:spcBef>
+                <a:spcPts val="0"/>
+              </a:spcBef>
+              <a:spcAft>
+                <a:spcPts val="0"/>
+              </a:spcAft>
+              <a:buFont typeface=" Times New Roman ,serif"/>
+              <a:buChar char="-"/>
+            </a:pPr>
+            <a:r>
+              <a:rPr lang="en-US" sz="1200" dirty="0">
+                <a:solidFill>
+                  <a:schemeClr val="bg2">
+                    <a:lumMod val="10000"/>
+                    <a:lumOff val="90000"/>
+                  </a:schemeClr>
+                </a:solidFill>
+                <a:latin typeface="Times New Roman" panose="02020603050405020304" pitchFamily="18" charset="0"/>
+                <a:ea typeface="Times New Roman" panose="02020603050405020304" pitchFamily="18" charset="0"/>
+                <a:cs typeface="Times New Roman" panose="02020603050405020304" pitchFamily="18" charset="0"/>
+              </a:rPr>
+              <a:t>Safer communication to outside world.</a:t>
+            </a:r>
+            <a:endParaRPr lang="en-US" sz="1100" dirty="0">
+              <a:solidFill>
+                <a:schemeClr val="bg2">
+                  <a:lumMod val="10000"/>
+                  <a:lumOff val="90000"/>
+                </a:schemeClr>
+              </a:solidFill>
+              <a:latin typeface="Calibri" panose="020F0502020204030204" pitchFamily="34" charset="0"/>
+              <a:ea typeface="Calibri" panose="020F0502020204030204" pitchFamily="34" charset="0"/>
+              <a:cs typeface="Times New Roman" panose="02020603050405020304" pitchFamily="18" charset="0"/>
+            </a:endParaRPr>
+          </a:p>
+          <a:p>
+            <a:pPr marL="742950" marR="0" lvl="1" indent="-285750">
+              <a:lnSpc>
+                <a:spcPct val="200000"/>
+              </a:lnSpc>
+              <a:spcBef>
+                <a:spcPts val="0"/>
+              </a:spcBef>
+              <a:spcAft>
+                <a:spcPts val="0"/>
+              </a:spcAft>
+              <a:buFont typeface="Courier New" panose="02070309020205020404" pitchFamily="49" charset="0"/>
+              <a:buChar char="o"/>
+            </a:pPr>
+            <a:r>
+              <a:rPr lang="en-US" sz="1200" dirty="0">
+                <a:solidFill>
+                  <a:schemeClr val="bg2">
+                    <a:lumMod val="10000"/>
+                    <a:lumOff val="90000"/>
+                  </a:schemeClr>
+                </a:solidFill>
+                <a:latin typeface="Times New Roman" panose="02020603050405020304" pitchFamily="18" charset="0"/>
+                <a:ea typeface="Times New Roman" panose="02020603050405020304" pitchFamily="18" charset="0"/>
+                <a:cs typeface="Times New Roman" panose="02020603050405020304" pitchFamily="18" charset="0"/>
+              </a:rPr>
+              <a:t>This is done through the VPN and Proxying capabilities of the Meraki network appliance. Now the outside world will not be able to ease drop connections to the outside world but using the Proxy will also mask its hops out to the world as well.</a:t>
+            </a:r>
+            <a:endParaRPr lang="en-US" sz="1100" dirty="0">
+              <a:solidFill>
+                <a:schemeClr val="bg2">
+                  <a:lumMod val="10000"/>
+                  <a:lumOff val="90000"/>
+                </a:schemeClr>
+              </a:solidFill>
+              <a:latin typeface="Calibri" panose="020F0502020204030204" pitchFamily="34" charset="0"/>
+              <a:ea typeface="Calibri" panose="020F0502020204030204" pitchFamily="34" charset="0"/>
+              <a:cs typeface="Times New Roman" panose="02020603050405020304" pitchFamily="18" charset="0"/>
+            </a:endParaRPr>
+          </a:p>
+          <a:p>
+            <a:pPr marL="342900" marR="0" lvl="0" indent="-342900">
+              <a:lnSpc>
+                <a:spcPct val="200000"/>
+              </a:lnSpc>
+              <a:spcBef>
+                <a:spcPts val="0"/>
+              </a:spcBef>
+              <a:spcAft>
+                <a:spcPts val="800"/>
+              </a:spcAft>
+              <a:buFont typeface=" Times New Roman ,serif"/>
+              <a:buChar char="-"/>
+            </a:pPr>
+            <a:r>
+              <a:rPr lang="en-US" sz="1200" dirty="0">
+                <a:solidFill>
+                  <a:schemeClr val="bg2">
+                    <a:lumMod val="10000"/>
+                    <a:lumOff val="90000"/>
+                  </a:schemeClr>
+                </a:solidFill>
+                <a:latin typeface="Times New Roman" panose="02020603050405020304" pitchFamily="18" charset="0"/>
+                <a:ea typeface="Times New Roman" panose="02020603050405020304" pitchFamily="18" charset="0"/>
+                <a:cs typeface="Times New Roman" panose="02020603050405020304" pitchFamily="18" charset="0"/>
+              </a:rPr>
+              <a:t>Data Encrypted on Local Machine.</a:t>
+            </a:r>
+            <a:endParaRPr lang="en-US" sz="1100" dirty="0">
+              <a:solidFill>
+                <a:schemeClr val="bg2">
+                  <a:lumMod val="10000"/>
+                  <a:lumOff val="90000"/>
+                </a:schemeClr>
+              </a:solidFill>
+              <a:latin typeface="Calibri" panose="020F0502020204030204" pitchFamily="34" charset="0"/>
+              <a:ea typeface="Calibri" panose="020F0502020204030204" pitchFamily="34" charset="0"/>
+              <a:cs typeface="Times New Roman" panose="02020603050405020304" pitchFamily="18" charset="0"/>
+            </a:endParaRPr>
+          </a:p>
+          <a:p>
+            <a:r>
+              <a:rPr lang="en-US" sz="1200" dirty="0">
+                <a:solidFill>
+                  <a:schemeClr val="bg2">
+                    <a:lumMod val="10000"/>
+                    <a:lumOff val="90000"/>
+                  </a:schemeClr>
+                </a:solidFill>
+                <a:latin typeface="Times New Roman" panose="02020603050405020304" pitchFamily="18" charset="0"/>
+                <a:ea typeface="Times New Roman" panose="02020603050405020304" pitchFamily="18" charset="0"/>
+              </a:rPr>
+              <a:t>This increases security because if a bad actor were able to gain access to the computer the </a:t>
+            </a:r>
+            <a:r>
+              <a:rPr lang="en-US" sz="1200" dirty="0">
+                <a:solidFill>
+                  <a:srgbClr val="000000"/>
+                </a:solidFill>
+                <a:latin typeface="Times New Roman" panose="02020603050405020304" pitchFamily="18" charset="0"/>
+                <a:ea typeface="Times New Roman" panose="02020603050405020304" pitchFamily="18" charset="0"/>
+              </a:rPr>
+              <a:t>files are still safe from attacker copying and viewing the contents with out the password</a:t>
+            </a:r>
             <a:endParaRPr lang="en-US" dirty="0"/>
           </a:p>
         </p:txBody>
@@ -13680,7 +17653,7 @@
         </p:nvSpPr>
         <p:spPr>
           <a:xfrm>
-            <a:off x="3048000" y="3105835"/>
+            <a:off x="1471448" y="341614"/>
             <a:ext cx="6096000" cy="646331"/>
           </a:xfrm>
           <a:prstGeom prst="rect">
@@ -13707,6 +17680,3811 @@
               <a:rPr lang="en-US" dirty="0"/>
             </a:br>
             <a:endParaRPr lang="en-US" dirty="0"/>
+          </a:p>
+        </p:txBody>
+      </p:sp>
+      <p:graphicFrame>
+        <p:nvGraphicFramePr>
+          <p:cNvPr id="3" name="Table 2">
+            <a:extLst>
+              <a:ext uri="{FF2B5EF4-FFF2-40B4-BE49-F238E27FC236}">
+                <a16:creationId xmlns:a16="http://schemas.microsoft.com/office/drawing/2014/main" id="{8A733F26-C827-4496-B65F-1BA5FF6CD676}"/>
+              </a:ext>
+            </a:extLst>
+          </p:cNvPr>
+          <p:cNvGraphicFramePr>
+            <a:graphicFrameLocks noGrp="1"/>
+          </p:cNvGraphicFramePr>
+          <p:nvPr>
+            <p:extLst>
+              <p:ext uri="{D42A27DB-BD31-4B8C-83A1-F6EECF244321}">
+                <p14:modId xmlns:p14="http://schemas.microsoft.com/office/powerpoint/2010/main" val="909375989"/>
+              </p:ext>
+            </p:extLst>
+          </p:nvPr>
+        </p:nvGraphicFramePr>
+        <p:xfrm>
+          <a:off x="1141413" y="2353816"/>
+          <a:ext cx="9906000" cy="3333055"/>
+        </p:xfrm>
+        <a:graphic>
+          <a:graphicData uri="http://schemas.openxmlformats.org/drawingml/2006/table">
+            <a:tbl>
+              <a:tblPr firstRow="1" firstCol="1" bandRow="1"/>
+              <a:tblGrid>
+                <a:gridCol w="1651000">
+                  <a:extLst>
+                    <a:ext uri="{9D8B030D-6E8A-4147-A177-3AD203B41FA5}">
+                      <a16:colId xmlns:a16="http://schemas.microsoft.com/office/drawing/2014/main" val="3752954956"/>
+                    </a:ext>
+                  </a:extLst>
+                </a:gridCol>
+                <a:gridCol w="1651000">
+                  <a:extLst>
+                    <a:ext uri="{9D8B030D-6E8A-4147-A177-3AD203B41FA5}">
+                      <a16:colId xmlns:a16="http://schemas.microsoft.com/office/drawing/2014/main" val="1923275652"/>
+                    </a:ext>
+                  </a:extLst>
+                </a:gridCol>
+                <a:gridCol w="1651000">
+                  <a:extLst>
+                    <a:ext uri="{9D8B030D-6E8A-4147-A177-3AD203B41FA5}">
+                      <a16:colId xmlns:a16="http://schemas.microsoft.com/office/drawing/2014/main" val="3854258856"/>
+                    </a:ext>
+                  </a:extLst>
+                </a:gridCol>
+                <a:gridCol w="1651000">
+                  <a:extLst>
+                    <a:ext uri="{9D8B030D-6E8A-4147-A177-3AD203B41FA5}">
+                      <a16:colId xmlns:a16="http://schemas.microsoft.com/office/drawing/2014/main" val="1061541722"/>
+                    </a:ext>
+                  </a:extLst>
+                </a:gridCol>
+                <a:gridCol w="1651000">
+                  <a:extLst>
+                    <a:ext uri="{9D8B030D-6E8A-4147-A177-3AD203B41FA5}">
+                      <a16:colId xmlns:a16="http://schemas.microsoft.com/office/drawing/2014/main" val="2554712890"/>
+                    </a:ext>
+                  </a:extLst>
+                </a:gridCol>
+                <a:gridCol w="1651000">
+                  <a:extLst>
+                    <a:ext uri="{9D8B030D-6E8A-4147-A177-3AD203B41FA5}">
+                      <a16:colId xmlns:a16="http://schemas.microsoft.com/office/drawing/2014/main" val="1927928174"/>
+                    </a:ext>
+                  </a:extLst>
+                </a:gridCol>
+              </a:tblGrid>
+              <a:tr h="0">
+                <a:tc>
+                  <a:txBody>
+                    <a:bodyPr/>
+                    <a:lstStyle/>
+                    <a:p>
+                      <a:pPr marL="228600" marR="0" algn="ctr">
+                        <a:lnSpc>
+                          <a:spcPct val="200000"/>
+                        </a:lnSpc>
+                        <a:spcBef>
+                          <a:spcPts val="0"/>
+                        </a:spcBef>
+                        <a:spcAft>
+                          <a:spcPts val="0"/>
+                        </a:spcAft>
+                      </a:pPr>
+                      <a:r>
+                        <a:rPr lang="en-US" sz="1000" u="none" strike="noStrike">
+                          <a:solidFill>
+                            <a:schemeClr val="bg2">
+                              <a:lumMod val="10000"/>
+                              <a:lumOff val="90000"/>
+                            </a:schemeClr>
+                          </a:solidFill>
+                          <a:effectLst/>
+                          <a:latin typeface="Times New Roman" panose="02020603050405020304" pitchFamily="18" charset="0"/>
+                          <a:ea typeface="Times New Roman" panose="02020603050405020304" pitchFamily="18" charset="0"/>
+                          <a:cs typeface="Times New Roman" panose="02020603050405020304" pitchFamily="18" charset="0"/>
+                        </a:rPr>
+                        <a:t> </a:t>
+                      </a:r>
+                      <a:endParaRPr lang="en-US" sz="1100">
+                        <a:solidFill>
+                          <a:schemeClr val="bg2">
+                            <a:lumMod val="10000"/>
+                            <a:lumOff val="90000"/>
+                          </a:schemeClr>
+                        </a:solidFill>
+                        <a:effectLst/>
+                        <a:latin typeface="Calibri" panose="020F0502020204030204" pitchFamily="34" charset="0"/>
+                        <a:ea typeface="Calibri" panose="020F0502020204030204" pitchFamily="34" charset="0"/>
+                        <a:cs typeface="Times New Roman" panose="02020603050405020304" pitchFamily="18" charset="0"/>
+                      </a:endParaRPr>
+                    </a:p>
+                  </a:txBody>
+                  <a:tcPr marL="68580" marR="68580" marT="0" marB="0">
+                    <a:lnL w="12700" cap="flat" cmpd="sng" algn="ctr">
+                      <a:solidFill>
+                        <a:srgbClr val="000000"/>
+                      </a:solidFill>
+                      <a:prstDash val="solid"/>
+                      <a:round/>
+                      <a:headEnd type="none" w="med" len="med"/>
+                      <a:tailEnd type="none" w="med" len="med"/>
+                    </a:lnL>
+                    <a:lnR w="12700" cap="flat" cmpd="sng" algn="ctr">
+                      <a:solidFill>
+                        <a:srgbClr val="000000"/>
+                      </a:solidFill>
+                      <a:prstDash val="solid"/>
+                      <a:round/>
+                      <a:headEnd type="none" w="med" len="med"/>
+                      <a:tailEnd type="none" w="med" len="med"/>
+                    </a:lnR>
+                    <a:lnT w="12700" cap="flat" cmpd="sng" algn="ctr">
+                      <a:solidFill>
+                        <a:srgbClr val="000000"/>
+                      </a:solidFill>
+                      <a:prstDash val="solid"/>
+                      <a:round/>
+                      <a:headEnd type="none" w="med" len="med"/>
+                      <a:tailEnd type="none" w="med" len="med"/>
+                    </a:lnT>
+                    <a:lnB w="12700" cap="flat" cmpd="sng" algn="ctr">
+                      <a:solidFill>
+                        <a:srgbClr val="000000"/>
+                      </a:solidFill>
+                      <a:prstDash val="solid"/>
+                      <a:round/>
+                      <a:headEnd type="none" w="med" len="med"/>
+                      <a:tailEnd type="none" w="med" len="med"/>
+                    </a:lnB>
+                  </a:tcPr>
+                </a:tc>
+                <a:tc>
+                  <a:txBody>
+                    <a:bodyPr/>
+                    <a:lstStyle/>
+                    <a:p>
+                      <a:pPr marL="0" marR="0" algn="ctr">
+                        <a:lnSpc>
+                          <a:spcPct val="200000"/>
+                        </a:lnSpc>
+                        <a:spcBef>
+                          <a:spcPts val="0"/>
+                        </a:spcBef>
+                        <a:spcAft>
+                          <a:spcPts val="0"/>
+                        </a:spcAft>
+                      </a:pPr>
+                      <a:r>
+                        <a:rPr lang="en-US" sz="1000" b="1" u="sng">
+                          <a:solidFill>
+                            <a:schemeClr val="bg2">
+                              <a:lumMod val="10000"/>
+                              <a:lumOff val="90000"/>
+                            </a:schemeClr>
+                          </a:solidFill>
+                          <a:effectLst/>
+                          <a:latin typeface="Times New Roman" panose="02020603050405020304" pitchFamily="18" charset="0"/>
+                          <a:ea typeface="Times New Roman" panose="02020603050405020304" pitchFamily="18" charset="0"/>
+                          <a:cs typeface="Times New Roman" panose="02020603050405020304" pitchFamily="18" charset="0"/>
+                        </a:rPr>
+                        <a:t>Item/Service</a:t>
+                      </a:r>
+                      <a:endParaRPr lang="en-US" sz="1100">
+                        <a:solidFill>
+                          <a:schemeClr val="bg2">
+                            <a:lumMod val="10000"/>
+                            <a:lumOff val="90000"/>
+                          </a:schemeClr>
+                        </a:solidFill>
+                        <a:effectLst/>
+                        <a:latin typeface="Calibri" panose="020F0502020204030204" pitchFamily="34" charset="0"/>
+                        <a:ea typeface="Calibri" panose="020F0502020204030204" pitchFamily="34" charset="0"/>
+                        <a:cs typeface="Times New Roman" panose="02020603050405020304" pitchFamily="18" charset="0"/>
+                      </a:endParaRPr>
+                    </a:p>
+                  </a:txBody>
+                  <a:tcPr marL="68580" marR="68580" marT="0" marB="0">
+                    <a:lnL w="12700" cap="flat" cmpd="sng" algn="ctr">
+                      <a:solidFill>
+                        <a:srgbClr val="000000"/>
+                      </a:solidFill>
+                      <a:prstDash val="solid"/>
+                      <a:round/>
+                      <a:headEnd type="none" w="med" len="med"/>
+                      <a:tailEnd type="none" w="med" len="med"/>
+                    </a:lnL>
+                    <a:lnR w="12700" cap="flat" cmpd="sng" algn="ctr">
+                      <a:solidFill>
+                        <a:srgbClr val="000000"/>
+                      </a:solidFill>
+                      <a:prstDash val="solid"/>
+                      <a:round/>
+                      <a:headEnd type="none" w="med" len="med"/>
+                      <a:tailEnd type="none" w="med" len="med"/>
+                    </a:lnR>
+                    <a:lnT w="12700" cap="flat" cmpd="sng" algn="ctr">
+                      <a:solidFill>
+                        <a:srgbClr val="000000"/>
+                      </a:solidFill>
+                      <a:prstDash val="solid"/>
+                      <a:round/>
+                      <a:headEnd type="none" w="med" len="med"/>
+                      <a:tailEnd type="none" w="med" len="med"/>
+                    </a:lnT>
+                    <a:lnB w="12700" cap="flat" cmpd="sng" algn="ctr">
+                      <a:solidFill>
+                        <a:srgbClr val="000000"/>
+                      </a:solidFill>
+                      <a:prstDash val="solid"/>
+                      <a:round/>
+                      <a:headEnd type="none" w="med" len="med"/>
+                      <a:tailEnd type="none" w="med" len="med"/>
+                    </a:lnB>
+                  </a:tcPr>
+                </a:tc>
+                <a:tc>
+                  <a:txBody>
+                    <a:bodyPr/>
+                    <a:lstStyle/>
+                    <a:p>
+                      <a:pPr marL="0" marR="0" algn="ctr">
+                        <a:lnSpc>
+                          <a:spcPct val="200000"/>
+                        </a:lnSpc>
+                        <a:spcBef>
+                          <a:spcPts val="0"/>
+                        </a:spcBef>
+                        <a:spcAft>
+                          <a:spcPts val="0"/>
+                        </a:spcAft>
+                      </a:pPr>
+                      <a:r>
+                        <a:rPr lang="en-US" sz="1000" b="1" u="sng">
+                          <a:solidFill>
+                            <a:schemeClr val="bg2">
+                              <a:lumMod val="10000"/>
+                              <a:lumOff val="90000"/>
+                            </a:schemeClr>
+                          </a:solidFill>
+                          <a:effectLst/>
+                          <a:latin typeface="Times New Roman" panose="02020603050405020304" pitchFamily="18" charset="0"/>
+                          <a:ea typeface="Times New Roman" panose="02020603050405020304" pitchFamily="18" charset="0"/>
+                          <a:cs typeface="Times New Roman" panose="02020603050405020304" pitchFamily="18" charset="0"/>
+                        </a:rPr>
+                        <a:t>Who</a:t>
+                      </a:r>
+                      <a:endParaRPr lang="en-US" sz="1100">
+                        <a:solidFill>
+                          <a:schemeClr val="bg2">
+                            <a:lumMod val="10000"/>
+                            <a:lumOff val="90000"/>
+                          </a:schemeClr>
+                        </a:solidFill>
+                        <a:effectLst/>
+                        <a:latin typeface="Calibri" panose="020F0502020204030204" pitchFamily="34" charset="0"/>
+                        <a:ea typeface="Calibri" panose="020F0502020204030204" pitchFamily="34" charset="0"/>
+                        <a:cs typeface="Times New Roman" panose="02020603050405020304" pitchFamily="18" charset="0"/>
+                      </a:endParaRPr>
+                    </a:p>
+                  </a:txBody>
+                  <a:tcPr marL="68580" marR="68580" marT="0" marB="0">
+                    <a:lnL w="12700" cap="flat" cmpd="sng" algn="ctr">
+                      <a:solidFill>
+                        <a:srgbClr val="000000"/>
+                      </a:solidFill>
+                      <a:prstDash val="solid"/>
+                      <a:round/>
+                      <a:headEnd type="none" w="med" len="med"/>
+                      <a:tailEnd type="none" w="med" len="med"/>
+                    </a:lnL>
+                    <a:lnR w="12700" cap="flat" cmpd="sng" algn="ctr">
+                      <a:solidFill>
+                        <a:srgbClr val="000000"/>
+                      </a:solidFill>
+                      <a:prstDash val="solid"/>
+                      <a:round/>
+                      <a:headEnd type="none" w="med" len="med"/>
+                      <a:tailEnd type="none" w="med" len="med"/>
+                    </a:lnR>
+                    <a:lnT w="12700" cap="flat" cmpd="sng" algn="ctr">
+                      <a:solidFill>
+                        <a:srgbClr val="000000"/>
+                      </a:solidFill>
+                      <a:prstDash val="solid"/>
+                      <a:round/>
+                      <a:headEnd type="none" w="med" len="med"/>
+                      <a:tailEnd type="none" w="med" len="med"/>
+                    </a:lnT>
+                    <a:lnB w="12700" cap="flat" cmpd="sng" algn="ctr">
+                      <a:solidFill>
+                        <a:srgbClr val="000000"/>
+                      </a:solidFill>
+                      <a:prstDash val="solid"/>
+                      <a:round/>
+                      <a:headEnd type="none" w="med" len="med"/>
+                      <a:tailEnd type="none" w="med" len="med"/>
+                    </a:lnB>
+                  </a:tcPr>
+                </a:tc>
+                <a:tc>
+                  <a:txBody>
+                    <a:bodyPr/>
+                    <a:lstStyle/>
+                    <a:p>
+                      <a:pPr marL="0" marR="0" algn="ctr">
+                        <a:lnSpc>
+                          <a:spcPct val="200000"/>
+                        </a:lnSpc>
+                        <a:spcBef>
+                          <a:spcPts val="0"/>
+                        </a:spcBef>
+                        <a:spcAft>
+                          <a:spcPts val="0"/>
+                        </a:spcAft>
+                      </a:pPr>
+                      <a:r>
+                        <a:rPr lang="en-US" sz="1000" b="1" u="sng">
+                          <a:solidFill>
+                            <a:schemeClr val="bg2">
+                              <a:lumMod val="10000"/>
+                              <a:lumOff val="90000"/>
+                            </a:schemeClr>
+                          </a:solidFill>
+                          <a:effectLst/>
+                          <a:latin typeface="Times New Roman" panose="02020603050405020304" pitchFamily="18" charset="0"/>
+                          <a:ea typeface="Times New Roman" panose="02020603050405020304" pitchFamily="18" charset="0"/>
+                          <a:cs typeface="Times New Roman" panose="02020603050405020304" pitchFamily="18" charset="0"/>
+                        </a:rPr>
+                        <a:t>ACT#</a:t>
+                      </a:r>
+                      <a:endParaRPr lang="en-US" sz="1100">
+                        <a:solidFill>
+                          <a:schemeClr val="bg2">
+                            <a:lumMod val="10000"/>
+                            <a:lumOff val="90000"/>
+                          </a:schemeClr>
+                        </a:solidFill>
+                        <a:effectLst/>
+                        <a:latin typeface="Calibri" panose="020F0502020204030204" pitchFamily="34" charset="0"/>
+                        <a:ea typeface="Calibri" panose="020F0502020204030204" pitchFamily="34" charset="0"/>
+                        <a:cs typeface="Times New Roman" panose="02020603050405020304" pitchFamily="18" charset="0"/>
+                      </a:endParaRPr>
+                    </a:p>
+                  </a:txBody>
+                  <a:tcPr marL="68580" marR="68580" marT="0" marB="0">
+                    <a:lnL w="12700" cap="flat" cmpd="sng" algn="ctr">
+                      <a:solidFill>
+                        <a:srgbClr val="000000"/>
+                      </a:solidFill>
+                      <a:prstDash val="solid"/>
+                      <a:round/>
+                      <a:headEnd type="none" w="med" len="med"/>
+                      <a:tailEnd type="none" w="med" len="med"/>
+                    </a:lnL>
+                    <a:lnR w="12700" cap="flat" cmpd="sng" algn="ctr">
+                      <a:solidFill>
+                        <a:srgbClr val="000000"/>
+                      </a:solidFill>
+                      <a:prstDash val="solid"/>
+                      <a:round/>
+                      <a:headEnd type="none" w="med" len="med"/>
+                      <a:tailEnd type="none" w="med" len="med"/>
+                    </a:lnR>
+                    <a:lnT w="12700" cap="flat" cmpd="sng" algn="ctr">
+                      <a:solidFill>
+                        <a:srgbClr val="000000"/>
+                      </a:solidFill>
+                      <a:prstDash val="solid"/>
+                      <a:round/>
+                      <a:headEnd type="none" w="med" len="med"/>
+                      <a:tailEnd type="none" w="med" len="med"/>
+                    </a:lnT>
+                    <a:lnB w="12700" cap="flat" cmpd="sng" algn="ctr">
+                      <a:solidFill>
+                        <a:srgbClr val="000000"/>
+                      </a:solidFill>
+                      <a:prstDash val="solid"/>
+                      <a:round/>
+                      <a:headEnd type="none" w="med" len="med"/>
+                      <a:tailEnd type="none" w="med" len="med"/>
+                    </a:lnB>
+                  </a:tcPr>
+                </a:tc>
+                <a:tc>
+                  <a:txBody>
+                    <a:bodyPr/>
+                    <a:lstStyle/>
+                    <a:p>
+                      <a:pPr marL="0" marR="0" algn="ctr">
+                        <a:lnSpc>
+                          <a:spcPct val="200000"/>
+                        </a:lnSpc>
+                        <a:spcBef>
+                          <a:spcPts val="0"/>
+                        </a:spcBef>
+                        <a:spcAft>
+                          <a:spcPts val="0"/>
+                        </a:spcAft>
+                      </a:pPr>
+                      <a:r>
+                        <a:rPr lang="en-US" sz="1000" b="1" u="sng">
+                          <a:solidFill>
+                            <a:schemeClr val="bg2">
+                              <a:lumMod val="10000"/>
+                              <a:lumOff val="90000"/>
+                            </a:schemeClr>
+                          </a:solidFill>
+                          <a:effectLst/>
+                          <a:latin typeface="Times New Roman" panose="02020603050405020304" pitchFamily="18" charset="0"/>
+                          <a:ea typeface="Times New Roman" panose="02020603050405020304" pitchFamily="18" charset="0"/>
+                          <a:cs typeface="Times New Roman" panose="02020603050405020304" pitchFamily="18" charset="0"/>
+                        </a:rPr>
+                        <a:t>Number of Items</a:t>
+                      </a:r>
+                      <a:endParaRPr lang="en-US" sz="1100">
+                        <a:solidFill>
+                          <a:schemeClr val="bg2">
+                            <a:lumMod val="10000"/>
+                            <a:lumOff val="90000"/>
+                          </a:schemeClr>
+                        </a:solidFill>
+                        <a:effectLst/>
+                        <a:latin typeface="Calibri" panose="020F0502020204030204" pitchFamily="34" charset="0"/>
+                        <a:ea typeface="Calibri" panose="020F0502020204030204" pitchFamily="34" charset="0"/>
+                        <a:cs typeface="Times New Roman" panose="02020603050405020304" pitchFamily="18" charset="0"/>
+                      </a:endParaRPr>
+                    </a:p>
+                  </a:txBody>
+                  <a:tcPr marL="68580" marR="68580" marT="0" marB="0">
+                    <a:lnL w="12700" cap="flat" cmpd="sng" algn="ctr">
+                      <a:solidFill>
+                        <a:srgbClr val="000000"/>
+                      </a:solidFill>
+                      <a:prstDash val="solid"/>
+                      <a:round/>
+                      <a:headEnd type="none" w="med" len="med"/>
+                      <a:tailEnd type="none" w="med" len="med"/>
+                    </a:lnL>
+                    <a:lnR w="12700" cap="flat" cmpd="sng" algn="ctr">
+                      <a:solidFill>
+                        <a:srgbClr val="000000"/>
+                      </a:solidFill>
+                      <a:prstDash val="solid"/>
+                      <a:round/>
+                      <a:headEnd type="none" w="med" len="med"/>
+                      <a:tailEnd type="none" w="med" len="med"/>
+                    </a:lnR>
+                    <a:lnT w="12700" cap="flat" cmpd="sng" algn="ctr">
+                      <a:solidFill>
+                        <a:srgbClr val="000000"/>
+                      </a:solidFill>
+                      <a:prstDash val="solid"/>
+                      <a:round/>
+                      <a:headEnd type="none" w="med" len="med"/>
+                      <a:tailEnd type="none" w="med" len="med"/>
+                    </a:lnT>
+                    <a:lnB w="12700" cap="flat" cmpd="sng" algn="ctr">
+                      <a:solidFill>
+                        <a:srgbClr val="000000"/>
+                      </a:solidFill>
+                      <a:prstDash val="solid"/>
+                      <a:round/>
+                      <a:headEnd type="none" w="med" len="med"/>
+                      <a:tailEnd type="none" w="med" len="med"/>
+                    </a:lnB>
+                  </a:tcPr>
+                </a:tc>
+                <a:tc>
+                  <a:txBody>
+                    <a:bodyPr/>
+                    <a:lstStyle/>
+                    <a:p>
+                      <a:pPr marL="0" marR="0" algn="ctr">
+                        <a:lnSpc>
+                          <a:spcPct val="200000"/>
+                        </a:lnSpc>
+                        <a:spcBef>
+                          <a:spcPts val="0"/>
+                        </a:spcBef>
+                        <a:spcAft>
+                          <a:spcPts val="0"/>
+                        </a:spcAft>
+                      </a:pPr>
+                      <a:r>
+                        <a:rPr lang="en-US" sz="1000" b="1" u="sng">
+                          <a:solidFill>
+                            <a:schemeClr val="bg2">
+                              <a:lumMod val="10000"/>
+                              <a:lumOff val="90000"/>
+                            </a:schemeClr>
+                          </a:solidFill>
+                          <a:effectLst/>
+                          <a:latin typeface="Times New Roman" panose="02020603050405020304" pitchFamily="18" charset="0"/>
+                          <a:ea typeface="Times New Roman" panose="02020603050405020304" pitchFamily="18" charset="0"/>
+                          <a:cs typeface="Times New Roman" panose="02020603050405020304" pitchFamily="18" charset="0"/>
+                        </a:rPr>
+                        <a:t>Total</a:t>
+                      </a:r>
+                      <a:endParaRPr lang="en-US" sz="1100">
+                        <a:solidFill>
+                          <a:schemeClr val="bg2">
+                            <a:lumMod val="10000"/>
+                            <a:lumOff val="90000"/>
+                          </a:schemeClr>
+                        </a:solidFill>
+                        <a:effectLst/>
+                        <a:latin typeface="Calibri" panose="020F0502020204030204" pitchFamily="34" charset="0"/>
+                        <a:ea typeface="Calibri" panose="020F0502020204030204" pitchFamily="34" charset="0"/>
+                        <a:cs typeface="Times New Roman" panose="02020603050405020304" pitchFamily="18" charset="0"/>
+                      </a:endParaRPr>
+                    </a:p>
+                  </a:txBody>
+                  <a:tcPr marL="68580" marR="68580" marT="0" marB="0">
+                    <a:lnL w="12700" cap="flat" cmpd="sng" algn="ctr">
+                      <a:solidFill>
+                        <a:srgbClr val="000000"/>
+                      </a:solidFill>
+                      <a:prstDash val="solid"/>
+                      <a:round/>
+                      <a:headEnd type="none" w="med" len="med"/>
+                      <a:tailEnd type="none" w="med" len="med"/>
+                    </a:lnL>
+                    <a:lnR w="12700" cap="flat" cmpd="sng" algn="ctr">
+                      <a:solidFill>
+                        <a:srgbClr val="000000"/>
+                      </a:solidFill>
+                      <a:prstDash val="solid"/>
+                      <a:round/>
+                      <a:headEnd type="none" w="med" len="med"/>
+                      <a:tailEnd type="none" w="med" len="med"/>
+                    </a:lnR>
+                    <a:lnT w="12700" cap="flat" cmpd="sng" algn="ctr">
+                      <a:solidFill>
+                        <a:srgbClr val="000000"/>
+                      </a:solidFill>
+                      <a:prstDash val="solid"/>
+                      <a:round/>
+                      <a:headEnd type="none" w="med" len="med"/>
+                      <a:tailEnd type="none" w="med" len="med"/>
+                    </a:lnT>
+                    <a:lnB w="12700" cap="flat" cmpd="sng" algn="ctr">
+                      <a:solidFill>
+                        <a:srgbClr val="000000"/>
+                      </a:solidFill>
+                      <a:prstDash val="solid"/>
+                      <a:round/>
+                      <a:headEnd type="none" w="med" len="med"/>
+                      <a:tailEnd type="none" w="med" len="med"/>
+                    </a:lnB>
+                  </a:tcPr>
+                </a:tc>
+                <a:extLst>
+                  <a:ext uri="{0D108BD9-81ED-4DB2-BD59-A6C34878D82A}">
+                    <a16:rowId xmlns:a16="http://schemas.microsoft.com/office/drawing/2014/main" val="2975438021"/>
+                  </a:ext>
+                </a:extLst>
+              </a:tr>
+              <a:tr h="0">
+                <a:tc>
+                  <a:txBody>
+                    <a:bodyPr/>
+                    <a:lstStyle/>
+                    <a:p>
+                      <a:pPr marL="0" marR="0" algn="ctr">
+                        <a:lnSpc>
+                          <a:spcPct val="200000"/>
+                        </a:lnSpc>
+                        <a:spcBef>
+                          <a:spcPts val="0"/>
+                        </a:spcBef>
+                        <a:spcAft>
+                          <a:spcPts val="0"/>
+                        </a:spcAft>
+                      </a:pPr>
+                      <a:r>
+                        <a:rPr lang="en-US" sz="1000" b="1" u="sng">
+                          <a:solidFill>
+                            <a:schemeClr val="bg2">
+                              <a:lumMod val="10000"/>
+                              <a:lumOff val="90000"/>
+                            </a:schemeClr>
+                          </a:solidFill>
+                          <a:effectLst/>
+                          <a:latin typeface="Times New Roman" panose="02020603050405020304" pitchFamily="18" charset="0"/>
+                          <a:ea typeface="Times New Roman" panose="02020603050405020304" pitchFamily="18" charset="0"/>
+                          <a:cs typeface="Times New Roman" panose="02020603050405020304" pitchFamily="18" charset="0"/>
+                        </a:rPr>
+                        <a:t>WIFI Manipulation</a:t>
+                      </a:r>
+                      <a:endParaRPr lang="en-US" sz="1100">
+                        <a:solidFill>
+                          <a:schemeClr val="bg2">
+                            <a:lumMod val="10000"/>
+                            <a:lumOff val="90000"/>
+                          </a:schemeClr>
+                        </a:solidFill>
+                        <a:effectLst/>
+                        <a:latin typeface="Calibri" panose="020F0502020204030204" pitchFamily="34" charset="0"/>
+                        <a:ea typeface="Calibri" panose="020F0502020204030204" pitchFamily="34" charset="0"/>
+                        <a:cs typeface="Times New Roman" panose="02020603050405020304" pitchFamily="18" charset="0"/>
+                      </a:endParaRPr>
+                    </a:p>
+                  </a:txBody>
+                  <a:tcPr marL="68580" marR="68580" marT="0" marB="0">
+                    <a:lnL w="12700" cap="flat" cmpd="sng" algn="ctr">
+                      <a:solidFill>
+                        <a:srgbClr val="000000"/>
+                      </a:solidFill>
+                      <a:prstDash val="solid"/>
+                      <a:round/>
+                      <a:headEnd type="none" w="med" len="med"/>
+                      <a:tailEnd type="none" w="med" len="med"/>
+                    </a:lnL>
+                    <a:lnR w="12700" cap="flat" cmpd="sng" algn="ctr">
+                      <a:solidFill>
+                        <a:srgbClr val="000000"/>
+                      </a:solidFill>
+                      <a:prstDash val="solid"/>
+                      <a:round/>
+                      <a:headEnd type="none" w="med" len="med"/>
+                      <a:tailEnd type="none" w="med" len="med"/>
+                    </a:lnR>
+                    <a:lnT w="12700" cap="flat" cmpd="sng" algn="ctr">
+                      <a:solidFill>
+                        <a:srgbClr val="000000"/>
+                      </a:solidFill>
+                      <a:prstDash val="solid"/>
+                      <a:round/>
+                      <a:headEnd type="none" w="med" len="med"/>
+                      <a:tailEnd type="none" w="med" len="med"/>
+                    </a:lnT>
+                    <a:lnB w="12700" cap="flat" cmpd="sng" algn="ctr">
+                      <a:solidFill>
+                        <a:srgbClr val="000000"/>
+                      </a:solidFill>
+                      <a:prstDash val="solid"/>
+                      <a:round/>
+                      <a:headEnd type="none" w="med" len="med"/>
+                      <a:tailEnd type="none" w="med" len="med"/>
+                    </a:lnB>
+                  </a:tcPr>
+                </a:tc>
+                <a:tc>
+                  <a:txBody>
+                    <a:bodyPr/>
+                    <a:lstStyle/>
+                    <a:p>
+                      <a:pPr marL="0" marR="0" algn="ctr">
+                        <a:lnSpc>
+                          <a:spcPct val="200000"/>
+                        </a:lnSpc>
+                        <a:spcBef>
+                          <a:spcPts val="0"/>
+                        </a:spcBef>
+                        <a:spcAft>
+                          <a:spcPts val="0"/>
+                        </a:spcAft>
+                      </a:pPr>
+                      <a:r>
+                        <a:rPr lang="en-US" sz="1200">
+                          <a:solidFill>
+                            <a:schemeClr val="bg2">
+                              <a:lumMod val="10000"/>
+                              <a:lumOff val="90000"/>
+                            </a:schemeClr>
+                          </a:solidFill>
+                          <a:effectLst/>
+                          <a:latin typeface="Times New Roman" panose="02020603050405020304" pitchFamily="18" charset="0"/>
+                          <a:ea typeface="Times New Roman" panose="02020603050405020304" pitchFamily="18" charset="0"/>
+                          <a:cs typeface="Times New Roman" panose="02020603050405020304" pitchFamily="18" charset="0"/>
+                        </a:rPr>
+                        <a:t>Cisco Miraki </a:t>
+                      </a:r>
+                      <a:endParaRPr lang="en-US" sz="1100">
+                        <a:solidFill>
+                          <a:schemeClr val="bg2">
+                            <a:lumMod val="10000"/>
+                            <a:lumOff val="90000"/>
+                          </a:schemeClr>
+                        </a:solidFill>
+                        <a:effectLst/>
+                        <a:latin typeface="Calibri" panose="020F0502020204030204" pitchFamily="34" charset="0"/>
+                        <a:ea typeface="Calibri" panose="020F0502020204030204" pitchFamily="34" charset="0"/>
+                        <a:cs typeface="Times New Roman" panose="02020603050405020304" pitchFamily="18" charset="0"/>
+                      </a:endParaRPr>
+                    </a:p>
+                  </a:txBody>
+                  <a:tcPr marL="68580" marR="68580" marT="0" marB="0">
+                    <a:lnL w="12700" cap="flat" cmpd="sng" algn="ctr">
+                      <a:solidFill>
+                        <a:srgbClr val="000000"/>
+                      </a:solidFill>
+                      <a:prstDash val="solid"/>
+                      <a:round/>
+                      <a:headEnd type="none" w="med" len="med"/>
+                      <a:tailEnd type="none" w="med" len="med"/>
+                    </a:lnL>
+                    <a:lnR w="12700" cap="flat" cmpd="sng" algn="ctr">
+                      <a:solidFill>
+                        <a:srgbClr val="000000"/>
+                      </a:solidFill>
+                      <a:prstDash val="solid"/>
+                      <a:round/>
+                      <a:headEnd type="none" w="med" len="med"/>
+                      <a:tailEnd type="none" w="med" len="med"/>
+                    </a:lnR>
+                    <a:lnT w="12700" cap="flat" cmpd="sng" algn="ctr">
+                      <a:solidFill>
+                        <a:srgbClr val="000000"/>
+                      </a:solidFill>
+                      <a:prstDash val="solid"/>
+                      <a:round/>
+                      <a:headEnd type="none" w="med" len="med"/>
+                      <a:tailEnd type="none" w="med" len="med"/>
+                    </a:lnT>
+                    <a:lnB w="12700" cap="flat" cmpd="sng" algn="ctr">
+                      <a:solidFill>
+                        <a:srgbClr val="000000"/>
+                      </a:solidFill>
+                      <a:prstDash val="solid"/>
+                      <a:round/>
+                      <a:headEnd type="none" w="med" len="med"/>
+                      <a:tailEnd type="none" w="med" len="med"/>
+                    </a:lnB>
+                  </a:tcPr>
+                </a:tc>
+                <a:tc>
+                  <a:txBody>
+                    <a:bodyPr/>
+                    <a:lstStyle/>
+                    <a:p>
+                      <a:pPr marL="0" marR="0" algn="ctr">
+                        <a:lnSpc>
+                          <a:spcPct val="200000"/>
+                        </a:lnSpc>
+                        <a:spcBef>
+                          <a:spcPts val="0"/>
+                        </a:spcBef>
+                        <a:spcAft>
+                          <a:spcPts val="0"/>
+                        </a:spcAft>
+                      </a:pPr>
+                      <a:r>
+                        <a:rPr lang="en-US" sz="1000" dirty="0">
+                          <a:solidFill>
+                            <a:schemeClr val="bg2">
+                              <a:lumMod val="10000"/>
+                              <a:lumOff val="90000"/>
+                            </a:schemeClr>
+                          </a:solidFill>
+                          <a:effectLst/>
+                          <a:latin typeface="Times New Roman" panose="02020603050405020304" pitchFamily="18" charset="0"/>
+                          <a:ea typeface="Times New Roman" panose="02020603050405020304" pitchFamily="18" charset="0"/>
+                          <a:cs typeface="Times New Roman" panose="02020603050405020304" pitchFamily="18" charset="0"/>
+                        </a:rPr>
+                        <a:t>Contractor</a:t>
+                      </a:r>
+                      <a:endParaRPr lang="en-US" sz="1100" dirty="0">
+                        <a:solidFill>
+                          <a:schemeClr val="bg2">
+                            <a:lumMod val="10000"/>
+                            <a:lumOff val="90000"/>
+                          </a:schemeClr>
+                        </a:solidFill>
+                        <a:effectLst/>
+                        <a:latin typeface="Calibri" panose="020F0502020204030204" pitchFamily="34" charset="0"/>
+                        <a:ea typeface="Calibri" panose="020F0502020204030204" pitchFamily="34" charset="0"/>
+                        <a:cs typeface="Times New Roman" panose="02020603050405020304" pitchFamily="18" charset="0"/>
+                      </a:endParaRPr>
+                    </a:p>
+                  </a:txBody>
+                  <a:tcPr marL="68580" marR="68580" marT="0" marB="0">
+                    <a:lnL w="12700" cap="flat" cmpd="sng" algn="ctr">
+                      <a:solidFill>
+                        <a:srgbClr val="000000"/>
+                      </a:solidFill>
+                      <a:prstDash val="solid"/>
+                      <a:round/>
+                      <a:headEnd type="none" w="med" len="med"/>
+                      <a:tailEnd type="none" w="med" len="med"/>
+                    </a:lnL>
+                    <a:lnR w="12700" cap="flat" cmpd="sng" algn="ctr">
+                      <a:solidFill>
+                        <a:srgbClr val="000000"/>
+                      </a:solidFill>
+                      <a:prstDash val="solid"/>
+                      <a:round/>
+                      <a:headEnd type="none" w="med" len="med"/>
+                      <a:tailEnd type="none" w="med" len="med"/>
+                    </a:lnR>
+                    <a:lnT w="12700" cap="flat" cmpd="sng" algn="ctr">
+                      <a:solidFill>
+                        <a:srgbClr val="000000"/>
+                      </a:solidFill>
+                      <a:prstDash val="solid"/>
+                      <a:round/>
+                      <a:headEnd type="none" w="med" len="med"/>
+                      <a:tailEnd type="none" w="med" len="med"/>
+                    </a:lnT>
+                    <a:lnB w="12700" cap="flat" cmpd="sng" algn="ctr">
+                      <a:solidFill>
+                        <a:srgbClr val="000000"/>
+                      </a:solidFill>
+                      <a:prstDash val="solid"/>
+                      <a:round/>
+                      <a:headEnd type="none" w="med" len="med"/>
+                      <a:tailEnd type="none" w="med" len="med"/>
+                    </a:lnB>
+                  </a:tcPr>
+                </a:tc>
+                <a:tc>
+                  <a:txBody>
+                    <a:bodyPr/>
+                    <a:lstStyle/>
+                    <a:p>
+                      <a:pPr marL="0" marR="0" algn="ctr">
+                        <a:lnSpc>
+                          <a:spcPct val="200000"/>
+                        </a:lnSpc>
+                        <a:spcBef>
+                          <a:spcPts val="0"/>
+                        </a:spcBef>
+                        <a:spcAft>
+                          <a:spcPts val="0"/>
+                        </a:spcAft>
+                      </a:pPr>
+                      <a:r>
+                        <a:rPr lang="en-US" sz="1000" u="sng">
+                          <a:solidFill>
+                            <a:schemeClr val="bg2">
+                              <a:lumMod val="10000"/>
+                              <a:lumOff val="90000"/>
+                            </a:schemeClr>
+                          </a:solidFill>
+                          <a:effectLst/>
+                          <a:latin typeface="Times New Roman" panose="02020603050405020304" pitchFamily="18" charset="0"/>
+                          <a:ea typeface="Times New Roman" panose="02020603050405020304" pitchFamily="18" charset="0"/>
+                          <a:cs typeface="Times New Roman" panose="02020603050405020304" pitchFamily="18" charset="0"/>
+                        </a:rPr>
+                        <a:t>ACT4:</a:t>
+                      </a:r>
+                      <a:r>
+                        <a:rPr lang="en-US" sz="1000">
+                          <a:solidFill>
+                            <a:schemeClr val="bg2">
+                              <a:lumMod val="10000"/>
+                              <a:lumOff val="90000"/>
+                            </a:schemeClr>
+                          </a:solidFill>
+                          <a:effectLst/>
+                          <a:latin typeface="Times New Roman" panose="02020603050405020304" pitchFamily="18" charset="0"/>
+                          <a:ea typeface="Times New Roman" panose="02020603050405020304" pitchFamily="18" charset="0"/>
+                          <a:cs typeface="Times New Roman" panose="02020603050405020304" pitchFamily="18" charset="0"/>
+                        </a:rPr>
+                        <a:t> New Firewall / Router.</a:t>
+                      </a:r>
+                      <a:endParaRPr lang="en-US" sz="1100">
+                        <a:solidFill>
+                          <a:schemeClr val="bg2">
+                            <a:lumMod val="10000"/>
+                            <a:lumOff val="90000"/>
+                          </a:schemeClr>
+                        </a:solidFill>
+                        <a:effectLst/>
+                        <a:latin typeface="Calibri" panose="020F0502020204030204" pitchFamily="34" charset="0"/>
+                        <a:ea typeface="Calibri" panose="020F0502020204030204" pitchFamily="34" charset="0"/>
+                        <a:cs typeface="Times New Roman" panose="02020603050405020304" pitchFamily="18" charset="0"/>
+                      </a:endParaRPr>
+                    </a:p>
+                  </a:txBody>
+                  <a:tcPr marL="68580" marR="68580" marT="0" marB="0">
+                    <a:lnL w="12700" cap="flat" cmpd="sng" algn="ctr">
+                      <a:solidFill>
+                        <a:srgbClr val="000000"/>
+                      </a:solidFill>
+                      <a:prstDash val="solid"/>
+                      <a:round/>
+                      <a:headEnd type="none" w="med" len="med"/>
+                      <a:tailEnd type="none" w="med" len="med"/>
+                    </a:lnL>
+                    <a:lnR w="12700" cap="flat" cmpd="sng" algn="ctr">
+                      <a:solidFill>
+                        <a:srgbClr val="000000"/>
+                      </a:solidFill>
+                      <a:prstDash val="solid"/>
+                      <a:round/>
+                      <a:headEnd type="none" w="med" len="med"/>
+                      <a:tailEnd type="none" w="med" len="med"/>
+                    </a:lnR>
+                    <a:lnT w="12700" cap="flat" cmpd="sng" algn="ctr">
+                      <a:solidFill>
+                        <a:srgbClr val="000000"/>
+                      </a:solidFill>
+                      <a:prstDash val="solid"/>
+                      <a:round/>
+                      <a:headEnd type="none" w="med" len="med"/>
+                      <a:tailEnd type="none" w="med" len="med"/>
+                    </a:lnT>
+                    <a:lnB w="12700" cap="flat" cmpd="sng" algn="ctr">
+                      <a:solidFill>
+                        <a:srgbClr val="000000"/>
+                      </a:solidFill>
+                      <a:prstDash val="solid"/>
+                      <a:round/>
+                      <a:headEnd type="none" w="med" len="med"/>
+                      <a:tailEnd type="none" w="med" len="med"/>
+                    </a:lnB>
+                  </a:tcPr>
+                </a:tc>
+                <a:tc>
+                  <a:txBody>
+                    <a:bodyPr/>
+                    <a:lstStyle/>
+                    <a:p>
+                      <a:pPr marL="0" marR="0" algn="ctr">
+                        <a:lnSpc>
+                          <a:spcPct val="200000"/>
+                        </a:lnSpc>
+                        <a:spcBef>
+                          <a:spcPts val="0"/>
+                        </a:spcBef>
+                        <a:spcAft>
+                          <a:spcPts val="0"/>
+                        </a:spcAft>
+                      </a:pPr>
+                      <a:r>
+                        <a:rPr lang="en-US" sz="1000" u="sng">
+                          <a:solidFill>
+                            <a:schemeClr val="bg2">
+                              <a:lumMod val="10000"/>
+                              <a:lumOff val="90000"/>
+                            </a:schemeClr>
+                          </a:solidFill>
+                          <a:effectLst/>
+                          <a:latin typeface="Times New Roman" panose="02020603050405020304" pitchFamily="18" charset="0"/>
+                          <a:ea typeface="Times New Roman" panose="02020603050405020304" pitchFamily="18" charset="0"/>
+                          <a:cs typeface="Times New Roman" panose="02020603050405020304" pitchFamily="18" charset="0"/>
+                        </a:rPr>
+                        <a:t>1</a:t>
+                      </a:r>
+                      <a:endParaRPr lang="en-US" sz="1100">
+                        <a:solidFill>
+                          <a:schemeClr val="bg2">
+                            <a:lumMod val="10000"/>
+                            <a:lumOff val="90000"/>
+                          </a:schemeClr>
+                        </a:solidFill>
+                        <a:effectLst/>
+                        <a:latin typeface="Calibri" panose="020F0502020204030204" pitchFamily="34" charset="0"/>
+                        <a:ea typeface="Calibri" panose="020F0502020204030204" pitchFamily="34" charset="0"/>
+                        <a:cs typeface="Times New Roman" panose="02020603050405020304" pitchFamily="18" charset="0"/>
+                      </a:endParaRPr>
+                    </a:p>
+                  </a:txBody>
+                  <a:tcPr marL="68580" marR="68580" marT="0" marB="0">
+                    <a:lnL w="12700" cap="flat" cmpd="sng" algn="ctr">
+                      <a:solidFill>
+                        <a:srgbClr val="000000"/>
+                      </a:solidFill>
+                      <a:prstDash val="solid"/>
+                      <a:round/>
+                      <a:headEnd type="none" w="med" len="med"/>
+                      <a:tailEnd type="none" w="med" len="med"/>
+                    </a:lnL>
+                    <a:lnR w="12700" cap="flat" cmpd="sng" algn="ctr">
+                      <a:solidFill>
+                        <a:srgbClr val="000000"/>
+                      </a:solidFill>
+                      <a:prstDash val="solid"/>
+                      <a:round/>
+                      <a:headEnd type="none" w="med" len="med"/>
+                      <a:tailEnd type="none" w="med" len="med"/>
+                    </a:lnR>
+                    <a:lnT w="12700" cap="flat" cmpd="sng" algn="ctr">
+                      <a:solidFill>
+                        <a:srgbClr val="000000"/>
+                      </a:solidFill>
+                      <a:prstDash val="solid"/>
+                      <a:round/>
+                      <a:headEnd type="none" w="med" len="med"/>
+                      <a:tailEnd type="none" w="med" len="med"/>
+                    </a:lnT>
+                    <a:lnB w="12700" cap="flat" cmpd="sng" algn="ctr">
+                      <a:solidFill>
+                        <a:srgbClr val="000000"/>
+                      </a:solidFill>
+                      <a:prstDash val="solid"/>
+                      <a:round/>
+                      <a:headEnd type="none" w="med" len="med"/>
+                      <a:tailEnd type="none" w="med" len="med"/>
+                    </a:lnB>
+                  </a:tcPr>
+                </a:tc>
+                <a:tc>
+                  <a:txBody>
+                    <a:bodyPr/>
+                    <a:lstStyle/>
+                    <a:p>
+                      <a:pPr marL="457200" marR="0" algn="ctr">
+                        <a:lnSpc>
+                          <a:spcPct val="200000"/>
+                        </a:lnSpc>
+                        <a:spcBef>
+                          <a:spcPts val="0"/>
+                        </a:spcBef>
+                        <a:spcAft>
+                          <a:spcPts val="0"/>
+                        </a:spcAft>
+                      </a:pPr>
+                      <a:r>
+                        <a:rPr lang="en-US" sz="1100" b="1">
+                          <a:solidFill>
+                            <a:schemeClr val="bg2">
+                              <a:lumMod val="10000"/>
+                              <a:lumOff val="90000"/>
+                            </a:schemeClr>
+                          </a:solidFill>
+                          <a:effectLst/>
+                          <a:latin typeface="Times New Roman" panose="02020603050405020304" pitchFamily="18" charset="0"/>
+                          <a:ea typeface="Times New Roman" panose="02020603050405020304" pitchFamily="18" charset="0"/>
+                          <a:cs typeface="Times New Roman" panose="02020603050405020304" pitchFamily="18" charset="0"/>
+                        </a:rPr>
+                        <a:t> </a:t>
+                      </a:r>
+                      <a:endParaRPr lang="en-US" sz="1100">
+                        <a:solidFill>
+                          <a:schemeClr val="bg2">
+                            <a:lumMod val="10000"/>
+                            <a:lumOff val="90000"/>
+                          </a:schemeClr>
+                        </a:solidFill>
+                        <a:effectLst/>
+                        <a:latin typeface="Calibri" panose="020F0502020204030204" pitchFamily="34" charset="0"/>
+                        <a:ea typeface="Calibri" panose="020F0502020204030204" pitchFamily="34" charset="0"/>
+                        <a:cs typeface="Times New Roman" panose="02020603050405020304" pitchFamily="18" charset="0"/>
+                      </a:endParaRPr>
+                    </a:p>
+                    <a:p>
+                      <a:pPr marL="0" marR="0" algn="ctr">
+                        <a:lnSpc>
+                          <a:spcPct val="107000"/>
+                        </a:lnSpc>
+                        <a:spcBef>
+                          <a:spcPts val="0"/>
+                        </a:spcBef>
+                        <a:spcAft>
+                          <a:spcPts val="0"/>
+                        </a:spcAft>
+                      </a:pPr>
+                      <a:r>
+                        <a:rPr lang="en-US" sz="1100" b="1">
+                          <a:solidFill>
+                            <a:schemeClr val="bg2">
+                              <a:lumMod val="10000"/>
+                              <a:lumOff val="90000"/>
+                            </a:schemeClr>
+                          </a:solidFill>
+                          <a:effectLst/>
+                          <a:latin typeface="Times New Roman" panose="02020603050405020304" pitchFamily="18" charset="0"/>
+                          <a:ea typeface="Times New Roman" panose="02020603050405020304" pitchFamily="18" charset="0"/>
+                          <a:cs typeface="Times New Roman" panose="02020603050405020304" pitchFamily="18" charset="0"/>
+                        </a:rPr>
+                        <a:t>             $700</a:t>
+                      </a:r>
+                      <a:endParaRPr lang="en-US" sz="1100">
+                        <a:solidFill>
+                          <a:schemeClr val="bg2">
+                            <a:lumMod val="10000"/>
+                            <a:lumOff val="90000"/>
+                          </a:schemeClr>
+                        </a:solidFill>
+                        <a:effectLst/>
+                        <a:latin typeface="Calibri" panose="020F0502020204030204" pitchFamily="34" charset="0"/>
+                        <a:ea typeface="Calibri" panose="020F0502020204030204" pitchFamily="34" charset="0"/>
+                        <a:cs typeface="Times New Roman" panose="02020603050405020304" pitchFamily="18" charset="0"/>
+                      </a:endParaRPr>
+                    </a:p>
+                  </a:txBody>
+                  <a:tcPr marL="68580" marR="68580" marT="0" marB="0">
+                    <a:lnL w="12700" cap="flat" cmpd="sng" algn="ctr">
+                      <a:solidFill>
+                        <a:srgbClr val="000000"/>
+                      </a:solidFill>
+                      <a:prstDash val="solid"/>
+                      <a:round/>
+                      <a:headEnd type="none" w="med" len="med"/>
+                      <a:tailEnd type="none" w="med" len="med"/>
+                    </a:lnL>
+                    <a:lnR w="12700" cap="flat" cmpd="sng" algn="ctr">
+                      <a:solidFill>
+                        <a:srgbClr val="000000"/>
+                      </a:solidFill>
+                      <a:prstDash val="solid"/>
+                      <a:round/>
+                      <a:headEnd type="none" w="med" len="med"/>
+                      <a:tailEnd type="none" w="med" len="med"/>
+                    </a:lnR>
+                    <a:lnT w="12700" cap="flat" cmpd="sng" algn="ctr">
+                      <a:solidFill>
+                        <a:srgbClr val="000000"/>
+                      </a:solidFill>
+                      <a:prstDash val="solid"/>
+                      <a:round/>
+                      <a:headEnd type="none" w="med" len="med"/>
+                      <a:tailEnd type="none" w="med" len="med"/>
+                    </a:lnT>
+                    <a:lnB w="12700" cap="flat" cmpd="sng" algn="ctr">
+                      <a:solidFill>
+                        <a:srgbClr val="000000"/>
+                      </a:solidFill>
+                      <a:prstDash val="solid"/>
+                      <a:round/>
+                      <a:headEnd type="none" w="med" len="med"/>
+                      <a:tailEnd type="none" w="med" len="med"/>
+                    </a:lnB>
+                  </a:tcPr>
+                </a:tc>
+                <a:extLst>
+                  <a:ext uri="{0D108BD9-81ED-4DB2-BD59-A6C34878D82A}">
+                    <a16:rowId xmlns:a16="http://schemas.microsoft.com/office/drawing/2014/main" val="1998357386"/>
+                  </a:ext>
+                </a:extLst>
+              </a:tr>
+              <a:tr h="0">
+                <a:tc>
+                  <a:txBody>
+                    <a:bodyPr/>
+                    <a:lstStyle/>
+                    <a:p>
+                      <a:pPr marL="0" marR="0" algn="ctr">
+                        <a:lnSpc>
+                          <a:spcPct val="200000"/>
+                        </a:lnSpc>
+                        <a:spcBef>
+                          <a:spcPts val="0"/>
+                        </a:spcBef>
+                        <a:spcAft>
+                          <a:spcPts val="0"/>
+                        </a:spcAft>
+                      </a:pPr>
+                      <a:r>
+                        <a:rPr lang="en-US" sz="1000" b="1" u="sng">
+                          <a:solidFill>
+                            <a:schemeClr val="bg2">
+                              <a:lumMod val="10000"/>
+                              <a:lumOff val="90000"/>
+                            </a:schemeClr>
+                          </a:solidFill>
+                          <a:effectLst/>
+                          <a:latin typeface="Times New Roman" panose="02020603050405020304" pitchFamily="18" charset="0"/>
+                          <a:ea typeface="Times New Roman" panose="02020603050405020304" pitchFamily="18" charset="0"/>
+                          <a:cs typeface="Times New Roman" panose="02020603050405020304" pitchFamily="18" charset="0"/>
+                        </a:rPr>
+                        <a:t>Stolen Data</a:t>
+                      </a:r>
+                      <a:endParaRPr lang="en-US" sz="1100">
+                        <a:solidFill>
+                          <a:schemeClr val="bg2">
+                            <a:lumMod val="10000"/>
+                            <a:lumOff val="90000"/>
+                          </a:schemeClr>
+                        </a:solidFill>
+                        <a:effectLst/>
+                        <a:latin typeface="Calibri" panose="020F0502020204030204" pitchFamily="34" charset="0"/>
+                        <a:ea typeface="Calibri" panose="020F0502020204030204" pitchFamily="34" charset="0"/>
+                        <a:cs typeface="Times New Roman" panose="02020603050405020304" pitchFamily="18" charset="0"/>
+                      </a:endParaRPr>
+                    </a:p>
+                  </a:txBody>
+                  <a:tcPr marL="68580" marR="68580" marT="0" marB="0">
+                    <a:lnL w="12700" cap="flat" cmpd="sng" algn="ctr">
+                      <a:solidFill>
+                        <a:srgbClr val="000000"/>
+                      </a:solidFill>
+                      <a:prstDash val="solid"/>
+                      <a:round/>
+                      <a:headEnd type="none" w="med" len="med"/>
+                      <a:tailEnd type="none" w="med" len="med"/>
+                    </a:lnL>
+                    <a:lnR w="12700" cap="flat" cmpd="sng" algn="ctr">
+                      <a:solidFill>
+                        <a:srgbClr val="000000"/>
+                      </a:solidFill>
+                      <a:prstDash val="solid"/>
+                      <a:round/>
+                      <a:headEnd type="none" w="med" len="med"/>
+                      <a:tailEnd type="none" w="med" len="med"/>
+                    </a:lnR>
+                    <a:lnT w="12700" cap="flat" cmpd="sng" algn="ctr">
+                      <a:solidFill>
+                        <a:srgbClr val="000000"/>
+                      </a:solidFill>
+                      <a:prstDash val="solid"/>
+                      <a:round/>
+                      <a:headEnd type="none" w="med" len="med"/>
+                      <a:tailEnd type="none" w="med" len="med"/>
+                    </a:lnT>
+                    <a:lnB w="12700" cap="flat" cmpd="sng" algn="ctr">
+                      <a:solidFill>
+                        <a:srgbClr val="000000"/>
+                      </a:solidFill>
+                      <a:prstDash val="solid"/>
+                      <a:round/>
+                      <a:headEnd type="none" w="med" len="med"/>
+                      <a:tailEnd type="none" w="med" len="med"/>
+                    </a:lnB>
+                  </a:tcPr>
+                </a:tc>
+                <a:tc>
+                  <a:txBody>
+                    <a:bodyPr/>
+                    <a:lstStyle/>
+                    <a:p>
+                      <a:pPr marL="0" marR="0" algn="ctr">
+                        <a:lnSpc>
+                          <a:spcPct val="200000"/>
+                        </a:lnSpc>
+                        <a:spcBef>
+                          <a:spcPts val="0"/>
+                        </a:spcBef>
+                        <a:spcAft>
+                          <a:spcPts val="0"/>
+                        </a:spcAft>
+                      </a:pPr>
+                      <a:r>
+                        <a:rPr lang="en-US" sz="1000" u="sng">
+                          <a:solidFill>
+                            <a:schemeClr val="bg2">
+                              <a:lumMod val="10000"/>
+                              <a:lumOff val="90000"/>
+                            </a:schemeClr>
+                          </a:solidFill>
+                          <a:effectLst/>
+                          <a:latin typeface="Times New Roman" panose="02020603050405020304" pitchFamily="18" charset="0"/>
+                          <a:ea typeface="Times New Roman" panose="02020603050405020304" pitchFamily="18" charset="0"/>
+                          <a:cs typeface="Times New Roman" panose="02020603050405020304" pitchFamily="18" charset="0"/>
+                        </a:rPr>
+                        <a:t>Mac OS Utility Tool.</a:t>
+                      </a:r>
+                      <a:endParaRPr lang="en-US" sz="1100">
+                        <a:solidFill>
+                          <a:schemeClr val="bg2">
+                            <a:lumMod val="10000"/>
+                            <a:lumOff val="90000"/>
+                          </a:schemeClr>
+                        </a:solidFill>
+                        <a:effectLst/>
+                        <a:latin typeface="Calibri" panose="020F0502020204030204" pitchFamily="34" charset="0"/>
+                        <a:ea typeface="Calibri" panose="020F0502020204030204" pitchFamily="34" charset="0"/>
+                        <a:cs typeface="Times New Roman" panose="02020603050405020304" pitchFamily="18" charset="0"/>
+                      </a:endParaRPr>
+                    </a:p>
+                  </a:txBody>
+                  <a:tcPr marL="68580" marR="68580" marT="0" marB="0">
+                    <a:lnL w="12700" cap="flat" cmpd="sng" algn="ctr">
+                      <a:solidFill>
+                        <a:srgbClr val="000000"/>
+                      </a:solidFill>
+                      <a:prstDash val="solid"/>
+                      <a:round/>
+                      <a:headEnd type="none" w="med" len="med"/>
+                      <a:tailEnd type="none" w="med" len="med"/>
+                    </a:lnL>
+                    <a:lnR w="12700" cap="flat" cmpd="sng" algn="ctr">
+                      <a:solidFill>
+                        <a:srgbClr val="000000"/>
+                      </a:solidFill>
+                      <a:prstDash val="solid"/>
+                      <a:round/>
+                      <a:headEnd type="none" w="med" len="med"/>
+                      <a:tailEnd type="none" w="med" len="med"/>
+                    </a:lnR>
+                    <a:lnT w="12700" cap="flat" cmpd="sng" algn="ctr">
+                      <a:solidFill>
+                        <a:srgbClr val="000000"/>
+                      </a:solidFill>
+                      <a:prstDash val="solid"/>
+                      <a:round/>
+                      <a:headEnd type="none" w="med" len="med"/>
+                      <a:tailEnd type="none" w="med" len="med"/>
+                    </a:lnT>
+                    <a:lnB w="12700" cap="flat" cmpd="sng" algn="ctr">
+                      <a:solidFill>
+                        <a:srgbClr val="000000"/>
+                      </a:solidFill>
+                      <a:prstDash val="solid"/>
+                      <a:round/>
+                      <a:headEnd type="none" w="med" len="med"/>
+                      <a:tailEnd type="none" w="med" len="med"/>
+                    </a:lnB>
+                  </a:tcPr>
+                </a:tc>
+                <a:tc>
+                  <a:txBody>
+                    <a:bodyPr/>
+                    <a:lstStyle/>
+                    <a:p>
+                      <a:pPr marL="0" marR="0" algn="ctr">
+                        <a:lnSpc>
+                          <a:spcPct val="200000"/>
+                        </a:lnSpc>
+                        <a:spcBef>
+                          <a:spcPts val="0"/>
+                        </a:spcBef>
+                        <a:spcAft>
+                          <a:spcPts val="0"/>
+                        </a:spcAft>
+                      </a:pPr>
+                      <a:r>
+                        <a:rPr lang="en-US" sz="1000">
+                          <a:solidFill>
+                            <a:schemeClr val="bg2">
+                              <a:lumMod val="10000"/>
+                              <a:lumOff val="90000"/>
+                            </a:schemeClr>
+                          </a:solidFill>
+                          <a:effectLst/>
+                          <a:latin typeface="Times New Roman" panose="02020603050405020304" pitchFamily="18" charset="0"/>
+                          <a:ea typeface="Times New Roman" panose="02020603050405020304" pitchFamily="18" charset="0"/>
+                          <a:cs typeface="Times New Roman" panose="02020603050405020304" pitchFamily="18" charset="0"/>
+                        </a:rPr>
+                        <a:t>Internal</a:t>
+                      </a:r>
+                      <a:endParaRPr lang="en-US" sz="1100">
+                        <a:solidFill>
+                          <a:schemeClr val="bg2">
+                            <a:lumMod val="10000"/>
+                            <a:lumOff val="90000"/>
+                          </a:schemeClr>
+                        </a:solidFill>
+                        <a:effectLst/>
+                        <a:latin typeface="Calibri" panose="020F0502020204030204" pitchFamily="34" charset="0"/>
+                        <a:ea typeface="Calibri" panose="020F0502020204030204" pitchFamily="34" charset="0"/>
+                        <a:cs typeface="Times New Roman" panose="02020603050405020304" pitchFamily="18" charset="0"/>
+                      </a:endParaRPr>
+                    </a:p>
+                  </a:txBody>
+                  <a:tcPr marL="68580" marR="68580" marT="0" marB="0">
+                    <a:lnL w="12700" cap="flat" cmpd="sng" algn="ctr">
+                      <a:solidFill>
+                        <a:srgbClr val="000000"/>
+                      </a:solidFill>
+                      <a:prstDash val="solid"/>
+                      <a:round/>
+                      <a:headEnd type="none" w="med" len="med"/>
+                      <a:tailEnd type="none" w="med" len="med"/>
+                    </a:lnL>
+                    <a:lnR w="12700" cap="flat" cmpd="sng" algn="ctr">
+                      <a:solidFill>
+                        <a:srgbClr val="000000"/>
+                      </a:solidFill>
+                      <a:prstDash val="solid"/>
+                      <a:round/>
+                      <a:headEnd type="none" w="med" len="med"/>
+                      <a:tailEnd type="none" w="med" len="med"/>
+                    </a:lnR>
+                    <a:lnT w="12700" cap="flat" cmpd="sng" algn="ctr">
+                      <a:solidFill>
+                        <a:srgbClr val="000000"/>
+                      </a:solidFill>
+                      <a:prstDash val="solid"/>
+                      <a:round/>
+                      <a:headEnd type="none" w="med" len="med"/>
+                      <a:tailEnd type="none" w="med" len="med"/>
+                    </a:lnT>
+                    <a:lnB w="12700" cap="flat" cmpd="sng" algn="ctr">
+                      <a:solidFill>
+                        <a:srgbClr val="000000"/>
+                      </a:solidFill>
+                      <a:prstDash val="solid"/>
+                      <a:round/>
+                      <a:headEnd type="none" w="med" len="med"/>
+                      <a:tailEnd type="none" w="med" len="med"/>
+                    </a:lnB>
+                  </a:tcPr>
+                </a:tc>
+                <a:tc>
+                  <a:txBody>
+                    <a:bodyPr/>
+                    <a:lstStyle/>
+                    <a:p>
+                      <a:pPr marL="0" marR="0">
+                        <a:lnSpc>
+                          <a:spcPct val="200000"/>
+                        </a:lnSpc>
+                        <a:spcBef>
+                          <a:spcPts val="0"/>
+                        </a:spcBef>
+                        <a:spcAft>
+                          <a:spcPts val="0"/>
+                        </a:spcAft>
+                      </a:pPr>
+                      <a:r>
+                        <a:rPr lang="en-US" sz="1000" u="sng">
+                          <a:solidFill>
+                            <a:schemeClr val="bg2">
+                              <a:lumMod val="10000"/>
+                              <a:lumOff val="90000"/>
+                            </a:schemeClr>
+                          </a:solidFill>
+                          <a:effectLst/>
+                          <a:latin typeface="Times New Roman" panose="02020603050405020304" pitchFamily="18" charset="0"/>
+                          <a:ea typeface="Times New Roman" panose="02020603050405020304" pitchFamily="18" charset="0"/>
+                          <a:cs typeface="Times New Roman" panose="02020603050405020304" pitchFamily="18" charset="0"/>
+                        </a:rPr>
+                        <a:t>ACT2:</a:t>
+                      </a:r>
+                      <a:r>
+                        <a:rPr lang="en-US" sz="1000">
+                          <a:solidFill>
+                            <a:schemeClr val="bg2">
+                              <a:lumMod val="10000"/>
+                              <a:lumOff val="90000"/>
+                            </a:schemeClr>
+                          </a:solidFill>
+                          <a:effectLst/>
+                          <a:latin typeface="Times New Roman" panose="02020603050405020304" pitchFamily="18" charset="0"/>
+                          <a:ea typeface="Times New Roman" panose="02020603050405020304" pitchFamily="18" charset="0"/>
+                          <a:cs typeface="Times New Roman" panose="02020603050405020304" pitchFamily="18" charset="0"/>
+                        </a:rPr>
+                        <a:t> Encryption tool.</a:t>
+                      </a:r>
+                      <a:endParaRPr lang="en-US" sz="1100">
+                        <a:solidFill>
+                          <a:schemeClr val="bg2">
+                            <a:lumMod val="10000"/>
+                            <a:lumOff val="90000"/>
+                          </a:schemeClr>
+                        </a:solidFill>
+                        <a:effectLst/>
+                        <a:latin typeface="Calibri" panose="020F0502020204030204" pitchFamily="34" charset="0"/>
+                        <a:ea typeface="Calibri" panose="020F0502020204030204" pitchFamily="34" charset="0"/>
+                        <a:cs typeface="Times New Roman" panose="02020603050405020304" pitchFamily="18" charset="0"/>
+                      </a:endParaRPr>
+                    </a:p>
+                    <a:p>
+                      <a:pPr marL="0" marR="0" algn="ctr">
+                        <a:lnSpc>
+                          <a:spcPct val="200000"/>
+                        </a:lnSpc>
+                        <a:spcBef>
+                          <a:spcPts val="0"/>
+                        </a:spcBef>
+                        <a:spcAft>
+                          <a:spcPts val="0"/>
+                        </a:spcAft>
+                      </a:pPr>
+                      <a:r>
+                        <a:rPr lang="en-US" sz="1000" u="none" strike="noStrike">
+                          <a:solidFill>
+                            <a:schemeClr val="bg2">
+                              <a:lumMod val="10000"/>
+                              <a:lumOff val="90000"/>
+                            </a:schemeClr>
+                          </a:solidFill>
+                          <a:effectLst/>
+                          <a:latin typeface="Times New Roman" panose="02020603050405020304" pitchFamily="18" charset="0"/>
+                          <a:ea typeface="Times New Roman" panose="02020603050405020304" pitchFamily="18" charset="0"/>
+                          <a:cs typeface="Times New Roman" panose="02020603050405020304" pitchFamily="18" charset="0"/>
+                        </a:rPr>
+                        <a:t> </a:t>
+                      </a:r>
+                      <a:endParaRPr lang="en-US" sz="1100">
+                        <a:solidFill>
+                          <a:schemeClr val="bg2">
+                            <a:lumMod val="10000"/>
+                            <a:lumOff val="90000"/>
+                          </a:schemeClr>
+                        </a:solidFill>
+                        <a:effectLst/>
+                        <a:latin typeface="Calibri" panose="020F0502020204030204" pitchFamily="34" charset="0"/>
+                        <a:ea typeface="Calibri" panose="020F0502020204030204" pitchFamily="34" charset="0"/>
+                        <a:cs typeface="Times New Roman" panose="02020603050405020304" pitchFamily="18" charset="0"/>
+                      </a:endParaRPr>
+                    </a:p>
+                  </a:txBody>
+                  <a:tcPr marL="68580" marR="68580" marT="0" marB="0">
+                    <a:lnL w="12700" cap="flat" cmpd="sng" algn="ctr">
+                      <a:solidFill>
+                        <a:srgbClr val="000000"/>
+                      </a:solidFill>
+                      <a:prstDash val="solid"/>
+                      <a:round/>
+                      <a:headEnd type="none" w="med" len="med"/>
+                      <a:tailEnd type="none" w="med" len="med"/>
+                    </a:lnL>
+                    <a:lnR w="12700" cap="flat" cmpd="sng" algn="ctr">
+                      <a:solidFill>
+                        <a:srgbClr val="000000"/>
+                      </a:solidFill>
+                      <a:prstDash val="solid"/>
+                      <a:round/>
+                      <a:headEnd type="none" w="med" len="med"/>
+                      <a:tailEnd type="none" w="med" len="med"/>
+                    </a:lnR>
+                    <a:lnT w="12700" cap="flat" cmpd="sng" algn="ctr">
+                      <a:solidFill>
+                        <a:srgbClr val="000000"/>
+                      </a:solidFill>
+                      <a:prstDash val="solid"/>
+                      <a:round/>
+                      <a:headEnd type="none" w="med" len="med"/>
+                      <a:tailEnd type="none" w="med" len="med"/>
+                    </a:lnT>
+                    <a:lnB w="12700" cap="flat" cmpd="sng" algn="ctr">
+                      <a:solidFill>
+                        <a:srgbClr val="000000"/>
+                      </a:solidFill>
+                      <a:prstDash val="solid"/>
+                      <a:round/>
+                      <a:headEnd type="none" w="med" len="med"/>
+                      <a:tailEnd type="none" w="med" len="med"/>
+                    </a:lnB>
+                  </a:tcPr>
+                </a:tc>
+                <a:tc>
+                  <a:txBody>
+                    <a:bodyPr/>
+                    <a:lstStyle/>
+                    <a:p>
+                      <a:pPr marL="0" marR="0" algn="ctr">
+                        <a:lnSpc>
+                          <a:spcPct val="200000"/>
+                        </a:lnSpc>
+                        <a:spcBef>
+                          <a:spcPts val="0"/>
+                        </a:spcBef>
+                        <a:spcAft>
+                          <a:spcPts val="0"/>
+                        </a:spcAft>
+                      </a:pPr>
+                      <a:r>
+                        <a:rPr lang="en-US" sz="1000" u="sng">
+                          <a:solidFill>
+                            <a:schemeClr val="bg2">
+                              <a:lumMod val="10000"/>
+                              <a:lumOff val="90000"/>
+                            </a:schemeClr>
+                          </a:solidFill>
+                          <a:effectLst/>
+                          <a:latin typeface="Times New Roman" panose="02020603050405020304" pitchFamily="18" charset="0"/>
+                          <a:ea typeface="Times New Roman" panose="02020603050405020304" pitchFamily="18" charset="0"/>
+                          <a:cs typeface="Times New Roman" panose="02020603050405020304" pitchFamily="18" charset="0"/>
+                        </a:rPr>
+                        <a:t>1</a:t>
+                      </a:r>
+                      <a:endParaRPr lang="en-US" sz="1100">
+                        <a:solidFill>
+                          <a:schemeClr val="bg2">
+                            <a:lumMod val="10000"/>
+                            <a:lumOff val="90000"/>
+                          </a:schemeClr>
+                        </a:solidFill>
+                        <a:effectLst/>
+                        <a:latin typeface="Calibri" panose="020F0502020204030204" pitchFamily="34" charset="0"/>
+                        <a:ea typeface="Calibri" panose="020F0502020204030204" pitchFamily="34" charset="0"/>
+                        <a:cs typeface="Times New Roman" panose="02020603050405020304" pitchFamily="18" charset="0"/>
+                      </a:endParaRPr>
+                    </a:p>
+                  </a:txBody>
+                  <a:tcPr marL="68580" marR="68580" marT="0" marB="0">
+                    <a:lnL w="12700" cap="flat" cmpd="sng" algn="ctr">
+                      <a:solidFill>
+                        <a:srgbClr val="000000"/>
+                      </a:solidFill>
+                      <a:prstDash val="solid"/>
+                      <a:round/>
+                      <a:headEnd type="none" w="med" len="med"/>
+                      <a:tailEnd type="none" w="med" len="med"/>
+                    </a:lnL>
+                    <a:lnR w="12700" cap="flat" cmpd="sng" algn="ctr">
+                      <a:solidFill>
+                        <a:srgbClr val="000000"/>
+                      </a:solidFill>
+                      <a:prstDash val="solid"/>
+                      <a:round/>
+                      <a:headEnd type="none" w="med" len="med"/>
+                      <a:tailEnd type="none" w="med" len="med"/>
+                    </a:lnR>
+                    <a:lnT w="12700" cap="flat" cmpd="sng" algn="ctr">
+                      <a:solidFill>
+                        <a:srgbClr val="000000"/>
+                      </a:solidFill>
+                      <a:prstDash val="solid"/>
+                      <a:round/>
+                      <a:headEnd type="none" w="med" len="med"/>
+                      <a:tailEnd type="none" w="med" len="med"/>
+                    </a:lnT>
+                    <a:lnB w="12700" cap="flat" cmpd="sng" algn="ctr">
+                      <a:solidFill>
+                        <a:srgbClr val="000000"/>
+                      </a:solidFill>
+                      <a:prstDash val="solid"/>
+                      <a:round/>
+                      <a:headEnd type="none" w="med" len="med"/>
+                      <a:tailEnd type="none" w="med" len="med"/>
+                    </a:lnB>
+                  </a:tcPr>
+                </a:tc>
+                <a:tc>
+                  <a:txBody>
+                    <a:bodyPr/>
+                    <a:lstStyle/>
+                    <a:p>
+                      <a:pPr marL="457200" marR="0" algn="ctr">
+                        <a:lnSpc>
+                          <a:spcPct val="200000"/>
+                        </a:lnSpc>
+                        <a:spcBef>
+                          <a:spcPts val="0"/>
+                        </a:spcBef>
+                        <a:spcAft>
+                          <a:spcPts val="0"/>
+                        </a:spcAft>
+                      </a:pPr>
+                      <a:r>
+                        <a:rPr lang="en-US" sz="1100" b="1">
+                          <a:solidFill>
+                            <a:schemeClr val="bg2">
+                              <a:lumMod val="10000"/>
+                              <a:lumOff val="90000"/>
+                            </a:schemeClr>
+                          </a:solidFill>
+                          <a:effectLst/>
+                          <a:latin typeface="Times New Roman" panose="02020603050405020304" pitchFamily="18" charset="0"/>
+                          <a:ea typeface="Times New Roman" panose="02020603050405020304" pitchFamily="18" charset="0"/>
+                          <a:cs typeface="Times New Roman" panose="02020603050405020304" pitchFamily="18" charset="0"/>
+                        </a:rPr>
+                        <a:t> </a:t>
+                      </a:r>
+                      <a:endParaRPr lang="en-US" sz="1100">
+                        <a:solidFill>
+                          <a:schemeClr val="bg2">
+                            <a:lumMod val="10000"/>
+                            <a:lumOff val="90000"/>
+                          </a:schemeClr>
+                        </a:solidFill>
+                        <a:effectLst/>
+                        <a:latin typeface="Calibri" panose="020F0502020204030204" pitchFamily="34" charset="0"/>
+                        <a:ea typeface="Calibri" panose="020F0502020204030204" pitchFamily="34" charset="0"/>
+                        <a:cs typeface="Times New Roman" panose="02020603050405020304" pitchFamily="18" charset="0"/>
+                      </a:endParaRPr>
+                    </a:p>
+                    <a:p>
+                      <a:pPr marL="457200" marR="0" algn="ctr">
+                        <a:lnSpc>
+                          <a:spcPct val="200000"/>
+                        </a:lnSpc>
+                        <a:spcBef>
+                          <a:spcPts val="0"/>
+                        </a:spcBef>
+                        <a:spcAft>
+                          <a:spcPts val="0"/>
+                        </a:spcAft>
+                      </a:pPr>
+                      <a:r>
+                        <a:rPr lang="en-US" sz="1100" b="1">
+                          <a:solidFill>
+                            <a:schemeClr val="bg2">
+                              <a:lumMod val="10000"/>
+                              <a:lumOff val="90000"/>
+                            </a:schemeClr>
+                          </a:solidFill>
+                          <a:effectLst/>
+                          <a:latin typeface="Times New Roman" panose="02020603050405020304" pitchFamily="18" charset="0"/>
+                          <a:ea typeface="Calibri" panose="020F0502020204030204" pitchFamily="34" charset="0"/>
+                          <a:cs typeface="Times New Roman" panose="02020603050405020304" pitchFamily="18" charset="0"/>
+                        </a:rPr>
+                        <a:t>$0.00</a:t>
+                      </a:r>
+                      <a:endParaRPr lang="en-US" sz="1100">
+                        <a:solidFill>
+                          <a:schemeClr val="bg2">
+                            <a:lumMod val="10000"/>
+                            <a:lumOff val="90000"/>
+                          </a:schemeClr>
+                        </a:solidFill>
+                        <a:effectLst/>
+                        <a:latin typeface="Calibri" panose="020F0502020204030204" pitchFamily="34" charset="0"/>
+                        <a:ea typeface="Calibri" panose="020F0502020204030204" pitchFamily="34" charset="0"/>
+                        <a:cs typeface="Times New Roman" panose="02020603050405020304" pitchFamily="18" charset="0"/>
+                      </a:endParaRPr>
+                    </a:p>
+                  </a:txBody>
+                  <a:tcPr marL="68580" marR="68580" marT="0" marB="0">
+                    <a:lnL w="12700" cap="flat" cmpd="sng" algn="ctr">
+                      <a:solidFill>
+                        <a:srgbClr val="000000"/>
+                      </a:solidFill>
+                      <a:prstDash val="solid"/>
+                      <a:round/>
+                      <a:headEnd type="none" w="med" len="med"/>
+                      <a:tailEnd type="none" w="med" len="med"/>
+                    </a:lnL>
+                    <a:lnR w="12700" cap="flat" cmpd="sng" algn="ctr">
+                      <a:solidFill>
+                        <a:srgbClr val="000000"/>
+                      </a:solidFill>
+                      <a:prstDash val="solid"/>
+                      <a:round/>
+                      <a:headEnd type="none" w="med" len="med"/>
+                      <a:tailEnd type="none" w="med" len="med"/>
+                    </a:lnR>
+                    <a:lnT w="12700" cap="flat" cmpd="sng" algn="ctr">
+                      <a:solidFill>
+                        <a:srgbClr val="000000"/>
+                      </a:solidFill>
+                      <a:prstDash val="solid"/>
+                      <a:round/>
+                      <a:headEnd type="none" w="med" len="med"/>
+                      <a:tailEnd type="none" w="med" len="med"/>
+                    </a:lnT>
+                    <a:lnB w="12700" cap="flat" cmpd="sng" algn="ctr">
+                      <a:solidFill>
+                        <a:srgbClr val="000000"/>
+                      </a:solidFill>
+                      <a:prstDash val="solid"/>
+                      <a:round/>
+                      <a:headEnd type="none" w="med" len="med"/>
+                      <a:tailEnd type="none" w="med" len="med"/>
+                    </a:lnB>
+                  </a:tcPr>
+                </a:tc>
+                <a:extLst>
+                  <a:ext uri="{0D108BD9-81ED-4DB2-BD59-A6C34878D82A}">
+                    <a16:rowId xmlns:a16="http://schemas.microsoft.com/office/drawing/2014/main" val="1634574365"/>
+                  </a:ext>
+                </a:extLst>
+              </a:tr>
+              <a:tr h="0">
+                <a:tc>
+                  <a:txBody>
+                    <a:bodyPr/>
+                    <a:lstStyle/>
+                    <a:p>
+                      <a:pPr marL="0" marR="0" algn="ctr">
+                        <a:lnSpc>
+                          <a:spcPct val="200000"/>
+                        </a:lnSpc>
+                        <a:spcBef>
+                          <a:spcPts val="0"/>
+                        </a:spcBef>
+                        <a:spcAft>
+                          <a:spcPts val="0"/>
+                        </a:spcAft>
+                      </a:pPr>
+                      <a:r>
+                        <a:rPr lang="en-US" sz="1000" b="1" u="sng">
+                          <a:solidFill>
+                            <a:schemeClr val="bg2">
+                              <a:lumMod val="10000"/>
+                              <a:lumOff val="90000"/>
+                            </a:schemeClr>
+                          </a:solidFill>
+                          <a:effectLst/>
+                          <a:latin typeface="Times New Roman" panose="02020603050405020304" pitchFamily="18" charset="0"/>
+                          <a:ea typeface="Times New Roman" panose="02020603050405020304" pitchFamily="18" charset="0"/>
+                          <a:cs typeface="Times New Roman" panose="02020603050405020304" pitchFamily="18" charset="0"/>
+                        </a:rPr>
+                        <a:t>Physical Damage</a:t>
+                      </a:r>
+                      <a:endParaRPr lang="en-US" sz="1100">
+                        <a:solidFill>
+                          <a:schemeClr val="bg2">
+                            <a:lumMod val="10000"/>
+                            <a:lumOff val="90000"/>
+                          </a:schemeClr>
+                        </a:solidFill>
+                        <a:effectLst/>
+                        <a:latin typeface="Calibri" panose="020F0502020204030204" pitchFamily="34" charset="0"/>
+                        <a:ea typeface="Calibri" panose="020F0502020204030204" pitchFamily="34" charset="0"/>
+                        <a:cs typeface="Times New Roman" panose="02020603050405020304" pitchFamily="18" charset="0"/>
+                      </a:endParaRPr>
+                    </a:p>
+                  </a:txBody>
+                  <a:tcPr marL="68580" marR="68580" marT="0" marB="0">
+                    <a:lnL w="12700" cap="flat" cmpd="sng" algn="ctr">
+                      <a:solidFill>
+                        <a:srgbClr val="000000"/>
+                      </a:solidFill>
+                      <a:prstDash val="solid"/>
+                      <a:round/>
+                      <a:headEnd type="none" w="med" len="med"/>
+                      <a:tailEnd type="none" w="med" len="med"/>
+                    </a:lnL>
+                    <a:lnR w="12700" cap="flat" cmpd="sng" algn="ctr">
+                      <a:solidFill>
+                        <a:srgbClr val="000000"/>
+                      </a:solidFill>
+                      <a:prstDash val="solid"/>
+                      <a:round/>
+                      <a:headEnd type="none" w="med" len="med"/>
+                      <a:tailEnd type="none" w="med" len="med"/>
+                    </a:lnR>
+                    <a:lnT w="12700" cap="flat" cmpd="sng" algn="ctr">
+                      <a:solidFill>
+                        <a:srgbClr val="000000"/>
+                      </a:solidFill>
+                      <a:prstDash val="solid"/>
+                      <a:round/>
+                      <a:headEnd type="none" w="med" len="med"/>
+                      <a:tailEnd type="none" w="med" len="med"/>
+                    </a:lnT>
+                    <a:lnB w="12700" cap="flat" cmpd="sng" algn="ctr">
+                      <a:solidFill>
+                        <a:srgbClr val="000000"/>
+                      </a:solidFill>
+                      <a:prstDash val="solid"/>
+                      <a:round/>
+                      <a:headEnd type="none" w="med" len="med"/>
+                      <a:tailEnd type="none" w="med" len="med"/>
+                    </a:lnB>
+                  </a:tcPr>
+                </a:tc>
+                <a:tc>
+                  <a:txBody>
+                    <a:bodyPr/>
+                    <a:lstStyle/>
+                    <a:p>
+                      <a:pPr marL="0" marR="0" algn="ctr">
+                        <a:lnSpc>
+                          <a:spcPct val="200000"/>
+                        </a:lnSpc>
+                        <a:spcBef>
+                          <a:spcPts val="0"/>
+                        </a:spcBef>
+                        <a:spcAft>
+                          <a:spcPts val="0"/>
+                        </a:spcAft>
+                      </a:pPr>
+                      <a:r>
+                        <a:rPr lang="en-US" sz="1000" u="sng">
+                          <a:solidFill>
+                            <a:schemeClr val="bg2">
+                              <a:lumMod val="10000"/>
+                              <a:lumOff val="90000"/>
+                            </a:schemeClr>
+                          </a:solidFill>
+                          <a:effectLst/>
+                          <a:latin typeface="Times New Roman" panose="02020603050405020304" pitchFamily="18" charset="0"/>
+                          <a:ea typeface="Times New Roman" panose="02020603050405020304" pitchFamily="18" charset="0"/>
+                          <a:cs typeface="Times New Roman" panose="02020603050405020304" pitchFamily="18" charset="0"/>
+                        </a:rPr>
+                        <a:t>Locks with codes.</a:t>
+                      </a:r>
+                      <a:endParaRPr lang="en-US" sz="1100">
+                        <a:solidFill>
+                          <a:schemeClr val="bg2">
+                            <a:lumMod val="10000"/>
+                            <a:lumOff val="90000"/>
+                          </a:schemeClr>
+                        </a:solidFill>
+                        <a:effectLst/>
+                        <a:latin typeface="Calibri" panose="020F0502020204030204" pitchFamily="34" charset="0"/>
+                        <a:ea typeface="Calibri" panose="020F0502020204030204" pitchFamily="34" charset="0"/>
+                        <a:cs typeface="Times New Roman" panose="02020603050405020304" pitchFamily="18" charset="0"/>
+                      </a:endParaRPr>
+                    </a:p>
+                  </a:txBody>
+                  <a:tcPr marL="68580" marR="68580" marT="0" marB="0">
+                    <a:lnL w="12700" cap="flat" cmpd="sng" algn="ctr">
+                      <a:solidFill>
+                        <a:srgbClr val="000000"/>
+                      </a:solidFill>
+                      <a:prstDash val="solid"/>
+                      <a:round/>
+                      <a:headEnd type="none" w="med" len="med"/>
+                      <a:tailEnd type="none" w="med" len="med"/>
+                    </a:lnL>
+                    <a:lnR w="12700" cap="flat" cmpd="sng" algn="ctr">
+                      <a:solidFill>
+                        <a:srgbClr val="000000"/>
+                      </a:solidFill>
+                      <a:prstDash val="solid"/>
+                      <a:round/>
+                      <a:headEnd type="none" w="med" len="med"/>
+                      <a:tailEnd type="none" w="med" len="med"/>
+                    </a:lnR>
+                    <a:lnT w="12700" cap="flat" cmpd="sng" algn="ctr">
+                      <a:solidFill>
+                        <a:srgbClr val="000000"/>
+                      </a:solidFill>
+                      <a:prstDash val="solid"/>
+                      <a:round/>
+                      <a:headEnd type="none" w="med" len="med"/>
+                      <a:tailEnd type="none" w="med" len="med"/>
+                    </a:lnT>
+                    <a:lnB w="12700" cap="flat" cmpd="sng" algn="ctr">
+                      <a:solidFill>
+                        <a:srgbClr val="000000"/>
+                      </a:solidFill>
+                      <a:prstDash val="solid"/>
+                      <a:round/>
+                      <a:headEnd type="none" w="med" len="med"/>
+                      <a:tailEnd type="none" w="med" len="med"/>
+                    </a:lnB>
+                  </a:tcPr>
+                </a:tc>
+                <a:tc>
+                  <a:txBody>
+                    <a:bodyPr/>
+                    <a:lstStyle/>
+                    <a:p>
+                      <a:pPr marL="0" marR="0" algn="ctr">
+                        <a:lnSpc>
+                          <a:spcPct val="200000"/>
+                        </a:lnSpc>
+                        <a:spcBef>
+                          <a:spcPts val="0"/>
+                        </a:spcBef>
+                        <a:spcAft>
+                          <a:spcPts val="0"/>
+                        </a:spcAft>
+                      </a:pPr>
+                      <a:r>
+                        <a:rPr lang="en-US" sz="1000">
+                          <a:solidFill>
+                            <a:schemeClr val="bg2">
+                              <a:lumMod val="10000"/>
+                              <a:lumOff val="90000"/>
+                            </a:schemeClr>
+                          </a:solidFill>
+                          <a:effectLst/>
+                          <a:latin typeface="Times New Roman" panose="02020603050405020304" pitchFamily="18" charset="0"/>
+                          <a:ea typeface="Times New Roman" panose="02020603050405020304" pitchFamily="18" charset="0"/>
+                          <a:cs typeface="Times New Roman" panose="02020603050405020304" pitchFamily="18" charset="0"/>
+                        </a:rPr>
+                        <a:t>Internal</a:t>
+                      </a:r>
+                      <a:endParaRPr lang="en-US" sz="1100">
+                        <a:solidFill>
+                          <a:schemeClr val="bg2">
+                            <a:lumMod val="10000"/>
+                            <a:lumOff val="90000"/>
+                          </a:schemeClr>
+                        </a:solidFill>
+                        <a:effectLst/>
+                        <a:latin typeface="Calibri" panose="020F0502020204030204" pitchFamily="34" charset="0"/>
+                        <a:ea typeface="Calibri" panose="020F0502020204030204" pitchFamily="34" charset="0"/>
+                        <a:cs typeface="Times New Roman" panose="02020603050405020304" pitchFamily="18" charset="0"/>
+                      </a:endParaRPr>
+                    </a:p>
+                  </a:txBody>
+                  <a:tcPr marL="68580" marR="68580" marT="0" marB="0">
+                    <a:lnL w="12700" cap="flat" cmpd="sng" algn="ctr">
+                      <a:solidFill>
+                        <a:srgbClr val="000000"/>
+                      </a:solidFill>
+                      <a:prstDash val="solid"/>
+                      <a:round/>
+                      <a:headEnd type="none" w="med" len="med"/>
+                      <a:tailEnd type="none" w="med" len="med"/>
+                    </a:lnL>
+                    <a:lnR w="12700" cap="flat" cmpd="sng" algn="ctr">
+                      <a:solidFill>
+                        <a:srgbClr val="000000"/>
+                      </a:solidFill>
+                      <a:prstDash val="solid"/>
+                      <a:round/>
+                      <a:headEnd type="none" w="med" len="med"/>
+                      <a:tailEnd type="none" w="med" len="med"/>
+                    </a:lnR>
+                    <a:lnT w="12700" cap="flat" cmpd="sng" algn="ctr">
+                      <a:solidFill>
+                        <a:srgbClr val="000000"/>
+                      </a:solidFill>
+                      <a:prstDash val="solid"/>
+                      <a:round/>
+                      <a:headEnd type="none" w="med" len="med"/>
+                      <a:tailEnd type="none" w="med" len="med"/>
+                    </a:lnT>
+                    <a:lnB w="12700" cap="flat" cmpd="sng" algn="ctr">
+                      <a:solidFill>
+                        <a:srgbClr val="000000"/>
+                      </a:solidFill>
+                      <a:prstDash val="solid"/>
+                      <a:round/>
+                      <a:headEnd type="none" w="med" len="med"/>
+                      <a:tailEnd type="none" w="med" len="med"/>
+                    </a:lnB>
+                  </a:tcPr>
+                </a:tc>
+                <a:tc>
+                  <a:txBody>
+                    <a:bodyPr/>
+                    <a:lstStyle/>
+                    <a:p>
+                      <a:pPr marL="0" marR="0">
+                        <a:lnSpc>
+                          <a:spcPct val="200000"/>
+                        </a:lnSpc>
+                        <a:spcBef>
+                          <a:spcPts val="0"/>
+                        </a:spcBef>
+                        <a:spcAft>
+                          <a:spcPts val="0"/>
+                        </a:spcAft>
+                      </a:pPr>
+                      <a:r>
+                        <a:rPr lang="en-US" sz="1000" u="sng">
+                          <a:solidFill>
+                            <a:schemeClr val="bg2">
+                              <a:lumMod val="10000"/>
+                              <a:lumOff val="90000"/>
+                            </a:schemeClr>
+                          </a:solidFill>
+                          <a:effectLst/>
+                          <a:latin typeface="Times New Roman" panose="02020603050405020304" pitchFamily="18" charset="0"/>
+                          <a:ea typeface="Times New Roman" panose="02020603050405020304" pitchFamily="18" charset="0"/>
+                          <a:cs typeface="Times New Roman" panose="02020603050405020304" pitchFamily="18" charset="0"/>
+                        </a:rPr>
+                        <a:t>ACT3:</a:t>
+                      </a:r>
+                      <a:r>
+                        <a:rPr lang="en-US" sz="1000">
+                          <a:solidFill>
+                            <a:schemeClr val="bg2">
+                              <a:lumMod val="10000"/>
+                              <a:lumOff val="90000"/>
+                            </a:schemeClr>
+                          </a:solidFill>
+                          <a:effectLst/>
+                          <a:latin typeface="Times New Roman" panose="02020603050405020304" pitchFamily="18" charset="0"/>
+                          <a:ea typeface="Times New Roman" panose="02020603050405020304" pitchFamily="18" charset="0"/>
+                          <a:cs typeface="Times New Roman" panose="02020603050405020304" pitchFamily="18" charset="0"/>
+                        </a:rPr>
+                        <a:t> Door locks</a:t>
+                      </a:r>
+                      <a:endParaRPr lang="en-US" sz="1100">
+                        <a:solidFill>
+                          <a:schemeClr val="bg2">
+                            <a:lumMod val="10000"/>
+                            <a:lumOff val="90000"/>
+                          </a:schemeClr>
+                        </a:solidFill>
+                        <a:effectLst/>
+                        <a:latin typeface="Calibri" panose="020F0502020204030204" pitchFamily="34" charset="0"/>
+                        <a:ea typeface="Calibri" panose="020F0502020204030204" pitchFamily="34" charset="0"/>
+                        <a:cs typeface="Times New Roman" panose="02020603050405020304" pitchFamily="18" charset="0"/>
+                      </a:endParaRPr>
+                    </a:p>
+                    <a:p>
+                      <a:pPr marL="0" marR="0" algn="ctr">
+                        <a:lnSpc>
+                          <a:spcPct val="200000"/>
+                        </a:lnSpc>
+                        <a:spcBef>
+                          <a:spcPts val="0"/>
+                        </a:spcBef>
+                        <a:spcAft>
+                          <a:spcPts val="0"/>
+                        </a:spcAft>
+                      </a:pPr>
+                      <a:r>
+                        <a:rPr lang="en-US" sz="1000" u="none" strike="noStrike">
+                          <a:solidFill>
+                            <a:schemeClr val="bg2">
+                              <a:lumMod val="10000"/>
+                              <a:lumOff val="90000"/>
+                            </a:schemeClr>
+                          </a:solidFill>
+                          <a:effectLst/>
+                          <a:latin typeface="Times New Roman" panose="02020603050405020304" pitchFamily="18" charset="0"/>
+                          <a:ea typeface="Times New Roman" panose="02020603050405020304" pitchFamily="18" charset="0"/>
+                          <a:cs typeface="Times New Roman" panose="02020603050405020304" pitchFamily="18" charset="0"/>
+                        </a:rPr>
+                        <a:t> </a:t>
+                      </a:r>
+                      <a:endParaRPr lang="en-US" sz="1100">
+                        <a:solidFill>
+                          <a:schemeClr val="bg2">
+                            <a:lumMod val="10000"/>
+                            <a:lumOff val="90000"/>
+                          </a:schemeClr>
+                        </a:solidFill>
+                        <a:effectLst/>
+                        <a:latin typeface="Calibri" panose="020F0502020204030204" pitchFamily="34" charset="0"/>
+                        <a:ea typeface="Calibri" panose="020F0502020204030204" pitchFamily="34" charset="0"/>
+                        <a:cs typeface="Times New Roman" panose="02020603050405020304" pitchFamily="18" charset="0"/>
+                      </a:endParaRPr>
+                    </a:p>
+                  </a:txBody>
+                  <a:tcPr marL="68580" marR="68580" marT="0" marB="0">
+                    <a:lnL w="12700" cap="flat" cmpd="sng" algn="ctr">
+                      <a:solidFill>
+                        <a:srgbClr val="000000"/>
+                      </a:solidFill>
+                      <a:prstDash val="solid"/>
+                      <a:round/>
+                      <a:headEnd type="none" w="med" len="med"/>
+                      <a:tailEnd type="none" w="med" len="med"/>
+                    </a:lnL>
+                    <a:lnR w="12700" cap="flat" cmpd="sng" algn="ctr">
+                      <a:solidFill>
+                        <a:srgbClr val="000000"/>
+                      </a:solidFill>
+                      <a:prstDash val="solid"/>
+                      <a:round/>
+                      <a:headEnd type="none" w="med" len="med"/>
+                      <a:tailEnd type="none" w="med" len="med"/>
+                    </a:lnR>
+                    <a:lnT w="12700" cap="flat" cmpd="sng" algn="ctr">
+                      <a:solidFill>
+                        <a:srgbClr val="000000"/>
+                      </a:solidFill>
+                      <a:prstDash val="solid"/>
+                      <a:round/>
+                      <a:headEnd type="none" w="med" len="med"/>
+                      <a:tailEnd type="none" w="med" len="med"/>
+                    </a:lnT>
+                    <a:lnB w="12700" cap="flat" cmpd="sng" algn="ctr">
+                      <a:solidFill>
+                        <a:srgbClr val="000000"/>
+                      </a:solidFill>
+                      <a:prstDash val="solid"/>
+                      <a:round/>
+                      <a:headEnd type="none" w="med" len="med"/>
+                      <a:tailEnd type="none" w="med" len="med"/>
+                    </a:lnB>
+                  </a:tcPr>
+                </a:tc>
+                <a:tc>
+                  <a:txBody>
+                    <a:bodyPr/>
+                    <a:lstStyle/>
+                    <a:p>
+                      <a:pPr marL="0" marR="0" algn="ctr">
+                        <a:lnSpc>
+                          <a:spcPct val="200000"/>
+                        </a:lnSpc>
+                        <a:spcBef>
+                          <a:spcPts val="0"/>
+                        </a:spcBef>
+                        <a:spcAft>
+                          <a:spcPts val="0"/>
+                        </a:spcAft>
+                      </a:pPr>
+                      <a:r>
+                        <a:rPr lang="en-US" sz="1000" u="sng">
+                          <a:solidFill>
+                            <a:schemeClr val="bg2">
+                              <a:lumMod val="10000"/>
+                              <a:lumOff val="90000"/>
+                            </a:schemeClr>
+                          </a:solidFill>
+                          <a:effectLst/>
+                          <a:latin typeface="Times New Roman" panose="02020603050405020304" pitchFamily="18" charset="0"/>
+                          <a:ea typeface="Times New Roman" panose="02020603050405020304" pitchFamily="18" charset="0"/>
+                          <a:cs typeface="Times New Roman" panose="02020603050405020304" pitchFamily="18" charset="0"/>
+                        </a:rPr>
+                        <a:t>2</a:t>
+                      </a:r>
+                      <a:endParaRPr lang="en-US" sz="1100">
+                        <a:solidFill>
+                          <a:schemeClr val="bg2">
+                            <a:lumMod val="10000"/>
+                            <a:lumOff val="90000"/>
+                          </a:schemeClr>
+                        </a:solidFill>
+                        <a:effectLst/>
+                        <a:latin typeface="Calibri" panose="020F0502020204030204" pitchFamily="34" charset="0"/>
+                        <a:ea typeface="Calibri" panose="020F0502020204030204" pitchFamily="34" charset="0"/>
+                        <a:cs typeface="Times New Roman" panose="02020603050405020304" pitchFamily="18" charset="0"/>
+                      </a:endParaRPr>
+                    </a:p>
+                  </a:txBody>
+                  <a:tcPr marL="68580" marR="68580" marT="0" marB="0">
+                    <a:lnL w="12700" cap="flat" cmpd="sng" algn="ctr">
+                      <a:solidFill>
+                        <a:srgbClr val="000000"/>
+                      </a:solidFill>
+                      <a:prstDash val="solid"/>
+                      <a:round/>
+                      <a:headEnd type="none" w="med" len="med"/>
+                      <a:tailEnd type="none" w="med" len="med"/>
+                    </a:lnL>
+                    <a:lnR w="12700" cap="flat" cmpd="sng" algn="ctr">
+                      <a:solidFill>
+                        <a:srgbClr val="000000"/>
+                      </a:solidFill>
+                      <a:prstDash val="solid"/>
+                      <a:round/>
+                      <a:headEnd type="none" w="med" len="med"/>
+                      <a:tailEnd type="none" w="med" len="med"/>
+                    </a:lnR>
+                    <a:lnT w="12700" cap="flat" cmpd="sng" algn="ctr">
+                      <a:solidFill>
+                        <a:srgbClr val="000000"/>
+                      </a:solidFill>
+                      <a:prstDash val="solid"/>
+                      <a:round/>
+                      <a:headEnd type="none" w="med" len="med"/>
+                      <a:tailEnd type="none" w="med" len="med"/>
+                    </a:lnT>
+                    <a:lnB w="12700" cap="flat" cmpd="sng" algn="ctr">
+                      <a:solidFill>
+                        <a:srgbClr val="000000"/>
+                      </a:solidFill>
+                      <a:prstDash val="solid"/>
+                      <a:round/>
+                      <a:headEnd type="none" w="med" len="med"/>
+                      <a:tailEnd type="none" w="med" len="med"/>
+                    </a:lnB>
+                  </a:tcPr>
+                </a:tc>
+                <a:tc>
+                  <a:txBody>
+                    <a:bodyPr/>
+                    <a:lstStyle/>
+                    <a:p>
+                      <a:pPr marL="457200" marR="0" algn="ctr">
+                        <a:lnSpc>
+                          <a:spcPct val="200000"/>
+                        </a:lnSpc>
+                        <a:spcBef>
+                          <a:spcPts val="0"/>
+                        </a:spcBef>
+                        <a:spcAft>
+                          <a:spcPts val="0"/>
+                        </a:spcAft>
+                      </a:pPr>
+                      <a:r>
+                        <a:rPr lang="en-US" sz="1100" b="1">
+                          <a:solidFill>
+                            <a:schemeClr val="bg2">
+                              <a:lumMod val="10000"/>
+                              <a:lumOff val="90000"/>
+                            </a:schemeClr>
+                          </a:solidFill>
+                          <a:effectLst/>
+                          <a:latin typeface="Times New Roman" panose="02020603050405020304" pitchFamily="18" charset="0"/>
+                          <a:ea typeface="Times New Roman" panose="02020603050405020304" pitchFamily="18" charset="0"/>
+                          <a:cs typeface="Times New Roman" panose="02020603050405020304" pitchFamily="18" charset="0"/>
+                        </a:rPr>
+                        <a:t>$260</a:t>
+                      </a:r>
+                      <a:endParaRPr lang="en-US" sz="1100">
+                        <a:solidFill>
+                          <a:schemeClr val="bg2">
+                            <a:lumMod val="10000"/>
+                            <a:lumOff val="90000"/>
+                          </a:schemeClr>
+                        </a:solidFill>
+                        <a:effectLst/>
+                        <a:latin typeface="Calibri" panose="020F0502020204030204" pitchFamily="34" charset="0"/>
+                        <a:ea typeface="Calibri" panose="020F0502020204030204" pitchFamily="34" charset="0"/>
+                        <a:cs typeface="Times New Roman" panose="02020603050405020304" pitchFamily="18" charset="0"/>
+                      </a:endParaRPr>
+                    </a:p>
+                  </a:txBody>
+                  <a:tcPr marL="68580" marR="68580" marT="0" marB="0">
+                    <a:lnL w="12700" cap="flat" cmpd="sng" algn="ctr">
+                      <a:solidFill>
+                        <a:srgbClr val="000000"/>
+                      </a:solidFill>
+                      <a:prstDash val="solid"/>
+                      <a:round/>
+                      <a:headEnd type="none" w="med" len="med"/>
+                      <a:tailEnd type="none" w="med" len="med"/>
+                    </a:lnL>
+                    <a:lnR w="12700" cap="flat" cmpd="sng" algn="ctr">
+                      <a:solidFill>
+                        <a:srgbClr val="000000"/>
+                      </a:solidFill>
+                      <a:prstDash val="solid"/>
+                      <a:round/>
+                      <a:headEnd type="none" w="med" len="med"/>
+                      <a:tailEnd type="none" w="med" len="med"/>
+                    </a:lnR>
+                    <a:lnT w="12700" cap="flat" cmpd="sng" algn="ctr">
+                      <a:solidFill>
+                        <a:srgbClr val="000000"/>
+                      </a:solidFill>
+                      <a:prstDash val="solid"/>
+                      <a:round/>
+                      <a:headEnd type="none" w="med" len="med"/>
+                      <a:tailEnd type="none" w="med" len="med"/>
+                    </a:lnT>
+                    <a:lnB w="12700" cap="flat" cmpd="sng" algn="ctr">
+                      <a:solidFill>
+                        <a:srgbClr val="000000"/>
+                      </a:solidFill>
+                      <a:prstDash val="solid"/>
+                      <a:round/>
+                      <a:headEnd type="none" w="med" len="med"/>
+                      <a:tailEnd type="none" w="med" len="med"/>
+                    </a:lnB>
+                  </a:tcPr>
+                </a:tc>
+                <a:extLst>
+                  <a:ext uri="{0D108BD9-81ED-4DB2-BD59-A6C34878D82A}">
+                    <a16:rowId xmlns:a16="http://schemas.microsoft.com/office/drawing/2014/main" val="3515745310"/>
+                  </a:ext>
+                </a:extLst>
+              </a:tr>
+              <a:tr h="0">
+                <a:tc>
+                  <a:txBody>
+                    <a:bodyPr/>
+                    <a:lstStyle/>
+                    <a:p>
+                      <a:pPr marL="0" marR="0" algn="ctr">
+                        <a:lnSpc>
+                          <a:spcPct val="200000"/>
+                        </a:lnSpc>
+                        <a:spcBef>
+                          <a:spcPts val="0"/>
+                        </a:spcBef>
+                        <a:spcAft>
+                          <a:spcPts val="0"/>
+                        </a:spcAft>
+                      </a:pPr>
+                      <a:r>
+                        <a:rPr lang="en-US" sz="1000" b="1" u="sng">
+                          <a:solidFill>
+                            <a:schemeClr val="bg2">
+                              <a:lumMod val="10000"/>
+                              <a:lumOff val="90000"/>
+                            </a:schemeClr>
+                          </a:solidFill>
+                          <a:effectLst/>
+                          <a:latin typeface="Times New Roman" panose="02020603050405020304" pitchFamily="18" charset="0"/>
+                          <a:ea typeface="Times New Roman" panose="02020603050405020304" pitchFamily="18" charset="0"/>
+                          <a:cs typeface="Times New Roman" panose="02020603050405020304" pitchFamily="18" charset="0"/>
+                        </a:rPr>
+                        <a:t>CCTV</a:t>
+                      </a:r>
+                      <a:endParaRPr lang="en-US" sz="1100">
+                        <a:solidFill>
+                          <a:schemeClr val="bg2">
+                            <a:lumMod val="10000"/>
+                            <a:lumOff val="90000"/>
+                          </a:schemeClr>
+                        </a:solidFill>
+                        <a:effectLst/>
+                        <a:latin typeface="Calibri" panose="020F0502020204030204" pitchFamily="34" charset="0"/>
+                        <a:ea typeface="Calibri" panose="020F0502020204030204" pitchFamily="34" charset="0"/>
+                        <a:cs typeface="Times New Roman" panose="02020603050405020304" pitchFamily="18" charset="0"/>
+                      </a:endParaRPr>
+                    </a:p>
+                  </a:txBody>
+                  <a:tcPr marL="68580" marR="68580" marT="0" marB="0">
+                    <a:lnL w="12700" cap="flat" cmpd="sng" algn="ctr">
+                      <a:solidFill>
+                        <a:srgbClr val="000000"/>
+                      </a:solidFill>
+                      <a:prstDash val="solid"/>
+                      <a:round/>
+                      <a:headEnd type="none" w="med" len="med"/>
+                      <a:tailEnd type="none" w="med" len="med"/>
+                    </a:lnL>
+                    <a:lnR w="12700" cap="flat" cmpd="sng" algn="ctr">
+                      <a:solidFill>
+                        <a:srgbClr val="000000"/>
+                      </a:solidFill>
+                      <a:prstDash val="solid"/>
+                      <a:round/>
+                      <a:headEnd type="none" w="med" len="med"/>
+                      <a:tailEnd type="none" w="med" len="med"/>
+                    </a:lnR>
+                    <a:lnT w="12700" cap="flat" cmpd="sng" algn="ctr">
+                      <a:solidFill>
+                        <a:srgbClr val="000000"/>
+                      </a:solidFill>
+                      <a:prstDash val="solid"/>
+                      <a:round/>
+                      <a:headEnd type="none" w="med" len="med"/>
+                      <a:tailEnd type="none" w="med" len="med"/>
+                    </a:lnT>
+                    <a:lnB w="12700" cap="flat" cmpd="sng" algn="ctr">
+                      <a:solidFill>
+                        <a:srgbClr val="000000"/>
+                      </a:solidFill>
+                      <a:prstDash val="solid"/>
+                      <a:round/>
+                      <a:headEnd type="none" w="med" len="med"/>
+                      <a:tailEnd type="none" w="med" len="med"/>
+                    </a:lnB>
+                  </a:tcPr>
+                </a:tc>
+                <a:tc>
+                  <a:txBody>
+                    <a:bodyPr/>
+                    <a:lstStyle/>
+                    <a:p>
+                      <a:pPr marL="0" marR="0" algn="ctr">
+                        <a:lnSpc>
+                          <a:spcPct val="200000"/>
+                        </a:lnSpc>
+                        <a:spcBef>
+                          <a:spcPts val="0"/>
+                        </a:spcBef>
+                        <a:spcAft>
+                          <a:spcPts val="0"/>
+                        </a:spcAft>
+                      </a:pPr>
+                      <a:r>
+                        <a:rPr lang="en-US" sz="1000" u="sng">
+                          <a:solidFill>
+                            <a:schemeClr val="bg2">
+                              <a:lumMod val="10000"/>
+                              <a:lumOff val="90000"/>
+                            </a:schemeClr>
+                          </a:solidFill>
+                          <a:effectLst/>
+                          <a:latin typeface="Times New Roman" panose="02020603050405020304" pitchFamily="18" charset="0"/>
+                          <a:ea typeface="Times New Roman" panose="02020603050405020304" pitchFamily="18" charset="0"/>
+                          <a:cs typeface="Times New Roman" panose="02020603050405020304" pitchFamily="18" charset="0"/>
+                        </a:rPr>
+                        <a:t>Reolink IP Camera System.</a:t>
+                      </a:r>
+                      <a:endParaRPr lang="en-US" sz="1100">
+                        <a:solidFill>
+                          <a:schemeClr val="bg2">
+                            <a:lumMod val="10000"/>
+                            <a:lumOff val="90000"/>
+                          </a:schemeClr>
+                        </a:solidFill>
+                        <a:effectLst/>
+                        <a:latin typeface="Calibri" panose="020F0502020204030204" pitchFamily="34" charset="0"/>
+                        <a:ea typeface="Calibri" panose="020F0502020204030204" pitchFamily="34" charset="0"/>
+                        <a:cs typeface="Times New Roman" panose="02020603050405020304" pitchFamily="18" charset="0"/>
+                      </a:endParaRPr>
+                    </a:p>
+                  </a:txBody>
+                  <a:tcPr marL="68580" marR="68580" marT="0" marB="0">
+                    <a:lnL w="12700" cap="flat" cmpd="sng" algn="ctr">
+                      <a:solidFill>
+                        <a:srgbClr val="000000"/>
+                      </a:solidFill>
+                      <a:prstDash val="solid"/>
+                      <a:round/>
+                      <a:headEnd type="none" w="med" len="med"/>
+                      <a:tailEnd type="none" w="med" len="med"/>
+                    </a:lnL>
+                    <a:lnR w="12700" cap="flat" cmpd="sng" algn="ctr">
+                      <a:solidFill>
+                        <a:srgbClr val="000000"/>
+                      </a:solidFill>
+                      <a:prstDash val="solid"/>
+                      <a:round/>
+                      <a:headEnd type="none" w="med" len="med"/>
+                      <a:tailEnd type="none" w="med" len="med"/>
+                    </a:lnR>
+                    <a:lnT w="12700" cap="flat" cmpd="sng" algn="ctr">
+                      <a:solidFill>
+                        <a:srgbClr val="000000"/>
+                      </a:solidFill>
+                      <a:prstDash val="solid"/>
+                      <a:round/>
+                      <a:headEnd type="none" w="med" len="med"/>
+                      <a:tailEnd type="none" w="med" len="med"/>
+                    </a:lnT>
+                    <a:lnB w="12700" cap="flat" cmpd="sng" algn="ctr">
+                      <a:solidFill>
+                        <a:srgbClr val="000000"/>
+                      </a:solidFill>
+                      <a:prstDash val="solid"/>
+                      <a:round/>
+                      <a:headEnd type="none" w="med" len="med"/>
+                      <a:tailEnd type="none" w="med" len="med"/>
+                    </a:lnB>
+                  </a:tcPr>
+                </a:tc>
+                <a:tc>
+                  <a:txBody>
+                    <a:bodyPr/>
+                    <a:lstStyle/>
+                    <a:p>
+                      <a:pPr marL="0" marR="0" algn="ctr">
+                        <a:lnSpc>
+                          <a:spcPct val="200000"/>
+                        </a:lnSpc>
+                        <a:spcBef>
+                          <a:spcPts val="0"/>
+                        </a:spcBef>
+                        <a:spcAft>
+                          <a:spcPts val="0"/>
+                        </a:spcAft>
+                      </a:pPr>
+                      <a:r>
+                        <a:rPr lang="en-US" sz="1000">
+                          <a:solidFill>
+                            <a:schemeClr val="bg2">
+                              <a:lumMod val="10000"/>
+                              <a:lumOff val="90000"/>
+                            </a:schemeClr>
+                          </a:solidFill>
+                          <a:effectLst/>
+                          <a:latin typeface="Times New Roman" panose="02020603050405020304" pitchFamily="18" charset="0"/>
+                          <a:ea typeface="Times New Roman" panose="02020603050405020304" pitchFamily="18" charset="0"/>
+                          <a:cs typeface="Times New Roman" panose="02020603050405020304" pitchFamily="18" charset="0"/>
+                        </a:rPr>
+                        <a:t>Contractor</a:t>
+                      </a:r>
+                      <a:endParaRPr lang="en-US" sz="1100">
+                        <a:solidFill>
+                          <a:schemeClr val="bg2">
+                            <a:lumMod val="10000"/>
+                            <a:lumOff val="90000"/>
+                          </a:schemeClr>
+                        </a:solidFill>
+                        <a:effectLst/>
+                        <a:latin typeface="Calibri" panose="020F0502020204030204" pitchFamily="34" charset="0"/>
+                        <a:ea typeface="Calibri" panose="020F0502020204030204" pitchFamily="34" charset="0"/>
+                        <a:cs typeface="Times New Roman" panose="02020603050405020304" pitchFamily="18" charset="0"/>
+                      </a:endParaRPr>
+                    </a:p>
+                  </a:txBody>
+                  <a:tcPr marL="68580" marR="68580" marT="0" marB="0">
+                    <a:lnL w="12700" cap="flat" cmpd="sng" algn="ctr">
+                      <a:solidFill>
+                        <a:srgbClr val="000000"/>
+                      </a:solidFill>
+                      <a:prstDash val="solid"/>
+                      <a:round/>
+                      <a:headEnd type="none" w="med" len="med"/>
+                      <a:tailEnd type="none" w="med" len="med"/>
+                    </a:lnL>
+                    <a:lnR w="12700" cap="flat" cmpd="sng" algn="ctr">
+                      <a:solidFill>
+                        <a:srgbClr val="000000"/>
+                      </a:solidFill>
+                      <a:prstDash val="solid"/>
+                      <a:round/>
+                      <a:headEnd type="none" w="med" len="med"/>
+                      <a:tailEnd type="none" w="med" len="med"/>
+                    </a:lnR>
+                    <a:lnT w="12700" cap="flat" cmpd="sng" algn="ctr">
+                      <a:solidFill>
+                        <a:srgbClr val="000000"/>
+                      </a:solidFill>
+                      <a:prstDash val="solid"/>
+                      <a:round/>
+                      <a:headEnd type="none" w="med" len="med"/>
+                      <a:tailEnd type="none" w="med" len="med"/>
+                    </a:lnT>
+                    <a:lnB w="12700" cap="flat" cmpd="sng" algn="ctr">
+                      <a:solidFill>
+                        <a:srgbClr val="000000"/>
+                      </a:solidFill>
+                      <a:prstDash val="solid"/>
+                      <a:round/>
+                      <a:headEnd type="none" w="med" len="med"/>
+                      <a:tailEnd type="none" w="med" len="med"/>
+                    </a:lnB>
+                  </a:tcPr>
+                </a:tc>
+                <a:tc>
+                  <a:txBody>
+                    <a:bodyPr/>
+                    <a:lstStyle/>
+                    <a:p>
+                      <a:pPr marL="0" marR="0">
+                        <a:lnSpc>
+                          <a:spcPct val="200000"/>
+                        </a:lnSpc>
+                        <a:spcBef>
+                          <a:spcPts val="0"/>
+                        </a:spcBef>
+                        <a:spcAft>
+                          <a:spcPts val="0"/>
+                        </a:spcAft>
+                      </a:pPr>
+                      <a:r>
+                        <a:rPr lang="en-US" sz="1000" u="sng">
+                          <a:solidFill>
+                            <a:schemeClr val="bg2">
+                              <a:lumMod val="10000"/>
+                              <a:lumOff val="90000"/>
+                            </a:schemeClr>
+                          </a:solidFill>
+                          <a:effectLst/>
+                          <a:latin typeface="Times New Roman" panose="02020603050405020304" pitchFamily="18" charset="0"/>
+                          <a:ea typeface="Times New Roman" panose="02020603050405020304" pitchFamily="18" charset="0"/>
+                          <a:cs typeface="Times New Roman" panose="02020603050405020304" pitchFamily="18" charset="0"/>
+                        </a:rPr>
+                        <a:t>ACT1: IP Camera System </a:t>
+                      </a:r>
+                      <a:endParaRPr lang="en-US" sz="1100">
+                        <a:solidFill>
+                          <a:schemeClr val="bg2">
+                            <a:lumMod val="10000"/>
+                            <a:lumOff val="90000"/>
+                          </a:schemeClr>
+                        </a:solidFill>
+                        <a:effectLst/>
+                        <a:latin typeface="Calibri" panose="020F0502020204030204" pitchFamily="34" charset="0"/>
+                        <a:ea typeface="Calibri" panose="020F0502020204030204" pitchFamily="34" charset="0"/>
+                        <a:cs typeface="Times New Roman" panose="02020603050405020304" pitchFamily="18" charset="0"/>
+                      </a:endParaRPr>
+                    </a:p>
+                  </a:txBody>
+                  <a:tcPr marL="68580" marR="68580" marT="0" marB="0">
+                    <a:lnL w="12700" cap="flat" cmpd="sng" algn="ctr">
+                      <a:solidFill>
+                        <a:srgbClr val="000000"/>
+                      </a:solidFill>
+                      <a:prstDash val="solid"/>
+                      <a:round/>
+                      <a:headEnd type="none" w="med" len="med"/>
+                      <a:tailEnd type="none" w="med" len="med"/>
+                    </a:lnL>
+                    <a:lnR w="12700" cap="flat" cmpd="sng" algn="ctr">
+                      <a:solidFill>
+                        <a:srgbClr val="000000"/>
+                      </a:solidFill>
+                      <a:prstDash val="solid"/>
+                      <a:round/>
+                      <a:headEnd type="none" w="med" len="med"/>
+                      <a:tailEnd type="none" w="med" len="med"/>
+                    </a:lnR>
+                    <a:lnT w="12700" cap="flat" cmpd="sng" algn="ctr">
+                      <a:solidFill>
+                        <a:srgbClr val="000000"/>
+                      </a:solidFill>
+                      <a:prstDash val="solid"/>
+                      <a:round/>
+                      <a:headEnd type="none" w="med" len="med"/>
+                      <a:tailEnd type="none" w="med" len="med"/>
+                    </a:lnT>
+                    <a:lnB w="12700" cap="flat" cmpd="sng" algn="ctr">
+                      <a:solidFill>
+                        <a:srgbClr val="000000"/>
+                      </a:solidFill>
+                      <a:prstDash val="solid"/>
+                      <a:round/>
+                      <a:headEnd type="none" w="med" len="med"/>
+                      <a:tailEnd type="none" w="med" len="med"/>
+                    </a:lnB>
+                  </a:tcPr>
+                </a:tc>
+                <a:tc>
+                  <a:txBody>
+                    <a:bodyPr/>
+                    <a:lstStyle/>
+                    <a:p>
+                      <a:pPr marL="0" marR="0" algn="ctr">
+                        <a:lnSpc>
+                          <a:spcPct val="200000"/>
+                        </a:lnSpc>
+                        <a:spcBef>
+                          <a:spcPts val="0"/>
+                        </a:spcBef>
+                        <a:spcAft>
+                          <a:spcPts val="0"/>
+                        </a:spcAft>
+                      </a:pPr>
+                      <a:r>
+                        <a:rPr lang="en-US" sz="1000" u="sng">
+                          <a:solidFill>
+                            <a:schemeClr val="bg2">
+                              <a:lumMod val="10000"/>
+                              <a:lumOff val="90000"/>
+                            </a:schemeClr>
+                          </a:solidFill>
+                          <a:effectLst/>
+                          <a:latin typeface="Times New Roman" panose="02020603050405020304" pitchFamily="18" charset="0"/>
+                          <a:ea typeface="Times New Roman" panose="02020603050405020304" pitchFamily="18" charset="0"/>
+                          <a:cs typeface="Times New Roman" panose="02020603050405020304" pitchFamily="18" charset="0"/>
+                        </a:rPr>
+                        <a:t>1</a:t>
+                      </a:r>
+                      <a:endParaRPr lang="en-US" sz="1100">
+                        <a:solidFill>
+                          <a:schemeClr val="bg2">
+                            <a:lumMod val="10000"/>
+                            <a:lumOff val="90000"/>
+                          </a:schemeClr>
+                        </a:solidFill>
+                        <a:effectLst/>
+                        <a:latin typeface="Calibri" panose="020F0502020204030204" pitchFamily="34" charset="0"/>
+                        <a:ea typeface="Calibri" panose="020F0502020204030204" pitchFamily="34" charset="0"/>
+                        <a:cs typeface="Times New Roman" panose="02020603050405020304" pitchFamily="18" charset="0"/>
+                      </a:endParaRPr>
+                    </a:p>
+                  </a:txBody>
+                  <a:tcPr marL="68580" marR="68580" marT="0" marB="0">
+                    <a:lnL w="12700" cap="flat" cmpd="sng" algn="ctr">
+                      <a:solidFill>
+                        <a:srgbClr val="000000"/>
+                      </a:solidFill>
+                      <a:prstDash val="solid"/>
+                      <a:round/>
+                      <a:headEnd type="none" w="med" len="med"/>
+                      <a:tailEnd type="none" w="med" len="med"/>
+                    </a:lnL>
+                    <a:lnR w="12700" cap="flat" cmpd="sng" algn="ctr">
+                      <a:solidFill>
+                        <a:srgbClr val="000000"/>
+                      </a:solidFill>
+                      <a:prstDash val="solid"/>
+                      <a:round/>
+                      <a:headEnd type="none" w="med" len="med"/>
+                      <a:tailEnd type="none" w="med" len="med"/>
+                    </a:lnR>
+                    <a:lnT w="12700" cap="flat" cmpd="sng" algn="ctr">
+                      <a:solidFill>
+                        <a:srgbClr val="000000"/>
+                      </a:solidFill>
+                      <a:prstDash val="solid"/>
+                      <a:round/>
+                      <a:headEnd type="none" w="med" len="med"/>
+                      <a:tailEnd type="none" w="med" len="med"/>
+                    </a:lnT>
+                    <a:lnB w="12700" cap="flat" cmpd="sng" algn="ctr">
+                      <a:solidFill>
+                        <a:srgbClr val="000000"/>
+                      </a:solidFill>
+                      <a:prstDash val="solid"/>
+                      <a:round/>
+                      <a:headEnd type="none" w="med" len="med"/>
+                      <a:tailEnd type="none" w="med" len="med"/>
+                    </a:lnB>
+                  </a:tcPr>
+                </a:tc>
+                <a:tc>
+                  <a:txBody>
+                    <a:bodyPr/>
+                    <a:lstStyle/>
+                    <a:p>
+                      <a:pPr marL="457200" marR="0" algn="ctr">
+                        <a:lnSpc>
+                          <a:spcPct val="200000"/>
+                        </a:lnSpc>
+                        <a:spcBef>
+                          <a:spcPts val="0"/>
+                        </a:spcBef>
+                        <a:spcAft>
+                          <a:spcPts val="0"/>
+                        </a:spcAft>
+                      </a:pPr>
+                      <a:r>
+                        <a:rPr lang="en-US" sz="1100" b="1">
+                          <a:solidFill>
+                            <a:schemeClr val="bg2">
+                              <a:lumMod val="10000"/>
+                              <a:lumOff val="90000"/>
+                            </a:schemeClr>
+                          </a:solidFill>
+                          <a:effectLst/>
+                          <a:latin typeface="Times New Roman" panose="02020603050405020304" pitchFamily="18" charset="0"/>
+                          <a:ea typeface="Times New Roman" panose="02020603050405020304" pitchFamily="18" charset="0"/>
+                          <a:cs typeface="Times New Roman" panose="02020603050405020304" pitchFamily="18" charset="0"/>
+                        </a:rPr>
+                        <a:t>$370</a:t>
+                      </a:r>
+                      <a:endParaRPr lang="en-US" sz="1100">
+                        <a:solidFill>
+                          <a:schemeClr val="bg2">
+                            <a:lumMod val="10000"/>
+                            <a:lumOff val="90000"/>
+                          </a:schemeClr>
+                        </a:solidFill>
+                        <a:effectLst/>
+                        <a:latin typeface="Calibri" panose="020F0502020204030204" pitchFamily="34" charset="0"/>
+                        <a:ea typeface="Calibri" panose="020F0502020204030204" pitchFamily="34" charset="0"/>
+                        <a:cs typeface="Times New Roman" panose="02020603050405020304" pitchFamily="18" charset="0"/>
+                      </a:endParaRPr>
+                    </a:p>
+                  </a:txBody>
+                  <a:tcPr marL="68580" marR="68580" marT="0" marB="0">
+                    <a:lnL w="12700" cap="flat" cmpd="sng" algn="ctr">
+                      <a:solidFill>
+                        <a:srgbClr val="000000"/>
+                      </a:solidFill>
+                      <a:prstDash val="solid"/>
+                      <a:round/>
+                      <a:headEnd type="none" w="med" len="med"/>
+                      <a:tailEnd type="none" w="med" len="med"/>
+                    </a:lnL>
+                    <a:lnR w="12700" cap="flat" cmpd="sng" algn="ctr">
+                      <a:solidFill>
+                        <a:srgbClr val="000000"/>
+                      </a:solidFill>
+                      <a:prstDash val="solid"/>
+                      <a:round/>
+                      <a:headEnd type="none" w="med" len="med"/>
+                      <a:tailEnd type="none" w="med" len="med"/>
+                    </a:lnR>
+                    <a:lnT w="12700" cap="flat" cmpd="sng" algn="ctr">
+                      <a:solidFill>
+                        <a:srgbClr val="000000"/>
+                      </a:solidFill>
+                      <a:prstDash val="solid"/>
+                      <a:round/>
+                      <a:headEnd type="none" w="med" len="med"/>
+                      <a:tailEnd type="none" w="med" len="med"/>
+                    </a:lnT>
+                    <a:lnB w="12700" cap="flat" cmpd="sng" algn="ctr">
+                      <a:solidFill>
+                        <a:srgbClr val="000000"/>
+                      </a:solidFill>
+                      <a:prstDash val="solid"/>
+                      <a:round/>
+                      <a:headEnd type="none" w="med" len="med"/>
+                      <a:tailEnd type="none" w="med" len="med"/>
+                    </a:lnB>
+                  </a:tcPr>
+                </a:tc>
+                <a:extLst>
+                  <a:ext uri="{0D108BD9-81ED-4DB2-BD59-A6C34878D82A}">
+                    <a16:rowId xmlns:a16="http://schemas.microsoft.com/office/drawing/2014/main" val="2618863810"/>
+                  </a:ext>
+                </a:extLst>
+              </a:tr>
+              <a:tr h="0">
+                <a:tc gridSpan="6">
+                  <a:txBody>
+                    <a:bodyPr/>
+                    <a:lstStyle/>
+                    <a:p>
+                      <a:pPr marL="457200" marR="0" algn="r">
+                        <a:lnSpc>
+                          <a:spcPct val="115000"/>
+                        </a:lnSpc>
+                        <a:spcBef>
+                          <a:spcPts val="0"/>
+                        </a:spcBef>
+                        <a:spcAft>
+                          <a:spcPts val="0"/>
+                        </a:spcAft>
+                      </a:pPr>
+                      <a:r>
+                        <a:rPr lang="en-US" sz="1000" b="1">
+                          <a:solidFill>
+                            <a:schemeClr val="bg2">
+                              <a:lumMod val="10000"/>
+                              <a:lumOff val="90000"/>
+                            </a:schemeClr>
+                          </a:solidFill>
+                          <a:effectLst/>
+                          <a:latin typeface="Times New Roman" panose="02020603050405020304" pitchFamily="18" charset="0"/>
+                          <a:ea typeface="Times New Roman" panose="02020603050405020304" pitchFamily="18" charset="0"/>
+                          <a:cs typeface="Times New Roman" panose="02020603050405020304" pitchFamily="18" charset="0"/>
+                        </a:rPr>
+                        <a:t>Subtotal: </a:t>
+                      </a:r>
+                      <a:r>
+                        <a:rPr lang="en-US" sz="1000">
+                          <a:solidFill>
+                            <a:schemeClr val="bg2">
+                              <a:lumMod val="10000"/>
+                              <a:lumOff val="90000"/>
+                            </a:schemeClr>
+                          </a:solidFill>
+                          <a:effectLst/>
+                          <a:latin typeface="Times New Roman" panose="02020603050405020304" pitchFamily="18" charset="0"/>
+                          <a:ea typeface="Times New Roman" panose="02020603050405020304" pitchFamily="18" charset="0"/>
+                          <a:cs typeface="Times New Roman" panose="02020603050405020304" pitchFamily="18" charset="0"/>
+                        </a:rPr>
+                        <a:t>$1730</a:t>
+                      </a:r>
+                      <a:endParaRPr lang="en-US" sz="1100">
+                        <a:solidFill>
+                          <a:schemeClr val="bg2">
+                            <a:lumMod val="10000"/>
+                            <a:lumOff val="90000"/>
+                          </a:schemeClr>
+                        </a:solidFill>
+                        <a:effectLst/>
+                        <a:latin typeface="Calibri" panose="020F0502020204030204" pitchFamily="34" charset="0"/>
+                        <a:ea typeface="Calibri" panose="020F0502020204030204" pitchFamily="34" charset="0"/>
+                        <a:cs typeface="Times New Roman" panose="02020603050405020304" pitchFamily="18" charset="0"/>
+                      </a:endParaRPr>
+                    </a:p>
+                    <a:p>
+                      <a:pPr marL="457200" marR="0" algn="r">
+                        <a:lnSpc>
+                          <a:spcPct val="115000"/>
+                        </a:lnSpc>
+                        <a:spcBef>
+                          <a:spcPts val="0"/>
+                        </a:spcBef>
+                        <a:spcAft>
+                          <a:spcPts val="0"/>
+                        </a:spcAft>
+                      </a:pPr>
+                      <a:r>
+                        <a:rPr lang="en-US" sz="1000" b="1">
+                          <a:solidFill>
+                            <a:schemeClr val="bg2">
+                              <a:lumMod val="10000"/>
+                              <a:lumOff val="90000"/>
+                            </a:schemeClr>
+                          </a:solidFill>
+                          <a:effectLst/>
+                          <a:latin typeface="Times New Roman" panose="02020603050405020304" pitchFamily="18" charset="0"/>
+                          <a:ea typeface="Times New Roman" panose="02020603050405020304" pitchFamily="18" charset="0"/>
+                          <a:cs typeface="Times New Roman" panose="02020603050405020304" pitchFamily="18" charset="0"/>
+                        </a:rPr>
+                        <a:t>Contractor Labor: </a:t>
+                      </a:r>
+                      <a:r>
+                        <a:rPr lang="en-US" sz="1000">
+                          <a:solidFill>
+                            <a:schemeClr val="bg2">
+                              <a:lumMod val="10000"/>
+                              <a:lumOff val="90000"/>
+                            </a:schemeClr>
+                          </a:solidFill>
+                          <a:effectLst/>
+                          <a:latin typeface="Times New Roman" panose="02020603050405020304" pitchFamily="18" charset="0"/>
+                          <a:ea typeface="Times New Roman" panose="02020603050405020304" pitchFamily="18" charset="0"/>
+                          <a:cs typeface="Times New Roman" panose="02020603050405020304" pitchFamily="18" charset="0"/>
+                        </a:rPr>
+                        <a:t>$400</a:t>
+                      </a:r>
+                      <a:endParaRPr lang="en-US" sz="1100">
+                        <a:solidFill>
+                          <a:schemeClr val="bg2">
+                            <a:lumMod val="10000"/>
+                            <a:lumOff val="90000"/>
+                          </a:schemeClr>
+                        </a:solidFill>
+                        <a:effectLst/>
+                        <a:latin typeface="Calibri" panose="020F0502020204030204" pitchFamily="34" charset="0"/>
+                        <a:ea typeface="Calibri" panose="020F0502020204030204" pitchFamily="34" charset="0"/>
+                        <a:cs typeface="Times New Roman" panose="02020603050405020304" pitchFamily="18" charset="0"/>
+                      </a:endParaRPr>
+                    </a:p>
+                    <a:p>
+                      <a:pPr marL="457200" marR="0" algn="r">
+                        <a:lnSpc>
+                          <a:spcPct val="115000"/>
+                        </a:lnSpc>
+                        <a:spcBef>
+                          <a:spcPts val="0"/>
+                        </a:spcBef>
+                        <a:spcAft>
+                          <a:spcPts val="0"/>
+                        </a:spcAft>
+                      </a:pPr>
+                      <a:r>
+                        <a:rPr lang="en-US" sz="1000" b="1">
+                          <a:solidFill>
+                            <a:schemeClr val="bg2">
+                              <a:lumMod val="10000"/>
+                              <a:lumOff val="90000"/>
+                            </a:schemeClr>
+                          </a:solidFill>
+                          <a:effectLst/>
+                          <a:latin typeface="Times New Roman" panose="02020603050405020304" pitchFamily="18" charset="0"/>
+                          <a:ea typeface="Times New Roman" panose="02020603050405020304" pitchFamily="18" charset="0"/>
+                          <a:cs typeface="Times New Roman" panose="02020603050405020304" pitchFamily="18" charset="0"/>
+                        </a:rPr>
+                        <a:t>Subtotal:</a:t>
+                      </a:r>
+                      <a:r>
+                        <a:rPr lang="en-US" sz="1000">
+                          <a:solidFill>
+                            <a:schemeClr val="bg2">
+                              <a:lumMod val="10000"/>
+                              <a:lumOff val="90000"/>
+                            </a:schemeClr>
+                          </a:solidFill>
+                          <a:effectLst/>
+                          <a:latin typeface="Times New Roman" panose="02020603050405020304" pitchFamily="18" charset="0"/>
+                          <a:ea typeface="Times New Roman" panose="02020603050405020304" pitchFamily="18" charset="0"/>
+                          <a:cs typeface="Times New Roman" panose="02020603050405020304" pitchFamily="18" charset="0"/>
+                        </a:rPr>
+                        <a:t> $2130</a:t>
+                      </a:r>
+                      <a:endParaRPr lang="en-US" sz="1100">
+                        <a:solidFill>
+                          <a:schemeClr val="bg2">
+                            <a:lumMod val="10000"/>
+                            <a:lumOff val="90000"/>
+                          </a:schemeClr>
+                        </a:solidFill>
+                        <a:effectLst/>
+                        <a:latin typeface="Calibri" panose="020F0502020204030204" pitchFamily="34" charset="0"/>
+                        <a:ea typeface="Calibri" panose="020F0502020204030204" pitchFamily="34" charset="0"/>
+                        <a:cs typeface="Times New Roman" panose="02020603050405020304" pitchFamily="18" charset="0"/>
+                      </a:endParaRPr>
+                    </a:p>
+                    <a:p>
+                      <a:pPr marL="457200" marR="0" algn="r">
+                        <a:lnSpc>
+                          <a:spcPct val="115000"/>
+                        </a:lnSpc>
+                        <a:spcBef>
+                          <a:spcPts val="0"/>
+                        </a:spcBef>
+                        <a:spcAft>
+                          <a:spcPts val="0"/>
+                        </a:spcAft>
+                      </a:pPr>
+                      <a:r>
+                        <a:rPr lang="en-US" sz="1000" b="1">
+                          <a:solidFill>
+                            <a:schemeClr val="bg2">
+                              <a:lumMod val="10000"/>
+                              <a:lumOff val="90000"/>
+                            </a:schemeClr>
+                          </a:solidFill>
+                          <a:effectLst/>
+                          <a:latin typeface="Times New Roman" panose="02020603050405020304" pitchFamily="18" charset="0"/>
+                          <a:ea typeface="Times New Roman" panose="02020603050405020304" pitchFamily="18" charset="0"/>
+                          <a:cs typeface="Times New Roman" panose="02020603050405020304" pitchFamily="18" charset="0"/>
+                        </a:rPr>
+                        <a:t>  Tax: </a:t>
+                      </a:r>
+                      <a:r>
+                        <a:rPr lang="en-US" sz="1000">
+                          <a:solidFill>
+                            <a:schemeClr val="bg2">
+                              <a:lumMod val="10000"/>
+                              <a:lumOff val="90000"/>
+                            </a:schemeClr>
+                          </a:solidFill>
+                          <a:effectLst/>
+                          <a:latin typeface="Times New Roman" panose="02020603050405020304" pitchFamily="18" charset="0"/>
+                          <a:ea typeface="Times New Roman" panose="02020603050405020304" pitchFamily="18" charset="0"/>
+                          <a:cs typeface="Times New Roman" panose="02020603050405020304" pitchFamily="18" charset="0"/>
+                        </a:rPr>
+                        <a:t>$138.45</a:t>
+                      </a:r>
+                      <a:endParaRPr lang="en-US" sz="1100">
+                        <a:solidFill>
+                          <a:schemeClr val="bg2">
+                            <a:lumMod val="10000"/>
+                            <a:lumOff val="90000"/>
+                          </a:schemeClr>
+                        </a:solidFill>
+                        <a:effectLst/>
+                        <a:latin typeface="Calibri" panose="020F0502020204030204" pitchFamily="34" charset="0"/>
+                        <a:ea typeface="Calibri" panose="020F0502020204030204" pitchFamily="34" charset="0"/>
+                        <a:cs typeface="Times New Roman" panose="02020603050405020304" pitchFamily="18" charset="0"/>
+                      </a:endParaRPr>
+                    </a:p>
+                    <a:p>
+                      <a:pPr marL="457200" marR="0" algn="r">
+                        <a:lnSpc>
+                          <a:spcPct val="115000"/>
+                        </a:lnSpc>
+                        <a:spcBef>
+                          <a:spcPts val="0"/>
+                        </a:spcBef>
+                        <a:spcAft>
+                          <a:spcPts val="0"/>
+                        </a:spcAft>
+                      </a:pPr>
+                      <a:r>
+                        <a:rPr lang="en-US" sz="1000" b="1">
+                          <a:solidFill>
+                            <a:schemeClr val="bg2">
+                              <a:lumMod val="10000"/>
+                              <a:lumOff val="90000"/>
+                            </a:schemeClr>
+                          </a:solidFill>
+                          <a:effectLst/>
+                          <a:latin typeface="Times New Roman" panose="02020603050405020304" pitchFamily="18" charset="0"/>
+                          <a:ea typeface="Times New Roman" panose="02020603050405020304" pitchFamily="18" charset="0"/>
+                          <a:cs typeface="Times New Roman" panose="02020603050405020304" pitchFamily="18" charset="0"/>
+                        </a:rPr>
+                        <a:t>GRAND TOTAL: </a:t>
+                      </a:r>
+                      <a:r>
+                        <a:rPr lang="en-US" sz="1000" b="1" u="sng">
+                          <a:solidFill>
+                            <a:schemeClr val="bg2">
+                              <a:lumMod val="10000"/>
+                              <a:lumOff val="90000"/>
+                            </a:schemeClr>
+                          </a:solidFill>
+                          <a:effectLst/>
+                          <a:latin typeface="Times New Roman" panose="02020603050405020304" pitchFamily="18" charset="0"/>
+                          <a:ea typeface="Times New Roman" panose="02020603050405020304" pitchFamily="18" charset="0"/>
+                          <a:cs typeface="Times New Roman" panose="02020603050405020304" pitchFamily="18" charset="0"/>
+                        </a:rPr>
+                        <a:t>$1842.45</a:t>
+                      </a:r>
+                      <a:endParaRPr lang="en-US" sz="1100">
+                        <a:solidFill>
+                          <a:schemeClr val="bg2">
+                            <a:lumMod val="10000"/>
+                            <a:lumOff val="90000"/>
+                          </a:schemeClr>
+                        </a:solidFill>
+                        <a:effectLst/>
+                        <a:latin typeface="Calibri" panose="020F0502020204030204" pitchFamily="34" charset="0"/>
+                        <a:ea typeface="Calibri" panose="020F0502020204030204" pitchFamily="34" charset="0"/>
+                        <a:cs typeface="Times New Roman" panose="02020603050405020304" pitchFamily="18" charset="0"/>
+                      </a:endParaRPr>
+                    </a:p>
+                  </a:txBody>
+                  <a:tcPr marL="68580" marR="68580" marT="0" marB="0">
+                    <a:lnL w="12700" cap="flat" cmpd="sng" algn="ctr">
+                      <a:solidFill>
+                        <a:srgbClr val="000000"/>
+                      </a:solidFill>
+                      <a:prstDash val="solid"/>
+                      <a:round/>
+                      <a:headEnd type="none" w="med" len="med"/>
+                      <a:tailEnd type="none" w="med" len="med"/>
+                    </a:lnL>
+                    <a:lnR w="12700" cap="flat" cmpd="sng" algn="ctr">
+                      <a:solidFill>
+                        <a:srgbClr val="000000"/>
+                      </a:solidFill>
+                      <a:prstDash val="solid"/>
+                      <a:round/>
+                      <a:headEnd type="none" w="med" len="med"/>
+                      <a:tailEnd type="none" w="med" len="med"/>
+                    </a:lnR>
+                    <a:lnT w="12700" cap="flat" cmpd="sng" algn="ctr">
+                      <a:solidFill>
+                        <a:srgbClr val="000000"/>
+                      </a:solidFill>
+                      <a:prstDash val="solid"/>
+                      <a:round/>
+                      <a:headEnd type="none" w="med" len="med"/>
+                      <a:tailEnd type="none" w="med" len="med"/>
+                    </a:lnT>
+                    <a:lnB>
+                      <a:noFill/>
+                    </a:lnB>
+                  </a:tcPr>
+                </a:tc>
+                <a:tc hMerge="1">
+                  <a:txBody>
+                    <a:bodyPr/>
+                    <a:lstStyle/>
+                    <a:p>
+                      <a:endParaRPr lang="en-US"/>
+                    </a:p>
+                  </a:txBody>
+                  <a:tcPr/>
+                </a:tc>
+                <a:tc hMerge="1">
+                  <a:txBody>
+                    <a:bodyPr/>
+                    <a:lstStyle/>
+                    <a:p>
+                      <a:endParaRPr lang="en-US"/>
+                    </a:p>
+                  </a:txBody>
+                  <a:tcPr/>
+                </a:tc>
+                <a:tc hMerge="1">
+                  <a:txBody>
+                    <a:bodyPr/>
+                    <a:lstStyle/>
+                    <a:p>
+                      <a:endParaRPr lang="en-US"/>
+                    </a:p>
+                  </a:txBody>
+                  <a:tcPr/>
+                </a:tc>
+                <a:tc hMerge="1">
+                  <a:txBody>
+                    <a:bodyPr/>
+                    <a:lstStyle/>
+                    <a:p>
+                      <a:endParaRPr lang="en-US"/>
+                    </a:p>
+                  </a:txBody>
+                  <a:tcPr/>
+                </a:tc>
+                <a:tc hMerge="1">
+                  <a:txBody>
+                    <a:bodyPr/>
+                    <a:lstStyle/>
+                    <a:p>
+                      <a:endParaRPr lang="en-US"/>
+                    </a:p>
+                  </a:txBody>
+                  <a:tcPr/>
+                </a:tc>
+                <a:extLst>
+                  <a:ext uri="{0D108BD9-81ED-4DB2-BD59-A6C34878D82A}">
+                    <a16:rowId xmlns:a16="http://schemas.microsoft.com/office/drawing/2014/main" val="4105619635"/>
+                  </a:ext>
+                </a:extLst>
+              </a:tr>
+              <a:tr h="0">
+                <a:tc gridSpan="6">
+                  <a:txBody>
+                    <a:bodyPr/>
+                    <a:lstStyle/>
+                    <a:p>
+                      <a:pPr marL="457200" marR="0" algn="r">
+                        <a:lnSpc>
+                          <a:spcPct val="115000"/>
+                        </a:lnSpc>
+                        <a:spcBef>
+                          <a:spcPts val="0"/>
+                        </a:spcBef>
+                        <a:spcAft>
+                          <a:spcPts val="0"/>
+                        </a:spcAft>
+                      </a:pPr>
+                      <a:r>
+                        <a:rPr lang="en-US" sz="1000" dirty="0">
+                          <a:solidFill>
+                            <a:schemeClr val="bg2">
+                              <a:lumMod val="10000"/>
+                              <a:lumOff val="90000"/>
+                            </a:schemeClr>
+                          </a:solidFill>
+                          <a:effectLst/>
+                          <a:highlight>
+                            <a:srgbClr val="FFFF00"/>
+                          </a:highlight>
+                          <a:latin typeface="Times New Roman" panose="02020603050405020304" pitchFamily="18" charset="0"/>
+                          <a:ea typeface="Times New Roman" panose="02020603050405020304" pitchFamily="18" charset="0"/>
+                          <a:cs typeface="Times New Roman" panose="02020603050405020304" pitchFamily="18" charset="0"/>
+                        </a:rPr>
+                        <a:t> </a:t>
+                      </a:r>
+                      <a:endParaRPr lang="en-US" sz="1100" dirty="0">
+                        <a:solidFill>
+                          <a:schemeClr val="bg2">
+                            <a:lumMod val="10000"/>
+                            <a:lumOff val="90000"/>
+                          </a:schemeClr>
+                        </a:solidFill>
+                        <a:effectLst/>
+                        <a:latin typeface="Calibri" panose="020F0502020204030204" pitchFamily="34" charset="0"/>
+                        <a:ea typeface="Calibri" panose="020F0502020204030204" pitchFamily="34" charset="0"/>
+                        <a:cs typeface="Times New Roman" panose="02020603050405020304" pitchFamily="18" charset="0"/>
+                      </a:endParaRPr>
+                    </a:p>
+                  </a:txBody>
+                  <a:tcPr marL="68580" marR="68580" marT="0" marB="0">
+                    <a:lnL w="12700" cap="flat" cmpd="sng" algn="ctr">
+                      <a:solidFill>
+                        <a:srgbClr val="000000"/>
+                      </a:solidFill>
+                      <a:prstDash val="solid"/>
+                      <a:round/>
+                      <a:headEnd type="none" w="med" len="med"/>
+                      <a:tailEnd type="none" w="med" len="med"/>
+                    </a:lnL>
+                    <a:lnR w="12700" cap="flat" cmpd="sng" algn="ctr">
+                      <a:solidFill>
+                        <a:srgbClr val="000000"/>
+                      </a:solidFill>
+                      <a:prstDash val="solid"/>
+                      <a:round/>
+                      <a:headEnd type="none" w="med" len="med"/>
+                      <a:tailEnd type="none" w="med" len="med"/>
+                    </a:lnR>
+                    <a:lnT>
+                      <a:noFill/>
+                    </a:lnT>
+                    <a:lnB w="12700" cap="flat" cmpd="sng" algn="ctr">
+                      <a:solidFill>
+                        <a:srgbClr val="000000"/>
+                      </a:solidFill>
+                      <a:prstDash val="solid"/>
+                      <a:round/>
+                      <a:headEnd type="none" w="med" len="med"/>
+                      <a:tailEnd type="none" w="med" len="med"/>
+                    </a:lnB>
+                  </a:tcPr>
+                </a:tc>
+                <a:tc hMerge="1">
+                  <a:txBody>
+                    <a:bodyPr/>
+                    <a:lstStyle/>
+                    <a:p>
+                      <a:endParaRPr lang="en-US"/>
+                    </a:p>
+                  </a:txBody>
+                  <a:tcPr/>
+                </a:tc>
+                <a:tc hMerge="1">
+                  <a:txBody>
+                    <a:bodyPr/>
+                    <a:lstStyle/>
+                    <a:p>
+                      <a:endParaRPr lang="en-US"/>
+                    </a:p>
+                  </a:txBody>
+                  <a:tcPr/>
+                </a:tc>
+                <a:tc hMerge="1">
+                  <a:txBody>
+                    <a:bodyPr/>
+                    <a:lstStyle/>
+                    <a:p>
+                      <a:endParaRPr lang="en-US"/>
+                    </a:p>
+                  </a:txBody>
+                  <a:tcPr/>
+                </a:tc>
+                <a:tc hMerge="1">
+                  <a:txBody>
+                    <a:bodyPr/>
+                    <a:lstStyle/>
+                    <a:p>
+                      <a:endParaRPr lang="en-US"/>
+                    </a:p>
+                  </a:txBody>
+                  <a:tcPr/>
+                </a:tc>
+                <a:tc hMerge="1">
+                  <a:txBody>
+                    <a:bodyPr/>
+                    <a:lstStyle/>
+                    <a:p>
+                      <a:endParaRPr lang="en-US"/>
+                    </a:p>
+                  </a:txBody>
+                  <a:tcPr/>
+                </a:tc>
+                <a:extLst>
+                  <a:ext uri="{0D108BD9-81ED-4DB2-BD59-A6C34878D82A}">
+                    <a16:rowId xmlns:a16="http://schemas.microsoft.com/office/drawing/2014/main" val="2016169766"/>
+                  </a:ext>
+                </a:extLst>
+              </a:tr>
+            </a:tbl>
+          </a:graphicData>
+        </a:graphic>
+      </p:graphicFrame>
+      <p:sp>
+        <p:nvSpPr>
+          <p:cNvPr id="4" name="Rectangle 1">
+            <a:extLst>
+              <a:ext uri="{FF2B5EF4-FFF2-40B4-BE49-F238E27FC236}">
+                <a16:creationId xmlns:a16="http://schemas.microsoft.com/office/drawing/2014/main" id="{77704EF7-1219-4A43-974B-48958BE74C1D}"/>
+              </a:ext>
+            </a:extLst>
+          </p:cNvPr>
+          <p:cNvSpPr>
+            <a:spLocks noChangeArrowheads="1"/>
+          </p:cNvSpPr>
+          <p:nvPr/>
+        </p:nvSpPr>
+        <p:spPr bwMode="auto">
+          <a:xfrm>
+            <a:off x="1141413" y="896008"/>
+            <a:ext cx="4528163" cy="1292662"/>
+          </a:xfrm>
+          <a:prstGeom prst="rect">
+            <a:avLst/>
+          </a:prstGeom>
+          <a:noFill/>
+          <a:ln>
+            <a:noFill/>
+          </a:ln>
+          <a:effectLst/>
+          <a:extLst>
+            <a:ext uri="{909E8E84-426E-40DD-AFC4-6F175D3DCCD1}">
+              <a14:hiddenFill xmlns:a14="http://schemas.microsoft.com/office/drawing/2010/main">
+                <a:solidFill>
+                  <a:schemeClr val="accent1"/>
+                </a:solidFill>
+              </a14:hiddenFill>
+            </a:ext>
+            <a:ext uri="{91240B29-F687-4F45-9708-019B960494DF}">
+              <a14:hiddenLine xmlns:a14="http://schemas.microsoft.com/office/drawing/2010/main" w="9525">
+                <a:solidFill>
+                  <a:schemeClr val="tx1"/>
+                </a:solidFill>
+                <a:miter lim="800000"/>
+                <a:headEnd/>
+                <a:tailEnd/>
+              </a14:hiddenLine>
+            </a:ext>
+            <a:ext uri="{AF507438-7753-43E0-B8FC-AC1667EBCBE1}">
+              <a14:hiddenEffects xmlns:a14="http://schemas.microsoft.com/office/drawing/2010/main">
+                <a:effectLst>
+                  <a:outerShdw dist="35921" dir="2700000" algn="ctr" rotWithShape="0">
+                    <a:schemeClr val="bg2"/>
+                  </a:outerShdw>
+                </a:effectLst>
+              </a14:hiddenEffects>
+            </a:ext>
+          </a:extLst>
+        </p:spPr>
+        <p:txBody>
+          <a:bodyPr vert="horz" wrap="none" lIns="91440" tIns="45720" rIns="91440" bIns="45720" numCol="1" anchor="ctr" anchorCtr="0" compatLnSpc="1">
+            <a:prstTxWarp prst="textNoShape">
+              <a:avLst/>
+            </a:prstTxWarp>
+            <a:spAutoFit/>
+          </a:bodyPr>
+          <a:lstStyle>
+            <a:lvl1pPr eaLnBrk="0" fontAlgn="base" hangingPunct="0">
+              <a:spcBef>
+                <a:spcPct val="0"/>
+              </a:spcBef>
+              <a:spcAft>
+                <a:spcPct val="0"/>
+              </a:spcAft>
+              <a:defRPr>
+                <a:solidFill>
+                  <a:schemeClr val="tx1"/>
+                </a:solidFill>
+                <a:latin typeface="Arial" panose="020B0604020202020204" pitchFamily="34" charset="0"/>
+              </a:defRPr>
+            </a:lvl1pPr>
+            <a:lvl2pPr eaLnBrk="0" fontAlgn="base" hangingPunct="0">
+              <a:spcBef>
+                <a:spcPct val="0"/>
+              </a:spcBef>
+              <a:spcAft>
+                <a:spcPct val="0"/>
+              </a:spcAft>
+              <a:defRPr>
+                <a:solidFill>
+                  <a:schemeClr val="tx1"/>
+                </a:solidFill>
+                <a:latin typeface="Arial" panose="020B0604020202020204" pitchFamily="34" charset="0"/>
+              </a:defRPr>
+            </a:lvl2pPr>
+            <a:lvl3pPr eaLnBrk="0" fontAlgn="base" hangingPunct="0">
+              <a:spcBef>
+                <a:spcPct val="0"/>
+              </a:spcBef>
+              <a:spcAft>
+                <a:spcPct val="0"/>
+              </a:spcAft>
+              <a:defRPr>
+                <a:solidFill>
+                  <a:schemeClr val="tx1"/>
+                </a:solidFill>
+                <a:latin typeface="Arial" panose="020B0604020202020204" pitchFamily="34" charset="0"/>
+              </a:defRPr>
+            </a:lvl3pPr>
+            <a:lvl4pPr eaLnBrk="0" fontAlgn="base" hangingPunct="0">
+              <a:spcBef>
+                <a:spcPct val="0"/>
+              </a:spcBef>
+              <a:spcAft>
+                <a:spcPct val="0"/>
+              </a:spcAft>
+              <a:defRPr>
+                <a:solidFill>
+                  <a:schemeClr val="tx1"/>
+                </a:solidFill>
+                <a:latin typeface="Arial" panose="020B0604020202020204" pitchFamily="34" charset="0"/>
+              </a:defRPr>
+            </a:lvl4pPr>
+            <a:lvl5pPr eaLnBrk="0" fontAlgn="base" hangingPunct="0">
+              <a:spcBef>
+                <a:spcPct val="0"/>
+              </a:spcBef>
+              <a:spcAft>
+                <a:spcPct val="0"/>
+              </a:spcAft>
+              <a:defRPr>
+                <a:solidFill>
+                  <a:schemeClr val="tx1"/>
+                </a:solidFill>
+                <a:latin typeface="Arial" panose="020B0604020202020204" pitchFamily="34" charset="0"/>
+              </a:defRPr>
+            </a:lvl5pPr>
+            <a:lvl6pPr eaLnBrk="0" fontAlgn="base" hangingPunct="0">
+              <a:spcBef>
+                <a:spcPct val="0"/>
+              </a:spcBef>
+              <a:spcAft>
+                <a:spcPct val="0"/>
+              </a:spcAft>
+              <a:defRPr>
+                <a:solidFill>
+                  <a:schemeClr val="tx1"/>
+                </a:solidFill>
+                <a:latin typeface="Arial" panose="020B0604020202020204" pitchFamily="34" charset="0"/>
+              </a:defRPr>
+            </a:lvl6pPr>
+            <a:lvl7pPr eaLnBrk="0" fontAlgn="base" hangingPunct="0">
+              <a:spcBef>
+                <a:spcPct val="0"/>
+              </a:spcBef>
+              <a:spcAft>
+                <a:spcPct val="0"/>
+              </a:spcAft>
+              <a:defRPr>
+                <a:solidFill>
+                  <a:schemeClr val="tx1"/>
+                </a:solidFill>
+                <a:latin typeface="Arial" panose="020B0604020202020204" pitchFamily="34" charset="0"/>
+              </a:defRPr>
+            </a:lvl7pPr>
+            <a:lvl8pPr eaLnBrk="0" fontAlgn="base" hangingPunct="0">
+              <a:spcBef>
+                <a:spcPct val="0"/>
+              </a:spcBef>
+              <a:spcAft>
+                <a:spcPct val="0"/>
+              </a:spcAft>
+              <a:defRPr>
+                <a:solidFill>
+                  <a:schemeClr val="tx1"/>
+                </a:solidFill>
+                <a:latin typeface="Arial" panose="020B0604020202020204" pitchFamily="34" charset="0"/>
+              </a:defRPr>
+            </a:lvl8pPr>
+            <a:lvl9pPr eaLnBrk="0" fontAlgn="base" hangingPunct="0">
+              <a:spcBef>
+                <a:spcPct val="0"/>
+              </a:spcBef>
+              <a:spcAft>
+                <a:spcPct val="0"/>
+              </a:spcAft>
+              <a:defRPr>
+                <a:solidFill>
+                  <a:schemeClr val="tx1"/>
+                </a:solidFill>
+                <a:latin typeface="Arial" panose="020B0604020202020204" pitchFamily="34" charset="0"/>
+              </a:defRPr>
+            </a:lvl9pPr>
+          </a:lstStyle>
+          <a:p>
+            <a:pPr marL="0" marR="0" lvl="0" indent="0" algn="l" defTabSz="914400" rtl="0" eaLnBrk="0" fontAlgn="base" latinLnBrk="0" hangingPunct="0">
+              <a:lnSpc>
+                <a:spcPct val="100000"/>
+              </a:lnSpc>
+              <a:spcBef>
+                <a:spcPct val="0"/>
+              </a:spcBef>
+              <a:spcAft>
+                <a:spcPct val="0"/>
+              </a:spcAft>
+              <a:buClrTx/>
+              <a:buSzTx/>
+              <a:buFontTx/>
+              <a:buChar char="•"/>
+              <a:tabLst/>
+            </a:pPr>
+            <a:r>
+              <a:rPr kumimoji="0" lang="en-US" altLang="en-US" sz="1200" b="0" i="0" u="none" strike="noStrike" cap="none" normalizeH="0" baseline="0" dirty="0">
+                <a:ln>
+                  <a:noFill/>
+                </a:ln>
+                <a:solidFill>
+                  <a:schemeClr val="bg2">
+                    <a:lumMod val="10000"/>
+                    <a:lumOff val="90000"/>
+                  </a:schemeClr>
+                </a:solidFill>
+                <a:effectLst/>
+                <a:latin typeface="Calibri" panose="020F0502020204030204" pitchFamily="34" charset="0"/>
+                <a:ea typeface="Times New Roman" panose="02020603050405020304" pitchFamily="18" charset="0"/>
+                <a:cs typeface="Times New Roman" panose="02020603050405020304" pitchFamily="18" charset="0"/>
+              </a:rPr>
+              <a:t>iCloud 200 gigs a month. ($2.99 x Months.)</a:t>
+            </a:r>
+            <a:endParaRPr kumimoji="0" lang="en-US" altLang="en-US" sz="800" b="0" i="0" u="none" strike="noStrike" cap="none" normalizeH="0" baseline="0" dirty="0">
+              <a:ln>
+                <a:noFill/>
+              </a:ln>
+              <a:solidFill>
+                <a:schemeClr val="bg2">
+                  <a:lumMod val="10000"/>
+                  <a:lumOff val="90000"/>
+                </a:schemeClr>
+              </a:solidFill>
+              <a:effectLst/>
+            </a:endParaRPr>
+          </a:p>
+          <a:p>
+            <a:pPr marL="0" marR="0" lvl="0" indent="0" algn="l" defTabSz="914400" rtl="0" eaLnBrk="0" fontAlgn="base" latinLnBrk="0" hangingPunct="0">
+              <a:lnSpc>
+                <a:spcPct val="100000"/>
+              </a:lnSpc>
+              <a:spcBef>
+                <a:spcPct val="0"/>
+              </a:spcBef>
+              <a:spcAft>
+                <a:spcPct val="0"/>
+              </a:spcAft>
+              <a:buClrTx/>
+              <a:buSzTx/>
+              <a:buFontTx/>
+              <a:buChar char="•"/>
+              <a:tabLst/>
+            </a:pPr>
+            <a:r>
+              <a:rPr kumimoji="0" lang="en-US" altLang="en-US" sz="1200" b="0" i="0" u="none" strike="noStrike" cap="none" normalizeH="0" baseline="0" dirty="0">
+                <a:ln>
+                  <a:noFill/>
+                </a:ln>
+                <a:solidFill>
+                  <a:schemeClr val="bg2">
+                    <a:lumMod val="10000"/>
+                    <a:lumOff val="90000"/>
+                  </a:schemeClr>
+                </a:solidFill>
+                <a:effectLst/>
+                <a:latin typeface="Calibri" panose="020F0502020204030204" pitchFamily="34" charset="0"/>
+                <a:ea typeface="Times New Roman" panose="02020603050405020304" pitchFamily="18" charset="0"/>
+                <a:cs typeface="Times New Roman" panose="02020603050405020304" pitchFamily="18" charset="0"/>
+              </a:rPr>
+              <a:t>Cisco Meraki MX64W Firewall + 1-Year Enterprise License. ($706 x 1)</a:t>
+            </a:r>
+            <a:endParaRPr kumimoji="0" lang="en-US" altLang="en-US" sz="800" b="0" i="0" u="none" strike="noStrike" cap="none" normalizeH="0" baseline="0" dirty="0">
+              <a:ln>
+                <a:noFill/>
+              </a:ln>
+              <a:solidFill>
+                <a:schemeClr val="bg2">
+                  <a:lumMod val="10000"/>
+                  <a:lumOff val="90000"/>
+                </a:schemeClr>
+              </a:solidFill>
+              <a:effectLst/>
+            </a:endParaRPr>
+          </a:p>
+          <a:p>
+            <a:pPr marL="0" marR="0" lvl="0" indent="0" algn="l" defTabSz="914400" rtl="0" eaLnBrk="0" fontAlgn="base" latinLnBrk="0" hangingPunct="0">
+              <a:lnSpc>
+                <a:spcPct val="100000"/>
+              </a:lnSpc>
+              <a:spcBef>
+                <a:spcPct val="0"/>
+              </a:spcBef>
+              <a:spcAft>
+                <a:spcPct val="0"/>
+              </a:spcAft>
+              <a:buClrTx/>
+              <a:buSzTx/>
+              <a:buFontTx/>
+              <a:buChar char="•"/>
+              <a:tabLst/>
+            </a:pPr>
+            <a:r>
+              <a:rPr kumimoji="0" lang="en-US" altLang="en-US" sz="1200" b="0" i="0" u="none" strike="noStrike" cap="none" normalizeH="0" baseline="0" dirty="0">
+                <a:ln>
+                  <a:noFill/>
+                </a:ln>
+                <a:solidFill>
+                  <a:schemeClr val="bg2">
+                    <a:lumMod val="10000"/>
+                    <a:lumOff val="90000"/>
+                  </a:schemeClr>
+                </a:solidFill>
+                <a:effectLst/>
+                <a:latin typeface="Calibri" panose="020F0502020204030204" pitchFamily="34" charset="0"/>
+                <a:ea typeface="Times New Roman" panose="02020603050405020304" pitchFamily="18" charset="0"/>
+                <a:cs typeface="Times New Roman" panose="02020603050405020304" pitchFamily="18" charset="0"/>
+              </a:rPr>
+              <a:t>Reolink 4MP 8CH PoE Video Surveillance System. ($370 x 1)</a:t>
+            </a:r>
+            <a:endParaRPr kumimoji="0" lang="en-US" altLang="en-US" sz="800" b="0" i="0" u="none" strike="noStrike" cap="none" normalizeH="0" baseline="0" dirty="0">
+              <a:ln>
+                <a:noFill/>
+              </a:ln>
+              <a:solidFill>
+                <a:schemeClr val="bg2">
+                  <a:lumMod val="10000"/>
+                  <a:lumOff val="90000"/>
+                </a:schemeClr>
+              </a:solidFill>
+              <a:effectLst/>
+            </a:endParaRPr>
+          </a:p>
+          <a:p>
+            <a:pPr marL="0" marR="0" lvl="0" indent="0" algn="l" defTabSz="914400" rtl="0" eaLnBrk="0" fontAlgn="base" latinLnBrk="0" hangingPunct="0">
+              <a:lnSpc>
+                <a:spcPct val="100000"/>
+              </a:lnSpc>
+              <a:spcBef>
+                <a:spcPct val="0"/>
+              </a:spcBef>
+              <a:spcAft>
+                <a:spcPct val="0"/>
+              </a:spcAft>
+              <a:buClrTx/>
+              <a:buSzTx/>
+              <a:buFontTx/>
+              <a:buChar char="•"/>
+              <a:tabLst/>
+            </a:pPr>
+            <a:r>
+              <a:rPr kumimoji="0" lang="en-US" altLang="en-US" sz="1200" b="0" i="0" u="none" strike="noStrike" cap="none" normalizeH="0" baseline="0" dirty="0">
+                <a:ln>
+                  <a:noFill/>
+                </a:ln>
+                <a:solidFill>
+                  <a:schemeClr val="bg2">
+                    <a:lumMod val="10000"/>
+                    <a:lumOff val="90000"/>
+                  </a:schemeClr>
+                </a:solidFill>
+                <a:effectLst/>
+                <a:latin typeface="Calibri" panose="020F0502020204030204" pitchFamily="34" charset="0"/>
+                <a:ea typeface="Times New Roman" panose="02020603050405020304" pitchFamily="18" charset="0"/>
+                <a:cs typeface="Times New Roman" panose="02020603050405020304" pitchFamily="18" charset="0"/>
+              </a:rPr>
+              <a:t>Sifely Keyless Entry Door Lock. ($129 x 2)</a:t>
+            </a:r>
+            <a:endParaRPr kumimoji="0" lang="en-US" altLang="en-US" sz="800" b="0" i="0" u="none" strike="noStrike" cap="none" normalizeH="0" baseline="0" dirty="0">
+              <a:ln>
+                <a:noFill/>
+              </a:ln>
+              <a:solidFill>
+                <a:schemeClr val="bg2">
+                  <a:lumMod val="10000"/>
+                  <a:lumOff val="90000"/>
+                </a:schemeClr>
+              </a:solidFill>
+              <a:effectLst/>
+            </a:endParaRPr>
+          </a:p>
+          <a:p>
+            <a:pPr marL="0" marR="0" lvl="0" indent="0" algn="l" defTabSz="914400" rtl="0" eaLnBrk="0" fontAlgn="base" latinLnBrk="0" hangingPunct="0">
+              <a:lnSpc>
+                <a:spcPct val="100000"/>
+              </a:lnSpc>
+              <a:spcBef>
+                <a:spcPct val="0"/>
+              </a:spcBef>
+              <a:spcAft>
+                <a:spcPct val="0"/>
+              </a:spcAft>
+              <a:buClrTx/>
+              <a:buSzTx/>
+              <a:buFontTx/>
+              <a:buChar char="•"/>
+              <a:tabLst/>
+            </a:pPr>
+            <a:r>
+              <a:rPr kumimoji="0" lang="en-US" altLang="en-US" sz="1200" b="0" i="0" u="none" strike="noStrike" cap="none" normalizeH="0" baseline="0" dirty="0">
+                <a:ln>
+                  <a:noFill/>
+                </a:ln>
+                <a:solidFill>
+                  <a:schemeClr val="bg2">
+                    <a:lumMod val="10000"/>
+                    <a:lumOff val="90000"/>
+                  </a:schemeClr>
+                </a:solidFill>
+                <a:effectLst/>
+                <a:latin typeface="Calibri" panose="020F0502020204030204" pitchFamily="34" charset="0"/>
+                <a:ea typeface="Times New Roman" panose="02020603050405020304" pitchFamily="18" charset="0"/>
+                <a:cs typeface="Times New Roman" panose="02020603050405020304" pitchFamily="18" charset="0"/>
+              </a:rPr>
+              <a:t>Contractor Labor 1 day of 8 hours work. ($50 x 8 Hours)</a:t>
+            </a:r>
+            <a:endParaRPr kumimoji="0" lang="en-US" altLang="en-US" sz="800" b="0" i="0" u="none" strike="noStrike" cap="none" normalizeH="0" baseline="0" dirty="0">
+              <a:ln>
+                <a:noFill/>
+              </a:ln>
+              <a:solidFill>
+                <a:schemeClr val="bg2">
+                  <a:lumMod val="10000"/>
+                  <a:lumOff val="90000"/>
+                </a:schemeClr>
+              </a:solidFill>
+              <a:effectLst/>
+            </a:endParaRPr>
+          </a:p>
+          <a:p>
+            <a:pPr marL="0" marR="0" lvl="0" indent="0" algn="l" defTabSz="914400" rtl="0" eaLnBrk="0" fontAlgn="base" latinLnBrk="0" hangingPunct="0">
+              <a:lnSpc>
+                <a:spcPct val="100000"/>
+              </a:lnSpc>
+              <a:spcBef>
+                <a:spcPct val="0"/>
+              </a:spcBef>
+              <a:spcAft>
+                <a:spcPct val="0"/>
+              </a:spcAft>
+              <a:buClrTx/>
+              <a:buSzTx/>
+              <a:buFontTx/>
+              <a:buNone/>
+              <a:tabLst/>
+            </a:pPr>
+            <a:endParaRPr kumimoji="0" lang="en-US" altLang="en-US" sz="1800" b="0" i="0" u="none" strike="noStrike" cap="none" normalizeH="0" baseline="0" dirty="0">
+              <a:ln>
+                <a:noFill/>
+              </a:ln>
+              <a:solidFill>
+                <a:schemeClr val="tx1"/>
+              </a:solidFill>
+              <a:effectLst/>
+              <a:latin typeface="Arial" panose="020B0604020202020204" pitchFamily="34" charset="0"/>
+            </a:endParaRPr>
           </a:p>
         </p:txBody>
       </p:sp>
